--- a/I-nnovate_Hackathon Spam Byte Submission.pptx
+++ b/I-nnovate_Hackathon Spam Byte Submission.pptx
@@ -5,27 +5,25 @@
     <p:sldMasterId id="2147483648" r:id="rId4"/>
   </p:sldMasterIdLst>
   <p:notesMasterIdLst>
-    <p:notesMasterId r:id="rId20"/>
+    <p:notesMasterId r:id="rId18"/>
   </p:notesMasterIdLst>
   <p:handoutMasterIdLst>
-    <p:handoutMasterId r:id="rId21"/>
+    <p:handoutMasterId r:id="rId19"/>
   </p:handoutMasterIdLst>
   <p:sldIdLst>
     <p:sldId id="256" r:id="rId5"/>
-    <p:sldId id="403" r:id="rId6"/>
-    <p:sldId id="404" r:id="rId7"/>
-    <p:sldId id="395" r:id="rId8"/>
-    <p:sldId id="396" r:id="rId9"/>
-    <p:sldId id="397" r:id="rId10"/>
-    <p:sldId id="399" r:id="rId11"/>
-    <p:sldId id="405" r:id="rId12"/>
-    <p:sldId id="398" r:id="rId13"/>
-    <p:sldId id="401" r:id="rId14"/>
-    <p:sldId id="406" r:id="rId15"/>
-    <p:sldId id="407" r:id="rId16"/>
-    <p:sldId id="408" r:id="rId17"/>
-    <p:sldId id="400" r:id="rId18"/>
-    <p:sldId id="273" r:id="rId19"/>
+    <p:sldId id="404" r:id="rId6"/>
+    <p:sldId id="395" r:id="rId7"/>
+    <p:sldId id="396" r:id="rId8"/>
+    <p:sldId id="397" r:id="rId9"/>
+    <p:sldId id="399" r:id="rId10"/>
+    <p:sldId id="405" r:id="rId11"/>
+    <p:sldId id="398" r:id="rId12"/>
+    <p:sldId id="401" r:id="rId13"/>
+    <p:sldId id="406" r:id="rId14"/>
+    <p:sldId id="407" r:id="rId15"/>
+    <p:sldId id="400" r:id="rId16"/>
+    <p:sldId id="273" r:id="rId17"/>
   </p:sldIdLst>
   <p:sldSz cx="12192000" cy="6858000"/>
   <p:notesSz cx="6858000" cy="9144000"/>
@@ -237,7 +235,7 @@
           <a:p>
             <a:fld id="{9A69CF9B-9788-489B-AA5F-D369B980CDA3}" type="datetimeFigureOut">
               <a:rPr lang="en-IN" smtClean="0"/>
-              <a:t>30-11-2023</a:t>
+              <a:t>04-12-2023</a:t>
             </a:fld>
             <a:endParaRPr lang="en-IN"/>
           </a:p>
@@ -402,7 +400,7 @@
           <a:p>
             <a:fld id="{FFCDD790-8BB2-467C-818E-2F302AAFF003}" type="datetimeFigureOut">
               <a:rPr lang="en-IN" smtClean="0"/>
-              <a:t>30-11-2023</a:t>
+              <a:t>04-12-2023</a:t>
             </a:fld>
             <a:endParaRPr lang="en-IN"/>
           </a:p>
@@ -714,7 +712,7 @@
           <a:bodyPr/>
           <a:lstStyle/>
           <a:p>
-            <a:endParaRPr lang="en-IN"/>
+            <a:endParaRPr lang="en-IN" dirty="0"/>
           </a:p>
         </p:txBody>
       </p:sp>
@@ -735,7 +733,7 @@
           <a:p>
             <a:fld id="{64C8E18E-FED0-435B-9897-23204D9645F4}" type="slidenum">
               <a:rPr lang="en-IN" smtClean="0"/>
-              <a:t>2</a:t>
+              <a:t>12</a:t>
             </a:fld>
             <a:endParaRPr lang="en-IN"/>
           </a:p>
@@ -744,7 +742,7 @@
     </p:spTree>
     <p:extLst>
       <p:ext uri="{BB962C8B-B14F-4D97-AF65-F5344CB8AC3E}">
-        <p14:creationId xmlns:p14="http://schemas.microsoft.com/office/powerpoint/2010/main" val="4128513053"/>
+        <p14:creationId xmlns:p14="http://schemas.microsoft.com/office/powerpoint/2010/main" val="4013097281"/>
       </p:ext>
     </p:extLst>
   </p:cSld>
@@ -21544,6 +21542,13 @@
               <a:prstGeom prst="rect">
                 <a:avLst/>
               </a:prstGeom>
+              <a:effectLst>
+                <a:outerShdw blurRad="50800" dist="38100" dir="16200000" rotWithShape="0">
+                  <a:prstClr val="black">
+                    <a:alpha val="40000"/>
+                  </a:prstClr>
+                </a:outerShdw>
+              </a:effectLst>
             </p:spPr>
           </p:pic>
           <p:pic>
@@ -21597,9 +21602,9 @@
           </p:nvGrpSpPr>
           <p:grpSpPr>
             <a:xfrm>
-              <a:off x="8773301" y="533491"/>
+              <a:off x="8779521" y="533491"/>
               <a:ext cx="2029422" cy="562479"/>
-              <a:chOff x="10051659" y="219383"/>
+              <a:chOff x="10057379" y="219383"/>
               <a:chExt cx="1866251" cy="517254"/>
             </a:xfrm>
           </p:grpSpPr>
@@ -21849,7 +21854,7 @@
             </p:blipFill>
             <p:spPr>
               <a:xfrm>
-                <a:off x="10051659" y="219383"/>
+                <a:off x="10057379" y="219383"/>
                 <a:ext cx="1866251" cy="330954"/>
               </a:xfrm>
               <a:prstGeom prst="rect">
@@ -21891,225 +21896,6 @@
       </p:grpSpPr>
       <p:sp>
         <p:nvSpPr>
-          <p:cNvPr id="4" name="Title 3">
-            <a:extLst>
-              <a:ext uri="{FF2B5EF4-FFF2-40B4-BE49-F238E27FC236}">
-                <a16:creationId xmlns:a16="http://schemas.microsoft.com/office/drawing/2014/main" id="{B46056A9-800D-4D02-A379-968FFCF2FEB7}"/>
-              </a:ext>
-            </a:extLst>
-          </p:cNvPr>
-          <p:cNvSpPr>
-            <a:spLocks noGrp="1"/>
-          </p:cNvSpPr>
-          <p:nvPr>
-            <p:ph type="title"/>
-          </p:nvPr>
-        </p:nvSpPr>
-        <p:spPr/>
-        <p:txBody>
-          <a:bodyPr/>
-          <a:lstStyle/>
-          <a:p>
-            <a:r>
-              <a:rPr lang="en-IN">
-                <a:solidFill>
-                  <a:schemeClr val="accent4">
-                    <a:lumMod val="75000"/>
-                    <a:lumOff val="25000"/>
-                  </a:schemeClr>
-                </a:solidFill>
-              </a:rPr>
-              <a:t>Financial Feasibility</a:t>
-            </a:r>
-          </a:p>
-        </p:txBody>
-      </p:sp>
-      <p:sp>
-        <p:nvSpPr>
-          <p:cNvPr id="2" name="TextBox 1">
-            <a:extLst>
-              <a:ext uri="{FF2B5EF4-FFF2-40B4-BE49-F238E27FC236}">
-                <a16:creationId xmlns:a16="http://schemas.microsoft.com/office/drawing/2014/main" id="{CFB429B5-1F1B-D511-B323-51FDACC5DAEA}"/>
-              </a:ext>
-            </a:extLst>
-          </p:cNvPr>
-          <p:cNvSpPr txBox="1"/>
-          <p:nvPr/>
-        </p:nvSpPr>
-        <p:spPr>
-          <a:xfrm>
-            <a:off x="421821" y="944136"/>
-            <a:ext cx="11348358" cy="5632311"/>
-          </a:xfrm>
-          <a:prstGeom prst="rect">
-            <a:avLst/>
-          </a:prstGeom>
-          <a:noFill/>
-        </p:spPr>
-        <p:txBody>
-          <a:bodyPr wrap="square" rtlCol="0">
-            <a:spAutoFit/>
-          </a:bodyPr>
-          <a:lstStyle/>
-          <a:p>
-            <a:r>
-              <a:rPr lang="en-GB" b="1">
-                <a:solidFill>
-                  <a:srgbClr val="7030A0"/>
-                </a:solidFill>
-              </a:rPr>
-              <a:t>1. Cost-Effective Technology Stack: </a:t>
-            </a:r>
-            <a:r>
-              <a:rPr lang="en-GB"/>
-              <a:t>By leveraging open-source technologies and frameworks like React/Next.js and Express.js, we keep development costs low while ensuring high-quality performance.</a:t>
-            </a:r>
-          </a:p>
-          <a:p>
-            <a:endParaRPr lang="en-GB"/>
-          </a:p>
-          <a:p>
-            <a:r>
-              <a:rPr lang="en-GB" b="1">
-                <a:solidFill>
-                  <a:srgbClr val="7030A0"/>
-                </a:solidFill>
-              </a:rPr>
-              <a:t>2. Scalable Architecture: </a:t>
-            </a:r>
-            <a:r>
-              <a:rPr lang="en-GB"/>
-              <a:t>The platform's design allows for seamless scaling, minimizing additional infrastructure costs as user base grows.</a:t>
-            </a:r>
-          </a:p>
-          <a:p>
-            <a:endParaRPr lang="en-GB"/>
-          </a:p>
-          <a:p>
-            <a:r>
-              <a:rPr lang="en-GB" b="1">
-                <a:solidFill>
-                  <a:srgbClr val="7030A0"/>
-                </a:solidFill>
-              </a:rPr>
-              <a:t>3. Potential Revenue Streams</a:t>
-            </a:r>
-            <a:r>
-              <a:rPr lang="en-GB">
-                <a:solidFill>
-                  <a:srgbClr val="7030A0"/>
-                </a:solidFill>
-              </a:rPr>
-              <a:t>: </a:t>
-            </a:r>
-            <a:r>
-              <a:rPr lang="en-GB"/>
-              <a:t>Opportunities for revenue generation include premium features, strategic partnerships with e-waste facilities, and potential subscription models for advanced services.</a:t>
-            </a:r>
-          </a:p>
-          <a:p>
-            <a:endParaRPr lang="en-GB"/>
-          </a:p>
-          <a:p>
-            <a:r>
-              <a:rPr lang="en-GB" b="1">
-                <a:solidFill>
-                  <a:srgbClr val="7030A0"/>
-                </a:solidFill>
-              </a:rPr>
-              <a:t>4. Grant and Funding Opportunities: </a:t>
-            </a:r>
-            <a:r>
-              <a:rPr lang="en-GB"/>
-              <a:t>Explore grants and funding programs aimed at supporting sustainable and innovative solutions in the e-waste management sector.</a:t>
-            </a:r>
-          </a:p>
-          <a:p>
-            <a:endParaRPr lang="en-GB"/>
-          </a:p>
-          <a:p>
-            <a:r>
-              <a:rPr lang="en-GB" b="1">
-                <a:solidFill>
-                  <a:srgbClr val="7030A0"/>
-                </a:solidFill>
-              </a:rPr>
-              <a:t>5. Economic Impact: </a:t>
-            </a:r>
-            <a:r>
-              <a:rPr lang="en-GB"/>
-              <a:t>By stimulating a market for recycled electronic components, the platform has the potential to contribute to economic growth in the e-waste recycling industry.</a:t>
-            </a:r>
-          </a:p>
-          <a:p>
-            <a:endParaRPr lang="en-GB"/>
-          </a:p>
-          <a:p>
-            <a:r>
-              <a:rPr lang="en-GB" b="1">
-                <a:solidFill>
-                  <a:srgbClr val="7030A0"/>
-                </a:solidFill>
-              </a:rPr>
-              <a:t>6. Operational Efficiency:</a:t>
-            </a:r>
-            <a:r>
-              <a:rPr lang="en-GB"/>
-              <a:t> Streamlined processes, including real-time verification and AI-powered assessments, optimize resource utilization and contribute to cost efficiency.</a:t>
-            </a:r>
-          </a:p>
-          <a:p>
-            <a:endParaRPr lang="en-GB"/>
-          </a:p>
-          <a:p>
-            <a:r>
-              <a:rPr lang="en-GB" b="1">
-                <a:solidFill>
-                  <a:srgbClr val="7030A0"/>
-                </a:solidFill>
-              </a:rPr>
-              <a:t>7. ROI for Facility Owners: </a:t>
-            </a:r>
-            <a:r>
-              <a:rPr lang="en-GB"/>
-              <a:t>Facility owners can benefit from increased business through the platform, potentially leading to a positive return on investment in their e-waste disposal operations.</a:t>
-            </a:r>
-            <a:endParaRPr lang="en-IN"/>
-          </a:p>
-        </p:txBody>
-      </p:sp>
-    </p:spTree>
-    <p:extLst>
-      <p:ext uri="{BB962C8B-B14F-4D97-AF65-F5344CB8AC3E}">
-        <p14:creationId xmlns:p14="http://schemas.microsoft.com/office/powerpoint/2010/main" val="2349704376"/>
-      </p:ext>
-    </p:extLst>
-  </p:cSld>
-  <p:clrMapOvr>
-    <a:masterClrMapping/>
-  </p:clrMapOvr>
-</p:sld>
-</file>
-
-<file path=ppt/slides/slide11.xml><?xml version="1.0" encoding="utf-8"?>
-<p:sld xmlns:a="http://schemas.openxmlformats.org/drawingml/2006/main" xmlns:r="http://schemas.openxmlformats.org/officeDocument/2006/relationships" xmlns:p="http://schemas.openxmlformats.org/presentationml/2006/main">
-  <p:cSld>
-    <p:spTree>
-      <p:nvGrpSpPr>
-        <p:cNvPr id="1" name=""/>
-        <p:cNvGrpSpPr/>
-        <p:nvPr/>
-      </p:nvGrpSpPr>
-      <p:grpSpPr>
-        <a:xfrm>
-          <a:off x="0" y="0"/>
-          <a:ext cx="0" cy="0"/>
-          <a:chOff x="0" y="0"/>
-          <a:chExt cx="0" cy="0"/>
-        </a:xfrm>
-      </p:grpSpPr>
-      <p:sp>
-        <p:nvSpPr>
           <p:cNvPr id="2" name="Title 1">
             <a:extLst>
               <a:ext uri="{FF2B5EF4-FFF2-40B4-BE49-F238E27FC236}">
@@ -22133,7 +21919,7 @@
               <a:rPr lang="en-GB" dirty="0">
                 <a:cs typeface="Segoe UI"/>
               </a:rPr>
-              <a:t>Screen shot of prototype</a:t>
+              <a:t>Screen shot of prototype :</a:t>
             </a:r>
             <a:endParaRPr lang="en-GB" dirty="0"/>
           </a:p>
@@ -22161,8 +21947,8 @@
         </p:blipFill>
         <p:spPr>
           <a:xfrm>
-            <a:off x="120951" y="1052285"/>
-            <a:ext cx="5854096" cy="3676953"/>
+            <a:off x="583719" y="1098688"/>
+            <a:ext cx="5064412" cy="3180953"/>
           </a:xfrm>
           <a:prstGeom prst="rect">
             <a:avLst/>
@@ -22191,8 +21977,76 @@
         </p:blipFill>
         <p:spPr>
           <a:xfrm>
-            <a:off x="6156477" y="2443237"/>
-            <a:ext cx="5914571" cy="3676953"/>
+            <a:off x="5815219" y="3758486"/>
+            <a:ext cx="4622626" cy="2817240"/>
+          </a:xfrm>
+          <a:prstGeom prst="rect">
+            <a:avLst/>
+          </a:prstGeom>
+        </p:spPr>
+      </p:pic>
+      <p:sp>
+        <p:nvSpPr>
+          <p:cNvPr id="4" name="TextBox 3">
+            <a:extLst>
+              <a:ext uri="{FF2B5EF4-FFF2-40B4-BE49-F238E27FC236}">
+                <a16:creationId xmlns:a16="http://schemas.microsoft.com/office/drawing/2014/main" id="{0784AFE9-5C1A-E720-E870-331EA4A70D81}"/>
+              </a:ext>
+            </a:extLst>
+          </p:cNvPr>
+          <p:cNvSpPr txBox="1"/>
+          <p:nvPr/>
+        </p:nvSpPr>
+        <p:spPr>
+          <a:xfrm>
+            <a:off x="6475014" y="606662"/>
+            <a:ext cx="4833257" cy="369332"/>
+          </a:xfrm>
+          <a:prstGeom prst="rect">
+            <a:avLst/>
+          </a:prstGeom>
+          <a:noFill/>
+        </p:spPr>
+        <p:txBody>
+          <a:bodyPr wrap="square" rtlCol="0">
+            <a:spAutoFit/>
+          </a:bodyPr>
+          <a:lstStyle/>
+          <a:p>
+            <a:r>
+              <a:rPr lang="en-IN" dirty="0">
+                <a:hlinkClick r:id="rId4"/>
+              </a:rPr>
+              <a:t>https://elocateinnovate.vercel.app</a:t>
+            </a:r>
+            <a:endParaRPr lang="en-IN" dirty="0"/>
+          </a:p>
+        </p:txBody>
+      </p:sp>
+      <p:pic>
+        <p:nvPicPr>
+          <p:cNvPr id="6" name="Picture 5">
+            <a:extLst>
+              <a:ext uri="{FF2B5EF4-FFF2-40B4-BE49-F238E27FC236}">
+                <a16:creationId xmlns:a16="http://schemas.microsoft.com/office/drawing/2014/main" id="{07B65880-058A-F3AE-6548-2673BB3D809E}"/>
+              </a:ext>
+            </a:extLst>
+          </p:cNvPr>
+          <p:cNvPicPr>
+            <a:picLocks noChangeAspect="1"/>
+          </p:cNvPicPr>
+          <p:nvPr/>
+        </p:nvPicPr>
+        <p:blipFill>
+          <a:blip r:embed="rId5"/>
+          <a:stretch>
+            <a:fillRect/>
+          </a:stretch>
+        </p:blipFill>
+        <p:spPr>
+          <a:xfrm>
+            <a:off x="7106622" y="1098688"/>
+            <a:ext cx="2546472" cy="2546472"/>
           </a:xfrm>
           <a:prstGeom prst="rect">
             <a:avLst/>
@@ -22212,7 +22066,7 @@
 </p:sld>
 </file>
 
-<file path=ppt/slides/slide12.xml><?xml version="1.0" encoding="utf-8"?>
+<file path=ppt/slides/slide11.xml><?xml version="1.0" encoding="utf-8"?>
 <p:sld xmlns:a="http://schemas.openxmlformats.org/drawingml/2006/main" xmlns:r="http://schemas.openxmlformats.org/officeDocument/2006/relationships" xmlns:p="http://schemas.openxmlformats.org/presentationml/2006/main">
   <p:cSld>
     <p:spTree>
@@ -22302,137 +22156,7 @@
 </p:sld>
 </file>
 
-<file path=ppt/slides/slide13.xml><?xml version="1.0" encoding="utf-8"?>
-<p:sld xmlns:a="http://schemas.openxmlformats.org/drawingml/2006/main" xmlns:r="http://schemas.openxmlformats.org/officeDocument/2006/relationships" xmlns:p="http://schemas.openxmlformats.org/presentationml/2006/main">
-  <p:cSld>
-    <p:spTree>
-      <p:nvGrpSpPr>
-        <p:cNvPr id="1" name=""/>
-        <p:cNvGrpSpPr/>
-        <p:nvPr/>
-      </p:nvGrpSpPr>
-      <p:grpSpPr>
-        <a:xfrm>
-          <a:off x="0" y="0"/>
-          <a:ext cx="0" cy="0"/>
-          <a:chOff x="0" y="0"/>
-          <a:chExt cx="0" cy="0"/>
-        </a:xfrm>
-      </p:grpSpPr>
-      <p:sp>
-        <p:nvSpPr>
-          <p:cNvPr id="2" name="Title 1">
-            <a:extLst>
-              <a:ext uri="{FF2B5EF4-FFF2-40B4-BE49-F238E27FC236}">
-                <a16:creationId xmlns:a16="http://schemas.microsoft.com/office/drawing/2014/main" id="{D2F4C3FA-2552-8BE5-1055-911FFEF5CB59}"/>
-              </a:ext>
-            </a:extLst>
-          </p:cNvPr>
-          <p:cNvSpPr>
-            <a:spLocks noGrp="1"/>
-          </p:cNvSpPr>
-          <p:nvPr>
-            <p:ph type="title"/>
-          </p:nvPr>
-        </p:nvSpPr>
-        <p:spPr>
-          <a:xfrm>
-            <a:off x="1019148" y="548976"/>
-            <a:ext cx="4051951" cy="673007"/>
-          </a:xfrm>
-        </p:spPr>
-        <p:txBody>
-          <a:bodyPr/>
-          <a:lstStyle/>
-          <a:p>
-            <a:r>
-              <a:rPr lang="en-US" sz="3200" dirty="0">
-                <a:solidFill>
-                  <a:srgbClr val="1D1D1B"/>
-                </a:solidFill>
-                <a:latin typeface="Segoe UI"/>
-                <a:cs typeface="Times New Roman"/>
-              </a:rPr>
-              <a:t>Conclusion</a:t>
-            </a:r>
-            <a:endParaRPr lang="en-US" sz="2400" dirty="0">
-              <a:latin typeface="Segoe UI"/>
-              <a:cs typeface="Segoe UI"/>
-            </a:endParaRPr>
-          </a:p>
-        </p:txBody>
-      </p:sp>
-      <p:sp>
-        <p:nvSpPr>
-          <p:cNvPr id="5" name="TextBox 4">
-            <a:extLst>
-              <a:ext uri="{FF2B5EF4-FFF2-40B4-BE49-F238E27FC236}">
-                <a16:creationId xmlns:a16="http://schemas.microsoft.com/office/drawing/2014/main" id="{7397182A-714A-8A63-ED66-C5DEE51AA788}"/>
-              </a:ext>
-            </a:extLst>
-          </p:cNvPr>
-          <p:cNvSpPr txBox="1"/>
-          <p:nvPr/>
-        </p:nvSpPr>
-        <p:spPr>
-          <a:xfrm>
-            <a:off x="1023257" y="1446590"/>
-            <a:ext cx="9649579" cy="2533707"/>
-          </a:xfrm>
-          <a:prstGeom prst="rect">
-            <a:avLst/>
-          </a:prstGeom>
-          <a:noFill/>
-        </p:spPr>
-        <p:txBody>
-          <a:bodyPr rot="0" spcFirstLastPara="0" vertOverflow="overflow" horzOverflow="overflow" vert="horz" wrap="square" lIns="91440" tIns="45720" rIns="91440" bIns="45720" numCol="1" spcCol="0" rtlCol="0" fromWordArt="0" anchor="t" anchorCtr="0" forceAA="0" compatLnSpc="1">
-            <a:prstTxWarp prst="textNoShape">
-              <a:avLst/>
-            </a:prstTxWarp>
-            <a:spAutoFit/>
-          </a:bodyPr>
-          <a:lstStyle/>
-          <a:p>
-            <a:pPr algn="ctr">
-              <a:lnSpc>
-                <a:spcPct val="150000"/>
-              </a:lnSpc>
-            </a:pPr>
-            <a:endParaRPr lang="en-US" b="1" dirty="0">
-              <a:latin typeface="Segoe UI"/>
-              <a:cs typeface="Times New Roman"/>
-            </a:endParaRPr>
-          </a:p>
-          <a:p>
-            <a:pPr>
-              <a:lnSpc>
-                <a:spcPct val="150000"/>
-              </a:lnSpc>
-            </a:pPr>
-            <a:r>
-              <a:rPr lang="en-US" dirty="0">
-                <a:latin typeface="Segoe UI"/>
-                <a:cs typeface="Times New Roman"/>
-              </a:rPr>
-              <a:t>The conclusion marks the culmination of the "E-Waste Management System" project, summarizing key findings, achievements, and the impact of the system on e-waste management practices. In essence, the conclusion provides a reflective summary of the E-Waste Management System project, celebrating achievements, recognizing challenges addressed, and looking forward to the continued positive impact on e-waste management</a:t>
-            </a:r>
-          </a:p>
-        </p:txBody>
-      </p:sp>
-    </p:spTree>
-    <p:extLst>
-      <p:ext uri="{BB962C8B-B14F-4D97-AF65-F5344CB8AC3E}">
-        <p14:creationId xmlns:p14="http://schemas.microsoft.com/office/powerpoint/2010/main" val="283501149"/>
-      </p:ext>
-    </p:extLst>
-  </p:cSld>
-  <p:clrMapOvr>
-    <a:masterClrMapping/>
-  </p:clrMapOvr>
-</p:sld>
-</file>
-
-<file path=ppt/slides/slide14.xml><?xml version="1.0" encoding="utf-8"?>
+<file path=ppt/slides/slide12.xml><?xml version="1.0" encoding="utf-8"?>
 <p:sld xmlns:a="http://schemas.openxmlformats.org/drawingml/2006/main" xmlns:r="http://schemas.openxmlformats.org/officeDocument/2006/relationships" xmlns:p="http://schemas.openxmlformats.org/presentationml/2006/main">
   <p:cSld>
     <p:spTree>
@@ -22471,16 +22195,17 @@
           <a:lstStyle/>
           <a:p>
             <a:r>
-              <a:rPr lang="en-IN">
-                <a:solidFill>
-                  <a:schemeClr val="accent4">
-                    <a:lumMod val="75000"/>
-                    <a:lumOff val="25000"/>
-                  </a:schemeClr>
-                </a:solidFill>
-              </a:rPr>
-              <a:t>Elevator Pitch (1-2 mins)</a:t>
-            </a:r>
+              <a:rPr lang="en-IN" dirty="0"/>
+              <a:t>Business Plan </a:t>
+            </a:r>
+            <a:endParaRPr lang="en-IN" dirty="0">
+              <a:solidFill>
+                <a:schemeClr val="accent4">
+                  <a:lumMod val="75000"/>
+                  <a:lumOff val="25000"/>
+                </a:schemeClr>
+              </a:solidFill>
+            </a:endParaRPr>
           </a:p>
         </p:txBody>
       </p:sp>
@@ -22514,28 +22239,28 @@
           <a:p>
             <a:pPr algn="just"/>
             <a:r>
-              <a:rPr lang="en-GB" b="1"/>
-              <a:t>InnovisionSquad</a:t>
-            </a:r>
-            <a:r>
-              <a:rPr lang="en-GB"/>
+              <a:rPr lang="en-GB" b="1" dirty="0" err="1"/>
+              <a:t>SpamBytes</a:t>
+            </a:r>
+            <a:r>
+              <a:rPr lang="en-GB" dirty="0"/>
               <a:t> presents the </a:t>
             </a:r>
             <a:r>
-              <a:rPr lang="en-GB" b="1"/>
+              <a:rPr lang="en-GB" b="1" dirty="0"/>
               <a:t>E-Waste Locator Platform</a:t>
             </a:r>
             <a:r>
-              <a:rPr lang="en-GB"/>
+              <a:rPr lang="en-GB" dirty="0"/>
               <a:t>, revolutionizing e-waste disposal. Our          user-friendly interface and cutting-edge technology bridge the gap between users and e-waste facilities, streamlining the disposal process.</a:t>
             </a:r>
           </a:p>
           <a:p>
-            <a:endParaRPr lang="en-GB"/>
-          </a:p>
-          <a:p>
-            <a:r>
-              <a:rPr lang="en-GB" b="1">
+            <a:endParaRPr lang="en-GB" dirty="0"/>
+          </a:p>
+          <a:p>
+            <a:r>
+              <a:rPr lang="en-GB" b="1" dirty="0">
                 <a:solidFill>
                   <a:srgbClr val="7030A0"/>
                 </a:solidFill>
@@ -22549,11 +22274,11 @@
               <a:buChar char="•"/>
             </a:pPr>
             <a:r>
-              <a:rPr lang="en-GB" b="1"/>
+              <a:rPr lang="en-GB" b="1" dirty="0"/>
               <a:t>Revolutionary Booking System: </a:t>
             </a:r>
             <a:r>
-              <a:rPr lang="en-GB"/>
+              <a:rPr lang="en-GB" dirty="0"/>
               <a:t>Verify and issue credits based on valuable metals in electronic devices.</a:t>
             </a:r>
           </a:p>
@@ -22563,14 +22288,14 @@
               <a:buChar char="•"/>
             </a:pPr>
             <a:r>
-              <a:rPr lang="en-GB" b="1"/>
+              <a:rPr lang="en-GB" b="1" dirty="0"/>
               <a:t>Real-time Facility Verification: </a:t>
             </a:r>
             <a:r>
-              <a:rPr lang="en-GB"/>
+              <a:rPr lang="en-GB" dirty="0"/>
               <a:t>Ensures quality and compliance standards.</a:t>
             </a:r>
-            <a:endParaRPr lang="en-GB">
+            <a:endParaRPr lang="en-GB" dirty="0">
               <a:cs typeface="Segoe UI"/>
             </a:endParaRPr>
           </a:p>
@@ -22580,11 +22305,11 @@
               <a:buChar char="•"/>
             </a:pPr>
             <a:r>
-              <a:rPr lang="en-GB" b="1"/>
+              <a:rPr lang="en-GB" b="1" dirty="0"/>
               <a:t>Comprehensive Reviews: </a:t>
             </a:r>
             <a:r>
-              <a:rPr lang="en-GB"/>
+              <a:rPr lang="en-GB" dirty="0"/>
               <a:t>Empowering users with essential insights.</a:t>
             </a:r>
           </a:p>
@@ -22594,20 +22319,20 @@
               <a:buChar char="•"/>
             </a:pPr>
             <a:r>
-              <a:rPr lang="en-GB" b="1"/>
+              <a:rPr lang="en-GB" b="1" dirty="0"/>
               <a:t>Efficient Admin Panel: </a:t>
             </a:r>
             <a:r>
-              <a:rPr lang="en-GB"/>
+              <a:rPr lang="en-GB" dirty="0"/>
               <a:t>Swiftly resolves concerns for smooth operations.</a:t>
             </a:r>
           </a:p>
           <a:p>
-            <a:endParaRPr lang="en-GB"/>
-          </a:p>
-          <a:p>
-            <a:r>
-              <a:rPr lang="en-GB" b="1">
+            <a:endParaRPr lang="en-GB" dirty="0"/>
+          </a:p>
+          <a:p>
+            <a:r>
+              <a:rPr lang="en-GB" b="1" dirty="0">
                 <a:solidFill>
                   <a:srgbClr val="7030A0"/>
                 </a:solidFill>
@@ -22617,19 +22342,27 @@
           </a:p>
           <a:p>
             <a:r>
-              <a:rPr lang="en-GB"/>
+              <a:rPr lang="en-GB" dirty="0"/>
               <a:t>Reduce the environmental impact of e-waste accumulation. Join us in building a cleaner and more sustainable future!</a:t>
             </a:r>
           </a:p>
           <a:p>
-            <a:endParaRPr lang="en-GB"/>
-          </a:p>
-          <a:p>
-            <a:r>
-              <a:rPr lang="en-GB"/>
-              <a:t>Elevate e-waste management with InnovisionSquad!</a:t>
-            </a:r>
-            <a:endParaRPr lang="en-IN"/>
+            <a:endParaRPr lang="en-GB" dirty="0"/>
+          </a:p>
+          <a:p>
+            <a:r>
+              <a:rPr lang="en-GB" dirty="0"/>
+              <a:t>Elevate e-waste management with </a:t>
+            </a:r>
+            <a:r>
+              <a:rPr lang="en-GB" b="1" dirty="0" err="1"/>
+              <a:t>SpamBytes</a:t>
+            </a:r>
+            <a:r>
+              <a:rPr lang="en-GB" dirty="0"/>
+              <a:t>!</a:t>
+            </a:r>
+            <a:endParaRPr lang="en-IN" dirty="0"/>
           </a:p>
         </p:txBody>
       </p:sp>
@@ -22646,7 +22379,7 @@
 </p:sld>
 </file>
 
-<file path=ppt/slides/slide15.xml><?xml version="1.0" encoding="utf-8"?>
+<file path=ppt/slides/slide13.xml><?xml version="1.0" encoding="utf-8"?>
 <p:sld xmlns:a="http://schemas.openxmlformats.org/drawingml/2006/main" xmlns:r="http://schemas.openxmlformats.org/officeDocument/2006/relationships" xmlns:p="http://schemas.openxmlformats.org/presentationml/2006/main">
   <p:cSld>
     <p:spTree>
@@ -22716,1915 +22449,6 @@
 </file>
 
 <file path=ppt/slides/slide2.xml><?xml version="1.0" encoding="utf-8"?>
-<p:sld xmlns:a="http://schemas.openxmlformats.org/drawingml/2006/main" xmlns:r="http://schemas.openxmlformats.org/officeDocument/2006/relationships" xmlns:p="http://schemas.openxmlformats.org/presentationml/2006/main">
-  <p:cSld>
-    <p:spTree>
-      <p:nvGrpSpPr>
-        <p:cNvPr id="1" name=""/>
-        <p:cNvGrpSpPr/>
-        <p:nvPr/>
-      </p:nvGrpSpPr>
-      <p:grpSpPr>
-        <a:xfrm>
-          <a:off x="0" y="0"/>
-          <a:ext cx="0" cy="0"/>
-          <a:chOff x="0" y="0"/>
-          <a:chExt cx="0" cy="0"/>
-        </a:xfrm>
-      </p:grpSpPr>
-      <p:pic>
-        <p:nvPicPr>
-          <p:cNvPr id="31" name="Picture Placeholder 30"/>
-          <p:cNvPicPr>
-            <a:picLocks noGrp="1" noChangeAspect="1"/>
-          </p:cNvPicPr>
-          <p:nvPr>
-            <p:ph type="pic" sz="quarter" idx="17"/>
-          </p:nvPr>
-        </p:nvPicPr>
-        <p:blipFill rotWithShape="1">
-          <a:blip r:embed="rId3" cstate="print">
-            <a:extLst>
-              <a:ext uri="{28A0092B-C50C-407E-A947-70E740481C1C}">
-                <a14:useLocalDpi xmlns:a14="http://schemas.microsoft.com/office/drawing/2010/main" val="0"/>
-              </a:ext>
-            </a:extLst>
-          </a:blip>
-          <a:srcRect l="21583" r="28867"/>
-          <a:stretch/>
-        </p:blipFill>
-        <p:spPr/>
-      </p:pic>
-      <p:sp>
-        <p:nvSpPr>
-          <p:cNvPr id="6" name="Text Placeholder 5"/>
-          <p:cNvSpPr>
-            <a:spLocks noGrp="1"/>
-          </p:cNvSpPr>
-          <p:nvPr>
-            <p:ph type="body" sz="quarter" idx="12"/>
-          </p:nvPr>
-        </p:nvSpPr>
-        <p:spPr>
-          <a:xfrm>
-            <a:off x="604738" y="2001581"/>
-            <a:ext cx="5201702" cy="268656"/>
-          </a:xfrm>
-        </p:spPr>
-        <p:txBody>
-          <a:bodyPr wrap="none"/>
-          <a:lstStyle/>
-          <a:p>
-            <a:pPr>
-              <a:lnSpc>
-                <a:spcPct val="100000"/>
-              </a:lnSpc>
-            </a:pPr>
-            <a:r>
-              <a:rPr lang="en-IN"/>
-              <a:t>Team Details</a:t>
-            </a:r>
-            <a:endParaRPr lang="en-IN">
-              <a:solidFill>
-                <a:srgbClr val="FF0000"/>
-              </a:solidFill>
-            </a:endParaRPr>
-          </a:p>
-        </p:txBody>
-      </p:sp>
-      <p:sp>
-        <p:nvSpPr>
-          <p:cNvPr id="5" name="Title 4"/>
-          <p:cNvSpPr>
-            <a:spLocks noGrp="1"/>
-          </p:cNvSpPr>
-          <p:nvPr>
-            <p:ph type="title"/>
-          </p:nvPr>
-        </p:nvSpPr>
-        <p:spPr/>
-        <p:txBody>
-          <a:bodyPr/>
-          <a:lstStyle/>
-          <a:p>
-            <a:r>
-              <a:rPr lang="en-IN"/>
-              <a:t>Table of Contents</a:t>
-            </a:r>
-          </a:p>
-        </p:txBody>
-      </p:sp>
-      <p:sp>
-        <p:nvSpPr>
-          <p:cNvPr id="7" name="Text Placeholder 6"/>
-          <p:cNvSpPr>
-            <a:spLocks noGrp="1"/>
-          </p:cNvSpPr>
-          <p:nvPr>
-            <p:ph type="body" sz="quarter" idx="13"/>
-          </p:nvPr>
-        </p:nvSpPr>
-        <p:spPr>
-          <a:xfrm>
-            <a:off x="604738" y="2416829"/>
-            <a:ext cx="5201702" cy="268656"/>
-          </a:xfrm>
-        </p:spPr>
-        <p:txBody>
-          <a:bodyPr wrap="none">
-            <a:normAutofit/>
-          </a:bodyPr>
-          <a:lstStyle/>
-          <a:p>
-            <a:pPr>
-              <a:lnSpc>
-                <a:spcPct val="100000"/>
-              </a:lnSpc>
-            </a:pPr>
-            <a:r>
-              <a:rPr lang="en-IN"/>
-              <a:t>Problem Statement</a:t>
-            </a:r>
-          </a:p>
-        </p:txBody>
-      </p:sp>
-      <p:sp>
-        <p:nvSpPr>
-          <p:cNvPr id="8" name="Text Placeholder 7"/>
-          <p:cNvSpPr>
-            <a:spLocks noGrp="1"/>
-          </p:cNvSpPr>
-          <p:nvPr>
-            <p:ph type="body" sz="quarter" idx="14"/>
-          </p:nvPr>
-        </p:nvSpPr>
-        <p:spPr>
-          <a:xfrm>
-            <a:off x="604738" y="2811981"/>
-            <a:ext cx="5201702" cy="268656"/>
-          </a:xfrm>
-        </p:spPr>
-        <p:txBody>
-          <a:bodyPr wrap="none">
-            <a:normAutofit/>
-          </a:bodyPr>
-          <a:lstStyle/>
-          <a:p>
-            <a:pPr>
-              <a:lnSpc>
-                <a:spcPct val="100000"/>
-              </a:lnSpc>
-            </a:pPr>
-            <a:r>
-              <a:rPr lang="en-US"/>
-              <a:t>What is your idea for the solution?</a:t>
-            </a:r>
-            <a:endParaRPr lang="en-IN"/>
-          </a:p>
-        </p:txBody>
-      </p:sp>
-      <p:sp>
-        <p:nvSpPr>
-          <p:cNvPr id="9" name="Text Placeholder 8"/>
-          <p:cNvSpPr>
-            <a:spLocks noGrp="1"/>
-          </p:cNvSpPr>
-          <p:nvPr>
-            <p:ph type="body" sz="quarter" idx="15"/>
-          </p:nvPr>
-        </p:nvSpPr>
-        <p:spPr>
-          <a:xfrm>
-            <a:off x="604738" y="3207133"/>
-            <a:ext cx="5201702" cy="268656"/>
-          </a:xfrm>
-        </p:spPr>
-        <p:txBody>
-          <a:bodyPr wrap="none">
-            <a:normAutofit/>
-          </a:bodyPr>
-          <a:lstStyle/>
-          <a:p>
-            <a:pPr>
-              <a:lnSpc>
-                <a:spcPct val="100000"/>
-              </a:lnSpc>
-            </a:pPr>
-            <a:r>
-              <a:rPr lang="en-US"/>
-              <a:t>What domains does it address? What is the impact?</a:t>
-            </a:r>
-          </a:p>
-        </p:txBody>
-      </p:sp>
-      <p:cxnSp>
-        <p:nvCxnSpPr>
-          <p:cNvPr id="13" name="Straight Connector 12">
-            <a:extLst>
-              <a:ext uri="{FF2B5EF4-FFF2-40B4-BE49-F238E27FC236}">
-                <a16:creationId xmlns:a16="http://schemas.microsoft.com/office/drawing/2014/main" id="{BDD4130D-5D11-41DB-915E-62F762A67CC1}"/>
-              </a:ext>
-            </a:extLst>
-          </p:cNvPr>
-          <p:cNvCxnSpPr>
-            <a:cxnSpLocks/>
-          </p:cNvCxnSpPr>
-          <p:nvPr/>
-        </p:nvCxnSpPr>
-        <p:spPr>
-          <a:xfrm>
-            <a:off x="604738" y="2333485"/>
-            <a:ext cx="5201702" cy="0"/>
-          </a:xfrm>
-          <a:prstGeom prst="line">
-            <a:avLst/>
-          </a:prstGeom>
-          <a:ln>
-            <a:solidFill>
-              <a:schemeClr val="bg1">
-                <a:lumMod val="85000"/>
-              </a:schemeClr>
-            </a:solidFill>
-          </a:ln>
-        </p:spPr>
-        <p:style>
-          <a:lnRef idx="1">
-            <a:schemeClr val="accent1"/>
-          </a:lnRef>
-          <a:fillRef idx="0">
-            <a:schemeClr val="accent1"/>
-          </a:fillRef>
-          <a:effectRef idx="0">
-            <a:schemeClr val="accent1"/>
-          </a:effectRef>
-          <a:fontRef idx="minor">
-            <a:schemeClr val="tx1"/>
-          </a:fontRef>
-        </p:style>
-      </p:cxnSp>
-      <p:cxnSp>
-        <p:nvCxnSpPr>
-          <p:cNvPr id="14" name="Straight Connector 13">
-            <a:extLst>
-              <a:ext uri="{FF2B5EF4-FFF2-40B4-BE49-F238E27FC236}">
-                <a16:creationId xmlns:a16="http://schemas.microsoft.com/office/drawing/2014/main" id="{B98DCB7C-E14A-4EFB-B6A0-318ADCDFF1B7}"/>
-              </a:ext>
-            </a:extLst>
-          </p:cNvPr>
-          <p:cNvCxnSpPr>
-            <a:cxnSpLocks/>
-          </p:cNvCxnSpPr>
-          <p:nvPr/>
-        </p:nvCxnSpPr>
-        <p:spPr>
-          <a:xfrm>
-            <a:off x="604738" y="2728637"/>
-            <a:ext cx="5201702" cy="0"/>
-          </a:xfrm>
-          <a:prstGeom prst="line">
-            <a:avLst/>
-          </a:prstGeom>
-          <a:ln>
-            <a:solidFill>
-              <a:schemeClr val="bg1">
-                <a:lumMod val="85000"/>
-              </a:schemeClr>
-            </a:solidFill>
-          </a:ln>
-        </p:spPr>
-        <p:style>
-          <a:lnRef idx="1">
-            <a:schemeClr val="accent1"/>
-          </a:lnRef>
-          <a:fillRef idx="0">
-            <a:schemeClr val="accent1"/>
-          </a:fillRef>
-          <a:effectRef idx="0">
-            <a:schemeClr val="accent1"/>
-          </a:effectRef>
-          <a:fontRef idx="minor">
-            <a:schemeClr val="tx1"/>
-          </a:fontRef>
-        </p:style>
-      </p:cxnSp>
-      <p:cxnSp>
-        <p:nvCxnSpPr>
-          <p:cNvPr id="15" name="Straight Connector 14">
-            <a:extLst>
-              <a:ext uri="{FF2B5EF4-FFF2-40B4-BE49-F238E27FC236}">
-                <a16:creationId xmlns:a16="http://schemas.microsoft.com/office/drawing/2014/main" id="{1B736775-071F-4642-9BC7-146D6A2B4561}"/>
-              </a:ext>
-            </a:extLst>
-          </p:cNvPr>
-          <p:cNvCxnSpPr>
-            <a:cxnSpLocks/>
-          </p:cNvCxnSpPr>
-          <p:nvPr/>
-        </p:nvCxnSpPr>
-        <p:spPr>
-          <a:xfrm>
-            <a:off x="604738" y="3123789"/>
-            <a:ext cx="5201702" cy="0"/>
-          </a:xfrm>
-          <a:prstGeom prst="line">
-            <a:avLst/>
-          </a:prstGeom>
-          <a:ln>
-            <a:solidFill>
-              <a:schemeClr val="bg1">
-                <a:lumMod val="85000"/>
-              </a:schemeClr>
-            </a:solidFill>
-          </a:ln>
-        </p:spPr>
-        <p:style>
-          <a:lnRef idx="1">
-            <a:schemeClr val="accent1"/>
-          </a:lnRef>
-          <a:fillRef idx="0">
-            <a:schemeClr val="accent1"/>
-          </a:fillRef>
-          <a:effectRef idx="0">
-            <a:schemeClr val="accent1"/>
-          </a:effectRef>
-          <a:fontRef idx="minor">
-            <a:schemeClr val="tx1"/>
-          </a:fontRef>
-        </p:style>
-      </p:cxnSp>
-      <p:cxnSp>
-        <p:nvCxnSpPr>
-          <p:cNvPr id="16" name="Straight Connector 15">
-            <a:extLst>
-              <a:ext uri="{FF2B5EF4-FFF2-40B4-BE49-F238E27FC236}">
-                <a16:creationId xmlns:a16="http://schemas.microsoft.com/office/drawing/2014/main" id="{C80BD5A8-54C1-481B-9A15-A3020848A95F}"/>
-              </a:ext>
-            </a:extLst>
-          </p:cNvPr>
-          <p:cNvCxnSpPr>
-            <a:cxnSpLocks/>
-          </p:cNvCxnSpPr>
-          <p:nvPr/>
-        </p:nvCxnSpPr>
-        <p:spPr>
-          <a:xfrm>
-            <a:off x="604738" y="3518941"/>
-            <a:ext cx="5201702" cy="0"/>
-          </a:xfrm>
-          <a:prstGeom prst="line">
-            <a:avLst/>
-          </a:prstGeom>
-          <a:ln>
-            <a:solidFill>
-              <a:schemeClr val="bg1">
-                <a:lumMod val="85000"/>
-              </a:schemeClr>
-            </a:solidFill>
-          </a:ln>
-        </p:spPr>
-        <p:style>
-          <a:lnRef idx="1">
-            <a:schemeClr val="accent1"/>
-          </a:lnRef>
-          <a:fillRef idx="0">
-            <a:schemeClr val="accent1"/>
-          </a:fillRef>
-          <a:effectRef idx="0">
-            <a:schemeClr val="accent1"/>
-          </a:effectRef>
-          <a:fontRef idx="minor">
-            <a:schemeClr val="tx1"/>
-          </a:fontRef>
-        </p:style>
-      </p:cxnSp>
-      <p:cxnSp>
-        <p:nvCxnSpPr>
-          <p:cNvPr id="17" name="Straight Connector 16">
-            <a:extLst>
-              <a:ext uri="{FF2B5EF4-FFF2-40B4-BE49-F238E27FC236}">
-                <a16:creationId xmlns:a16="http://schemas.microsoft.com/office/drawing/2014/main" id="{BDD4130D-5D11-41DB-915E-62F762A67CC1}"/>
-              </a:ext>
-            </a:extLst>
-          </p:cNvPr>
-          <p:cNvCxnSpPr>
-            <a:cxnSpLocks/>
-          </p:cNvCxnSpPr>
-          <p:nvPr/>
-        </p:nvCxnSpPr>
-        <p:spPr>
-          <a:xfrm>
-            <a:off x="604738" y="3914093"/>
-            <a:ext cx="5201702" cy="0"/>
-          </a:xfrm>
-          <a:prstGeom prst="line">
-            <a:avLst/>
-          </a:prstGeom>
-          <a:ln>
-            <a:solidFill>
-              <a:schemeClr val="bg1">
-                <a:lumMod val="85000"/>
-              </a:schemeClr>
-            </a:solidFill>
-          </a:ln>
-        </p:spPr>
-        <p:style>
-          <a:lnRef idx="1">
-            <a:schemeClr val="accent1"/>
-          </a:lnRef>
-          <a:fillRef idx="0">
-            <a:schemeClr val="accent1"/>
-          </a:fillRef>
-          <a:effectRef idx="0">
-            <a:schemeClr val="accent1"/>
-          </a:effectRef>
-          <a:fontRef idx="minor">
-            <a:schemeClr val="tx1"/>
-          </a:fontRef>
-        </p:style>
-      </p:cxnSp>
-      <p:cxnSp>
-        <p:nvCxnSpPr>
-          <p:cNvPr id="18" name="Straight Connector 17">
-            <a:extLst>
-              <a:ext uri="{FF2B5EF4-FFF2-40B4-BE49-F238E27FC236}">
-                <a16:creationId xmlns:a16="http://schemas.microsoft.com/office/drawing/2014/main" id="{B98DCB7C-E14A-4EFB-B6A0-318ADCDFF1B7}"/>
-              </a:ext>
-            </a:extLst>
-          </p:cNvPr>
-          <p:cNvCxnSpPr>
-            <a:cxnSpLocks/>
-          </p:cNvCxnSpPr>
-          <p:nvPr/>
-        </p:nvCxnSpPr>
-        <p:spPr>
-          <a:xfrm>
-            <a:off x="604738" y="4309245"/>
-            <a:ext cx="5201702" cy="0"/>
-          </a:xfrm>
-          <a:prstGeom prst="line">
-            <a:avLst/>
-          </a:prstGeom>
-          <a:ln>
-            <a:solidFill>
-              <a:schemeClr val="bg1">
-                <a:lumMod val="85000"/>
-              </a:schemeClr>
-            </a:solidFill>
-          </a:ln>
-        </p:spPr>
-        <p:style>
-          <a:lnRef idx="1">
-            <a:schemeClr val="accent1"/>
-          </a:lnRef>
-          <a:fillRef idx="0">
-            <a:schemeClr val="accent1"/>
-          </a:fillRef>
-          <a:effectRef idx="0">
-            <a:schemeClr val="accent1"/>
-          </a:effectRef>
-          <a:fontRef idx="minor">
-            <a:schemeClr val="tx1"/>
-          </a:fontRef>
-        </p:style>
-      </p:cxnSp>
-      <p:cxnSp>
-        <p:nvCxnSpPr>
-          <p:cNvPr id="19" name="Straight Connector 18">
-            <a:extLst>
-              <a:ext uri="{FF2B5EF4-FFF2-40B4-BE49-F238E27FC236}">
-                <a16:creationId xmlns:a16="http://schemas.microsoft.com/office/drawing/2014/main" id="{1B736775-071F-4642-9BC7-146D6A2B4561}"/>
-              </a:ext>
-            </a:extLst>
-          </p:cNvPr>
-          <p:cNvCxnSpPr>
-            <a:cxnSpLocks/>
-          </p:cNvCxnSpPr>
-          <p:nvPr/>
-        </p:nvCxnSpPr>
-        <p:spPr>
-          <a:xfrm>
-            <a:off x="604738" y="4704397"/>
-            <a:ext cx="5201702" cy="0"/>
-          </a:xfrm>
-          <a:prstGeom prst="line">
-            <a:avLst/>
-          </a:prstGeom>
-          <a:ln>
-            <a:solidFill>
-              <a:schemeClr val="bg1">
-                <a:lumMod val="85000"/>
-              </a:schemeClr>
-            </a:solidFill>
-          </a:ln>
-        </p:spPr>
-        <p:style>
-          <a:lnRef idx="1">
-            <a:schemeClr val="accent1"/>
-          </a:lnRef>
-          <a:fillRef idx="0">
-            <a:schemeClr val="accent1"/>
-          </a:fillRef>
-          <a:effectRef idx="0">
-            <a:schemeClr val="accent1"/>
-          </a:effectRef>
-          <a:fontRef idx="minor">
-            <a:schemeClr val="tx1"/>
-          </a:fontRef>
-        </p:style>
-      </p:cxnSp>
-      <p:cxnSp>
-        <p:nvCxnSpPr>
-          <p:cNvPr id="20" name="Straight Connector 19">
-            <a:extLst>
-              <a:ext uri="{FF2B5EF4-FFF2-40B4-BE49-F238E27FC236}">
-                <a16:creationId xmlns:a16="http://schemas.microsoft.com/office/drawing/2014/main" id="{C80BD5A8-54C1-481B-9A15-A3020848A95F}"/>
-              </a:ext>
-            </a:extLst>
-          </p:cNvPr>
-          <p:cNvCxnSpPr>
-            <a:cxnSpLocks/>
-          </p:cNvCxnSpPr>
-          <p:nvPr/>
-        </p:nvCxnSpPr>
-        <p:spPr>
-          <a:xfrm>
-            <a:off x="604738" y="5099549"/>
-            <a:ext cx="5201702" cy="0"/>
-          </a:xfrm>
-          <a:prstGeom prst="line">
-            <a:avLst/>
-          </a:prstGeom>
-          <a:ln>
-            <a:solidFill>
-              <a:schemeClr val="bg1">
-                <a:lumMod val="85000"/>
-              </a:schemeClr>
-            </a:solidFill>
-          </a:ln>
-        </p:spPr>
-        <p:style>
-          <a:lnRef idx="1">
-            <a:schemeClr val="accent1"/>
-          </a:lnRef>
-          <a:fillRef idx="0">
-            <a:schemeClr val="accent1"/>
-          </a:fillRef>
-          <a:effectRef idx="0">
-            <a:schemeClr val="accent1"/>
-          </a:effectRef>
-          <a:fontRef idx="minor">
-            <a:schemeClr val="tx1"/>
-          </a:fontRef>
-        </p:style>
-      </p:cxnSp>
-      <p:sp>
-        <p:nvSpPr>
-          <p:cNvPr id="21" name="Text Placeholder 8"/>
-          <p:cNvSpPr txBox="1">
-            <a:spLocks/>
-          </p:cNvSpPr>
-          <p:nvPr/>
-        </p:nvSpPr>
-        <p:spPr>
-          <a:xfrm>
-            <a:off x="604738" y="4389396"/>
-            <a:ext cx="5201702" cy="268656"/>
-          </a:xfrm>
-          <a:prstGeom prst="rect">
-            <a:avLst/>
-          </a:prstGeom>
-        </p:spPr>
-        <p:txBody>
-          <a:bodyPr vert="horz" wrap="none" lIns="0" tIns="0" rIns="0" bIns="0" rtlCol="0">
-            <a:normAutofit/>
-          </a:bodyPr>
-          <a:lstStyle>
-            <a:lvl1pPr marL="0" indent="0" algn="l" defTabSz="914400" rtl="0" eaLnBrk="1" latinLnBrk="0" hangingPunct="1">
-              <a:lnSpc>
-                <a:spcPct val="90000"/>
-              </a:lnSpc>
-              <a:spcBef>
-                <a:spcPts val="1000"/>
-              </a:spcBef>
-              <a:buFont typeface="Arial" panose="020B0604020202020204" pitchFamily="34" charset="0"/>
-              <a:buNone/>
-              <a:defRPr lang="en-IN" sz="1400" kern="1200" dirty="0">
-                <a:solidFill>
-                  <a:schemeClr val="accent4">
-                    <a:lumMod val="75000"/>
-                    <a:lumOff val="25000"/>
-                  </a:schemeClr>
-                </a:solidFill>
-                <a:latin typeface="Segoe UI" panose="020B0502040204020203" pitchFamily="34" charset="0"/>
-                <a:ea typeface="+mn-ea"/>
-                <a:cs typeface="+mn-cs"/>
-              </a:defRPr>
-            </a:lvl1pPr>
-            <a:lvl2pPr marL="457200" indent="0" algn="l" defTabSz="914400" rtl="0" eaLnBrk="1" latinLnBrk="0" hangingPunct="1">
-              <a:lnSpc>
-                <a:spcPct val="90000"/>
-              </a:lnSpc>
-              <a:spcBef>
-                <a:spcPts val="500"/>
-              </a:spcBef>
-              <a:buFont typeface="Arial" panose="020B0604020202020204" pitchFamily="34" charset="0"/>
-              <a:buNone/>
-              <a:defRPr sz="1850" kern="1200">
-                <a:solidFill>
-                  <a:schemeClr val="accent4">
-                    <a:lumMod val="75000"/>
-                    <a:lumOff val="25000"/>
-                  </a:schemeClr>
-                </a:solidFill>
-                <a:latin typeface="+mj-lt"/>
-                <a:ea typeface="+mn-ea"/>
-                <a:cs typeface="+mn-cs"/>
-              </a:defRPr>
-            </a:lvl2pPr>
-            <a:lvl3pPr marL="914400" indent="0" algn="l" defTabSz="914400" rtl="0" eaLnBrk="1" latinLnBrk="0" hangingPunct="1">
-              <a:lnSpc>
-                <a:spcPct val="90000"/>
-              </a:lnSpc>
-              <a:spcBef>
-                <a:spcPts val="500"/>
-              </a:spcBef>
-              <a:buFont typeface="Arial" panose="020B0604020202020204" pitchFamily="34" charset="0"/>
-              <a:buNone/>
-              <a:defRPr sz="1850" kern="1200">
-                <a:solidFill>
-                  <a:schemeClr val="accent4">
-                    <a:lumMod val="75000"/>
-                    <a:lumOff val="25000"/>
-                  </a:schemeClr>
-                </a:solidFill>
-                <a:latin typeface="+mj-lt"/>
-                <a:ea typeface="+mn-ea"/>
-                <a:cs typeface="+mn-cs"/>
-              </a:defRPr>
-            </a:lvl3pPr>
-            <a:lvl4pPr marL="1371600" indent="0" algn="l" defTabSz="914400" rtl="0" eaLnBrk="1" latinLnBrk="0" hangingPunct="1">
-              <a:lnSpc>
-                <a:spcPct val="90000"/>
-              </a:lnSpc>
-              <a:spcBef>
-                <a:spcPts val="500"/>
-              </a:spcBef>
-              <a:buFont typeface="Arial" panose="020B0604020202020204" pitchFamily="34" charset="0"/>
-              <a:buNone/>
-              <a:defRPr sz="1850" kern="1200">
-                <a:solidFill>
-                  <a:schemeClr val="accent4">
-                    <a:lumMod val="75000"/>
-                    <a:lumOff val="25000"/>
-                  </a:schemeClr>
-                </a:solidFill>
-                <a:latin typeface="+mj-lt"/>
-                <a:ea typeface="+mn-ea"/>
-                <a:cs typeface="+mn-cs"/>
-              </a:defRPr>
-            </a:lvl4pPr>
-            <a:lvl5pPr marL="1828800" indent="0" algn="l" defTabSz="914400" rtl="0" eaLnBrk="1" latinLnBrk="0" hangingPunct="1">
-              <a:lnSpc>
-                <a:spcPct val="90000"/>
-              </a:lnSpc>
-              <a:spcBef>
-                <a:spcPts val="500"/>
-              </a:spcBef>
-              <a:buFont typeface="Arial" panose="020B0604020202020204" pitchFamily="34" charset="0"/>
-              <a:buNone/>
-              <a:defRPr sz="1850" kern="1200">
-                <a:solidFill>
-                  <a:schemeClr val="accent4">
-                    <a:lumMod val="75000"/>
-                    <a:lumOff val="25000"/>
-                  </a:schemeClr>
-                </a:solidFill>
-                <a:latin typeface="+mj-lt"/>
-                <a:ea typeface="+mn-ea"/>
-                <a:cs typeface="+mn-cs"/>
-              </a:defRPr>
-            </a:lvl5pPr>
-            <a:lvl6pPr marL="2514600" indent="-228600" algn="l" defTabSz="914400" rtl="0" eaLnBrk="1" latinLnBrk="0" hangingPunct="1">
-              <a:lnSpc>
-                <a:spcPct val="90000"/>
-              </a:lnSpc>
-              <a:spcBef>
-                <a:spcPts val="500"/>
-              </a:spcBef>
-              <a:buFont typeface="Arial" panose="020B0604020202020204" pitchFamily="34" charset="0"/>
-              <a:buChar char="•"/>
-              <a:defRPr sz="1800" kern="1200">
-                <a:solidFill>
-                  <a:schemeClr val="tx1"/>
-                </a:solidFill>
-                <a:latin typeface="+mn-lt"/>
-                <a:ea typeface="+mn-ea"/>
-                <a:cs typeface="+mn-cs"/>
-              </a:defRPr>
-            </a:lvl6pPr>
-            <a:lvl7pPr marL="2971800" indent="-228600" algn="l" defTabSz="914400" rtl="0" eaLnBrk="1" latinLnBrk="0" hangingPunct="1">
-              <a:lnSpc>
-                <a:spcPct val="90000"/>
-              </a:lnSpc>
-              <a:spcBef>
-                <a:spcPts val="500"/>
-              </a:spcBef>
-              <a:buFont typeface="Arial" panose="020B0604020202020204" pitchFamily="34" charset="0"/>
-              <a:buChar char="•"/>
-              <a:defRPr sz="1800" kern="1200">
-                <a:solidFill>
-                  <a:schemeClr val="tx1"/>
-                </a:solidFill>
-                <a:latin typeface="+mn-lt"/>
-                <a:ea typeface="+mn-ea"/>
-                <a:cs typeface="+mn-cs"/>
-              </a:defRPr>
-            </a:lvl7pPr>
-            <a:lvl8pPr marL="3429000" indent="-228600" algn="l" defTabSz="914400" rtl="0" eaLnBrk="1" latinLnBrk="0" hangingPunct="1">
-              <a:lnSpc>
-                <a:spcPct val="90000"/>
-              </a:lnSpc>
-              <a:spcBef>
-                <a:spcPts val="500"/>
-              </a:spcBef>
-              <a:buFont typeface="Arial" panose="020B0604020202020204" pitchFamily="34" charset="0"/>
-              <a:buChar char="•"/>
-              <a:defRPr sz="1800" kern="1200">
-                <a:solidFill>
-                  <a:schemeClr val="tx1"/>
-                </a:solidFill>
-                <a:latin typeface="+mn-lt"/>
-                <a:ea typeface="+mn-ea"/>
-                <a:cs typeface="+mn-cs"/>
-              </a:defRPr>
-            </a:lvl8pPr>
-            <a:lvl9pPr marL="3886200" indent="-228600" algn="l" defTabSz="914400" rtl="0" eaLnBrk="1" latinLnBrk="0" hangingPunct="1">
-              <a:lnSpc>
-                <a:spcPct val="90000"/>
-              </a:lnSpc>
-              <a:spcBef>
-                <a:spcPts val="500"/>
-              </a:spcBef>
-              <a:buFont typeface="Arial" panose="020B0604020202020204" pitchFamily="34" charset="0"/>
-              <a:buChar char="•"/>
-              <a:defRPr sz="1800" kern="1200">
-                <a:solidFill>
-                  <a:schemeClr val="tx1"/>
-                </a:solidFill>
-                <a:latin typeface="+mn-lt"/>
-                <a:ea typeface="+mn-ea"/>
-                <a:cs typeface="+mn-cs"/>
-              </a:defRPr>
-            </a:lvl9pPr>
-          </a:lstStyle>
-          <a:p>
-            <a:pPr>
-              <a:lnSpc>
-                <a:spcPct val="100000"/>
-              </a:lnSpc>
-            </a:pPr>
-            <a:r>
-              <a:rPr lang="en-US"/>
-              <a:t>Technical Feasibility</a:t>
-            </a:r>
-          </a:p>
-        </p:txBody>
-      </p:sp>
-      <p:sp>
-        <p:nvSpPr>
-          <p:cNvPr id="22" name="Text Placeholder 8"/>
-          <p:cNvSpPr txBox="1">
-            <a:spLocks/>
-          </p:cNvSpPr>
-          <p:nvPr/>
-        </p:nvSpPr>
-        <p:spPr>
-          <a:xfrm>
-            <a:off x="604738" y="4740061"/>
-            <a:ext cx="5201702" cy="268656"/>
-          </a:xfrm>
-          <a:prstGeom prst="rect">
-            <a:avLst/>
-          </a:prstGeom>
-        </p:spPr>
-        <p:txBody>
-          <a:bodyPr vert="horz" wrap="none" lIns="0" tIns="0" rIns="0" bIns="0" rtlCol="0">
-            <a:normAutofit/>
-          </a:bodyPr>
-          <a:lstStyle>
-            <a:lvl1pPr marL="0" indent="0" algn="l" defTabSz="914400" rtl="0" eaLnBrk="1" latinLnBrk="0" hangingPunct="1">
-              <a:lnSpc>
-                <a:spcPct val="90000"/>
-              </a:lnSpc>
-              <a:spcBef>
-                <a:spcPts val="1000"/>
-              </a:spcBef>
-              <a:buFont typeface="Arial" panose="020B0604020202020204" pitchFamily="34" charset="0"/>
-              <a:buNone/>
-              <a:defRPr lang="en-IN" sz="1400" kern="1200" dirty="0">
-                <a:solidFill>
-                  <a:schemeClr val="accent4">
-                    <a:lumMod val="75000"/>
-                    <a:lumOff val="25000"/>
-                  </a:schemeClr>
-                </a:solidFill>
-                <a:latin typeface="Segoe UI" panose="020B0502040204020203" pitchFamily="34" charset="0"/>
-                <a:ea typeface="+mn-ea"/>
-                <a:cs typeface="+mn-cs"/>
-              </a:defRPr>
-            </a:lvl1pPr>
-            <a:lvl2pPr marL="457200" indent="0" algn="l" defTabSz="914400" rtl="0" eaLnBrk="1" latinLnBrk="0" hangingPunct="1">
-              <a:lnSpc>
-                <a:spcPct val="90000"/>
-              </a:lnSpc>
-              <a:spcBef>
-                <a:spcPts val="500"/>
-              </a:spcBef>
-              <a:buFont typeface="Arial" panose="020B0604020202020204" pitchFamily="34" charset="0"/>
-              <a:buNone/>
-              <a:defRPr sz="1850" kern="1200">
-                <a:solidFill>
-                  <a:schemeClr val="accent4">
-                    <a:lumMod val="75000"/>
-                    <a:lumOff val="25000"/>
-                  </a:schemeClr>
-                </a:solidFill>
-                <a:latin typeface="+mj-lt"/>
-                <a:ea typeface="+mn-ea"/>
-                <a:cs typeface="+mn-cs"/>
-              </a:defRPr>
-            </a:lvl2pPr>
-            <a:lvl3pPr marL="914400" indent="0" algn="l" defTabSz="914400" rtl="0" eaLnBrk="1" latinLnBrk="0" hangingPunct="1">
-              <a:lnSpc>
-                <a:spcPct val="90000"/>
-              </a:lnSpc>
-              <a:spcBef>
-                <a:spcPts val="500"/>
-              </a:spcBef>
-              <a:buFont typeface="Arial" panose="020B0604020202020204" pitchFamily="34" charset="0"/>
-              <a:buNone/>
-              <a:defRPr sz="1850" kern="1200">
-                <a:solidFill>
-                  <a:schemeClr val="accent4">
-                    <a:lumMod val="75000"/>
-                    <a:lumOff val="25000"/>
-                  </a:schemeClr>
-                </a:solidFill>
-                <a:latin typeface="+mj-lt"/>
-                <a:ea typeface="+mn-ea"/>
-                <a:cs typeface="+mn-cs"/>
-              </a:defRPr>
-            </a:lvl3pPr>
-            <a:lvl4pPr marL="1371600" indent="0" algn="l" defTabSz="914400" rtl="0" eaLnBrk="1" latinLnBrk="0" hangingPunct="1">
-              <a:lnSpc>
-                <a:spcPct val="90000"/>
-              </a:lnSpc>
-              <a:spcBef>
-                <a:spcPts val="500"/>
-              </a:spcBef>
-              <a:buFont typeface="Arial" panose="020B0604020202020204" pitchFamily="34" charset="0"/>
-              <a:buNone/>
-              <a:defRPr sz="1850" kern="1200">
-                <a:solidFill>
-                  <a:schemeClr val="accent4">
-                    <a:lumMod val="75000"/>
-                    <a:lumOff val="25000"/>
-                  </a:schemeClr>
-                </a:solidFill>
-                <a:latin typeface="+mj-lt"/>
-                <a:ea typeface="+mn-ea"/>
-                <a:cs typeface="+mn-cs"/>
-              </a:defRPr>
-            </a:lvl4pPr>
-            <a:lvl5pPr marL="1828800" indent="0" algn="l" defTabSz="914400" rtl="0" eaLnBrk="1" latinLnBrk="0" hangingPunct="1">
-              <a:lnSpc>
-                <a:spcPct val="90000"/>
-              </a:lnSpc>
-              <a:spcBef>
-                <a:spcPts val="500"/>
-              </a:spcBef>
-              <a:buFont typeface="Arial" panose="020B0604020202020204" pitchFamily="34" charset="0"/>
-              <a:buNone/>
-              <a:defRPr sz="1850" kern="1200">
-                <a:solidFill>
-                  <a:schemeClr val="accent4">
-                    <a:lumMod val="75000"/>
-                    <a:lumOff val="25000"/>
-                  </a:schemeClr>
-                </a:solidFill>
-                <a:latin typeface="+mj-lt"/>
-                <a:ea typeface="+mn-ea"/>
-                <a:cs typeface="+mn-cs"/>
-              </a:defRPr>
-            </a:lvl5pPr>
-            <a:lvl6pPr marL="2514600" indent="-228600" algn="l" defTabSz="914400" rtl="0" eaLnBrk="1" latinLnBrk="0" hangingPunct="1">
-              <a:lnSpc>
-                <a:spcPct val="90000"/>
-              </a:lnSpc>
-              <a:spcBef>
-                <a:spcPts val="500"/>
-              </a:spcBef>
-              <a:buFont typeface="Arial" panose="020B0604020202020204" pitchFamily="34" charset="0"/>
-              <a:buChar char="•"/>
-              <a:defRPr sz="1800" kern="1200">
-                <a:solidFill>
-                  <a:schemeClr val="tx1"/>
-                </a:solidFill>
-                <a:latin typeface="+mn-lt"/>
-                <a:ea typeface="+mn-ea"/>
-                <a:cs typeface="+mn-cs"/>
-              </a:defRPr>
-            </a:lvl6pPr>
-            <a:lvl7pPr marL="2971800" indent="-228600" algn="l" defTabSz="914400" rtl="0" eaLnBrk="1" latinLnBrk="0" hangingPunct="1">
-              <a:lnSpc>
-                <a:spcPct val="90000"/>
-              </a:lnSpc>
-              <a:spcBef>
-                <a:spcPts val="500"/>
-              </a:spcBef>
-              <a:buFont typeface="Arial" panose="020B0604020202020204" pitchFamily="34" charset="0"/>
-              <a:buChar char="•"/>
-              <a:defRPr sz="1800" kern="1200">
-                <a:solidFill>
-                  <a:schemeClr val="tx1"/>
-                </a:solidFill>
-                <a:latin typeface="+mn-lt"/>
-                <a:ea typeface="+mn-ea"/>
-                <a:cs typeface="+mn-cs"/>
-              </a:defRPr>
-            </a:lvl7pPr>
-            <a:lvl8pPr marL="3429000" indent="-228600" algn="l" defTabSz="914400" rtl="0" eaLnBrk="1" latinLnBrk="0" hangingPunct="1">
-              <a:lnSpc>
-                <a:spcPct val="90000"/>
-              </a:lnSpc>
-              <a:spcBef>
-                <a:spcPts val="500"/>
-              </a:spcBef>
-              <a:buFont typeface="Arial" panose="020B0604020202020204" pitchFamily="34" charset="0"/>
-              <a:buChar char="•"/>
-              <a:defRPr sz="1800" kern="1200">
-                <a:solidFill>
-                  <a:schemeClr val="tx1"/>
-                </a:solidFill>
-                <a:latin typeface="+mn-lt"/>
-                <a:ea typeface="+mn-ea"/>
-                <a:cs typeface="+mn-cs"/>
-              </a:defRPr>
-            </a:lvl8pPr>
-            <a:lvl9pPr marL="3886200" indent="-228600" algn="l" defTabSz="914400" rtl="0" eaLnBrk="1" latinLnBrk="0" hangingPunct="1">
-              <a:lnSpc>
-                <a:spcPct val="90000"/>
-              </a:lnSpc>
-              <a:spcBef>
-                <a:spcPts val="500"/>
-              </a:spcBef>
-              <a:buFont typeface="Arial" panose="020B0604020202020204" pitchFamily="34" charset="0"/>
-              <a:buChar char="•"/>
-              <a:defRPr sz="1800" kern="1200">
-                <a:solidFill>
-                  <a:schemeClr val="tx1"/>
-                </a:solidFill>
-                <a:latin typeface="+mn-lt"/>
-                <a:ea typeface="+mn-ea"/>
-                <a:cs typeface="+mn-cs"/>
-              </a:defRPr>
-            </a:lvl9pPr>
-          </a:lstStyle>
-          <a:p>
-            <a:pPr>
-              <a:lnSpc>
-                <a:spcPct val="100000"/>
-              </a:lnSpc>
-            </a:pPr>
-            <a:r>
-              <a:rPr lang="en-US"/>
-              <a:t>Financial Feasibility</a:t>
-            </a:r>
-          </a:p>
-        </p:txBody>
-      </p:sp>
-      <p:sp>
-        <p:nvSpPr>
-          <p:cNvPr id="23" name="Text Placeholder 8"/>
-          <p:cNvSpPr txBox="1">
-            <a:spLocks/>
-          </p:cNvSpPr>
-          <p:nvPr/>
-        </p:nvSpPr>
-        <p:spPr>
-          <a:xfrm>
-            <a:off x="604738" y="3552066"/>
-            <a:ext cx="5201702" cy="268656"/>
-          </a:xfrm>
-          <a:prstGeom prst="rect">
-            <a:avLst/>
-          </a:prstGeom>
-        </p:spPr>
-        <p:txBody>
-          <a:bodyPr vert="horz" wrap="none" lIns="0" tIns="0" rIns="0" bIns="0" rtlCol="0">
-            <a:normAutofit/>
-          </a:bodyPr>
-          <a:lstStyle>
-            <a:lvl1pPr marL="0" indent="0" algn="l" defTabSz="914400" rtl="0" eaLnBrk="1" latinLnBrk="0" hangingPunct="1">
-              <a:lnSpc>
-                <a:spcPct val="90000"/>
-              </a:lnSpc>
-              <a:spcBef>
-                <a:spcPts val="1000"/>
-              </a:spcBef>
-              <a:buFont typeface="Arial" panose="020B0604020202020204" pitchFamily="34" charset="0"/>
-              <a:buNone/>
-              <a:defRPr lang="en-IN" sz="1400" kern="1200" dirty="0">
-                <a:solidFill>
-                  <a:schemeClr val="accent4">
-                    <a:lumMod val="75000"/>
-                    <a:lumOff val="25000"/>
-                  </a:schemeClr>
-                </a:solidFill>
-                <a:latin typeface="Segoe UI" panose="020B0502040204020203" pitchFamily="34" charset="0"/>
-                <a:ea typeface="+mn-ea"/>
-                <a:cs typeface="+mn-cs"/>
-              </a:defRPr>
-            </a:lvl1pPr>
-            <a:lvl2pPr marL="457200" indent="0" algn="l" defTabSz="914400" rtl="0" eaLnBrk="1" latinLnBrk="0" hangingPunct="1">
-              <a:lnSpc>
-                <a:spcPct val="90000"/>
-              </a:lnSpc>
-              <a:spcBef>
-                <a:spcPts val="500"/>
-              </a:spcBef>
-              <a:buFont typeface="Arial" panose="020B0604020202020204" pitchFamily="34" charset="0"/>
-              <a:buNone/>
-              <a:defRPr sz="1850" kern="1200">
-                <a:solidFill>
-                  <a:schemeClr val="accent4">
-                    <a:lumMod val="75000"/>
-                    <a:lumOff val="25000"/>
-                  </a:schemeClr>
-                </a:solidFill>
-                <a:latin typeface="+mj-lt"/>
-                <a:ea typeface="+mn-ea"/>
-                <a:cs typeface="+mn-cs"/>
-              </a:defRPr>
-            </a:lvl2pPr>
-            <a:lvl3pPr marL="914400" indent="0" algn="l" defTabSz="914400" rtl="0" eaLnBrk="1" latinLnBrk="0" hangingPunct="1">
-              <a:lnSpc>
-                <a:spcPct val="90000"/>
-              </a:lnSpc>
-              <a:spcBef>
-                <a:spcPts val="500"/>
-              </a:spcBef>
-              <a:buFont typeface="Arial" panose="020B0604020202020204" pitchFamily="34" charset="0"/>
-              <a:buNone/>
-              <a:defRPr sz="1850" kern="1200">
-                <a:solidFill>
-                  <a:schemeClr val="accent4">
-                    <a:lumMod val="75000"/>
-                    <a:lumOff val="25000"/>
-                  </a:schemeClr>
-                </a:solidFill>
-                <a:latin typeface="+mj-lt"/>
-                <a:ea typeface="+mn-ea"/>
-                <a:cs typeface="+mn-cs"/>
-              </a:defRPr>
-            </a:lvl3pPr>
-            <a:lvl4pPr marL="1371600" indent="0" algn="l" defTabSz="914400" rtl="0" eaLnBrk="1" latinLnBrk="0" hangingPunct="1">
-              <a:lnSpc>
-                <a:spcPct val="90000"/>
-              </a:lnSpc>
-              <a:spcBef>
-                <a:spcPts val="500"/>
-              </a:spcBef>
-              <a:buFont typeface="Arial" panose="020B0604020202020204" pitchFamily="34" charset="0"/>
-              <a:buNone/>
-              <a:defRPr sz="1850" kern="1200">
-                <a:solidFill>
-                  <a:schemeClr val="accent4">
-                    <a:lumMod val="75000"/>
-                    <a:lumOff val="25000"/>
-                  </a:schemeClr>
-                </a:solidFill>
-                <a:latin typeface="+mj-lt"/>
-                <a:ea typeface="+mn-ea"/>
-                <a:cs typeface="+mn-cs"/>
-              </a:defRPr>
-            </a:lvl4pPr>
-            <a:lvl5pPr marL="1828800" indent="0" algn="l" defTabSz="914400" rtl="0" eaLnBrk="1" latinLnBrk="0" hangingPunct="1">
-              <a:lnSpc>
-                <a:spcPct val="90000"/>
-              </a:lnSpc>
-              <a:spcBef>
-                <a:spcPts val="500"/>
-              </a:spcBef>
-              <a:buFont typeface="Arial" panose="020B0604020202020204" pitchFamily="34" charset="0"/>
-              <a:buNone/>
-              <a:defRPr sz="1850" kern="1200">
-                <a:solidFill>
-                  <a:schemeClr val="accent4">
-                    <a:lumMod val="75000"/>
-                    <a:lumOff val="25000"/>
-                  </a:schemeClr>
-                </a:solidFill>
-                <a:latin typeface="+mj-lt"/>
-                <a:ea typeface="+mn-ea"/>
-                <a:cs typeface="+mn-cs"/>
-              </a:defRPr>
-            </a:lvl5pPr>
-            <a:lvl6pPr marL="2514600" indent="-228600" algn="l" defTabSz="914400" rtl="0" eaLnBrk="1" latinLnBrk="0" hangingPunct="1">
-              <a:lnSpc>
-                <a:spcPct val="90000"/>
-              </a:lnSpc>
-              <a:spcBef>
-                <a:spcPts val="500"/>
-              </a:spcBef>
-              <a:buFont typeface="Arial" panose="020B0604020202020204" pitchFamily="34" charset="0"/>
-              <a:buChar char="•"/>
-              <a:defRPr sz="1800" kern="1200">
-                <a:solidFill>
-                  <a:schemeClr val="tx1"/>
-                </a:solidFill>
-                <a:latin typeface="+mn-lt"/>
-                <a:ea typeface="+mn-ea"/>
-                <a:cs typeface="+mn-cs"/>
-              </a:defRPr>
-            </a:lvl6pPr>
-            <a:lvl7pPr marL="2971800" indent="-228600" algn="l" defTabSz="914400" rtl="0" eaLnBrk="1" latinLnBrk="0" hangingPunct="1">
-              <a:lnSpc>
-                <a:spcPct val="90000"/>
-              </a:lnSpc>
-              <a:spcBef>
-                <a:spcPts val="500"/>
-              </a:spcBef>
-              <a:buFont typeface="Arial" panose="020B0604020202020204" pitchFamily="34" charset="0"/>
-              <a:buChar char="•"/>
-              <a:defRPr sz="1800" kern="1200">
-                <a:solidFill>
-                  <a:schemeClr val="tx1"/>
-                </a:solidFill>
-                <a:latin typeface="+mn-lt"/>
-                <a:ea typeface="+mn-ea"/>
-                <a:cs typeface="+mn-cs"/>
-              </a:defRPr>
-            </a:lvl7pPr>
-            <a:lvl8pPr marL="3429000" indent="-228600" algn="l" defTabSz="914400" rtl="0" eaLnBrk="1" latinLnBrk="0" hangingPunct="1">
-              <a:lnSpc>
-                <a:spcPct val="90000"/>
-              </a:lnSpc>
-              <a:spcBef>
-                <a:spcPts val="500"/>
-              </a:spcBef>
-              <a:buFont typeface="Arial" panose="020B0604020202020204" pitchFamily="34" charset="0"/>
-              <a:buChar char="•"/>
-              <a:defRPr sz="1800" kern="1200">
-                <a:solidFill>
-                  <a:schemeClr val="tx1"/>
-                </a:solidFill>
-                <a:latin typeface="+mn-lt"/>
-                <a:ea typeface="+mn-ea"/>
-                <a:cs typeface="+mn-cs"/>
-              </a:defRPr>
-            </a:lvl8pPr>
-            <a:lvl9pPr marL="3886200" indent="-228600" algn="l" defTabSz="914400" rtl="0" eaLnBrk="1" latinLnBrk="0" hangingPunct="1">
-              <a:lnSpc>
-                <a:spcPct val="90000"/>
-              </a:lnSpc>
-              <a:spcBef>
-                <a:spcPts val="500"/>
-              </a:spcBef>
-              <a:buFont typeface="Arial" panose="020B0604020202020204" pitchFamily="34" charset="0"/>
-              <a:buChar char="•"/>
-              <a:defRPr sz="1800" kern="1200">
-                <a:solidFill>
-                  <a:schemeClr val="tx1"/>
-                </a:solidFill>
-                <a:latin typeface="+mn-lt"/>
-                <a:ea typeface="+mn-ea"/>
-                <a:cs typeface="+mn-cs"/>
-              </a:defRPr>
-            </a:lvl9pPr>
-          </a:lstStyle>
-          <a:p>
-            <a:pPr>
-              <a:lnSpc>
-                <a:spcPct val="100000"/>
-              </a:lnSpc>
-            </a:pPr>
-            <a:r>
-              <a:rPr lang="en-US"/>
-              <a:t>What makes your solution/idea innovative?</a:t>
-            </a:r>
-          </a:p>
-        </p:txBody>
-      </p:sp>
-      <p:sp>
-        <p:nvSpPr>
-          <p:cNvPr id="24" name="Text Placeholder 8"/>
-          <p:cNvSpPr txBox="1">
-            <a:spLocks/>
-          </p:cNvSpPr>
-          <p:nvPr/>
-        </p:nvSpPr>
-        <p:spPr>
-          <a:xfrm>
-            <a:off x="604738" y="5181462"/>
-            <a:ext cx="5201702" cy="268656"/>
-          </a:xfrm>
-          <a:prstGeom prst="rect">
-            <a:avLst/>
-          </a:prstGeom>
-        </p:spPr>
-        <p:txBody>
-          <a:bodyPr vert="horz" wrap="none" lIns="0" tIns="0" rIns="0" bIns="0" rtlCol="0">
-            <a:normAutofit/>
-          </a:bodyPr>
-          <a:lstStyle>
-            <a:lvl1pPr marL="0" indent="0" algn="l" defTabSz="914400" rtl="0" eaLnBrk="1" latinLnBrk="0" hangingPunct="1">
-              <a:lnSpc>
-                <a:spcPct val="90000"/>
-              </a:lnSpc>
-              <a:spcBef>
-                <a:spcPts val="1000"/>
-              </a:spcBef>
-              <a:buFont typeface="Arial" panose="020B0604020202020204" pitchFamily="34" charset="0"/>
-              <a:buNone/>
-              <a:defRPr lang="en-IN" sz="1400" kern="1200" dirty="0">
-                <a:solidFill>
-                  <a:schemeClr val="accent4">
-                    <a:lumMod val="75000"/>
-                    <a:lumOff val="25000"/>
-                  </a:schemeClr>
-                </a:solidFill>
-                <a:latin typeface="Segoe UI" panose="020B0502040204020203" pitchFamily="34" charset="0"/>
-                <a:ea typeface="+mn-ea"/>
-                <a:cs typeface="+mn-cs"/>
-              </a:defRPr>
-            </a:lvl1pPr>
-            <a:lvl2pPr marL="457200" indent="0" algn="l" defTabSz="914400" rtl="0" eaLnBrk="1" latinLnBrk="0" hangingPunct="1">
-              <a:lnSpc>
-                <a:spcPct val="90000"/>
-              </a:lnSpc>
-              <a:spcBef>
-                <a:spcPts val="500"/>
-              </a:spcBef>
-              <a:buFont typeface="Arial" panose="020B0604020202020204" pitchFamily="34" charset="0"/>
-              <a:buNone/>
-              <a:defRPr sz="1850" kern="1200">
-                <a:solidFill>
-                  <a:schemeClr val="accent4">
-                    <a:lumMod val="75000"/>
-                    <a:lumOff val="25000"/>
-                  </a:schemeClr>
-                </a:solidFill>
-                <a:latin typeface="+mj-lt"/>
-                <a:ea typeface="+mn-ea"/>
-                <a:cs typeface="+mn-cs"/>
-              </a:defRPr>
-            </a:lvl2pPr>
-            <a:lvl3pPr marL="914400" indent="0" algn="l" defTabSz="914400" rtl="0" eaLnBrk="1" latinLnBrk="0" hangingPunct="1">
-              <a:lnSpc>
-                <a:spcPct val="90000"/>
-              </a:lnSpc>
-              <a:spcBef>
-                <a:spcPts val="500"/>
-              </a:spcBef>
-              <a:buFont typeface="Arial" panose="020B0604020202020204" pitchFamily="34" charset="0"/>
-              <a:buNone/>
-              <a:defRPr sz="1850" kern="1200">
-                <a:solidFill>
-                  <a:schemeClr val="accent4">
-                    <a:lumMod val="75000"/>
-                    <a:lumOff val="25000"/>
-                  </a:schemeClr>
-                </a:solidFill>
-                <a:latin typeface="+mj-lt"/>
-                <a:ea typeface="+mn-ea"/>
-                <a:cs typeface="+mn-cs"/>
-              </a:defRPr>
-            </a:lvl3pPr>
-            <a:lvl4pPr marL="1371600" indent="0" algn="l" defTabSz="914400" rtl="0" eaLnBrk="1" latinLnBrk="0" hangingPunct="1">
-              <a:lnSpc>
-                <a:spcPct val="90000"/>
-              </a:lnSpc>
-              <a:spcBef>
-                <a:spcPts val="500"/>
-              </a:spcBef>
-              <a:buFont typeface="Arial" panose="020B0604020202020204" pitchFamily="34" charset="0"/>
-              <a:buNone/>
-              <a:defRPr sz="1850" kern="1200">
-                <a:solidFill>
-                  <a:schemeClr val="accent4">
-                    <a:lumMod val="75000"/>
-                    <a:lumOff val="25000"/>
-                  </a:schemeClr>
-                </a:solidFill>
-                <a:latin typeface="+mj-lt"/>
-                <a:ea typeface="+mn-ea"/>
-                <a:cs typeface="+mn-cs"/>
-              </a:defRPr>
-            </a:lvl4pPr>
-            <a:lvl5pPr marL="1828800" indent="0" algn="l" defTabSz="914400" rtl="0" eaLnBrk="1" latinLnBrk="0" hangingPunct="1">
-              <a:lnSpc>
-                <a:spcPct val="90000"/>
-              </a:lnSpc>
-              <a:spcBef>
-                <a:spcPts val="500"/>
-              </a:spcBef>
-              <a:buFont typeface="Arial" panose="020B0604020202020204" pitchFamily="34" charset="0"/>
-              <a:buNone/>
-              <a:defRPr sz="1850" kern="1200">
-                <a:solidFill>
-                  <a:schemeClr val="accent4">
-                    <a:lumMod val="75000"/>
-                    <a:lumOff val="25000"/>
-                  </a:schemeClr>
-                </a:solidFill>
-                <a:latin typeface="+mj-lt"/>
-                <a:ea typeface="+mn-ea"/>
-                <a:cs typeface="+mn-cs"/>
-              </a:defRPr>
-            </a:lvl5pPr>
-            <a:lvl6pPr marL="2514600" indent="-228600" algn="l" defTabSz="914400" rtl="0" eaLnBrk="1" latinLnBrk="0" hangingPunct="1">
-              <a:lnSpc>
-                <a:spcPct val="90000"/>
-              </a:lnSpc>
-              <a:spcBef>
-                <a:spcPts val="500"/>
-              </a:spcBef>
-              <a:buFont typeface="Arial" panose="020B0604020202020204" pitchFamily="34" charset="0"/>
-              <a:buChar char="•"/>
-              <a:defRPr sz="1800" kern="1200">
-                <a:solidFill>
-                  <a:schemeClr val="tx1"/>
-                </a:solidFill>
-                <a:latin typeface="+mn-lt"/>
-                <a:ea typeface="+mn-ea"/>
-                <a:cs typeface="+mn-cs"/>
-              </a:defRPr>
-            </a:lvl6pPr>
-            <a:lvl7pPr marL="2971800" indent="-228600" algn="l" defTabSz="914400" rtl="0" eaLnBrk="1" latinLnBrk="0" hangingPunct="1">
-              <a:lnSpc>
-                <a:spcPct val="90000"/>
-              </a:lnSpc>
-              <a:spcBef>
-                <a:spcPts val="500"/>
-              </a:spcBef>
-              <a:buFont typeface="Arial" panose="020B0604020202020204" pitchFamily="34" charset="0"/>
-              <a:buChar char="•"/>
-              <a:defRPr sz="1800" kern="1200">
-                <a:solidFill>
-                  <a:schemeClr val="tx1"/>
-                </a:solidFill>
-                <a:latin typeface="+mn-lt"/>
-                <a:ea typeface="+mn-ea"/>
-                <a:cs typeface="+mn-cs"/>
-              </a:defRPr>
-            </a:lvl7pPr>
-            <a:lvl8pPr marL="3429000" indent="-228600" algn="l" defTabSz="914400" rtl="0" eaLnBrk="1" latinLnBrk="0" hangingPunct="1">
-              <a:lnSpc>
-                <a:spcPct val="90000"/>
-              </a:lnSpc>
-              <a:spcBef>
-                <a:spcPts val="500"/>
-              </a:spcBef>
-              <a:buFont typeface="Arial" panose="020B0604020202020204" pitchFamily="34" charset="0"/>
-              <a:buChar char="•"/>
-              <a:defRPr sz="1800" kern="1200">
-                <a:solidFill>
-                  <a:schemeClr val="tx1"/>
-                </a:solidFill>
-                <a:latin typeface="+mn-lt"/>
-                <a:ea typeface="+mn-ea"/>
-                <a:cs typeface="+mn-cs"/>
-              </a:defRPr>
-            </a:lvl8pPr>
-            <a:lvl9pPr marL="3886200" indent="-228600" algn="l" defTabSz="914400" rtl="0" eaLnBrk="1" latinLnBrk="0" hangingPunct="1">
-              <a:lnSpc>
-                <a:spcPct val="90000"/>
-              </a:lnSpc>
-              <a:spcBef>
-                <a:spcPts val="500"/>
-              </a:spcBef>
-              <a:buFont typeface="Arial" panose="020B0604020202020204" pitchFamily="34" charset="0"/>
-              <a:buChar char="•"/>
-              <a:defRPr sz="1800" kern="1200">
-                <a:solidFill>
-                  <a:schemeClr val="tx1"/>
-                </a:solidFill>
-                <a:latin typeface="+mn-lt"/>
-                <a:ea typeface="+mn-ea"/>
-                <a:cs typeface="+mn-cs"/>
-              </a:defRPr>
-            </a:lvl9pPr>
-          </a:lstStyle>
-          <a:p>
-            <a:pPr>
-              <a:lnSpc>
-                <a:spcPct val="100000"/>
-              </a:lnSpc>
-            </a:pPr>
-            <a:r>
-              <a:rPr lang="en-US"/>
-              <a:t>Testimony</a:t>
-            </a:r>
-          </a:p>
-        </p:txBody>
-      </p:sp>
-      <p:sp>
-        <p:nvSpPr>
-          <p:cNvPr id="25" name="Text Placeholder 8"/>
-          <p:cNvSpPr txBox="1">
-            <a:spLocks/>
-          </p:cNvSpPr>
-          <p:nvPr/>
-        </p:nvSpPr>
-        <p:spPr>
-          <a:xfrm>
-            <a:off x="604738" y="5524119"/>
-            <a:ext cx="5201702" cy="268656"/>
-          </a:xfrm>
-          <a:prstGeom prst="rect">
-            <a:avLst/>
-          </a:prstGeom>
-        </p:spPr>
-        <p:txBody>
-          <a:bodyPr vert="horz" wrap="none" lIns="0" tIns="0" rIns="0" bIns="0" rtlCol="0">
-            <a:normAutofit/>
-          </a:bodyPr>
-          <a:lstStyle>
-            <a:lvl1pPr marL="0" indent="0" algn="l" defTabSz="914400" rtl="0" eaLnBrk="1" latinLnBrk="0" hangingPunct="1">
-              <a:lnSpc>
-                <a:spcPct val="90000"/>
-              </a:lnSpc>
-              <a:spcBef>
-                <a:spcPts val="1000"/>
-              </a:spcBef>
-              <a:buFont typeface="Arial" panose="020B0604020202020204" pitchFamily="34" charset="0"/>
-              <a:buNone/>
-              <a:defRPr lang="en-IN" sz="1400" kern="1200" dirty="0">
-                <a:solidFill>
-                  <a:schemeClr val="accent4">
-                    <a:lumMod val="75000"/>
-                    <a:lumOff val="25000"/>
-                  </a:schemeClr>
-                </a:solidFill>
-                <a:latin typeface="Segoe UI" panose="020B0502040204020203" pitchFamily="34" charset="0"/>
-                <a:ea typeface="+mn-ea"/>
-                <a:cs typeface="+mn-cs"/>
-              </a:defRPr>
-            </a:lvl1pPr>
-            <a:lvl2pPr marL="457200" indent="0" algn="l" defTabSz="914400" rtl="0" eaLnBrk="1" latinLnBrk="0" hangingPunct="1">
-              <a:lnSpc>
-                <a:spcPct val="90000"/>
-              </a:lnSpc>
-              <a:spcBef>
-                <a:spcPts val="500"/>
-              </a:spcBef>
-              <a:buFont typeface="Arial" panose="020B0604020202020204" pitchFamily="34" charset="0"/>
-              <a:buNone/>
-              <a:defRPr sz="1850" kern="1200">
-                <a:solidFill>
-                  <a:schemeClr val="accent4">
-                    <a:lumMod val="75000"/>
-                    <a:lumOff val="25000"/>
-                  </a:schemeClr>
-                </a:solidFill>
-                <a:latin typeface="+mj-lt"/>
-                <a:ea typeface="+mn-ea"/>
-                <a:cs typeface="+mn-cs"/>
-              </a:defRPr>
-            </a:lvl2pPr>
-            <a:lvl3pPr marL="914400" indent="0" algn="l" defTabSz="914400" rtl="0" eaLnBrk="1" latinLnBrk="0" hangingPunct="1">
-              <a:lnSpc>
-                <a:spcPct val="90000"/>
-              </a:lnSpc>
-              <a:spcBef>
-                <a:spcPts val="500"/>
-              </a:spcBef>
-              <a:buFont typeface="Arial" panose="020B0604020202020204" pitchFamily="34" charset="0"/>
-              <a:buNone/>
-              <a:defRPr sz="1850" kern="1200">
-                <a:solidFill>
-                  <a:schemeClr val="accent4">
-                    <a:lumMod val="75000"/>
-                    <a:lumOff val="25000"/>
-                  </a:schemeClr>
-                </a:solidFill>
-                <a:latin typeface="+mj-lt"/>
-                <a:ea typeface="+mn-ea"/>
-                <a:cs typeface="+mn-cs"/>
-              </a:defRPr>
-            </a:lvl3pPr>
-            <a:lvl4pPr marL="1371600" indent="0" algn="l" defTabSz="914400" rtl="0" eaLnBrk="1" latinLnBrk="0" hangingPunct="1">
-              <a:lnSpc>
-                <a:spcPct val="90000"/>
-              </a:lnSpc>
-              <a:spcBef>
-                <a:spcPts val="500"/>
-              </a:spcBef>
-              <a:buFont typeface="Arial" panose="020B0604020202020204" pitchFamily="34" charset="0"/>
-              <a:buNone/>
-              <a:defRPr sz="1850" kern="1200">
-                <a:solidFill>
-                  <a:schemeClr val="accent4">
-                    <a:lumMod val="75000"/>
-                    <a:lumOff val="25000"/>
-                  </a:schemeClr>
-                </a:solidFill>
-                <a:latin typeface="+mj-lt"/>
-                <a:ea typeface="+mn-ea"/>
-                <a:cs typeface="+mn-cs"/>
-              </a:defRPr>
-            </a:lvl4pPr>
-            <a:lvl5pPr marL="1828800" indent="0" algn="l" defTabSz="914400" rtl="0" eaLnBrk="1" latinLnBrk="0" hangingPunct="1">
-              <a:lnSpc>
-                <a:spcPct val="90000"/>
-              </a:lnSpc>
-              <a:spcBef>
-                <a:spcPts val="500"/>
-              </a:spcBef>
-              <a:buFont typeface="Arial" panose="020B0604020202020204" pitchFamily="34" charset="0"/>
-              <a:buNone/>
-              <a:defRPr sz="1850" kern="1200">
-                <a:solidFill>
-                  <a:schemeClr val="accent4">
-                    <a:lumMod val="75000"/>
-                    <a:lumOff val="25000"/>
-                  </a:schemeClr>
-                </a:solidFill>
-                <a:latin typeface="+mj-lt"/>
-                <a:ea typeface="+mn-ea"/>
-                <a:cs typeface="+mn-cs"/>
-              </a:defRPr>
-            </a:lvl5pPr>
-            <a:lvl6pPr marL="2514600" indent="-228600" algn="l" defTabSz="914400" rtl="0" eaLnBrk="1" latinLnBrk="0" hangingPunct="1">
-              <a:lnSpc>
-                <a:spcPct val="90000"/>
-              </a:lnSpc>
-              <a:spcBef>
-                <a:spcPts val="500"/>
-              </a:spcBef>
-              <a:buFont typeface="Arial" panose="020B0604020202020204" pitchFamily="34" charset="0"/>
-              <a:buChar char="•"/>
-              <a:defRPr sz="1800" kern="1200">
-                <a:solidFill>
-                  <a:schemeClr val="tx1"/>
-                </a:solidFill>
-                <a:latin typeface="+mn-lt"/>
-                <a:ea typeface="+mn-ea"/>
-                <a:cs typeface="+mn-cs"/>
-              </a:defRPr>
-            </a:lvl6pPr>
-            <a:lvl7pPr marL="2971800" indent="-228600" algn="l" defTabSz="914400" rtl="0" eaLnBrk="1" latinLnBrk="0" hangingPunct="1">
-              <a:lnSpc>
-                <a:spcPct val="90000"/>
-              </a:lnSpc>
-              <a:spcBef>
-                <a:spcPts val="500"/>
-              </a:spcBef>
-              <a:buFont typeface="Arial" panose="020B0604020202020204" pitchFamily="34" charset="0"/>
-              <a:buChar char="•"/>
-              <a:defRPr sz="1800" kern="1200">
-                <a:solidFill>
-                  <a:schemeClr val="tx1"/>
-                </a:solidFill>
-                <a:latin typeface="+mn-lt"/>
-                <a:ea typeface="+mn-ea"/>
-                <a:cs typeface="+mn-cs"/>
-              </a:defRPr>
-            </a:lvl7pPr>
-            <a:lvl8pPr marL="3429000" indent="-228600" algn="l" defTabSz="914400" rtl="0" eaLnBrk="1" latinLnBrk="0" hangingPunct="1">
-              <a:lnSpc>
-                <a:spcPct val="90000"/>
-              </a:lnSpc>
-              <a:spcBef>
-                <a:spcPts val="500"/>
-              </a:spcBef>
-              <a:buFont typeface="Arial" panose="020B0604020202020204" pitchFamily="34" charset="0"/>
-              <a:buChar char="•"/>
-              <a:defRPr sz="1800" kern="1200">
-                <a:solidFill>
-                  <a:schemeClr val="tx1"/>
-                </a:solidFill>
-                <a:latin typeface="+mn-lt"/>
-                <a:ea typeface="+mn-ea"/>
-                <a:cs typeface="+mn-cs"/>
-              </a:defRPr>
-            </a:lvl8pPr>
-            <a:lvl9pPr marL="3886200" indent="-228600" algn="l" defTabSz="914400" rtl="0" eaLnBrk="1" latinLnBrk="0" hangingPunct="1">
-              <a:lnSpc>
-                <a:spcPct val="90000"/>
-              </a:lnSpc>
-              <a:spcBef>
-                <a:spcPts val="500"/>
-              </a:spcBef>
-              <a:buFont typeface="Arial" panose="020B0604020202020204" pitchFamily="34" charset="0"/>
-              <a:buChar char="•"/>
-              <a:defRPr sz="1800" kern="1200">
-                <a:solidFill>
-                  <a:schemeClr val="tx1"/>
-                </a:solidFill>
-                <a:latin typeface="+mn-lt"/>
-                <a:ea typeface="+mn-ea"/>
-                <a:cs typeface="+mn-cs"/>
-              </a:defRPr>
-            </a:lvl9pPr>
-          </a:lstStyle>
-          <a:p>
-            <a:pPr>
-              <a:lnSpc>
-                <a:spcPct val="100000"/>
-              </a:lnSpc>
-            </a:pPr>
-            <a:r>
-              <a:rPr lang="en-US"/>
-              <a:t>Elevator Pitch – 1 to 2 </a:t>
-            </a:r>
-            <a:r>
-              <a:rPr lang="en-US" err="1"/>
-              <a:t>mins</a:t>
-            </a:r>
-            <a:endParaRPr lang="en-US"/>
-          </a:p>
-        </p:txBody>
-      </p:sp>
-      <p:sp>
-        <p:nvSpPr>
-          <p:cNvPr id="26" name="Text Placeholder 8">
-            <a:extLst>
-              <a:ext uri="{FF2B5EF4-FFF2-40B4-BE49-F238E27FC236}">
-                <a16:creationId xmlns:a16="http://schemas.microsoft.com/office/drawing/2014/main" id="{B491FE36-B858-40D3-95B7-4DD516AF82E4}"/>
-              </a:ext>
-            </a:extLst>
-          </p:cNvPr>
-          <p:cNvSpPr txBox="1">
-            <a:spLocks/>
-          </p:cNvSpPr>
-          <p:nvPr/>
-        </p:nvSpPr>
-        <p:spPr>
-          <a:xfrm>
-            <a:off x="604738" y="3960439"/>
-            <a:ext cx="5201702" cy="268656"/>
-          </a:xfrm>
-          <a:prstGeom prst="rect">
-            <a:avLst/>
-          </a:prstGeom>
-        </p:spPr>
-        <p:txBody>
-          <a:bodyPr vert="horz" wrap="none" lIns="0" tIns="0" rIns="0" bIns="0" rtlCol="0">
-            <a:normAutofit/>
-          </a:bodyPr>
-          <a:lstStyle>
-            <a:lvl1pPr marL="0" indent="0" algn="l" defTabSz="914400" rtl="0" eaLnBrk="1" latinLnBrk="0" hangingPunct="1">
-              <a:lnSpc>
-                <a:spcPct val="90000"/>
-              </a:lnSpc>
-              <a:spcBef>
-                <a:spcPts val="1000"/>
-              </a:spcBef>
-              <a:buFont typeface="Arial" panose="020B0604020202020204" pitchFamily="34" charset="0"/>
-              <a:buNone/>
-              <a:defRPr lang="en-IN" sz="1400" kern="1200" dirty="0">
-                <a:solidFill>
-                  <a:schemeClr val="accent4">
-                    <a:lumMod val="75000"/>
-                    <a:lumOff val="25000"/>
-                  </a:schemeClr>
-                </a:solidFill>
-                <a:latin typeface="Segoe UI" panose="020B0502040204020203" pitchFamily="34" charset="0"/>
-                <a:ea typeface="+mn-ea"/>
-                <a:cs typeface="+mn-cs"/>
-              </a:defRPr>
-            </a:lvl1pPr>
-            <a:lvl2pPr marL="457200" indent="0" algn="l" defTabSz="914400" rtl="0" eaLnBrk="1" latinLnBrk="0" hangingPunct="1">
-              <a:lnSpc>
-                <a:spcPct val="90000"/>
-              </a:lnSpc>
-              <a:spcBef>
-                <a:spcPts val="500"/>
-              </a:spcBef>
-              <a:buFont typeface="Arial" panose="020B0604020202020204" pitchFamily="34" charset="0"/>
-              <a:buNone/>
-              <a:defRPr sz="1850" kern="1200">
-                <a:solidFill>
-                  <a:schemeClr val="accent4">
-                    <a:lumMod val="75000"/>
-                    <a:lumOff val="25000"/>
-                  </a:schemeClr>
-                </a:solidFill>
-                <a:latin typeface="+mj-lt"/>
-                <a:ea typeface="+mn-ea"/>
-                <a:cs typeface="+mn-cs"/>
-              </a:defRPr>
-            </a:lvl2pPr>
-            <a:lvl3pPr marL="914400" indent="0" algn="l" defTabSz="914400" rtl="0" eaLnBrk="1" latinLnBrk="0" hangingPunct="1">
-              <a:lnSpc>
-                <a:spcPct val="90000"/>
-              </a:lnSpc>
-              <a:spcBef>
-                <a:spcPts val="500"/>
-              </a:spcBef>
-              <a:buFont typeface="Arial" panose="020B0604020202020204" pitchFamily="34" charset="0"/>
-              <a:buNone/>
-              <a:defRPr sz="1850" kern="1200">
-                <a:solidFill>
-                  <a:schemeClr val="accent4">
-                    <a:lumMod val="75000"/>
-                    <a:lumOff val="25000"/>
-                  </a:schemeClr>
-                </a:solidFill>
-                <a:latin typeface="+mj-lt"/>
-                <a:ea typeface="+mn-ea"/>
-                <a:cs typeface="+mn-cs"/>
-              </a:defRPr>
-            </a:lvl3pPr>
-            <a:lvl4pPr marL="1371600" indent="0" algn="l" defTabSz="914400" rtl="0" eaLnBrk="1" latinLnBrk="0" hangingPunct="1">
-              <a:lnSpc>
-                <a:spcPct val="90000"/>
-              </a:lnSpc>
-              <a:spcBef>
-                <a:spcPts val="500"/>
-              </a:spcBef>
-              <a:buFont typeface="Arial" panose="020B0604020202020204" pitchFamily="34" charset="0"/>
-              <a:buNone/>
-              <a:defRPr sz="1850" kern="1200">
-                <a:solidFill>
-                  <a:schemeClr val="accent4">
-                    <a:lumMod val="75000"/>
-                    <a:lumOff val="25000"/>
-                  </a:schemeClr>
-                </a:solidFill>
-                <a:latin typeface="+mj-lt"/>
-                <a:ea typeface="+mn-ea"/>
-                <a:cs typeface="+mn-cs"/>
-              </a:defRPr>
-            </a:lvl4pPr>
-            <a:lvl5pPr marL="1828800" indent="0" algn="l" defTabSz="914400" rtl="0" eaLnBrk="1" latinLnBrk="0" hangingPunct="1">
-              <a:lnSpc>
-                <a:spcPct val="90000"/>
-              </a:lnSpc>
-              <a:spcBef>
-                <a:spcPts val="500"/>
-              </a:spcBef>
-              <a:buFont typeface="Arial" panose="020B0604020202020204" pitchFamily="34" charset="0"/>
-              <a:buNone/>
-              <a:defRPr sz="1850" kern="1200">
-                <a:solidFill>
-                  <a:schemeClr val="accent4">
-                    <a:lumMod val="75000"/>
-                    <a:lumOff val="25000"/>
-                  </a:schemeClr>
-                </a:solidFill>
-                <a:latin typeface="+mj-lt"/>
-                <a:ea typeface="+mn-ea"/>
-                <a:cs typeface="+mn-cs"/>
-              </a:defRPr>
-            </a:lvl5pPr>
-            <a:lvl6pPr marL="2514600" indent="-228600" algn="l" defTabSz="914400" rtl="0" eaLnBrk="1" latinLnBrk="0" hangingPunct="1">
-              <a:lnSpc>
-                <a:spcPct val="90000"/>
-              </a:lnSpc>
-              <a:spcBef>
-                <a:spcPts val="500"/>
-              </a:spcBef>
-              <a:buFont typeface="Arial" panose="020B0604020202020204" pitchFamily="34" charset="0"/>
-              <a:buChar char="•"/>
-              <a:defRPr sz="1800" kern="1200">
-                <a:solidFill>
-                  <a:schemeClr val="tx1"/>
-                </a:solidFill>
-                <a:latin typeface="+mn-lt"/>
-                <a:ea typeface="+mn-ea"/>
-                <a:cs typeface="+mn-cs"/>
-              </a:defRPr>
-            </a:lvl6pPr>
-            <a:lvl7pPr marL="2971800" indent="-228600" algn="l" defTabSz="914400" rtl="0" eaLnBrk="1" latinLnBrk="0" hangingPunct="1">
-              <a:lnSpc>
-                <a:spcPct val="90000"/>
-              </a:lnSpc>
-              <a:spcBef>
-                <a:spcPts val="500"/>
-              </a:spcBef>
-              <a:buFont typeface="Arial" panose="020B0604020202020204" pitchFamily="34" charset="0"/>
-              <a:buChar char="•"/>
-              <a:defRPr sz="1800" kern="1200">
-                <a:solidFill>
-                  <a:schemeClr val="tx1"/>
-                </a:solidFill>
-                <a:latin typeface="+mn-lt"/>
-                <a:ea typeface="+mn-ea"/>
-                <a:cs typeface="+mn-cs"/>
-              </a:defRPr>
-            </a:lvl7pPr>
-            <a:lvl8pPr marL="3429000" indent="-228600" algn="l" defTabSz="914400" rtl="0" eaLnBrk="1" latinLnBrk="0" hangingPunct="1">
-              <a:lnSpc>
-                <a:spcPct val="90000"/>
-              </a:lnSpc>
-              <a:spcBef>
-                <a:spcPts val="500"/>
-              </a:spcBef>
-              <a:buFont typeface="Arial" panose="020B0604020202020204" pitchFamily="34" charset="0"/>
-              <a:buChar char="•"/>
-              <a:defRPr sz="1800" kern="1200">
-                <a:solidFill>
-                  <a:schemeClr val="tx1"/>
-                </a:solidFill>
-                <a:latin typeface="+mn-lt"/>
-                <a:ea typeface="+mn-ea"/>
-                <a:cs typeface="+mn-cs"/>
-              </a:defRPr>
-            </a:lvl8pPr>
-            <a:lvl9pPr marL="3886200" indent="-228600" algn="l" defTabSz="914400" rtl="0" eaLnBrk="1" latinLnBrk="0" hangingPunct="1">
-              <a:lnSpc>
-                <a:spcPct val="90000"/>
-              </a:lnSpc>
-              <a:spcBef>
-                <a:spcPts val="500"/>
-              </a:spcBef>
-              <a:buFont typeface="Arial" panose="020B0604020202020204" pitchFamily="34" charset="0"/>
-              <a:buChar char="•"/>
-              <a:defRPr sz="1800" kern="1200">
-                <a:solidFill>
-                  <a:schemeClr val="tx1"/>
-                </a:solidFill>
-                <a:latin typeface="+mn-lt"/>
-                <a:ea typeface="+mn-ea"/>
-                <a:cs typeface="+mn-cs"/>
-              </a:defRPr>
-            </a:lvl9pPr>
-          </a:lstStyle>
-          <a:p>
-            <a:pPr>
-              <a:lnSpc>
-                <a:spcPct val="100000"/>
-              </a:lnSpc>
-            </a:pPr>
-            <a:r>
-              <a:rPr lang="en-US"/>
-              <a:t>Technologies Leveraged</a:t>
-            </a:r>
-          </a:p>
-        </p:txBody>
-      </p:sp>
-      <p:cxnSp>
-        <p:nvCxnSpPr>
-          <p:cNvPr id="27" name="Straight Connector 26">
-            <a:extLst>
-              <a:ext uri="{FF2B5EF4-FFF2-40B4-BE49-F238E27FC236}">
-                <a16:creationId xmlns:a16="http://schemas.microsoft.com/office/drawing/2014/main" id="{5AB4BBB4-719E-4504-877D-0A00BCCDE9A1}"/>
-              </a:ext>
-            </a:extLst>
-          </p:cNvPr>
-          <p:cNvCxnSpPr>
-            <a:cxnSpLocks/>
-          </p:cNvCxnSpPr>
-          <p:nvPr/>
-        </p:nvCxnSpPr>
-        <p:spPr>
-          <a:xfrm>
-            <a:off x="604738" y="5450118"/>
-            <a:ext cx="5201702" cy="0"/>
-          </a:xfrm>
-          <a:prstGeom prst="line">
-            <a:avLst/>
-          </a:prstGeom>
-          <a:ln>
-            <a:solidFill>
-              <a:schemeClr val="bg1">
-                <a:lumMod val="85000"/>
-              </a:schemeClr>
-            </a:solidFill>
-          </a:ln>
-        </p:spPr>
-        <p:style>
-          <a:lnRef idx="1">
-            <a:schemeClr val="accent1"/>
-          </a:lnRef>
-          <a:fillRef idx="0">
-            <a:schemeClr val="accent1"/>
-          </a:fillRef>
-          <a:effectRef idx="0">
-            <a:schemeClr val="accent1"/>
-          </a:effectRef>
-          <a:fontRef idx="minor">
-            <a:schemeClr val="tx1"/>
-          </a:fontRef>
-        </p:style>
-      </p:cxnSp>
-    </p:spTree>
-    <p:extLst>
-      <p:ext uri="{BB962C8B-B14F-4D97-AF65-F5344CB8AC3E}">
-        <p14:creationId xmlns:p14="http://schemas.microsoft.com/office/powerpoint/2010/main" val="2954688185"/>
-      </p:ext>
-    </p:extLst>
-  </p:cSld>
-  <p:clrMapOvr>
-    <a:masterClrMapping/>
-  </p:clrMapOvr>
-</p:sld>
-</file>
-
-<file path=ppt/slides/slide3.xml><?xml version="1.0" encoding="utf-8"?>
 <p:sld xmlns:a="http://schemas.openxmlformats.org/drawingml/2006/main" xmlns:r="http://schemas.openxmlformats.org/officeDocument/2006/relationships" xmlns:p="http://schemas.openxmlformats.org/presentationml/2006/main">
   <p:cSld>
     <p:spTree>
@@ -24691,7 +22515,7 @@
           <p:nvPr>
             <p:extLst>
               <p:ext uri="{D42A27DB-BD31-4B8C-83A1-F6EECF244321}">
-                <p14:modId xmlns:p14="http://schemas.microsoft.com/office/powerpoint/2010/main" val="1639759374"/>
+                <p14:modId xmlns:p14="http://schemas.microsoft.com/office/powerpoint/2010/main" val="4084827286"/>
               </p:ext>
             </p:extLst>
           </p:nvPr>
@@ -24741,6 +22565,7 @@
                           <a:solidFill>
                             <a:schemeClr val="tx1"/>
                           </a:solidFill>
+                          <a:latin typeface="+mn-lt"/>
                         </a:rPr>
                         <a:t>Team Name</a:t>
                       </a:r>
@@ -24759,6 +22584,7 @@
                           <a:solidFill>
                             <a:schemeClr val="tx1"/>
                           </a:solidFill>
+                          <a:latin typeface="+mn-lt"/>
                         </a:rPr>
                         <a:t>Member Names</a:t>
                       </a:r>
@@ -24777,6 +22603,7 @@
                           <a:solidFill>
                             <a:schemeClr val="tx1"/>
                           </a:solidFill>
+                          <a:latin typeface="+mn-lt"/>
                         </a:rPr>
                         <a:t>Education Institute Name</a:t>
                       </a:r>
@@ -24809,28 +22636,14 @@
                         <a:buNone/>
                       </a:pPr>
                       <a:r>
-                        <a:rPr lang="en-GB" sz="1400" b="1" u="none" strike="noStrike" noProof="0">
-                          <a:solidFill>
-                            <a:schemeClr val="tx1"/>
-                          </a:solidFill>
-                        </a:rPr>
-                        <a:t>InnovisionSquad</a:t>
+                        <a:rPr lang="en-GB" sz="1400" b="1" dirty="0" err="1"/>
+                        <a:t>SpamBytes</a:t>
                       </a:r>
-                      <a:endParaRPr lang="en-US" sz="1400" b="1">
+                      <a:endParaRPr lang="en-GB" sz="1400" dirty="0">
                         <a:solidFill>
                           <a:schemeClr val="tx1"/>
                         </a:solidFill>
-                      </a:endParaRPr>
-                    </a:p>
-                    <a:p>
-                      <a:pPr lvl="0" algn="l">
-                        <a:buNone/>
-                      </a:pPr>
-                      <a:endParaRPr lang="en-GB" sz="1400">
-                        <a:solidFill>
-                          <a:schemeClr val="tx1"/>
-                        </a:solidFill>
-                        <a:latin typeface="+mj-lt"/>
+                        <a:latin typeface="+mn-lt"/>
                       </a:endParaRPr>
                     </a:p>
                   </a:txBody>
@@ -24916,18 +22729,19 @@
                     <a:p>
                       <a:pPr algn="ctr"/>
                       <a:r>
-                        <a:rPr lang="en-GB" sz="1600" b="0" u="none" strike="noStrike" noProof="0">
+                        <a:rPr lang="en-GB" sz="1600" b="0" u="none" strike="noStrike" noProof="0" dirty="0">
                           <a:solidFill>
                             <a:schemeClr val="tx1"/>
                           </a:solidFill>
+                          <a:latin typeface="+mn-lt"/>
                         </a:rPr>
                         <a:t>Krishna Aute</a:t>
                       </a:r>
-                      <a:endParaRPr lang="en-GB" sz="1600" b="0" i="1" u="none" strike="noStrike" noProof="0">
+                      <a:endParaRPr lang="en-GB" sz="1600" b="0" i="1" u="none" strike="noStrike" noProof="0" dirty="0">
                         <a:solidFill>
                           <a:schemeClr val="tx1"/>
                         </a:solidFill>
-                        <a:latin typeface="+mj-lt"/>
+                        <a:latin typeface="+mn-lt"/>
                       </a:endParaRPr>
                     </a:p>
                   </a:txBody>
@@ -24955,6 +22769,7 @@
                           <a:solidFill>
                             <a:schemeClr val="tx1"/>
                           </a:solidFill>
+                          <a:latin typeface="+mn-lt"/>
                         </a:rPr>
                         <a:t>Deogiri Institute of Engineering &amp; Management Studies, Aurangabad</a:t>
                       </a:r>
@@ -24962,7 +22777,7 @@
                         <a:solidFill>
                           <a:schemeClr val="tx1"/>
                         </a:solidFill>
-                        <a:latin typeface="+mj-lt"/>
+                        <a:latin typeface="+mn-lt"/>
                       </a:endParaRPr>
                     </a:p>
                   </a:txBody>
@@ -25080,18 +22895,19 @@
                     <a:p>
                       <a:pPr algn="ctr"/>
                       <a:r>
-                        <a:rPr lang="en-GB" sz="1600">
+                        <a:rPr lang="en-GB" sz="1600" dirty="0">
                           <a:solidFill>
                             <a:schemeClr val="tx1"/>
                           </a:solidFill>
+                          <a:latin typeface="+mn-lt"/>
                         </a:rPr>
                         <a:t>Shubham Pitekar</a:t>
                       </a:r>
-                      <a:endParaRPr lang="en-GB" sz="1600" i="1">
+                      <a:endParaRPr lang="en-GB" sz="1600" i="1" dirty="0">
                         <a:solidFill>
                           <a:schemeClr val="tx1"/>
                         </a:solidFill>
-                        <a:latin typeface="+mj-lt"/>
+                        <a:latin typeface="+mn-lt"/>
                       </a:endParaRPr>
                     </a:p>
                   </a:txBody>
@@ -25119,6 +22935,7 @@
                           <a:solidFill>
                             <a:schemeClr val="tx1"/>
                           </a:solidFill>
+                          <a:latin typeface="+mn-lt"/>
                         </a:rPr>
                         <a:t>Deogiri Institute of Engineering &amp; Management Studies, Aurangabad</a:t>
                       </a:r>
@@ -25257,18 +23074,19 @@
                         <a:buNone/>
                       </a:pPr>
                       <a:r>
-                        <a:rPr lang="en-GB" sz="1600" b="0" u="none" strike="noStrike" noProof="0">
+                        <a:rPr lang="en-GB" sz="1600" b="0" u="none" strike="noStrike" noProof="0" dirty="0">
                           <a:solidFill>
                             <a:schemeClr val="tx1"/>
                           </a:solidFill>
+                          <a:latin typeface="+mn-lt"/>
                         </a:rPr>
-                        <a:t>Dayeeta Chakravorthy</a:t>
+                        <a:t>Dayeeta Chakravorty</a:t>
                       </a:r>
-                      <a:endParaRPr lang="en-GB" sz="1600" b="0" i="0" u="none" strike="noStrike" noProof="0">
+                      <a:endParaRPr lang="en-GB" sz="1600" b="0" i="0" u="none" strike="noStrike" noProof="0" dirty="0">
                         <a:solidFill>
                           <a:schemeClr val="tx1"/>
                         </a:solidFill>
-                        <a:latin typeface="+mj-lt"/>
+                        <a:latin typeface="+mn-lt"/>
                       </a:endParaRPr>
                     </a:p>
                   </a:txBody>
@@ -25296,6 +23114,7 @@
                           <a:solidFill>
                             <a:schemeClr val="tx1"/>
                           </a:solidFill>
+                          <a:latin typeface="+mn-lt"/>
                         </a:rPr>
                         <a:t>Deogiri Institute of Engineering &amp; Management Studies, Aurangabad</a:t>
                       </a:r>
@@ -25361,18 +23180,19 @@
                         <a:buNone/>
                       </a:pPr>
                       <a:r>
-                        <a:rPr lang="en-GB" sz="1400" b="0" u="none" strike="noStrike" noProof="0">
+                        <a:rPr lang="en-GB" sz="1600" b="0" u="none" strike="noStrike" noProof="0" dirty="0">
                           <a:solidFill>
                             <a:schemeClr val="tx1"/>
                           </a:solidFill>
+                          <a:latin typeface="+mn-lt"/>
                         </a:rPr>
                         <a:t>Siddhi Tribhuwan</a:t>
                       </a:r>
-                      <a:endParaRPr lang="en-GB" sz="1400">
+                      <a:endParaRPr lang="en-GB" sz="1600" dirty="0">
                         <a:solidFill>
                           <a:schemeClr val="tx1"/>
                         </a:solidFill>
-                        <a:latin typeface="+mj-lt"/>
+                        <a:latin typeface="+mn-lt"/>
                       </a:endParaRPr>
                     </a:p>
                   </a:txBody>
@@ -25400,6 +23220,7 @@
                           <a:solidFill>
                             <a:schemeClr val="tx1"/>
                           </a:solidFill>
+                          <a:latin typeface="+mn-lt"/>
                         </a:rPr>
                         <a:t>Deogiri Institute of Engineering &amp; Management Studies, Aurangabad</a:t>
                       </a:r>
@@ -25434,7 +23255,7 @@
                         <a:solidFill>
                           <a:schemeClr val="tx1"/>
                         </a:solidFill>
-                        <a:latin typeface="+mj-lt"/>
+                        <a:latin typeface="+mn-lt"/>
                       </a:endParaRPr>
                     </a:p>
                   </a:txBody>
@@ -25447,11 +23268,11 @@
                     <a:p>
                       <a:pPr algn="ctr"/>
                       <a:r>
-                        <a:rPr lang="en-GB" sz="1400">
+                        <a:rPr lang="en-GB" sz="1600" dirty="0">
                           <a:solidFill>
                             <a:schemeClr val="tx1"/>
                           </a:solidFill>
-                          <a:latin typeface="+mj-lt"/>
+                          <a:latin typeface="+mn-lt"/>
                         </a:rPr>
                         <a:t>Samruddhi Giri </a:t>
                       </a:r>
@@ -25482,10 +23303,11 @@
                         <a:defRPr/>
                       </a:pPr>
                       <a:r>
-                        <a:rPr lang="en-GB" sz="1400" b="0" u="none" strike="noStrike" kern="1200" noProof="0">
+                        <a:rPr lang="en-GB" sz="1400" b="0" u="none" strike="noStrike" kern="1200" noProof="0" dirty="0">
                           <a:solidFill>
                             <a:schemeClr val="tx1"/>
                           </a:solidFill>
+                          <a:latin typeface="+mn-lt"/>
                         </a:rPr>
                         <a:t>Deogiri Institute of Engineering &amp; Management Studies, Aurangabad</a:t>
                       </a:r>
@@ -25503,7 +23325,7 @@
                         </a:spcAft>
                         <a:buNone/>
                       </a:pPr>
-                      <a:endParaRPr lang="en-GB" sz="1400" b="0" i="0" u="none" strike="noStrike" kern="1200" noProof="0">
+                      <a:endParaRPr lang="en-GB" sz="1400" b="0" i="0" u="none" strike="noStrike" kern="1200" noProof="0" dirty="0">
                         <a:solidFill>
                           <a:schemeClr val="tx1"/>
                         </a:solidFill>
@@ -25529,6 +23351,442 @@
     <p:extLst>
       <p:ext uri="{BB962C8B-B14F-4D97-AF65-F5344CB8AC3E}">
         <p14:creationId xmlns:p14="http://schemas.microsoft.com/office/powerpoint/2010/main" val="2928179982"/>
+      </p:ext>
+    </p:extLst>
+  </p:cSld>
+  <p:clrMapOvr>
+    <a:masterClrMapping/>
+  </p:clrMapOvr>
+</p:sld>
+</file>
+
+<file path=ppt/slides/slide3.xml><?xml version="1.0" encoding="utf-8"?>
+<p:sld xmlns:a="http://schemas.openxmlformats.org/drawingml/2006/main" xmlns:r="http://schemas.openxmlformats.org/officeDocument/2006/relationships" xmlns:p="http://schemas.openxmlformats.org/presentationml/2006/main">
+  <p:cSld>
+    <p:spTree>
+      <p:nvGrpSpPr>
+        <p:cNvPr id="1" name=""/>
+        <p:cNvGrpSpPr/>
+        <p:nvPr/>
+      </p:nvGrpSpPr>
+      <p:grpSpPr>
+        <a:xfrm>
+          <a:off x="0" y="0"/>
+          <a:ext cx="0" cy="0"/>
+          <a:chOff x="0" y="0"/>
+          <a:chExt cx="0" cy="0"/>
+        </a:xfrm>
+      </p:grpSpPr>
+      <p:sp>
+        <p:nvSpPr>
+          <p:cNvPr id="4" name="Title 3">
+            <a:extLst>
+              <a:ext uri="{FF2B5EF4-FFF2-40B4-BE49-F238E27FC236}">
+                <a16:creationId xmlns:a16="http://schemas.microsoft.com/office/drawing/2014/main" id="{B46056A9-800D-4D02-A379-968FFCF2FEB7}"/>
+              </a:ext>
+            </a:extLst>
+          </p:cNvPr>
+          <p:cNvSpPr>
+            <a:spLocks noGrp="1"/>
+          </p:cNvSpPr>
+          <p:nvPr>
+            <p:ph type="title"/>
+          </p:nvPr>
+        </p:nvSpPr>
+        <p:spPr/>
+        <p:txBody>
+          <a:bodyPr/>
+          <a:lstStyle/>
+          <a:p>
+            <a:r>
+              <a:rPr lang="en-US"/>
+              <a:t>Problem Statement</a:t>
+            </a:r>
+            <a:endParaRPr lang="en-IN">
+              <a:solidFill>
+                <a:schemeClr val="accent4">
+                  <a:lumMod val="75000"/>
+                  <a:lumOff val="25000"/>
+                </a:schemeClr>
+              </a:solidFill>
+            </a:endParaRPr>
+          </a:p>
+        </p:txBody>
+      </p:sp>
+      <p:sp>
+        <p:nvSpPr>
+          <p:cNvPr id="2" name="TextBox 1">
+            <a:extLst>
+              <a:ext uri="{FF2B5EF4-FFF2-40B4-BE49-F238E27FC236}">
+                <a16:creationId xmlns:a16="http://schemas.microsoft.com/office/drawing/2014/main" id="{9723D522-EBDC-3AAE-DB4B-F0182121DF1A}"/>
+              </a:ext>
+            </a:extLst>
+          </p:cNvPr>
+          <p:cNvSpPr txBox="1"/>
+          <p:nvPr/>
+        </p:nvSpPr>
+        <p:spPr>
+          <a:xfrm>
+            <a:off x="696686" y="1327377"/>
+            <a:ext cx="8152067" cy="4524315"/>
+          </a:xfrm>
+          <a:prstGeom prst="rect">
+            <a:avLst/>
+          </a:prstGeom>
+          <a:noFill/>
+        </p:spPr>
+        <p:txBody>
+          <a:bodyPr rot="0" spcFirstLastPara="0" vertOverflow="overflow" horzOverflow="overflow" vert="horz" wrap="square" lIns="91440" tIns="45720" rIns="91440" bIns="45720" numCol="1" spcCol="0" rtlCol="0" fromWordArt="0" anchor="t" anchorCtr="0" forceAA="0" compatLnSpc="1">
+            <a:prstTxWarp prst="textNoShape">
+              <a:avLst/>
+            </a:prstTxWarp>
+            <a:spAutoFit/>
+          </a:bodyPr>
+          <a:lstStyle/>
+          <a:p>
+            <a:pPr rtl="0">
+              <a:spcBef>
+                <a:spcPts val="0"/>
+              </a:spcBef>
+              <a:spcAft>
+                <a:spcPts val="0"/>
+              </a:spcAft>
+            </a:pPr>
+            <a:r>
+              <a:rPr lang="en-GB" sz="1400" b="1" i="0" u="none" strike="noStrike" dirty="0">
+                <a:solidFill>
+                  <a:srgbClr val="000000"/>
+                </a:solidFill>
+                <a:effectLst/>
+                <a:latin typeface="Arial" panose="020B0604020202020204" pitchFamily="34" charset="0"/>
+              </a:rPr>
+              <a:t>1. Critical E-Waste Levels: </a:t>
+            </a:r>
+            <a:r>
+              <a:rPr lang="en-GB" sz="1400" b="0" i="0" u="none" strike="noStrike" dirty="0">
+                <a:solidFill>
+                  <a:srgbClr val="000000"/>
+                </a:solidFill>
+                <a:effectLst/>
+                <a:latin typeface="Arial" panose="020B0604020202020204" pitchFamily="34" charset="0"/>
+              </a:rPr>
+              <a:t>India faces a severe challenge with 1.71 million metric tons of electronic waste generated annually.</a:t>
+            </a:r>
+            <a:endParaRPr lang="en-GB" sz="1400" b="0" dirty="0">
+              <a:effectLst/>
+            </a:endParaRPr>
+          </a:p>
+          <a:p>
+            <a:pPr rtl="0">
+              <a:spcBef>
+                <a:spcPts val="0"/>
+              </a:spcBef>
+              <a:spcAft>
+                <a:spcPts val="0"/>
+              </a:spcAft>
+            </a:pPr>
+            <a:br>
+              <a:rPr lang="en-GB" sz="1400" b="0" dirty="0">
+                <a:effectLst/>
+              </a:rPr>
+            </a:br>
+            <a:r>
+              <a:rPr lang="en-GB" sz="1400" b="1" i="0" u="none" strike="noStrike" dirty="0">
+                <a:solidFill>
+                  <a:srgbClr val="000000"/>
+                </a:solidFill>
+                <a:effectLst/>
+                <a:latin typeface="Arial" panose="020B0604020202020204" pitchFamily="34" charset="0"/>
+              </a:rPr>
+              <a:t>2. Environmental Urgency: </a:t>
+            </a:r>
+            <a:r>
+              <a:rPr lang="en-GB" sz="1400" b="0" i="0" u="none" strike="noStrike" dirty="0">
+                <a:solidFill>
+                  <a:srgbClr val="000000"/>
+                </a:solidFill>
+                <a:effectLst/>
+                <a:latin typeface="Arial" panose="020B0604020202020204" pitchFamily="34" charset="0"/>
+              </a:rPr>
+              <a:t>Inadequate e-waste disposal practices have created an alarming environmental problem that demands immediate attention.</a:t>
+            </a:r>
+            <a:endParaRPr lang="en-GB" sz="1400" b="0" dirty="0">
+              <a:effectLst/>
+            </a:endParaRPr>
+          </a:p>
+          <a:p>
+            <a:pPr rtl="0">
+              <a:spcBef>
+                <a:spcPts val="0"/>
+              </a:spcBef>
+              <a:spcAft>
+                <a:spcPts val="0"/>
+              </a:spcAft>
+            </a:pPr>
+            <a:br>
+              <a:rPr lang="en-GB" sz="1400" b="0" dirty="0">
+                <a:effectLst/>
+              </a:rPr>
+            </a:br>
+            <a:r>
+              <a:rPr lang="en-GB" sz="1400" b="1" i="0" u="none" strike="noStrike" dirty="0">
+                <a:solidFill>
+                  <a:srgbClr val="000000"/>
+                </a:solidFill>
+                <a:effectLst/>
+                <a:latin typeface="Arial" panose="020B0604020202020204" pitchFamily="34" charset="0"/>
+              </a:rPr>
+              <a:t>3. Locational Difficulties: </a:t>
+            </a:r>
+            <a:r>
+              <a:rPr lang="en-GB" sz="1400" b="0" i="0" u="none" strike="noStrike" dirty="0">
+                <a:solidFill>
+                  <a:srgbClr val="000000"/>
+                </a:solidFill>
+                <a:effectLst/>
+                <a:latin typeface="Arial" panose="020B0604020202020204" pitchFamily="34" charset="0"/>
+              </a:rPr>
+              <a:t>Individuals and corporations struggle to find reliable e-waste collection facilities, contributing to improper disposal.</a:t>
+            </a:r>
+            <a:endParaRPr lang="en-GB" sz="1400" b="0" dirty="0">
+              <a:effectLst/>
+            </a:endParaRPr>
+          </a:p>
+          <a:p>
+            <a:pPr rtl="0">
+              <a:spcBef>
+                <a:spcPts val="0"/>
+              </a:spcBef>
+              <a:spcAft>
+                <a:spcPts val="0"/>
+              </a:spcAft>
+            </a:pPr>
+            <a:br>
+              <a:rPr lang="en-GB" sz="1400" b="0" dirty="0">
+                <a:effectLst/>
+              </a:rPr>
+            </a:br>
+            <a:r>
+              <a:rPr lang="en-GB" sz="1400" b="1" i="0" u="none" strike="noStrike" dirty="0">
+                <a:solidFill>
+                  <a:srgbClr val="000000"/>
+                </a:solidFill>
+                <a:effectLst/>
+                <a:latin typeface="Arial" panose="020B0604020202020204" pitchFamily="34" charset="0"/>
+              </a:rPr>
+              <a:t>4. Impact on Public Health: </a:t>
+            </a:r>
+            <a:r>
+              <a:rPr lang="en-GB" sz="1400" b="0" i="0" u="none" strike="noStrike" dirty="0">
+                <a:solidFill>
+                  <a:srgbClr val="000000"/>
+                </a:solidFill>
+                <a:effectLst/>
+                <a:latin typeface="Arial" panose="020B0604020202020204" pitchFamily="34" charset="0"/>
+              </a:rPr>
+              <a:t>Improper e-waste disposal not only poses environmental risks but also has implications for public health and safety.</a:t>
+            </a:r>
+            <a:endParaRPr lang="en-GB" sz="1400" b="0" dirty="0">
+              <a:effectLst/>
+            </a:endParaRPr>
+          </a:p>
+          <a:p>
+            <a:pPr rtl="0">
+              <a:spcBef>
+                <a:spcPts val="0"/>
+              </a:spcBef>
+              <a:spcAft>
+                <a:spcPts val="0"/>
+              </a:spcAft>
+            </a:pPr>
+            <a:br>
+              <a:rPr lang="en-GB" sz="1400" b="0" dirty="0">
+                <a:effectLst/>
+              </a:rPr>
+            </a:br>
+            <a:r>
+              <a:rPr lang="en-GB" sz="1400" b="1" i="0" u="none" strike="noStrike" dirty="0">
+                <a:solidFill>
+                  <a:srgbClr val="000000"/>
+                </a:solidFill>
+                <a:effectLst/>
+                <a:latin typeface="Arial" panose="020B0604020202020204" pitchFamily="34" charset="0"/>
+              </a:rPr>
+              <a:t>5. Technological Imperative: </a:t>
+            </a:r>
+            <a:r>
+              <a:rPr lang="en-GB" sz="1400" b="0" i="0" u="none" strike="noStrike" dirty="0">
+                <a:solidFill>
+                  <a:srgbClr val="000000"/>
+                </a:solidFill>
+                <a:effectLst/>
+                <a:latin typeface="Arial" panose="020B0604020202020204" pitchFamily="34" charset="0"/>
+              </a:rPr>
+              <a:t>In a rapidly technologizing world, the correct management of electronic waste is crucial for sustainable development.</a:t>
+            </a:r>
+            <a:endParaRPr lang="en-GB" sz="1400" b="0" dirty="0">
+              <a:effectLst/>
+            </a:endParaRPr>
+          </a:p>
+          <a:p>
+            <a:pPr rtl="0">
+              <a:spcBef>
+                <a:spcPts val="0"/>
+              </a:spcBef>
+              <a:spcAft>
+                <a:spcPts val="0"/>
+              </a:spcAft>
+            </a:pPr>
+            <a:br>
+              <a:rPr lang="en-GB" sz="1400" b="0" dirty="0">
+                <a:effectLst/>
+              </a:rPr>
+            </a:br>
+            <a:r>
+              <a:rPr lang="en-GB" sz="1400" b="1" i="0" u="none" strike="noStrike" dirty="0">
+                <a:solidFill>
+                  <a:srgbClr val="000000"/>
+                </a:solidFill>
+                <a:effectLst/>
+                <a:latin typeface="Arial" panose="020B0604020202020204" pitchFamily="34" charset="0"/>
+              </a:rPr>
+              <a:t>6. Need for Systematic Approach: </a:t>
+            </a:r>
+            <a:r>
+              <a:rPr lang="en-GB" sz="1400" b="0" i="0" u="none" strike="noStrike" dirty="0">
+                <a:solidFill>
+                  <a:srgbClr val="000000"/>
+                </a:solidFill>
+                <a:effectLst/>
+                <a:latin typeface="Arial" panose="020B0604020202020204" pitchFamily="34" charset="0"/>
+              </a:rPr>
+              <a:t>The current scenario emphasizes the urgent requirement for a systematic and accessible approach to e-waste management.</a:t>
+            </a:r>
+            <a:endParaRPr lang="en-GB" sz="1400" b="0" dirty="0">
+              <a:effectLst/>
+            </a:endParaRPr>
+          </a:p>
+          <a:p>
+            <a:br>
+              <a:rPr lang="en-GB" sz="1400" b="0" dirty="0">
+                <a:effectLst/>
+              </a:rPr>
+            </a:br>
+            <a:endParaRPr lang="en-GB" sz="1800" b="0" i="0" u="none" strike="noStrike" dirty="0">
+              <a:solidFill>
+                <a:srgbClr val="000000"/>
+              </a:solidFill>
+              <a:effectLst/>
+              <a:latin typeface="Arial" panose="020B0604020202020204" pitchFamily="34" charset="0"/>
+            </a:endParaRPr>
+          </a:p>
+          <a:p>
+            <a:pPr marL="285750" indent="-285750">
+              <a:buFont typeface="Arial" panose="020B0604020202020204" pitchFamily="34" charset="0"/>
+              <a:buChar char="•"/>
+            </a:pPr>
+            <a:r>
+              <a:rPr lang="en-US" sz="1600" b="1" dirty="0"/>
+              <a:t>Domain :  Sustainability &amp; Green Technology / </a:t>
+            </a:r>
+            <a:r>
+              <a:rPr lang="en-GB" sz="1600" b="1" dirty="0"/>
+              <a:t>Environment</a:t>
+            </a:r>
+            <a:endParaRPr lang="en-US" sz="1200" b="1" dirty="0"/>
+          </a:p>
+        </p:txBody>
+      </p:sp>
+      <p:pic>
+        <p:nvPicPr>
+          <p:cNvPr id="1032" name="Picture 8">
+            <a:extLst>
+              <a:ext uri="{FF2B5EF4-FFF2-40B4-BE49-F238E27FC236}">
+                <a16:creationId xmlns:a16="http://schemas.microsoft.com/office/drawing/2014/main" id="{7D77E869-FD2D-D4F2-AE1E-1EB76547962E}"/>
+              </a:ext>
+              <a:ext uri="{C183D7F6-B498-43B3-948B-1728B52AA6E4}">
+                <adec:decorative xmlns:adec="http://schemas.microsoft.com/office/drawing/2017/decorative" val="1"/>
+              </a:ext>
+            </a:extLst>
+          </p:cNvPr>
+          <p:cNvPicPr>
+            <a:picLocks noChangeAspect="1" noChangeArrowheads="1"/>
+          </p:cNvPicPr>
+          <p:nvPr/>
+        </p:nvPicPr>
+        <p:blipFill>
+          <a:blip r:embed="rId2">
+            <a:extLst>
+              <a:ext uri="{28A0092B-C50C-407E-A947-70E740481C1C}">
+                <a14:useLocalDpi xmlns:a14="http://schemas.microsoft.com/office/drawing/2010/main" val="0"/>
+              </a:ext>
+            </a:extLst>
+          </a:blip>
+          <a:srcRect/>
+          <a:stretch>
+            <a:fillRect/>
+          </a:stretch>
+        </p:blipFill>
+        <p:spPr bwMode="auto">
+          <a:xfrm>
+            <a:off x="9203899" y="2159454"/>
+            <a:ext cx="2232932" cy="2232932"/>
+          </a:xfrm>
+          <a:prstGeom prst="rect">
+            <a:avLst/>
+          </a:prstGeom>
+          <a:noFill/>
+          <a:extLst>
+            <a:ext uri="{909E8E84-426E-40DD-AFC4-6F175D3DCCD1}">
+              <a14:hiddenFill xmlns:a14="http://schemas.microsoft.com/office/drawing/2010/main">
+                <a:solidFill>
+                  <a:srgbClr val="FFFFFF"/>
+                </a:solidFill>
+              </a14:hiddenFill>
+            </a:ext>
+          </a:extLst>
+        </p:spPr>
+      </p:pic>
+      <p:sp>
+        <p:nvSpPr>
+          <p:cNvPr id="6" name="TextBox 5">
+            <a:extLst>
+              <a:ext uri="{FF2B5EF4-FFF2-40B4-BE49-F238E27FC236}">
+                <a16:creationId xmlns:a16="http://schemas.microsoft.com/office/drawing/2014/main" id="{264C762D-3CB1-121B-DDC8-AE76651FA529}"/>
+              </a:ext>
+            </a:extLst>
+          </p:cNvPr>
+          <p:cNvSpPr txBox="1"/>
+          <p:nvPr/>
+        </p:nvSpPr>
+        <p:spPr>
+          <a:xfrm>
+            <a:off x="9203899" y="4686300"/>
+            <a:ext cx="2291415" cy="369332"/>
+          </a:xfrm>
+          <a:prstGeom prst="rect">
+            <a:avLst/>
+          </a:prstGeom>
+          <a:noFill/>
+        </p:spPr>
+        <p:txBody>
+          <a:bodyPr wrap="square" rtlCol="0">
+            <a:spAutoFit/>
+          </a:bodyPr>
+          <a:lstStyle/>
+          <a:p>
+            <a:pPr algn="ctr"/>
+            <a:r>
+              <a:rPr lang="en-IN" b="1"/>
+              <a:t>Electronic Waste</a:t>
+            </a:r>
+          </a:p>
+        </p:txBody>
+      </p:sp>
+    </p:spTree>
+    <p:extLst>
+      <p:ext uri="{BB962C8B-B14F-4D97-AF65-F5344CB8AC3E}">
+        <p14:creationId xmlns:p14="http://schemas.microsoft.com/office/powerpoint/2010/main" val="4180042075"/>
       </p:ext>
     </p:extLst>
   </p:cSld>
@@ -25571,23 +23829,27 @@
             <p:ph type="title"/>
           </p:nvPr>
         </p:nvSpPr>
-        <p:spPr/>
+        <p:spPr>
+          <a:xfrm>
+            <a:off x="561307" y="156367"/>
+            <a:ext cx="10982522" cy="387798"/>
+          </a:xfrm>
+        </p:spPr>
         <p:txBody>
           <a:bodyPr/>
           <a:lstStyle/>
           <a:p>
             <a:r>
-              <a:rPr lang="en-US"/>
-              <a:t>Problem Statement</a:t>
-            </a:r>
-            <a:endParaRPr lang="en-IN">
-              <a:solidFill>
-                <a:schemeClr val="accent4">
-                  <a:lumMod val="75000"/>
-                  <a:lumOff val="25000"/>
-                </a:schemeClr>
-              </a:solidFill>
-            </a:endParaRPr>
+              <a:rPr lang="en-IN" dirty="0">
+                <a:solidFill>
+                  <a:schemeClr val="accent4">
+                    <a:lumMod val="75000"/>
+                    <a:lumOff val="25000"/>
+                  </a:schemeClr>
+                </a:solidFill>
+              </a:rPr>
+              <a:t>What is your idea for the solution?</a:t>
+            </a:r>
           </a:p>
         </p:txBody>
       </p:sp>
@@ -25596,7 +23858,7 @@
           <p:cNvPr id="2" name="TextBox 1">
             <a:extLst>
               <a:ext uri="{FF2B5EF4-FFF2-40B4-BE49-F238E27FC236}">
-                <a16:creationId xmlns:a16="http://schemas.microsoft.com/office/drawing/2014/main" id="{9723D522-EBDC-3AAE-DB4B-F0182121DF1A}"/>
+                <a16:creationId xmlns:a16="http://schemas.microsoft.com/office/drawing/2014/main" id="{2A29A2E8-9DCD-21AB-50B1-C0FCBD4394D2}"/>
               </a:ext>
             </a:extLst>
           </p:cNvPr>
@@ -25605,8 +23867,8 @@
         </p:nvSpPr>
         <p:spPr>
           <a:xfrm>
-            <a:off x="755169" y="1240291"/>
-            <a:ext cx="8152067" cy="4524315"/>
+            <a:off x="600782" y="697508"/>
+            <a:ext cx="8735787" cy="5940088"/>
           </a:xfrm>
           <a:prstGeom prst="rect">
             <a:avLst/>
@@ -25614,165 +23876,329 @@
           <a:noFill/>
         </p:spPr>
         <p:txBody>
-          <a:bodyPr rot="0" spcFirstLastPara="0" vertOverflow="overflow" horzOverflow="overflow" vert="horz" wrap="square" lIns="91440" tIns="45720" rIns="91440" bIns="45720" numCol="1" spcCol="0" rtlCol="0" fromWordArt="0" anchor="t" anchorCtr="0" forceAA="0" compatLnSpc="1">
+          <a:bodyPr wrap="square" lIns="91440" tIns="45720" rIns="91440" bIns="45720" rtlCol="0" anchor="t">
+            <a:spAutoFit/>
+          </a:bodyPr>
+          <a:lstStyle/>
+          <a:p>
+            <a:pPr algn="just"/>
+            <a:r>
+              <a:rPr lang="en-GB" b="1" dirty="0"/>
+              <a:t>Solution: </a:t>
+            </a:r>
+          </a:p>
+          <a:p>
+            <a:pPr marL="285750" indent="-285750" algn="just">
+              <a:buFont typeface="Arial" panose="020B0604020202020204" pitchFamily="34" charset="0"/>
+              <a:buChar char="•"/>
+            </a:pPr>
+            <a:r>
+              <a:rPr lang="en-GB" dirty="0">
+                <a:latin typeface="Calibri" panose="020F0502020204030204" pitchFamily="34" charset="0"/>
+                <a:ea typeface="Calibri" panose="020F0502020204030204" pitchFamily="34" charset="0"/>
+                <a:cs typeface="Calibri" panose="020F0502020204030204" pitchFamily="34" charset="0"/>
+              </a:rPr>
+              <a:t>In response to the critical issue of e-waste disposal, we present an </a:t>
+            </a:r>
+          </a:p>
+          <a:p>
+            <a:pPr algn="just"/>
+            <a:r>
+              <a:rPr lang="en-GB" sz="2000" b="1" dirty="0">
+                <a:solidFill>
+                  <a:srgbClr val="00B0F0"/>
+                </a:solidFill>
+                <a:latin typeface="Calibri" panose="020F0502020204030204" pitchFamily="34" charset="0"/>
+                <a:ea typeface="Calibri" panose="020F0502020204030204" pitchFamily="34" charset="0"/>
+                <a:cs typeface="Calibri" panose="020F0502020204030204" pitchFamily="34" charset="0"/>
+              </a:rPr>
+              <a:t>    </a:t>
+            </a:r>
+            <a:r>
+              <a:rPr lang="en-GB" sz="2000" b="1" dirty="0">
+                <a:solidFill>
+                  <a:srgbClr val="0070C0"/>
+                </a:solidFill>
+                <a:latin typeface="Calibri" panose="020F0502020204030204" pitchFamily="34" charset="0"/>
+                <a:ea typeface="Calibri" panose="020F0502020204030204" pitchFamily="34" charset="0"/>
+                <a:cs typeface="Calibri" panose="020F0502020204030204" pitchFamily="34" charset="0"/>
+              </a:rPr>
+              <a:t>Integrated web platform. </a:t>
+            </a:r>
+            <a:r>
+              <a:rPr lang="en-GB" dirty="0">
+                <a:latin typeface="Calibri" panose="020F0502020204030204" pitchFamily="34" charset="0"/>
+                <a:ea typeface="Calibri" panose="020F0502020204030204" pitchFamily="34" charset="0"/>
+                <a:cs typeface="Calibri" panose="020F0502020204030204" pitchFamily="34" charset="0"/>
+              </a:rPr>
+              <a:t>This solution is characterized by:</a:t>
+            </a:r>
+          </a:p>
+          <a:p>
+            <a:pPr marL="285750" indent="-285750" algn="just">
+              <a:buFont typeface="Arial" panose="020B0604020202020204" pitchFamily="34" charset="0"/>
+              <a:buChar char="•"/>
+            </a:pPr>
+            <a:r>
+              <a:rPr lang="en-GB" b="1" dirty="0">
+                <a:latin typeface="Calibri" panose="020F0502020204030204" pitchFamily="34" charset="0"/>
+                <a:ea typeface="Calibri" panose="020F0502020204030204" pitchFamily="34" charset="0"/>
+                <a:cs typeface="Calibri" panose="020F0502020204030204" pitchFamily="34" charset="0"/>
+              </a:rPr>
+              <a:t>User-Friendly Interface: </a:t>
+            </a:r>
+            <a:r>
+              <a:rPr lang="en-GB" dirty="0">
+                <a:latin typeface="Calibri" panose="020F0502020204030204" pitchFamily="34" charset="0"/>
+                <a:ea typeface="Calibri" panose="020F0502020204030204" pitchFamily="34" charset="0"/>
+                <a:cs typeface="Calibri" panose="020F0502020204030204" pitchFamily="34" charset="0"/>
+              </a:rPr>
+              <a:t>Our platform boasts an intuitive design, ensuring a seamless experience for all users.</a:t>
+            </a:r>
+          </a:p>
+          <a:p>
+            <a:pPr marL="285750" indent="-285750" algn="just">
+              <a:buFont typeface="Arial" panose="020B0604020202020204" pitchFamily="34" charset="0"/>
+              <a:buChar char="•"/>
+            </a:pPr>
+            <a:r>
+              <a:rPr lang="en-GB" b="1" dirty="0">
+                <a:latin typeface="Calibri" panose="020F0502020204030204" pitchFamily="34" charset="0"/>
+                <a:ea typeface="Calibri" panose="020F0502020204030204" pitchFamily="34" charset="0"/>
+                <a:cs typeface="Calibri" panose="020F0502020204030204" pitchFamily="34" charset="0"/>
+              </a:rPr>
+              <a:t>Advanced Technology Stack: </a:t>
+            </a:r>
+            <a:r>
+              <a:rPr lang="en-GB" dirty="0">
+                <a:latin typeface="Calibri" panose="020F0502020204030204" pitchFamily="34" charset="0"/>
+                <a:ea typeface="Calibri" panose="020F0502020204030204" pitchFamily="34" charset="0"/>
+                <a:cs typeface="Calibri" panose="020F0502020204030204" pitchFamily="34" charset="0"/>
+              </a:rPr>
+              <a:t>Leveraging cutting-edge technology, like Nextjs, Expressjs/Nodejs, MongoDB, </a:t>
+            </a:r>
+            <a:r>
+              <a:rPr lang="en-GB" dirty="0" err="1">
+                <a:latin typeface="Calibri" panose="020F0502020204030204" pitchFamily="34" charset="0"/>
+                <a:ea typeface="Calibri" panose="020F0502020204030204" pitchFamily="34" charset="0"/>
+                <a:cs typeface="Calibri" panose="020F0502020204030204" pitchFamily="34" charset="0"/>
+              </a:rPr>
+              <a:t>MapBox</a:t>
+            </a:r>
+            <a:r>
+              <a:rPr lang="en-GB" dirty="0">
+                <a:latin typeface="Calibri" panose="020F0502020204030204" pitchFamily="34" charset="0"/>
+                <a:ea typeface="Calibri" panose="020F0502020204030204" pitchFamily="34" charset="0"/>
+                <a:cs typeface="Calibri" panose="020F0502020204030204" pitchFamily="34" charset="0"/>
+              </a:rPr>
+              <a:t> map API our platform ensures robust functionality and efficiency.</a:t>
+            </a:r>
+          </a:p>
+          <a:p>
+            <a:pPr marL="285750" indent="-285750" algn="just">
+              <a:buFont typeface="Arial" panose="020B0604020202020204" pitchFamily="34" charset="0"/>
+              <a:buChar char="•"/>
+            </a:pPr>
+            <a:r>
+              <a:rPr lang="en-GB" b="1" dirty="0">
+                <a:latin typeface="Calibri" panose="020F0502020204030204" pitchFamily="34" charset="0"/>
+                <a:ea typeface="Calibri" panose="020F0502020204030204" pitchFamily="34" charset="0"/>
+                <a:cs typeface="Calibri" panose="020F0502020204030204" pitchFamily="34" charset="0"/>
+              </a:rPr>
+              <a:t>Key Features:</a:t>
+            </a:r>
+            <a:endParaRPr lang="en-GB" dirty="0">
+              <a:latin typeface="Calibri" panose="020F0502020204030204" pitchFamily="34" charset="0"/>
+              <a:ea typeface="Calibri" panose="020F0502020204030204" pitchFamily="34" charset="0"/>
+              <a:cs typeface="Calibri" panose="020F0502020204030204" pitchFamily="34" charset="0"/>
+            </a:endParaRPr>
+          </a:p>
+          <a:p>
+            <a:pPr marL="285750" indent="-285750" algn="just">
+              <a:buFont typeface="Arial" panose="020B0604020202020204" pitchFamily="34" charset="0"/>
+              <a:buChar char="•"/>
+            </a:pPr>
+            <a:r>
+              <a:rPr lang="en-GB" b="1" dirty="0">
+                <a:latin typeface="Calibri" panose="020F0502020204030204" pitchFamily="34" charset="0"/>
+                <a:ea typeface="Calibri" panose="020F0502020204030204" pitchFamily="34" charset="0"/>
+                <a:cs typeface="Calibri" panose="020F0502020204030204" pitchFamily="34" charset="0"/>
+              </a:rPr>
+              <a:t>User Education: </a:t>
+            </a:r>
+            <a:r>
+              <a:rPr lang="en-GB" dirty="0">
+                <a:latin typeface="Calibri" panose="020F0502020204030204" pitchFamily="34" charset="0"/>
+                <a:ea typeface="Calibri" panose="020F0502020204030204" pitchFamily="34" charset="0"/>
+                <a:cs typeface="Calibri" panose="020F0502020204030204" pitchFamily="34" charset="0"/>
+              </a:rPr>
+              <a:t>Empowering users with knowledge about e-waste disposal best practices.</a:t>
+            </a:r>
+          </a:p>
+          <a:p>
+            <a:pPr marL="285750" indent="-285750" algn="just">
+              <a:buFont typeface="Arial" panose="020B0604020202020204" pitchFamily="34" charset="0"/>
+              <a:buChar char="•"/>
+            </a:pPr>
+            <a:r>
+              <a:rPr lang="en-GB" b="1" dirty="0">
+                <a:latin typeface="Calibri" panose="020F0502020204030204" pitchFamily="34" charset="0"/>
+                <a:ea typeface="Calibri" panose="020F0502020204030204" pitchFamily="34" charset="0"/>
+                <a:cs typeface="Calibri" panose="020F0502020204030204" pitchFamily="34" charset="0"/>
+              </a:rPr>
+              <a:t>Booking System: </a:t>
+            </a:r>
+            <a:r>
+              <a:rPr lang="en-GB" dirty="0">
+                <a:latin typeface="Calibri" panose="020F0502020204030204" pitchFamily="34" charset="0"/>
+                <a:ea typeface="Calibri" panose="020F0502020204030204" pitchFamily="34" charset="0"/>
+                <a:cs typeface="Calibri" panose="020F0502020204030204" pitchFamily="34" charset="0"/>
+              </a:rPr>
+              <a:t>Enables users to easily schedule pickups for their electronic devices, fostering a user-friendly experience.</a:t>
+            </a:r>
+          </a:p>
+          <a:p>
+            <a:pPr marL="285750" indent="-285750" algn="just">
+              <a:buFont typeface="Arial" panose="020B0604020202020204" pitchFamily="34" charset="0"/>
+              <a:buChar char="•"/>
+            </a:pPr>
+            <a:r>
+              <a:rPr lang="en-GB" b="1" dirty="0">
+                <a:latin typeface="Calibri" panose="020F0502020204030204" pitchFamily="34" charset="0"/>
+                <a:ea typeface="Calibri" panose="020F0502020204030204" pitchFamily="34" charset="0"/>
+                <a:cs typeface="Calibri" panose="020F0502020204030204" pitchFamily="34" charset="0"/>
+              </a:rPr>
+              <a:t>Location-Based Services- </a:t>
+            </a:r>
+            <a:r>
+              <a:rPr lang="en-GB" dirty="0">
+                <a:latin typeface="Calibri" panose="020F0502020204030204" pitchFamily="34" charset="0"/>
+                <a:ea typeface="Calibri" panose="020F0502020204030204" pitchFamily="34" charset="0"/>
+                <a:cs typeface="Calibri" panose="020F0502020204030204" pitchFamily="34" charset="0"/>
+              </a:rPr>
+              <a:t>Helps users locate and connect with nearby recycling facilities, promoting accessibility and convenience.</a:t>
+            </a:r>
+          </a:p>
+          <a:p>
+            <a:pPr marL="285750" indent="-285750" algn="just">
+              <a:buFont typeface="Arial" panose="020B0604020202020204" pitchFamily="34" charset="0"/>
+              <a:buChar char="•"/>
+            </a:pPr>
+            <a:r>
+              <a:rPr lang="en-GB" b="1" dirty="0">
+                <a:latin typeface="Calibri" panose="020F0502020204030204" pitchFamily="34" charset="0"/>
+                <a:ea typeface="Calibri" panose="020F0502020204030204" pitchFamily="34" charset="0"/>
+                <a:cs typeface="Calibri" panose="020F0502020204030204" pitchFamily="34" charset="0"/>
+              </a:rPr>
+              <a:t>Educational Blog Section- </a:t>
+            </a:r>
+            <a:r>
+              <a:rPr lang="en-GB" dirty="0">
+                <a:latin typeface="Calibri" panose="020F0502020204030204" pitchFamily="34" charset="0"/>
+                <a:ea typeface="Calibri" panose="020F0502020204030204" pitchFamily="34" charset="0"/>
+                <a:cs typeface="Calibri" panose="020F0502020204030204" pitchFamily="34" charset="0"/>
+              </a:rPr>
+              <a:t>Provides a valuable resource for users to access information about the environmental impact of e-waste and sustainable  consumption practices.</a:t>
+            </a:r>
+          </a:p>
+          <a:p>
+            <a:pPr marL="285750" indent="-285750" algn="just">
+              <a:buFont typeface="Arial" panose="020B0604020202020204" pitchFamily="34" charset="0"/>
+              <a:buChar char="•"/>
+            </a:pPr>
+            <a:r>
+              <a:rPr lang="en-GB" b="1" dirty="0">
+                <a:latin typeface="Calibri" panose="020F0502020204030204" pitchFamily="34" charset="0"/>
+                <a:ea typeface="Calibri" panose="020F0502020204030204" pitchFamily="34" charset="0"/>
+                <a:cs typeface="Calibri" panose="020F0502020204030204" pitchFamily="34" charset="0"/>
+              </a:rPr>
+              <a:t>Repository of Rules and Regulations- </a:t>
+            </a:r>
+            <a:r>
+              <a:rPr lang="en-GB" dirty="0">
+                <a:latin typeface="Calibri" panose="020F0502020204030204" pitchFamily="34" charset="0"/>
+                <a:ea typeface="Calibri" panose="020F0502020204030204" pitchFamily="34" charset="0"/>
+                <a:cs typeface="Calibri" panose="020F0502020204030204" pitchFamily="34" charset="0"/>
+              </a:rPr>
+              <a:t>Acts as a centralized source for users to stay informed about the legal frameworks governing e-waste management.</a:t>
+            </a:r>
+          </a:p>
+          <a:p>
+            <a:pPr marL="285750" indent="-285750" algn="just">
+              <a:buFont typeface="Arial" panose="020B0604020202020204" pitchFamily="34" charset="0"/>
+              <a:buChar char="•"/>
+            </a:pPr>
+            <a:endParaRPr lang="en-GB" dirty="0">
+              <a:cs typeface="Segoe UI"/>
+            </a:endParaRPr>
+          </a:p>
+          <a:p>
+            <a:pPr marL="285750" indent="-285750" algn="just">
+              <a:buFont typeface="Arial" panose="020B0604020202020204" pitchFamily="34" charset="0"/>
+              <a:buChar char="•"/>
+            </a:pPr>
+            <a:endParaRPr lang="en-GB" dirty="0">
+              <a:cs typeface="Segoe UI"/>
+            </a:endParaRPr>
+          </a:p>
+        </p:txBody>
+      </p:sp>
+      <p:sp>
+        <p:nvSpPr>
+          <p:cNvPr id="3" name="AutoShape 2" descr="13,403 E Waste Recycling Illustrations - Free in SVG, PNG, EPS - IconScout">
+            <a:extLst>
+              <a:ext uri="{FF2B5EF4-FFF2-40B4-BE49-F238E27FC236}">
+                <a16:creationId xmlns:a16="http://schemas.microsoft.com/office/drawing/2014/main" id="{E9C7D5DB-8DB1-139B-3677-FEF0C86C041F}"/>
+              </a:ext>
+            </a:extLst>
+          </p:cNvPr>
+          <p:cNvSpPr>
+            <a:spLocks noChangeAspect="1" noChangeArrowheads="1"/>
+          </p:cNvSpPr>
+          <p:nvPr/>
+        </p:nvSpPr>
+        <p:spPr bwMode="auto">
+          <a:xfrm>
+            <a:off x="8303077" y="2809935"/>
+            <a:ext cx="3624943" cy="3624943"/>
+          </a:xfrm>
+          <a:prstGeom prst="rect">
+            <a:avLst/>
+          </a:prstGeom>
+          <a:noFill/>
+          <a:extLst>
+            <a:ext uri="{909E8E84-426E-40DD-AFC4-6F175D3DCCD1}">
+              <a14:hiddenFill xmlns:a14="http://schemas.microsoft.com/office/drawing/2010/main">
+                <a:solidFill>
+                  <a:srgbClr val="FFFFFF"/>
+                </a:solidFill>
+              </a14:hiddenFill>
+            </a:ext>
+          </a:extLst>
+        </p:spPr>
+        <p:txBody>
+          <a:bodyPr vert="horz" wrap="square" lIns="91440" tIns="45720" rIns="91440" bIns="45720" numCol="1" anchor="t" anchorCtr="0" compatLnSpc="1">
             <a:prstTxWarp prst="textNoShape">
               <a:avLst/>
             </a:prstTxWarp>
-            <a:spAutoFit/>
           </a:bodyPr>
           <a:lstStyle/>
           <a:p>
-            <a:pPr marL="285750" indent="-285750" rtl="0">
-              <a:spcBef>
-                <a:spcPts val="0"/>
-              </a:spcBef>
-              <a:spcAft>
-                <a:spcPts val="0"/>
-              </a:spcAft>
-              <a:buFont typeface="Arial" panose="020B0604020202020204" pitchFamily="34" charset="0"/>
-              <a:buChar char="•"/>
-            </a:pPr>
-            <a:r>
-              <a:rPr lang="en-GB" sz="1800" b="0" i="0" u="none" strike="noStrike">
-                <a:solidFill>
-                  <a:srgbClr val="000000"/>
-                </a:solidFill>
-                <a:effectLst/>
-                <a:latin typeface="Arial" panose="020B0604020202020204" pitchFamily="34" charset="0"/>
-              </a:rPr>
-              <a:t>Inadequate e-waste disposal practices have reached critical proportions in India, with a staggering 1.71 million metric tons of electronic waste accumulating annually. This alarming figure underscores a pressing environmental challenge that demands immediate attention.</a:t>
-            </a:r>
-          </a:p>
-          <a:p>
-            <a:pPr marL="285750" indent="-285750" rtl="0">
-              <a:spcBef>
-                <a:spcPts val="0"/>
-              </a:spcBef>
-              <a:spcAft>
-                <a:spcPts val="0"/>
-              </a:spcAft>
-              <a:buFont typeface="Arial" panose="020B0604020202020204" pitchFamily="34" charset="0"/>
-              <a:buChar char="•"/>
-            </a:pPr>
-            <a:endParaRPr lang="en-GB" sz="1800" b="0" i="0" u="none" strike="noStrike">
-              <a:solidFill>
-                <a:srgbClr val="000000"/>
-              </a:solidFill>
-              <a:effectLst/>
-              <a:latin typeface="Arial" panose="020B0604020202020204" pitchFamily="34" charset="0"/>
-            </a:endParaRPr>
-          </a:p>
-          <a:p>
-            <a:pPr marL="285750" indent="-285750" rtl="0">
-              <a:spcBef>
-                <a:spcPts val="0"/>
-              </a:spcBef>
-              <a:spcAft>
-                <a:spcPts val="0"/>
-              </a:spcAft>
-              <a:buFont typeface="Arial" panose="020B0604020202020204" pitchFamily="34" charset="0"/>
-              <a:buChar char="•"/>
-            </a:pPr>
-            <a:r>
-              <a:rPr lang="en-GB" sz="1800" b="0" i="0" u="none" strike="noStrike">
-                <a:solidFill>
-                  <a:srgbClr val="000000"/>
-                </a:solidFill>
-                <a:effectLst/>
-                <a:latin typeface="Arial" panose="020B0604020202020204" pitchFamily="34" charset="0"/>
-              </a:rPr>
-              <a:t>The primary issue lies in the difficulty individuals and corporations face when trying to locate reliable e-waste collection facilities. This scarcity of accessible and trustworthy disposal avenues exacerbates the problem, leading to haphazard and improper disposal methods.</a:t>
-            </a:r>
-          </a:p>
-          <a:p>
-            <a:pPr marL="285750" indent="-285750" rtl="0">
-              <a:spcBef>
-                <a:spcPts val="0"/>
-              </a:spcBef>
-              <a:spcAft>
-                <a:spcPts val="0"/>
-              </a:spcAft>
-              <a:buFont typeface="Arial" panose="020B0604020202020204" pitchFamily="34" charset="0"/>
-              <a:buChar char="•"/>
-            </a:pPr>
-            <a:endParaRPr lang="en-GB" sz="1800" b="0" i="0" u="none" strike="noStrike">
-              <a:solidFill>
-                <a:srgbClr val="000000"/>
-              </a:solidFill>
-              <a:effectLst/>
-              <a:latin typeface="Arial" panose="020B0604020202020204" pitchFamily="34" charset="0"/>
-            </a:endParaRPr>
-          </a:p>
-          <a:p>
-            <a:pPr marL="285750" indent="-285750" rtl="0">
-              <a:spcBef>
-                <a:spcPts val="0"/>
-              </a:spcBef>
-              <a:spcAft>
-                <a:spcPts val="0"/>
-              </a:spcAft>
-              <a:buFont typeface="Arial" panose="020B0604020202020204" pitchFamily="34" charset="0"/>
-              <a:buChar char="•"/>
-            </a:pPr>
-            <a:r>
-              <a:rPr lang="en-GB" sz="1800" b="0" i="0" u="none" strike="noStrike">
-                <a:solidFill>
-                  <a:srgbClr val="000000"/>
-                </a:solidFill>
-                <a:effectLst/>
-                <a:latin typeface="Arial" panose="020B0604020202020204" pitchFamily="34" charset="0"/>
-              </a:rPr>
-              <a:t>In a rapidly technologizing world, the correct disposal of electronic waste has become an imperative. The current scenario not only poses environmental risks but also impacts public health and safety. It is evident that a systematic approach to e-waste management is urgently required.</a:t>
-            </a:r>
-          </a:p>
-          <a:p>
-            <a:pPr rtl="0">
-              <a:spcBef>
-                <a:spcPts val="0"/>
-              </a:spcBef>
-              <a:spcAft>
-                <a:spcPts val="0"/>
-              </a:spcAft>
-            </a:pPr>
-            <a:endParaRPr lang="en-GB" sz="1800" b="0" i="0" u="none" strike="noStrike">
-              <a:solidFill>
-                <a:srgbClr val="000000"/>
-              </a:solidFill>
-              <a:effectLst/>
-              <a:latin typeface="Arial" panose="020B0604020202020204" pitchFamily="34" charset="0"/>
-            </a:endParaRPr>
-          </a:p>
-          <a:p>
-            <a:pPr marL="285750" indent="-285750">
-              <a:buFont typeface="Arial" panose="020B0604020202020204" pitchFamily="34" charset="0"/>
-              <a:buChar char="•"/>
-            </a:pPr>
-            <a:r>
-              <a:rPr lang="en-US" b="1"/>
-              <a:t>Domain :  Sustainability &amp; Green Technology / </a:t>
-            </a:r>
-            <a:r>
-              <a:rPr lang="en-GB" b="1"/>
-              <a:t>Environment</a:t>
-            </a:r>
-            <a:endParaRPr lang="en-US" sz="1400" b="1"/>
+            <a:endParaRPr lang="en-IN"/>
           </a:p>
         </p:txBody>
       </p:sp>
       <p:pic>
         <p:nvPicPr>
-          <p:cNvPr id="1032" name="Picture 8">
+          <p:cNvPr id="6" name="Picture 5">
             <a:extLst>
               <a:ext uri="{FF2B5EF4-FFF2-40B4-BE49-F238E27FC236}">
-                <a16:creationId xmlns:a16="http://schemas.microsoft.com/office/drawing/2014/main" id="{7D77E869-FD2D-D4F2-AE1E-1EB76547962E}"/>
-              </a:ext>
-              <a:ext uri="{C183D7F6-B498-43B3-948B-1728B52AA6E4}">
-                <adec:decorative xmlns:adec="http://schemas.microsoft.com/office/drawing/2017/decorative" val="1"/>
+                <a16:creationId xmlns:a16="http://schemas.microsoft.com/office/drawing/2014/main" id="{C1B8835F-1695-8025-FF0C-FE6B8ACA07DE}"/>
               </a:ext>
             </a:extLst>
           </p:cNvPr>
           <p:cNvPicPr>
-            <a:picLocks noChangeAspect="1" noChangeArrowheads="1"/>
+            <a:picLocks noChangeAspect="1"/>
           </p:cNvPicPr>
           <p:nvPr/>
         </p:nvPicPr>
@@ -25784,37 +24210,26 @@
               </a:ext>
             </a:extLst>
           </a:blip>
-          <a:srcRect/>
           <a:stretch>
             <a:fillRect/>
           </a:stretch>
         </p:blipFill>
-        <p:spPr bwMode="auto">
-          <a:xfrm>
-            <a:off x="9203899" y="2159454"/>
-            <a:ext cx="2232932" cy="2232932"/>
+        <p:spPr>
+          <a:xfrm>
+            <a:off x="9391000" y="2130226"/>
+            <a:ext cx="2278487" cy="2278487"/>
           </a:xfrm>
           <a:prstGeom prst="rect">
             <a:avLst/>
           </a:prstGeom>
-          <a:noFill/>
-          <a:extLst>
-            <a:ext uri="{909E8E84-426E-40DD-AFC4-6F175D3DCCD1}">
-              <a14:hiddenFill xmlns:a14="http://schemas.microsoft.com/office/drawing/2010/main">
-                <a:solidFill>
-                  <a:srgbClr val="FFFFFF"/>
-                </a:solidFill>
-              </a14:hiddenFill>
-            </a:ext>
-          </a:extLst>
         </p:spPr>
       </p:pic>
       <p:sp>
         <p:nvSpPr>
-          <p:cNvPr id="6" name="TextBox 5">
+          <p:cNvPr id="7" name="TextBox 6">
             <a:extLst>
               <a:ext uri="{FF2B5EF4-FFF2-40B4-BE49-F238E27FC236}">
-                <a16:creationId xmlns:a16="http://schemas.microsoft.com/office/drawing/2014/main" id="{264C762D-3CB1-121B-DDC8-AE76651FA529}"/>
+                <a16:creationId xmlns:a16="http://schemas.microsoft.com/office/drawing/2014/main" id="{107179B5-D314-BE2D-231D-F5CCEB0CFB0C}"/>
               </a:ext>
             </a:extLst>
           </p:cNvPr>
@@ -25823,8 +24238,8 @@
         </p:nvSpPr>
         <p:spPr>
           <a:xfrm>
-            <a:off x="9203899" y="4686300"/>
-            <a:ext cx="2291415" cy="369332"/>
+            <a:off x="9336569" y="4100936"/>
+            <a:ext cx="2582636" cy="307777"/>
           </a:xfrm>
           <a:prstGeom prst="rect">
             <a:avLst/>
@@ -25837,10 +24252,9 @@
           </a:bodyPr>
           <a:lstStyle/>
           <a:p>
-            <a:pPr algn="ctr"/>
-            <a:r>
-              <a:rPr lang="en-IN" b="1"/>
-              <a:t>Electronic Waste</a:t>
+            <a:r>
+              <a:rPr lang="en-IN" sz="1400" b="1"/>
+              <a:t>E-Waste Recycling Platform</a:t>
             </a:r>
           </a:p>
         </p:txBody>
@@ -25848,7 +24262,7 @@
     </p:spTree>
     <p:extLst>
       <p:ext uri="{BB962C8B-B14F-4D97-AF65-F5344CB8AC3E}">
-        <p14:creationId xmlns:p14="http://schemas.microsoft.com/office/powerpoint/2010/main" val="4180042075"/>
+        <p14:creationId xmlns:p14="http://schemas.microsoft.com/office/powerpoint/2010/main" val="1190491742"/>
       </p:ext>
     </p:extLst>
   </p:cSld>
@@ -25893,7 +24307,7 @@
         </p:nvSpPr>
         <p:spPr>
           <a:xfrm>
-            <a:off x="561307" y="156367"/>
+            <a:off x="583719" y="346867"/>
             <a:ext cx="10982522" cy="387798"/>
           </a:xfrm>
         </p:spPr>
@@ -25910,7 +24324,7 @@
                   </a:schemeClr>
                 </a:solidFill>
               </a:rPr>
-              <a:t>What is your idea for the solution?</a:t>
+              <a:t>What domains does it address? What is the impact?</a:t>
             </a:r>
           </a:p>
         </p:txBody>
@@ -25920,7 +24334,7 @@
           <p:cNvPr id="2" name="TextBox 1">
             <a:extLst>
               <a:ext uri="{FF2B5EF4-FFF2-40B4-BE49-F238E27FC236}">
-                <a16:creationId xmlns:a16="http://schemas.microsoft.com/office/drawing/2014/main" id="{2A29A2E8-9DCD-21AB-50B1-C0FCBD4394D2}"/>
+                <a16:creationId xmlns:a16="http://schemas.microsoft.com/office/drawing/2014/main" id="{81AD24DE-3BF3-6B08-7D70-02D5EFCF97FB}"/>
               </a:ext>
             </a:extLst>
           </p:cNvPr>
@@ -25929,379 +24343,8 @@
         </p:nvSpPr>
         <p:spPr>
           <a:xfrm>
-            <a:off x="612160" y="616643"/>
-            <a:ext cx="8735787" cy="5940088"/>
-          </a:xfrm>
-          <a:prstGeom prst="rect">
-            <a:avLst/>
-          </a:prstGeom>
-          <a:noFill/>
-        </p:spPr>
-        <p:txBody>
-          <a:bodyPr wrap="square" lIns="91440" tIns="45720" rIns="91440" bIns="45720" rtlCol="0" anchor="t">
-            <a:spAutoFit/>
-          </a:bodyPr>
-          <a:lstStyle/>
-          <a:p>
-            <a:pPr algn="just"/>
-            <a:r>
-              <a:rPr lang="en-GB" b="1"/>
-              <a:t>Solution: </a:t>
-            </a:r>
-          </a:p>
-          <a:p>
-            <a:pPr marL="285750" indent="-285750" algn="just">
-              <a:buFont typeface="Arial" panose="020B0604020202020204" pitchFamily="34" charset="0"/>
-              <a:buChar char="•"/>
-            </a:pPr>
-            <a:r>
-              <a:rPr lang="en-GB">
-                <a:latin typeface="Calibri" panose="020F0502020204030204" pitchFamily="34" charset="0"/>
-                <a:ea typeface="Calibri" panose="020F0502020204030204" pitchFamily="34" charset="0"/>
-                <a:cs typeface="Calibri" panose="020F0502020204030204" pitchFamily="34" charset="0"/>
-              </a:rPr>
-              <a:t>In response to the critical issue of e-waste disposal, we present an </a:t>
-            </a:r>
-          </a:p>
-          <a:p>
-            <a:pPr algn="just"/>
-            <a:r>
-              <a:rPr lang="en-GB" sz="2000" b="1">
-                <a:solidFill>
-                  <a:srgbClr val="00B0F0"/>
-                </a:solidFill>
-                <a:latin typeface="Calibri" panose="020F0502020204030204" pitchFamily="34" charset="0"/>
-                <a:ea typeface="Calibri" panose="020F0502020204030204" pitchFamily="34" charset="0"/>
-                <a:cs typeface="Calibri" panose="020F0502020204030204" pitchFamily="34" charset="0"/>
-              </a:rPr>
-              <a:t>    </a:t>
-            </a:r>
-            <a:r>
-              <a:rPr lang="en-GB" sz="2000" b="1">
-                <a:solidFill>
-                  <a:srgbClr val="0070C0"/>
-                </a:solidFill>
-                <a:latin typeface="Calibri" panose="020F0502020204030204" pitchFamily="34" charset="0"/>
-                <a:ea typeface="Calibri" panose="020F0502020204030204" pitchFamily="34" charset="0"/>
-                <a:cs typeface="Calibri" panose="020F0502020204030204" pitchFamily="34" charset="0"/>
-              </a:rPr>
-              <a:t>Integrated web platform. </a:t>
-            </a:r>
-            <a:r>
-              <a:rPr lang="en-GB">
-                <a:latin typeface="Calibri" panose="020F0502020204030204" pitchFamily="34" charset="0"/>
-                <a:ea typeface="Calibri" panose="020F0502020204030204" pitchFamily="34" charset="0"/>
-                <a:cs typeface="Calibri" panose="020F0502020204030204" pitchFamily="34" charset="0"/>
-              </a:rPr>
-              <a:t>This solution is characterized by:</a:t>
-            </a:r>
-          </a:p>
-          <a:p>
-            <a:pPr marL="285750" indent="-285750" algn="just">
-              <a:buFont typeface="Arial" panose="020B0604020202020204" pitchFamily="34" charset="0"/>
-              <a:buChar char="•"/>
-            </a:pPr>
-            <a:r>
-              <a:rPr lang="en-GB" b="1">
-                <a:latin typeface="Calibri" panose="020F0502020204030204" pitchFamily="34" charset="0"/>
-                <a:ea typeface="Calibri" panose="020F0502020204030204" pitchFamily="34" charset="0"/>
-                <a:cs typeface="Calibri" panose="020F0502020204030204" pitchFamily="34" charset="0"/>
-              </a:rPr>
-              <a:t>User-Friendly Interface: </a:t>
-            </a:r>
-            <a:r>
-              <a:rPr lang="en-GB">
-                <a:latin typeface="Calibri" panose="020F0502020204030204" pitchFamily="34" charset="0"/>
-                <a:ea typeface="Calibri" panose="020F0502020204030204" pitchFamily="34" charset="0"/>
-                <a:cs typeface="Calibri" panose="020F0502020204030204" pitchFamily="34" charset="0"/>
-              </a:rPr>
-              <a:t>Our platform boasts an intuitive design, ensuring a seamless experience for all users.</a:t>
-            </a:r>
-          </a:p>
-          <a:p>
-            <a:pPr marL="285750" indent="-285750" algn="just">
-              <a:buFont typeface="Arial" panose="020B0604020202020204" pitchFamily="34" charset="0"/>
-              <a:buChar char="•"/>
-            </a:pPr>
-            <a:r>
-              <a:rPr lang="en-GB" b="1">
-                <a:latin typeface="Calibri" panose="020F0502020204030204" pitchFamily="34" charset="0"/>
-                <a:ea typeface="Calibri" panose="020F0502020204030204" pitchFamily="34" charset="0"/>
-                <a:cs typeface="Calibri" panose="020F0502020204030204" pitchFamily="34" charset="0"/>
-              </a:rPr>
-              <a:t>Advanced Technology Stack: </a:t>
-            </a:r>
-            <a:r>
-              <a:rPr lang="en-GB">
-                <a:latin typeface="Calibri" panose="020F0502020204030204" pitchFamily="34" charset="0"/>
-                <a:ea typeface="Calibri" panose="020F0502020204030204" pitchFamily="34" charset="0"/>
-                <a:cs typeface="Calibri" panose="020F0502020204030204" pitchFamily="34" charset="0"/>
-              </a:rPr>
-              <a:t>Leveraging cutting-edge technology, like Nextjs, Expressjs/Nodejs, MongoDB, </a:t>
-            </a:r>
-            <a:r>
-              <a:rPr lang="en-GB" err="1">
-                <a:latin typeface="Calibri" panose="020F0502020204030204" pitchFamily="34" charset="0"/>
-                <a:ea typeface="Calibri" panose="020F0502020204030204" pitchFamily="34" charset="0"/>
-                <a:cs typeface="Calibri" panose="020F0502020204030204" pitchFamily="34" charset="0"/>
-              </a:rPr>
-              <a:t>MapBox</a:t>
-            </a:r>
-            <a:r>
-              <a:rPr lang="en-GB">
-                <a:latin typeface="Calibri" panose="020F0502020204030204" pitchFamily="34" charset="0"/>
-                <a:ea typeface="Calibri" panose="020F0502020204030204" pitchFamily="34" charset="0"/>
-                <a:cs typeface="Calibri" panose="020F0502020204030204" pitchFamily="34" charset="0"/>
-              </a:rPr>
-              <a:t> map API our platform ensures robust functionality and efficiency.</a:t>
-            </a:r>
-          </a:p>
-          <a:p>
-            <a:pPr marL="285750" indent="-285750" algn="just">
-              <a:buFont typeface="Arial" panose="020B0604020202020204" pitchFamily="34" charset="0"/>
-              <a:buChar char="•"/>
-            </a:pPr>
-            <a:r>
-              <a:rPr lang="en-GB" b="1">
-                <a:latin typeface="Calibri" panose="020F0502020204030204" pitchFamily="34" charset="0"/>
-                <a:ea typeface="Calibri" panose="020F0502020204030204" pitchFamily="34" charset="0"/>
-                <a:cs typeface="Calibri" panose="020F0502020204030204" pitchFamily="34" charset="0"/>
-              </a:rPr>
-              <a:t>Key Features:</a:t>
-            </a:r>
-            <a:endParaRPr lang="en-GB">
-              <a:latin typeface="Calibri" panose="020F0502020204030204" pitchFamily="34" charset="0"/>
-              <a:ea typeface="Calibri" panose="020F0502020204030204" pitchFamily="34" charset="0"/>
-              <a:cs typeface="Calibri" panose="020F0502020204030204" pitchFamily="34" charset="0"/>
-            </a:endParaRPr>
-          </a:p>
-          <a:p>
-            <a:pPr marL="285750" indent="-285750" algn="just">
-              <a:buFont typeface="Arial" panose="020B0604020202020204" pitchFamily="34" charset="0"/>
-              <a:buChar char="•"/>
-            </a:pPr>
-            <a:r>
-              <a:rPr lang="en-GB" b="1">
-                <a:latin typeface="Calibri" panose="020F0502020204030204" pitchFamily="34" charset="0"/>
-                <a:ea typeface="Calibri" panose="020F0502020204030204" pitchFamily="34" charset="0"/>
-                <a:cs typeface="Calibri" panose="020F0502020204030204" pitchFamily="34" charset="0"/>
-              </a:rPr>
-              <a:t>User Education: </a:t>
-            </a:r>
-            <a:r>
-              <a:rPr lang="en-GB">
-                <a:latin typeface="Calibri" panose="020F0502020204030204" pitchFamily="34" charset="0"/>
-                <a:ea typeface="Calibri" panose="020F0502020204030204" pitchFamily="34" charset="0"/>
-                <a:cs typeface="Calibri" panose="020F0502020204030204" pitchFamily="34" charset="0"/>
-              </a:rPr>
-              <a:t>Empowering users with knowledge about e-waste disposal best practices.</a:t>
-            </a:r>
-          </a:p>
-          <a:p>
-            <a:pPr marL="285750" indent="-285750" algn="just">
-              <a:buFont typeface="Arial" panose="020B0604020202020204" pitchFamily="34" charset="0"/>
-              <a:buChar char="•"/>
-            </a:pPr>
-            <a:r>
-              <a:rPr lang="en-GB" b="1">
-                <a:latin typeface="Calibri" panose="020F0502020204030204" pitchFamily="34" charset="0"/>
-                <a:ea typeface="Calibri" panose="020F0502020204030204" pitchFamily="34" charset="0"/>
-                <a:cs typeface="Calibri" panose="020F0502020204030204" pitchFamily="34" charset="0"/>
-              </a:rPr>
-              <a:t>Booking System: </a:t>
-            </a:r>
-            <a:r>
-              <a:rPr lang="en-GB">
-                <a:latin typeface="Calibri" panose="020F0502020204030204" pitchFamily="34" charset="0"/>
-                <a:ea typeface="Calibri" panose="020F0502020204030204" pitchFamily="34" charset="0"/>
-                <a:cs typeface="Calibri" panose="020F0502020204030204" pitchFamily="34" charset="0"/>
-              </a:rPr>
-              <a:t>Enables users to easily schedule pickups for their electronic devices, fostering a user-friendly experience.</a:t>
-            </a:r>
-          </a:p>
-          <a:p>
-            <a:pPr marL="285750" indent="-285750" algn="just">
-              <a:buFont typeface="Arial" panose="020B0604020202020204" pitchFamily="34" charset="0"/>
-              <a:buChar char="•"/>
-            </a:pPr>
-            <a:r>
-              <a:rPr lang="en-GB" b="1">
-                <a:latin typeface="Calibri" panose="020F0502020204030204" pitchFamily="34" charset="0"/>
-                <a:ea typeface="Calibri" panose="020F0502020204030204" pitchFamily="34" charset="0"/>
-                <a:cs typeface="Calibri" panose="020F0502020204030204" pitchFamily="34" charset="0"/>
-              </a:rPr>
-              <a:t>Location-Based Services- </a:t>
-            </a:r>
-            <a:r>
-              <a:rPr lang="en-GB">
-                <a:latin typeface="Calibri" panose="020F0502020204030204" pitchFamily="34" charset="0"/>
-                <a:ea typeface="Calibri" panose="020F0502020204030204" pitchFamily="34" charset="0"/>
-                <a:cs typeface="Calibri" panose="020F0502020204030204" pitchFamily="34" charset="0"/>
-              </a:rPr>
-              <a:t>Helps users locate and connect with nearby recycling facilities, promoting accessibility and convenience.</a:t>
-            </a:r>
-          </a:p>
-          <a:p>
-            <a:pPr marL="285750" indent="-285750" algn="just">
-              <a:buFont typeface="Arial" panose="020B0604020202020204" pitchFamily="34" charset="0"/>
-              <a:buChar char="•"/>
-            </a:pPr>
-            <a:r>
-              <a:rPr lang="en-GB" b="1" dirty="0">
-                <a:latin typeface="Calibri" panose="020F0502020204030204" pitchFamily="34" charset="0"/>
-                <a:ea typeface="Calibri" panose="020F0502020204030204" pitchFamily="34" charset="0"/>
-                <a:cs typeface="Calibri" panose="020F0502020204030204" pitchFamily="34" charset="0"/>
-              </a:rPr>
-              <a:t>Educational Blog Section- </a:t>
-            </a:r>
-            <a:r>
-              <a:rPr lang="en-GB" dirty="0">
-                <a:latin typeface="Calibri" panose="020F0502020204030204" pitchFamily="34" charset="0"/>
-                <a:ea typeface="Calibri" panose="020F0502020204030204" pitchFamily="34" charset="0"/>
-                <a:cs typeface="Calibri" panose="020F0502020204030204" pitchFamily="34" charset="0"/>
-              </a:rPr>
-              <a:t>Provides a valuable resource for users to access information about the environmental impact of e-waste and sustainable  consumption practices.</a:t>
-            </a:r>
-          </a:p>
-          <a:p>
-            <a:pPr marL="285750" indent="-285750" algn="just">
-              <a:buFont typeface="Arial" panose="020B0604020202020204" pitchFamily="34" charset="0"/>
-              <a:buChar char="•"/>
-            </a:pPr>
-            <a:r>
-              <a:rPr lang="en-GB" b="1" dirty="0">
-                <a:latin typeface="Calibri" panose="020F0502020204030204" pitchFamily="34" charset="0"/>
-                <a:ea typeface="Calibri" panose="020F0502020204030204" pitchFamily="34" charset="0"/>
-                <a:cs typeface="Calibri" panose="020F0502020204030204" pitchFamily="34" charset="0"/>
-              </a:rPr>
-              <a:t>Repository of Rules and Regulations- </a:t>
-            </a:r>
-            <a:r>
-              <a:rPr lang="en-GB" dirty="0">
-                <a:latin typeface="Calibri" panose="020F0502020204030204" pitchFamily="34" charset="0"/>
-                <a:ea typeface="Calibri" panose="020F0502020204030204" pitchFamily="34" charset="0"/>
-                <a:cs typeface="Calibri" panose="020F0502020204030204" pitchFamily="34" charset="0"/>
-              </a:rPr>
-              <a:t>Acts as a centralized source for users to stay informed about the legal frameworks governing e-waste management.</a:t>
-            </a:r>
-          </a:p>
-          <a:p>
-            <a:pPr marL="285750" indent="-285750" algn="just">
-              <a:buFont typeface="Arial" panose="020B0604020202020204" pitchFamily="34" charset="0"/>
-              <a:buChar char="•"/>
-            </a:pPr>
-            <a:endParaRPr lang="en-GB">
-              <a:cs typeface="Segoe UI"/>
-            </a:endParaRPr>
-          </a:p>
-          <a:p>
-            <a:pPr marL="285750" indent="-285750" algn="just">
-              <a:buFont typeface="Arial" panose="020B0604020202020204" pitchFamily="34" charset="0"/>
-              <a:buChar char="•"/>
-            </a:pPr>
-            <a:endParaRPr lang="en-GB">
-              <a:cs typeface="Segoe UI"/>
-            </a:endParaRPr>
-          </a:p>
-        </p:txBody>
-      </p:sp>
-      <p:sp>
-        <p:nvSpPr>
-          <p:cNvPr id="3" name="AutoShape 2" descr="13,403 E Waste Recycling Illustrations - Free in SVG, PNG, EPS - IconScout">
-            <a:extLst>
-              <a:ext uri="{FF2B5EF4-FFF2-40B4-BE49-F238E27FC236}">
-                <a16:creationId xmlns:a16="http://schemas.microsoft.com/office/drawing/2014/main" id="{E9C7D5DB-8DB1-139B-3677-FEF0C86C041F}"/>
-              </a:ext>
-            </a:extLst>
-          </p:cNvPr>
-          <p:cNvSpPr>
-            <a:spLocks noChangeAspect="1" noChangeArrowheads="1"/>
-          </p:cNvSpPr>
-          <p:nvPr/>
-        </p:nvSpPr>
-        <p:spPr bwMode="auto">
-          <a:xfrm>
-            <a:off x="8303077" y="2809935"/>
-            <a:ext cx="3624943" cy="3624943"/>
-          </a:xfrm>
-          <a:prstGeom prst="rect">
-            <a:avLst/>
-          </a:prstGeom>
-          <a:noFill/>
-          <a:extLst>
-            <a:ext uri="{909E8E84-426E-40DD-AFC4-6F175D3DCCD1}">
-              <a14:hiddenFill xmlns:a14="http://schemas.microsoft.com/office/drawing/2010/main">
-                <a:solidFill>
-                  <a:srgbClr val="FFFFFF"/>
-                </a:solidFill>
-              </a14:hiddenFill>
-            </a:ext>
-          </a:extLst>
-        </p:spPr>
-        <p:txBody>
-          <a:bodyPr vert="horz" wrap="square" lIns="91440" tIns="45720" rIns="91440" bIns="45720" numCol="1" anchor="t" anchorCtr="0" compatLnSpc="1">
-            <a:prstTxWarp prst="textNoShape">
-              <a:avLst/>
-            </a:prstTxWarp>
-          </a:bodyPr>
-          <a:lstStyle/>
-          <a:p>
-            <a:endParaRPr lang="en-IN"/>
-          </a:p>
-        </p:txBody>
-      </p:sp>
-      <p:pic>
-        <p:nvPicPr>
-          <p:cNvPr id="6" name="Picture 5">
-            <a:extLst>
-              <a:ext uri="{FF2B5EF4-FFF2-40B4-BE49-F238E27FC236}">
-                <a16:creationId xmlns:a16="http://schemas.microsoft.com/office/drawing/2014/main" id="{C1B8835F-1695-8025-FF0C-FE6B8ACA07DE}"/>
-              </a:ext>
-            </a:extLst>
-          </p:cNvPr>
-          <p:cNvPicPr>
-            <a:picLocks noChangeAspect="1"/>
-          </p:cNvPicPr>
-          <p:nvPr/>
-        </p:nvPicPr>
-        <p:blipFill>
-          <a:blip r:embed="rId2">
-            <a:extLst>
-              <a:ext uri="{28A0092B-C50C-407E-A947-70E740481C1C}">
-                <a14:useLocalDpi xmlns:a14="http://schemas.microsoft.com/office/drawing/2010/main" val="0"/>
-              </a:ext>
-            </a:extLst>
-          </a:blip>
-          <a:stretch>
-            <a:fillRect/>
-          </a:stretch>
-        </p:blipFill>
-        <p:spPr>
-          <a:xfrm>
-            <a:off x="9391000" y="2130226"/>
-            <a:ext cx="2278487" cy="2278487"/>
-          </a:xfrm>
-          <a:prstGeom prst="rect">
-            <a:avLst/>
-          </a:prstGeom>
-        </p:spPr>
-      </p:pic>
-      <p:sp>
-        <p:nvSpPr>
-          <p:cNvPr id="7" name="TextBox 6">
-            <a:extLst>
-              <a:ext uri="{FF2B5EF4-FFF2-40B4-BE49-F238E27FC236}">
-                <a16:creationId xmlns:a16="http://schemas.microsoft.com/office/drawing/2014/main" id="{107179B5-D314-BE2D-231D-F5CCEB0CFB0C}"/>
-              </a:ext>
-            </a:extLst>
-          </p:cNvPr>
-          <p:cNvSpPr txBox="1"/>
-          <p:nvPr/>
-        </p:nvSpPr>
-        <p:spPr>
-          <a:xfrm>
-            <a:off x="9336569" y="4100936"/>
-            <a:ext cx="2582636" cy="307777"/>
+            <a:off x="360447" y="915446"/>
+            <a:ext cx="11247834" cy="5509200"/>
           </a:xfrm>
           <a:prstGeom prst="rect">
             <a:avLst/>
@@ -26314,9 +24357,147 @@
           </a:bodyPr>
           <a:lstStyle/>
           <a:p>
-            <a:r>
-              <a:rPr lang="en-IN" sz="1400" b="1"/>
-              <a:t>E-Waste Recycling Platform</a:t>
+            <a:endParaRPr lang="en-GB" sz="1600" b="1"/>
+          </a:p>
+          <a:p>
+            <a:r>
+              <a:rPr lang="en-GB" sz="1600" b="1"/>
+              <a:t>Domains Addressed:</a:t>
+            </a:r>
+          </a:p>
+          <a:p>
+            <a:pPr marL="342900" indent="-342900">
+              <a:buFont typeface="+mj-lt"/>
+              <a:buAutoNum type="arabicPeriod"/>
+            </a:pPr>
+            <a:r>
+              <a:rPr lang="en-GB" sz="1600" b="1"/>
+              <a:t>Environmental Sustainability: </a:t>
+            </a:r>
+            <a:r>
+              <a:rPr lang="en-GB" sz="1600"/>
+              <a:t>Mitigates e-waste accumulation through responsible disposal practices and recycling initiatives.</a:t>
+            </a:r>
+          </a:p>
+          <a:p>
+            <a:pPr marL="342900" indent="-342900">
+              <a:buFont typeface="+mj-lt"/>
+              <a:buAutoNum type="arabicPeriod"/>
+            </a:pPr>
+            <a:r>
+              <a:rPr lang="en-GB" sz="1600" b="1"/>
+              <a:t>Technology and Innovation</a:t>
+            </a:r>
+            <a:r>
+              <a:rPr lang="en-GB" sz="1600"/>
+              <a:t>: Utilizes cutting-edge technology, such as a user-friendly interface and an interactive chatbot, to revolutionize e-waste management.</a:t>
+            </a:r>
+          </a:p>
+          <a:p>
+            <a:pPr marL="342900" indent="-342900">
+              <a:buFont typeface="+mj-lt"/>
+              <a:buAutoNum type="arabicPeriod"/>
+            </a:pPr>
+            <a:r>
+              <a:rPr lang="en-GB" sz="1600" b="1"/>
+              <a:t>Education and Awareness: </a:t>
+            </a:r>
+            <a:r>
+              <a:rPr lang="en-GB" sz="1600"/>
+              <a:t>Emphasizes user education, raising awareness about the importance of proper e-waste disposal and recycling.</a:t>
+            </a:r>
+          </a:p>
+          <a:p>
+            <a:pPr marL="342900" indent="-342900">
+              <a:buFont typeface="+mj-lt"/>
+              <a:buAutoNum type="arabicPeriod"/>
+            </a:pPr>
+            <a:r>
+              <a:rPr lang="en-GB" sz="1600" b="1"/>
+              <a:t>Business and Industry: </a:t>
+            </a:r>
+            <a:r>
+              <a:rPr lang="en-GB" sz="1600"/>
+              <a:t>Offers a centralized platform for companies to efficiently manage e-waste disposal processes, supporting sustainable production practices.</a:t>
+            </a:r>
+          </a:p>
+          <a:p>
+            <a:endParaRPr lang="en-GB" sz="1600"/>
+          </a:p>
+          <a:p>
+            <a:r>
+              <a:rPr lang="en-GB" sz="1600" b="1"/>
+              <a:t>Impact:</a:t>
+            </a:r>
+          </a:p>
+          <a:p>
+            <a:pPr marL="285750" indent="-285750">
+              <a:buFont typeface="Arial" panose="020B0604020202020204" pitchFamily="34" charset="0"/>
+              <a:buChar char="•"/>
+            </a:pPr>
+            <a:r>
+              <a:rPr lang="en-GB" sz="1600" b="1"/>
+              <a:t>Environmental: </a:t>
+            </a:r>
+            <a:r>
+              <a:rPr lang="en-GB" sz="1600"/>
+              <a:t>Significantly reduces the environmental impact of e-waste accumulation by promoting responsible disposal practices and recycling, contributing to a more sustainable environment.</a:t>
+            </a:r>
+          </a:p>
+          <a:p>
+            <a:pPr marL="285750" indent="-285750">
+              <a:buFont typeface="Arial" panose="020B0604020202020204" pitchFamily="34" charset="0"/>
+              <a:buChar char="•"/>
+            </a:pPr>
+            <a:r>
+              <a:rPr lang="en-GB" sz="1600" b="1"/>
+              <a:t>Economic: </a:t>
+            </a:r>
+            <a:r>
+              <a:rPr lang="en-GB" sz="1600"/>
+              <a:t>Creates a market for recycled electronic components and fosters responsible production practices, potentially stimulating economic growth.</a:t>
+            </a:r>
+          </a:p>
+          <a:p>
+            <a:pPr marL="285750" indent="-285750">
+              <a:buFont typeface="Arial" panose="020B0604020202020204" pitchFamily="34" charset="0"/>
+              <a:buChar char="•"/>
+            </a:pPr>
+            <a:r>
+              <a:rPr lang="en-GB" sz="1600" b="1"/>
+              <a:t>Transparency and Accountability:</a:t>
+            </a:r>
+            <a:r>
+              <a:rPr lang="en-GB" sz="1600"/>
+              <a:t> Encourages e-waste reporting and auditing, promoting transparency and accountability in waste management efforts.</a:t>
+            </a:r>
+          </a:p>
+          <a:p>
+            <a:pPr marL="285750" indent="-285750">
+              <a:buFont typeface="Arial" panose="020B0604020202020204" pitchFamily="34" charset="0"/>
+              <a:buChar char="•"/>
+            </a:pPr>
+            <a:r>
+              <a:rPr lang="en-GB" sz="1600" b="1"/>
+              <a:t>Empowerment</a:t>
+            </a:r>
+            <a:r>
+              <a:rPr lang="en-GB" sz="1600"/>
+              <a:t>: Empowers individuals and businesses to make informed and responsible choices in e-waste disposal, contributing to a cleaner and more sustainable future.</a:t>
+            </a:r>
+          </a:p>
+          <a:p>
+            <a:pPr marL="285750" indent="-285750">
+              <a:buFont typeface="Arial" panose="020B0604020202020204" pitchFamily="34" charset="0"/>
+              <a:buChar char="•"/>
+            </a:pPr>
+            <a:r>
+              <a:rPr lang="en-GB" sz="1600" b="1"/>
+              <a:t>Innovation and Technology Adoption: </a:t>
+            </a:r>
+            <a:r>
+              <a:rPr lang="en-GB" sz="1600"/>
+              <a:t>By leveraging cutting-edge technology, our solution encourages the adoption of innovative waste management practices.</a:t>
             </a:r>
           </a:p>
         </p:txBody>
@@ -26324,7 +24505,7 @@
     </p:spTree>
     <p:extLst>
       <p:ext uri="{BB962C8B-B14F-4D97-AF65-F5344CB8AC3E}">
-        <p14:creationId xmlns:p14="http://schemas.microsoft.com/office/powerpoint/2010/main" val="1190491742"/>
+        <p14:creationId xmlns:p14="http://schemas.microsoft.com/office/powerpoint/2010/main" val="1314302320"/>
       </p:ext>
     </p:extLst>
   </p:cSld>
@@ -26367,249 +24548,6 @@
             <p:ph type="title"/>
           </p:nvPr>
         </p:nvSpPr>
-        <p:spPr>
-          <a:xfrm>
-            <a:off x="583719" y="346867"/>
-            <a:ext cx="10982522" cy="387798"/>
-          </a:xfrm>
-        </p:spPr>
-        <p:txBody>
-          <a:bodyPr/>
-          <a:lstStyle/>
-          <a:p>
-            <a:r>
-              <a:rPr lang="en-IN">
-                <a:solidFill>
-                  <a:schemeClr val="accent4">
-                    <a:lumMod val="75000"/>
-                    <a:lumOff val="25000"/>
-                  </a:schemeClr>
-                </a:solidFill>
-              </a:rPr>
-              <a:t>What domains does it address? What is the impact?</a:t>
-            </a:r>
-          </a:p>
-        </p:txBody>
-      </p:sp>
-      <p:sp>
-        <p:nvSpPr>
-          <p:cNvPr id="2" name="TextBox 1">
-            <a:extLst>
-              <a:ext uri="{FF2B5EF4-FFF2-40B4-BE49-F238E27FC236}">
-                <a16:creationId xmlns:a16="http://schemas.microsoft.com/office/drawing/2014/main" id="{81AD24DE-3BF3-6B08-7D70-02D5EFCF97FB}"/>
-              </a:ext>
-            </a:extLst>
-          </p:cNvPr>
-          <p:cNvSpPr txBox="1"/>
-          <p:nvPr/>
-        </p:nvSpPr>
-        <p:spPr>
-          <a:xfrm>
-            <a:off x="360447" y="915446"/>
-            <a:ext cx="11247834" cy="5509200"/>
-          </a:xfrm>
-          <a:prstGeom prst="rect">
-            <a:avLst/>
-          </a:prstGeom>
-          <a:noFill/>
-        </p:spPr>
-        <p:txBody>
-          <a:bodyPr wrap="square" rtlCol="0">
-            <a:spAutoFit/>
-          </a:bodyPr>
-          <a:lstStyle/>
-          <a:p>
-            <a:endParaRPr lang="en-GB" sz="1600" b="1"/>
-          </a:p>
-          <a:p>
-            <a:r>
-              <a:rPr lang="en-GB" sz="1600" b="1"/>
-              <a:t>Domains Addressed:</a:t>
-            </a:r>
-          </a:p>
-          <a:p>
-            <a:pPr marL="342900" indent="-342900">
-              <a:buFont typeface="+mj-lt"/>
-              <a:buAutoNum type="arabicPeriod"/>
-            </a:pPr>
-            <a:r>
-              <a:rPr lang="en-GB" sz="1600" b="1"/>
-              <a:t>Environmental Sustainability: </a:t>
-            </a:r>
-            <a:r>
-              <a:rPr lang="en-GB" sz="1600"/>
-              <a:t>Mitigates e-waste accumulation through responsible disposal practices and recycling initiatives.</a:t>
-            </a:r>
-          </a:p>
-          <a:p>
-            <a:pPr marL="342900" indent="-342900">
-              <a:buFont typeface="+mj-lt"/>
-              <a:buAutoNum type="arabicPeriod"/>
-            </a:pPr>
-            <a:r>
-              <a:rPr lang="en-GB" sz="1600" b="1"/>
-              <a:t>Technology and Innovation</a:t>
-            </a:r>
-            <a:r>
-              <a:rPr lang="en-GB" sz="1600"/>
-              <a:t>: Utilizes cutting-edge technology, such as a user-friendly interface and an interactive chatbot, to revolutionize e-waste management.</a:t>
-            </a:r>
-          </a:p>
-          <a:p>
-            <a:pPr marL="342900" indent="-342900">
-              <a:buFont typeface="+mj-lt"/>
-              <a:buAutoNum type="arabicPeriod"/>
-            </a:pPr>
-            <a:r>
-              <a:rPr lang="en-GB" sz="1600" b="1"/>
-              <a:t>Education and Awareness: </a:t>
-            </a:r>
-            <a:r>
-              <a:rPr lang="en-GB" sz="1600"/>
-              <a:t>Emphasizes user education, raising awareness about the importance of proper e-waste disposal and recycling.</a:t>
-            </a:r>
-          </a:p>
-          <a:p>
-            <a:pPr marL="342900" indent="-342900">
-              <a:buFont typeface="+mj-lt"/>
-              <a:buAutoNum type="arabicPeriod"/>
-            </a:pPr>
-            <a:r>
-              <a:rPr lang="en-GB" sz="1600" b="1"/>
-              <a:t>Business and Industry: </a:t>
-            </a:r>
-            <a:r>
-              <a:rPr lang="en-GB" sz="1600"/>
-              <a:t>Offers a centralized platform for companies to efficiently manage e-waste disposal processes, supporting sustainable production practices.</a:t>
-            </a:r>
-          </a:p>
-          <a:p>
-            <a:endParaRPr lang="en-GB" sz="1600"/>
-          </a:p>
-          <a:p>
-            <a:r>
-              <a:rPr lang="en-GB" sz="1600" b="1"/>
-              <a:t>Impact:</a:t>
-            </a:r>
-          </a:p>
-          <a:p>
-            <a:pPr marL="285750" indent="-285750">
-              <a:buFont typeface="Arial" panose="020B0604020202020204" pitchFamily="34" charset="0"/>
-              <a:buChar char="•"/>
-            </a:pPr>
-            <a:r>
-              <a:rPr lang="en-GB" sz="1600" b="1"/>
-              <a:t>Environmental: </a:t>
-            </a:r>
-            <a:r>
-              <a:rPr lang="en-GB" sz="1600"/>
-              <a:t>Significantly reduces the environmental impact of e-waste accumulation by promoting responsible disposal practices and recycling, contributing to a more sustainable environment.</a:t>
-            </a:r>
-          </a:p>
-          <a:p>
-            <a:pPr marL="285750" indent="-285750">
-              <a:buFont typeface="Arial" panose="020B0604020202020204" pitchFamily="34" charset="0"/>
-              <a:buChar char="•"/>
-            </a:pPr>
-            <a:r>
-              <a:rPr lang="en-GB" sz="1600" b="1"/>
-              <a:t>Economic: </a:t>
-            </a:r>
-            <a:r>
-              <a:rPr lang="en-GB" sz="1600"/>
-              <a:t>Creates a market for recycled electronic components and fosters responsible production practices, potentially stimulating economic growth.</a:t>
-            </a:r>
-          </a:p>
-          <a:p>
-            <a:pPr marL="285750" indent="-285750">
-              <a:buFont typeface="Arial" panose="020B0604020202020204" pitchFamily="34" charset="0"/>
-              <a:buChar char="•"/>
-            </a:pPr>
-            <a:r>
-              <a:rPr lang="en-GB" sz="1600" b="1"/>
-              <a:t>Transparency and Accountability:</a:t>
-            </a:r>
-            <a:r>
-              <a:rPr lang="en-GB" sz="1600"/>
-              <a:t> Encourages e-waste reporting and auditing, promoting transparency and accountability in waste management efforts.</a:t>
-            </a:r>
-          </a:p>
-          <a:p>
-            <a:pPr marL="285750" indent="-285750">
-              <a:buFont typeface="Arial" panose="020B0604020202020204" pitchFamily="34" charset="0"/>
-              <a:buChar char="•"/>
-            </a:pPr>
-            <a:r>
-              <a:rPr lang="en-GB" sz="1600" b="1"/>
-              <a:t>Empowerment</a:t>
-            </a:r>
-            <a:r>
-              <a:rPr lang="en-GB" sz="1600"/>
-              <a:t>: Empowers individuals and businesses to make informed and responsible choices in e-waste disposal, contributing to a cleaner and more sustainable future.</a:t>
-            </a:r>
-          </a:p>
-          <a:p>
-            <a:pPr marL="285750" indent="-285750">
-              <a:buFont typeface="Arial" panose="020B0604020202020204" pitchFamily="34" charset="0"/>
-              <a:buChar char="•"/>
-            </a:pPr>
-            <a:r>
-              <a:rPr lang="en-GB" sz="1600" b="1"/>
-              <a:t>Innovation and Technology Adoption: </a:t>
-            </a:r>
-            <a:r>
-              <a:rPr lang="en-GB" sz="1600"/>
-              <a:t>By leveraging cutting-edge technology, our solution encourages the adoption of innovative waste management practices.</a:t>
-            </a:r>
-          </a:p>
-        </p:txBody>
-      </p:sp>
-    </p:spTree>
-    <p:extLst>
-      <p:ext uri="{BB962C8B-B14F-4D97-AF65-F5344CB8AC3E}">
-        <p14:creationId xmlns:p14="http://schemas.microsoft.com/office/powerpoint/2010/main" val="1314302320"/>
-      </p:ext>
-    </p:extLst>
-  </p:cSld>
-  <p:clrMapOvr>
-    <a:masterClrMapping/>
-  </p:clrMapOvr>
-</p:sld>
-</file>
-
-<file path=ppt/slides/slide7.xml><?xml version="1.0" encoding="utf-8"?>
-<p:sld xmlns:a="http://schemas.openxmlformats.org/drawingml/2006/main" xmlns:r="http://schemas.openxmlformats.org/officeDocument/2006/relationships" xmlns:p="http://schemas.openxmlformats.org/presentationml/2006/main">
-  <p:cSld>
-    <p:spTree>
-      <p:nvGrpSpPr>
-        <p:cNvPr id="1" name=""/>
-        <p:cNvGrpSpPr/>
-        <p:nvPr/>
-      </p:nvGrpSpPr>
-      <p:grpSpPr>
-        <a:xfrm>
-          <a:off x="0" y="0"/>
-          <a:ext cx="0" cy="0"/>
-          <a:chOff x="0" y="0"/>
-          <a:chExt cx="0" cy="0"/>
-        </a:xfrm>
-      </p:grpSpPr>
-      <p:sp>
-        <p:nvSpPr>
-          <p:cNvPr id="4" name="Title 3">
-            <a:extLst>
-              <a:ext uri="{FF2B5EF4-FFF2-40B4-BE49-F238E27FC236}">
-                <a16:creationId xmlns:a16="http://schemas.microsoft.com/office/drawing/2014/main" id="{B46056A9-800D-4D02-A379-968FFCF2FEB7}"/>
-              </a:ext>
-            </a:extLst>
-          </p:cNvPr>
-          <p:cNvSpPr>
-            <a:spLocks noGrp="1"/>
-          </p:cNvSpPr>
-          <p:nvPr>
-            <p:ph type="title"/>
-          </p:nvPr>
-        </p:nvSpPr>
         <p:spPr/>
         <p:txBody>
           <a:bodyPr/>
@@ -26643,8 +24581,8 @@
         </p:nvSpPr>
         <p:spPr>
           <a:xfrm>
-            <a:off x="41107" y="931732"/>
-            <a:ext cx="12186843" cy="5929828"/>
+            <a:off x="383228" y="924667"/>
+            <a:ext cx="12186843" cy="5586466"/>
           </a:xfrm>
           <a:prstGeom prst="rect">
             <a:avLst/>
@@ -26665,10 +24603,10 @@
               <a:buChar char="•"/>
             </a:pPr>
             <a:r>
-              <a:rPr lang="en-GB" sz="1700" b="1"/>
+              <a:rPr lang="en-GB" sz="1600" b="1" dirty="0"/>
               <a:t>Bridging User-Facility Gap:</a:t>
             </a:r>
-            <a:endParaRPr lang="en-US">
+            <a:endParaRPr lang="en-US" sz="1600" dirty="0">
               <a:cs typeface="Segoe UI"/>
             </a:endParaRPr>
           </a:p>
@@ -26679,14 +24617,14 @@
               </a:lnSpc>
             </a:pPr>
             <a:r>
-              <a:rPr lang="en-GB" sz="1700" b="1"/>
+              <a:rPr lang="en-GB" sz="1600" b="1" dirty="0"/>
               <a:t>     </a:t>
             </a:r>
             <a:r>
-              <a:rPr lang="en-GB" sz="1700"/>
+              <a:rPr lang="en-GB" sz="1600" dirty="0"/>
               <a:t>Fills the crucial gap between users and e-waste facilities, streamlining the disposal process.</a:t>
             </a:r>
-            <a:endParaRPr lang="en-GB" sz="1700">
+            <a:endParaRPr lang="en-GB" sz="1600" dirty="0">
               <a:cs typeface="Segoe UI"/>
             </a:endParaRPr>
           </a:p>
@@ -26699,10 +24637,10 @@
               <a:buChar char="•"/>
             </a:pPr>
             <a:r>
-              <a:rPr lang="en-GB" sz="1700" b="1"/>
+              <a:rPr lang="en-GB" sz="1600" b="1" dirty="0"/>
               <a:t>Revolutionary E-Waste Booking System:</a:t>
             </a:r>
-            <a:endParaRPr lang="en-GB" sz="1700" b="1">
+            <a:endParaRPr lang="en-GB" sz="1600" b="1" dirty="0">
               <a:cs typeface="Segoe UI"/>
             </a:endParaRPr>
           </a:p>
@@ -26713,10 +24651,10 @@
               </a:lnSpc>
             </a:pPr>
             <a:r>
-              <a:rPr lang="en-GB" sz="1700"/>
+              <a:rPr lang="en-GB" sz="1600" dirty="0"/>
               <a:t>     Introduces a pioneering booking system enabling facilities to verify and issue credits based on valuable metals </a:t>
             </a:r>
-            <a:endParaRPr lang="en-GB" sz="1700">
+            <a:endParaRPr lang="en-GB" sz="1600" dirty="0">
               <a:cs typeface="Segoe UI"/>
             </a:endParaRPr>
           </a:p>
@@ -26727,10 +24665,10 @@
               </a:lnSpc>
             </a:pPr>
             <a:r>
-              <a:rPr lang="en-GB" sz="1700"/>
+              <a:rPr lang="en-GB" sz="1600" dirty="0"/>
               <a:t>     in electronic devices.</a:t>
             </a:r>
-            <a:endParaRPr lang="en-GB" sz="1700">
+            <a:endParaRPr lang="en-GB" sz="1600" dirty="0">
               <a:cs typeface="Segoe UI"/>
             </a:endParaRPr>
           </a:p>
@@ -26743,10 +24681,10 @@
               <a:buChar char="•"/>
             </a:pPr>
             <a:r>
-              <a:rPr lang="en-GB" sz="1700" b="1"/>
+              <a:rPr lang="en-GB" sz="1600" b="1" dirty="0"/>
               <a:t> Real-time Facility Verification:</a:t>
             </a:r>
-            <a:endParaRPr lang="en-GB" sz="1700" b="1">
+            <a:endParaRPr lang="en-GB" sz="1600" b="1" dirty="0">
               <a:cs typeface="Segoe UI"/>
             </a:endParaRPr>
           </a:p>
@@ -26757,10 +24695,10 @@
               </a:lnSpc>
             </a:pPr>
             <a:r>
-              <a:rPr lang="en-GB" sz="1700"/>
+              <a:rPr lang="en-GB" sz="1600" dirty="0"/>
               <a:t>      Utilizes real-time verification processes to ensure facilities meet quality and compliance standards.</a:t>
             </a:r>
-            <a:endParaRPr lang="en-GB" sz="1700">
+            <a:endParaRPr lang="en-GB" sz="1600" dirty="0">
               <a:cs typeface="Segoe UI"/>
             </a:endParaRPr>
           </a:p>
@@ -26773,10 +24711,10 @@
               <a:buChar char="•"/>
             </a:pPr>
             <a:r>
-              <a:rPr lang="en-GB" sz="1700" b="1"/>
+              <a:rPr lang="en-GB" sz="1600" b="1" dirty="0"/>
               <a:t>Comprehensive Facility Reviews:</a:t>
             </a:r>
-            <a:endParaRPr lang="en-GB" sz="1700" b="1">
+            <a:endParaRPr lang="en-GB" sz="1600" b="1" dirty="0">
               <a:cs typeface="Segoe UI"/>
             </a:endParaRPr>
           </a:p>
@@ -26787,10 +24725,10 @@
               </a:lnSpc>
             </a:pPr>
             <a:r>
-              <a:rPr lang="en-GB" sz="1700"/>
+              <a:rPr lang="en-GB" sz="1600" dirty="0"/>
               <a:t>     Empowers users with essential insights through detailed facility reviews.</a:t>
             </a:r>
-            <a:endParaRPr lang="en-GB" sz="1700">
+            <a:endParaRPr lang="en-GB" sz="1600" dirty="0">
               <a:cs typeface="Segoe UI"/>
             </a:endParaRPr>
           </a:p>
@@ -26803,10 +24741,10 @@
               <a:buChar char="•"/>
             </a:pPr>
             <a:r>
-              <a:rPr lang="en-GB" sz="1700" b="1"/>
+              <a:rPr lang="en-GB" sz="1600" b="1" dirty="0"/>
               <a:t>Efficient Admin Panel:</a:t>
             </a:r>
-            <a:endParaRPr lang="en-GB" sz="1700" b="1">
+            <a:endParaRPr lang="en-GB" sz="1600" b="1" dirty="0">
               <a:cs typeface="Segoe UI"/>
             </a:endParaRPr>
           </a:p>
@@ -26817,10 +24755,10 @@
               </a:lnSpc>
             </a:pPr>
             <a:r>
-              <a:rPr lang="en-GB" sz="1700"/>
+              <a:rPr lang="en-GB" sz="1600" dirty="0"/>
               <a:t>     Swiftly addresses complaints and offers a comprehensive view with detailed reports.</a:t>
             </a:r>
-            <a:endParaRPr lang="en-GB" sz="1700">
+            <a:endParaRPr lang="en-GB" sz="1600" dirty="0">
               <a:cs typeface="Segoe UI"/>
             </a:endParaRPr>
           </a:p>
@@ -26833,10 +24771,10 @@
               <a:buChar char="•"/>
             </a:pPr>
             <a:r>
-              <a:rPr lang="en-GB" sz="1700" b="1"/>
+              <a:rPr lang="en-GB" sz="1600" b="1" dirty="0"/>
               <a:t>Sustainable Feedback Loop:</a:t>
             </a:r>
-            <a:endParaRPr lang="en-GB" sz="1700" b="1">
+            <a:endParaRPr lang="en-GB" sz="1600" b="1" dirty="0">
               <a:cs typeface="Segoe UI"/>
             </a:endParaRPr>
           </a:p>
@@ -26847,10 +24785,10 @@
               </a:lnSpc>
             </a:pPr>
             <a:r>
-              <a:rPr lang="en-GB" sz="1700"/>
+              <a:rPr lang="en-GB" sz="1600" dirty="0"/>
               <a:t>     Establishes a feedback loop between users and facilities to encourage continuous improvement and sustainable practices.</a:t>
             </a:r>
-            <a:endParaRPr lang="en-GB" sz="1700">
+            <a:endParaRPr lang="en-GB" sz="1600" dirty="0">
               <a:cs typeface="Segoe UI"/>
             </a:endParaRPr>
           </a:p>
@@ -26863,10 +24801,10 @@
               <a:buChar char="•"/>
             </a:pPr>
             <a:r>
-              <a:rPr lang="en-GB" sz="1700" b="1"/>
+              <a:rPr lang="en-GB" sz="1600" b="1" dirty="0"/>
               <a:t>Dynamic User Rewards System:</a:t>
             </a:r>
-            <a:endParaRPr lang="en-GB" sz="1700" b="1">
+            <a:endParaRPr lang="en-GB" sz="1600" b="1" dirty="0">
               <a:cs typeface="Segoe UI"/>
             </a:endParaRPr>
           </a:p>
@@ -26877,10 +24815,10 @@
               </a:lnSpc>
             </a:pPr>
             <a:r>
-              <a:rPr lang="en-GB" sz="1700"/>
+              <a:rPr lang="en-GB" sz="1600" dirty="0"/>
               <a:t>  Introduces a dynamic rewards system based on responsible disposal behaviour, fostering long-term user engagement.</a:t>
             </a:r>
-            <a:endParaRPr lang="en-IN" sz="1700">
+            <a:endParaRPr lang="en-IN" sz="1600" dirty="0">
               <a:cs typeface="Segoe UI"/>
             </a:endParaRPr>
           </a:p>
@@ -26899,7 +24837,7 @@
 </p:sld>
 </file>
 
-<file path=ppt/slides/slide8.xml><?xml version="1.0" encoding="utf-8"?>
+<file path=ppt/slides/slide7.xml><?xml version="1.0" encoding="utf-8"?>
 <p:sld xmlns:a="http://schemas.openxmlformats.org/drawingml/2006/main" xmlns:r="http://schemas.openxmlformats.org/officeDocument/2006/relationships" xmlns:p="http://schemas.openxmlformats.org/presentationml/2006/main">
   <p:cSld>
     <p:spTree>
@@ -26974,20 +24912,20 @@
           <a:lstStyle/>
           <a:p>
             <a:r>
-              <a:rPr lang="en-GB" sz="1600" b="1"/>
+              <a:rPr lang="en-GB" sz="1600" b="1" dirty="0"/>
               <a:t>• Frontend Development:</a:t>
             </a:r>
-            <a:endParaRPr lang="en-US">
+            <a:endParaRPr lang="en-US" dirty="0">
               <a:cs typeface="Segoe UI"/>
             </a:endParaRPr>
           </a:p>
           <a:p>
             <a:r>
-              <a:rPr lang="en-GB" sz="1600"/>
+              <a:rPr lang="en-GB" sz="1600" dirty="0"/>
               <a:t>  • </a:t>
             </a:r>
             <a:r>
-              <a:rPr lang="en-GB" sz="1600" b="1">
+              <a:rPr lang="en-GB" sz="1600" b="1" dirty="0">
                 <a:solidFill>
                   <a:srgbClr val="7030A0"/>
                 </a:solidFill>
@@ -26995,33 +24933,33 @@
               <a:t>React/Next.js: </a:t>
             </a:r>
             <a:r>
-              <a:rPr lang="en-GB" sz="1600"/>
+              <a:rPr lang="en-GB" sz="1600" dirty="0"/>
               <a:t>Utilized for building the user interface, providing a responsive and interactive experience. And tailwind CSS for styling.</a:t>
             </a:r>
-            <a:endParaRPr lang="en-GB" sz="1600">
+            <a:endParaRPr lang="en-GB" sz="1600" dirty="0">
               <a:cs typeface="Segoe UI"/>
             </a:endParaRPr>
           </a:p>
           <a:p>
             <a:r>
-              <a:rPr lang="en-GB" sz="1600"/>
+              <a:rPr lang="en-GB" sz="1600" dirty="0"/>
               <a:t>• </a:t>
             </a:r>
             <a:r>
-              <a:rPr lang="en-GB" sz="1600" b="1"/>
+              <a:rPr lang="en-GB" sz="1600" b="1" dirty="0"/>
               <a:t>Backend Development:</a:t>
             </a:r>
-            <a:endParaRPr lang="en-GB" sz="1600" b="1">
+            <a:endParaRPr lang="en-GB" sz="1600" b="1" dirty="0">
               <a:cs typeface="Segoe UI"/>
             </a:endParaRPr>
           </a:p>
           <a:p>
             <a:r>
-              <a:rPr lang="en-GB" sz="1600"/>
+              <a:rPr lang="en-GB" sz="1600" dirty="0"/>
               <a:t>  • </a:t>
             </a:r>
             <a:r>
-              <a:rPr lang="en-GB" sz="1600" b="1">
+              <a:rPr lang="en-GB" sz="1600" b="1" dirty="0">
                 <a:solidFill>
                   <a:srgbClr val="7030A0"/>
                 </a:solidFill>
@@ -27029,29 +24967,29 @@
               <a:t>Express.js: </a:t>
             </a:r>
             <a:r>
-              <a:rPr lang="en-GB" sz="1600"/>
+              <a:rPr lang="en-GB" sz="1600" dirty="0"/>
               <a:t>Employed to create a robust and efficient backend to handle server-side logic.</a:t>
             </a:r>
-            <a:endParaRPr lang="en-GB" sz="1600">
+            <a:endParaRPr lang="en-GB" sz="1600" dirty="0">
               <a:cs typeface="Segoe UI"/>
             </a:endParaRPr>
           </a:p>
           <a:p>
             <a:r>
-              <a:rPr lang="en-GB" sz="1600" b="1"/>
+              <a:rPr lang="en-GB" sz="1600" b="1" dirty="0"/>
               <a:t>• Database Management:</a:t>
             </a:r>
-            <a:endParaRPr lang="en-GB" sz="1600" b="1">
+            <a:endParaRPr lang="en-GB" sz="1600" b="1" dirty="0">
               <a:cs typeface="Segoe UI"/>
             </a:endParaRPr>
           </a:p>
           <a:p>
             <a:r>
-              <a:rPr lang="en-GB" sz="1600"/>
+              <a:rPr lang="en-GB" sz="1600" dirty="0"/>
               <a:t>  • </a:t>
             </a:r>
             <a:r>
-              <a:rPr lang="en-GB" sz="1600" b="1">
+              <a:rPr lang="en-GB" sz="1600" b="1" dirty="0">
                 <a:solidFill>
                   <a:srgbClr val="7030A0"/>
                 </a:solidFill>
@@ -27059,29 +24997,29 @@
               <a:t>MongoDB: </a:t>
             </a:r>
             <a:r>
-              <a:rPr lang="en-GB" sz="1600"/>
+              <a:rPr lang="en-GB" sz="1600" dirty="0"/>
               <a:t>Chosen for its flexibility and scalability, facilitating efficient data management.</a:t>
             </a:r>
-            <a:endParaRPr lang="en-GB" sz="1600">
+            <a:endParaRPr lang="en-GB" sz="1600" dirty="0">
               <a:cs typeface="Segoe UI"/>
             </a:endParaRPr>
           </a:p>
           <a:p>
             <a:r>
-              <a:rPr lang="en-GB" sz="1600" b="1"/>
+              <a:rPr lang="en-GB" sz="1600" b="1" dirty="0"/>
               <a:t>• Geolocation Integration:</a:t>
             </a:r>
-            <a:endParaRPr lang="en-GB" sz="1600" b="1">
+            <a:endParaRPr lang="en-GB" sz="1600" b="1" dirty="0">
               <a:cs typeface="Segoe UI"/>
             </a:endParaRPr>
           </a:p>
           <a:p>
             <a:r>
-              <a:rPr lang="en-GB" sz="1600"/>
+              <a:rPr lang="en-GB" sz="1600" dirty="0"/>
               <a:t>  • </a:t>
             </a:r>
             <a:r>
-              <a:rPr lang="en-GB" sz="1600" b="1">
+              <a:rPr lang="en-GB" sz="1600" b="1" dirty="0">
                 <a:solidFill>
                   <a:srgbClr val="7030A0"/>
                 </a:solidFill>
@@ -27089,11 +25027,11 @@
               <a:t>Map Box</a:t>
             </a:r>
             <a:r>
-              <a:rPr lang="en-GB" sz="1600"/>
+              <a:rPr lang="en-GB" sz="1600" dirty="0"/>
               <a:t> </a:t>
             </a:r>
             <a:r>
-              <a:rPr lang="en-GB" sz="1600" b="1">
+              <a:rPr lang="en-GB" sz="1600" b="1" dirty="0">
                 <a:solidFill>
                   <a:srgbClr val="7030A0"/>
                 </a:solidFill>
@@ -27101,29 +25039,29 @@
               <a:t>Maps API: </a:t>
             </a:r>
             <a:r>
-              <a:rPr lang="en-GB" sz="1600"/>
+              <a:rPr lang="en-GB" sz="1600" dirty="0"/>
               <a:t>Integrated to enable precise location tracking of nearby e-waste facilities.</a:t>
             </a:r>
-            <a:endParaRPr lang="en-GB" sz="1600">
+            <a:endParaRPr lang="en-GB" sz="1600" dirty="0">
               <a:cs typeface="Segoe UI"/>
             </a:endParaRPr>
           </a:p>
           <a:p>
             <a:r>
-              <a:rPr lang="en-GB" sz="1600" b="1"/>
+              <a:rPr lang="en-GB" sz="1600" b="1" dirty="0"/>
               <a:t>• Security Measures:</a:t>
             </a:r>
-            <a:endParaRPr lang="en-GB" sz="1600" b="1">
+            <a:endParaRPr lang="en-GB" sz="1600" b="1" dirty="0">
               <a:cs typeface="Segoe UI"/>
             </a:endParaRPr>
           </a:p>
           <a:p>
             <a:r>
-              <a:rPr lang="en-GB" sz="1600"/>
+              <a:rPr lang="en-GB" sz="1600" dirty="0"/>
               <a:t>  </a:t>
             </a:r>
             <a:r>
-              <a:rPr lang="en-GB" sz="1600" b="1">
+              <a:rPr lang="en-GB" sz="1600" b="1" dirty="0">
                 <a:solidFill>
                   <a:srgbClr val="7030A0"/>
                 </a:solidFill>
@@ -27131,10 +25069,10 @@
               <a:t>• Advanced Security Protocols: </a:t>
             </a:r>
             <a:r>
-              <a:rPr lang="en-GB" sz="1600"/>
+              <a:rPr lang="en-GB" sz="1600" dirty="0"/>
               <a:t>Employed to safeguard user data and ensure data privacy and integrity.</a:t>
             </a:r>
-            <a:endParaRPr lang="en-GB" sz="1600">
+            <a:endParaRPr lang="en-GB" sz="1600" dirty="0">
               <a:cs typeface="Segoe UI"/>
             </a:endParaRPr>
           </a:p>
@@ -27465,7 +25403,7 @@
             <p:nvPr/>
           </p:nvPicPr>
           <p:blipFill>
-            <a:blip r:embed="rId16">
+            <a:blip r:embed="rId16" cstate="print">
               <a:extLst>
                 <a:ext uri="{28A0092B-C50C-407E-A947-70E740481C1C}">
                   <a14:useLocalDpi xmlns:a14="http://schemas.microsoft.com/office/drawing/2010/main" val="0"/>
@@ -27553,7 +25491,7 @@
           <p:nvPr/>
         </p:nvPicPr>
         <p:blipFill>
-          <a:blip r:embed="rId17">
+          <a:blip r:embed="rId17" cstate="print">
             <a:extLst>
               <a:ext uri="{28A0092B-C50C-407E-A947-70E740481C1C}">
                 <a14:useLocalDpi xmlns:a14="http://schemas.microsoft.com/office/drawing/2010/main" val="0"/>
@@ -27589,6 +25527,240 @@
     <p:extLst>
       <p:ext uri="{BB962C8B-B14F-4D97-AF65-F5344CB8AC3E}">
         <p14:creationId xmlns:p14="http://schemas.microsoft.com/office/powerpoint/2010/main" val="571862864"/>
+      </p:ext>
+    </p:extLst>
+  </p:cSld>
+  <p:clrMapOvr>
+    <a:masterClrMapping/>
+  </p:clrMapOvr>
+</p:sld>
+</file>
+
+<file path=ppt/slides/slide8.xml><?xml version="1.0" encoding="utf-8"?>
+<p:sld xmlns:a="http://schemas.openxmlformats.org/drawingml/2006/main" xmlns:r="http://schemas.openxmlformats.org/officeDocument/2006/relationships" xmlns:p="http://schemas.openxmlformats.org/presentationml/2006/main">
+  <p:cSld>
+    <p:spTree>
+      <p:nvGrpSpPr>
+        <p:cNvPr id="1" name=""/>
+        <p:cNvGrpSpPr/>
+        <p:nvPr/>
+      </p:nvGrpSpPr>
+      <p:grpSpPr>
+        <a:xfrm>
+          <a:off x="0" y="0"/>
+          <a:ext cx="0" cy="0"/>
+          <a:chOff x="0" y="0"/>
+          <a:chExt cx="0" cy="0"/>
+        </a:xfrm>
+      </p:grpSpPr>
+      <p:sp>
+        <p:nvSpPr>
+          <p:cNvPr id="4" name="Title 3">
+            <a:extLst>
+              <a:ext uri="{FF2B5EF4-FFF2-40B4-BE49-F238E27FC236}">
+                <a16:creationId xmlns:a16="http://schemas.microsoft.com/office/drawing/2014/main" id="{B46056A9-800D-4D02-A379-968FFCF2FEB7}"/>
+              </a:ext>
+            </a:extLst>
+          </p:cNvPr>
+          <p:cNvSpPr>
+            <a:spLocks noGrp="1"/>
+          </p:cNvSpPr>
+          <p:nvPr>
+            <p:ph type="title"/>
+          </p:nvPr>
+        </p:nvSpPr>
+        <p:spPr/>
+        <p:txBody>
+          <a:bodyPr/>
+          <a:lstStyle/>
+          <a:p>
+            <a:r>
+              <a:rPr lang="en-IN">
+                <a:solidFill>
+                  <a:schemeClr val="accent4">
+                    <a:lumMod val="75000"/>
+                    <a:lumOff val="25000"/>
+                  </a:schemeClr>
+                </a:solidFill>
+              </a:rPr>
+              <a:t>Technical Feasibility</a:t>
+            </a:r>
+          </a:p>
+        </p:txBody>
+      </p:sp>
+      <p:sp>
+        <p:nvSpPr>
+          <p:cNvPr id="2" name="TextBox 1">
+            <a:extLst>
+              <a:ext uri="{FF2B5EF4-FFF2-40B4-BE49-F238E27FC236}">
+                <a16:creationId xmlns:a16="http://schemas.microsoft.com/office/drawing/2014/main" id="{70F08144-0EBD-11A4-E32E-12273284F55A}"/>
+              </a:ext>
+            </a:extLst>
+          </p:cNvPr>
+          <p:cNvSpPr txBox="1"/>
+          <p:nvPr/>
+        </p:nvSpPr>
+        <p:spPr>
+          <a:xfrm>
+            <a:off x="421821" y="1311529"/>
+            <a:ext cx="11348358" cy="4247317"/>
+          </a:xfrm>
+          <a:prstGeom prst="rect">
+            <a:avLst/>
+          </a:prstGeom>
+          <a:noFill/>
+        </p:spPr>
+        <p:txBody>
+          <a:bodyPr wrap="square" lIns="91440" tIns="45720" rIns="91440" bIns="45720" rtlCol="0" anchor="t">
+            <a:spAutoFit/>
+          </a:bodyPr>
+          <a:lstStyle/>
+          <a:p>
+            <a:pPr marL="285750" indent="-285750">
+              <a:buFont typeface="Arial" panose="020B0604020202020204" pitchFamily="34" charset="0"/>
+              <a:buChar char="•"/>
+            </a:pPr>
+            <a:r>
+              <a:rPr lang="en-GB" b="1" dirty="0">
+                <a:solidFill>
+                  <a:srgbClr val="7030A0"/>
+                </a:solidFill>
+              </a:rPr>
+              <a:t>Advanced Technology Stack: </a:t>
+            </a:r>
+            <a:r>
+              <a:rPr lang="en-GB" dirty="0"/>
+              <a:t>Utilizes React/Next.js, Express.js, and MongoDB, showcasing a robust and modern tech foundation.</a:t>
+            </a:r>
+          </a:p>
+          <a:p>
+            <a:pPr marL="285750" indent="-285750">
+              <a:buFont typeface="Arial" panose="020B0604020202020204" pitchFamily="34" charset="0"/>
+              <a:buChar char="•"/>
+            </a:pPr>
+            <a:endParaRPr lang="en-GB" dirty="0"/>
+          </a:p>
+          <a:p>
+            <a:pPr marL="285750" indent="-285750">
+              <a:buFont typeface="Arial" panose="020B0604020202020204" pitchFamily="34" charset="0"/>
+              <a:buChar char="•"/>
+            </a:pPr>
+            <a:r>
+              <a:rPr lang="en-GB" b="1" dirty="0">
+                <a:solidFill>
+                  <a:srgbClr val="7030A0"/>
+                </a:solidFill>
+              </a:rPr>
+              <a:t>API Integrations:</a:t>
+            </a:r>
+            <a:r>
+              <a:rPr lang="en-GB" dirty="0"/>
+              <a:t> Seamlessly incorporates Google Maps API for precise geolocation of nearby facilities.</a:t>
+            </a:r>
+          </a:p>
+          <a:p>
+            <a:endParaRPr lang="en-GB" dirty="0"/>
+          </a:p>
+          <a:p>
+            <a:pPr marL="285750" indent="-285750">
+              <a:buFont typeface="Arial" panose="020B0604020202020204" pitchFamily="34" charset="0"/>
+              <a:buChar char="•"/>
+            </a:pPr>
+            <a:r>
+              <a:rPr lang="en-GB" b="1" dirty="0">
+                <a:solidFill>
+                  <a:srgbClr val="7030A0"/>
+                </a:solidFill>
+              </a:rPr>
+              <a:t>Blockchain Integration: </a:t>
+            </a:r>
+            <a:r>
+              <a:rPr lang="en-GB" dirty="0"/>
+              <a:t>Ensures transparent tracking of e-waste, emphasizing data integrity and security.</a:t>
+            </a:r>
+          </a:p>
+          <a:p>
+            <a:pPr marL="285750" indent="-285750">
+              <a:buFont typeface="Arial" panose="020B0604020202020204" pitchFamily="34" charset="0"/>
+              <a:buChar char="•"/>
+            </a:pPr>
+            <a:endParaRPr lang="en-GB" dirty="0"/>
+          </a:p>
+          <a:p>
+            <a:pPr marL="285750" indent="-285750">
+              <a:buFont typeface="Arial" panose="020B0604020202020204" pitchFamily="34" charset="0"/>
+              <a:buChar char="•"/>
+            </a:pPr>
+            <a:r>
+              <a:rPr lang="en-GB" b="1" dirty="0">
+                <a:solidFill>
+                  <a:srgbClr val="7030A0"/>
+                </a:solidFill>
+              </a:rPr>
+              <a:t>Real-Time Verification: </a:t>
+            </a:r>
+            <a:r>
+              <a:rPr lang="en-GB" dirty="0"/>
+              <a:t>Capable of verifying facilities in real-time, meeting quality and compliance standards.</a:t>
+            </a:r>
+          </a:p>
+          <a:p>
+            <a:pPr marL="285750" indent="-285750">
+              <a:buFont typeface="Arial" panose="020B0604020202020204" pitchFamily="34" charset="0"/>
+              <a:buChar char="•"/>
+            </a:pPr>
+            <a:endParaRPr lang="en-GB" dirty="0"/>
+          </a:p>
+          <a:p>
+            <a:pPr marL="285750" indent="-285750">
+              <a:buFont typeface="Arial" panose="020B0604020202020204" pitchFamily="34" charset="0"/>
+              <a:buChar char="•"/>
+            </a:pPr>
+            <a:r>
+              <a:rPr lang="en-GB" b="1" dirty="0">
+                <a:solidFill>
+                  <a:srgbClr val="7030A0"/>
+                </a:solidFill>
+              </a:rPr>
+              <a:t>Security Measures:</a:t>
+            </a:r>
+            <a:r>
+              <a:rPr lang="en-GB" dirty="0"/>
+              <a:t> Implements advanced protocols for safeguarding user data, ensuring privacy and integrity.</a:t>
+            </a:r>
+          </a:p>
+          <a:p>
+            <a:pPr marL="285750" indent="-285750">
+              <a:buFont typeface="Arial" panose="020B0604020202020204" pitchFamily="34" charset="0"/>
+              <a:buChar char="•"/>
+            </a:pPr>
+            <a:endParaRPr lang="en-GB" dirty="0"/>
+          </a:p>
+          <a:p>
+            <a:pPr marL="285750" indent="-285750">
+              <a:buFont typeface="Arial" panose="020B0604020202020204" pitchFamily="34" charset="0"/>
+              <a:buChar char="•"/>
+            </a:pPr>
+            <a:r>
+              <a:rPr lang="en-GB" b="1" dirty="0">
+                <a:solidFill>
+                  <a:srgbClr val="7030A0"/>
+                </a:solidFill>
+              </a:rPr>
+              <a:t>Scalability Considerations: </a:t>
+            </a:r>
+            <a:r>
+              <a:rPr lang="en-GB" dirty="0"/>
+              <a:t>While not explicitly mentioned, the technology choices and architecture suggest potential for scalability with appropriate design considerations.</a:t>
+            </a:r>
+            <a:endParaRPr lang="en-IN" dirty="0"/>
+          </a:p>
+        </p:txBody>
+      </p:sp>
+    </p:spTree>
+    <p:extLst>
+      <p:ext uri="{BB962C8B-B14F-4D97-AF65-F5344CB8AC3E}">
+        <p14:creationId xmlns:p14="http://schemas.microsoft.com/office/powerpoint/2010/main" val="1814380580"/>
       </p:ext>
     </p:extLst>
   </p:cSld>
@@ -27645,7 +25817,7 @@
                   </a:schemeClr>
                 </a:solidFill>
               </a:rPr>
-              <a:t>Technical Feasibility</a:t>
+              <a:t>Financial Feasibility</a:t>
             </a:r>
           </a:p>
         </p:txBody>
@@ -27655,7 +25827,7 @@
           <p:cNvPr id="2" name="TextBox 1">
             <a:extLst>
               <a:ext uri="{FF2B5EF4-FFF2-40B4-BE49-F238E27FC236}">
-                <a16:creationId xmlns:a16="http://schemas.microsoft.com/office/drawing/2014/main" id="{70F08144-0EBD-11A4-E32E-12273284F55A}"/>
+                <a16:creationId xmlns:a16="http://schemas.microsoft.com/office/drawing/2014/main" id="{CFB429B5-1F1B-D511-B323-51FDACC5DAEA}"/>
               </a:ext>
             </a:extLst>
           </p:cNvPr>
@@ -27664,8 +25836,8 @@
         </p:nvSpPr>
         <p:spPr>
           <a:xfrm>
-            <a:off x="421821" y="1311529"/>
-            <a:ext cx="11348358" cy="4524315"/>
+            <a:off x="421821" y="944136"/>
+            <a:ext cx="11348358" cy="5632311"/>
           </a:xfrm>
           <a:prstGeom prst="rect">
             <a:avLst/>
@@ -27673,158 +25845,132 @@
           <a:noFill/>
         </p:spPr>
         <p:txBody>
-          <a:bodyPr wrap="square" lIns="91440" tIns="45720" rIns="91440" bIns="45720" rtlCol="0" anchor="t">
+          <a:bodyPr wrap="square" rtlCol="0">
             <a:spAutoFit/>
           </a:bodyPr>
           <a:lstStyle/>
           <a:p>
-            <a:pPr marL="285750" indent="-285750">
-              <a:buFont typeface="Arial" panose="020B0604020202020204" pitchFamily="34" charset="0"/>
-              <a:buChar char="•"/>
-            </a:pPr>
             <a:r>
               <a:rPr lang="en-GB" b="1">
                 <a:solidFill>
                   <a:srgbClr val="7030A0"/>
                 </a:solidFill>
               </a:rPr>
-              <a:t>Advanced Technology Stack: </a:t>
+              <a:t>1. Cost-Effective Technology Stack: </a:t>
             </a:r>
             <a:r>
               <a:rPr lang="en-GB"/>
-              <a:t>Utilizes React/Next.js, Express.js, and MongoDB, showcasing a robust and modern tech foundation.</a:t>
-            </a:r>
-          </a:p>
-          <a:p>
-            <a:pPr marL="285750" indent="-285750">
-              <a:buFont typeface="Arial" panose="020B0604020202020204" pitchFamily="34" charset="0"/>
-              <a:buChar char="•"/>
-            </a:pPr>
+              <a:t>By leveraging open-source technologies and frameworks like React/Next.js and Express.js, we keep development costs low while ensuring high-quality performance.</a:t>
+            </a:r>
+          </a:p>
+          <a:p>
             <a:endParaRPr lang="en-GB"/>
           </a:p>
           <a:p>
-            <a:pPr marL="285750" indent="-285750">
-              <a:buFont typeface="Arial" panose="020B0604020202020204" pitchFamily="34" charset="0"/>
-              <a:buChar char="•"/>
-            </a:pPr>
             <a:r>
               <a:rPr lang="en-GB" b="1">
                 <a:solidFill>
                   <a:srgbClr val="7030A0"/>
                 </a:solidFill>
               </a:rPr>
-              <a:t>API Integrations:</a:t>
+              <a:t>2. Scalable Architecture: </a:t>
             </a:r>
             <a:r>
               <a:rPr lang="en-GB"/>
-              <a:t> Seamlessly incorporates Google Maps API for precise geolocation of nearby facilities.</a:t>
-            </a:r>
-          </a:p>
-          <a:p>
-            <a:pPr marL="285750" indent="-285750">
-              <a:buFont typeface="Arial" panose="020B0604020202020204" pitchFamily="34" charset="0"/>
-              <a:buChar char="•"/>
-            </a:pPr>
+              <a:t>The platform's design allows for seamless scaling, minimizing additional infrastructure costs as user base grows.</a:t>
+            </a:r>
+          </a:p>
+          <a:p>
             <a:endParaRPr lang="en-GB"/>
           </a:p>
           <a:p>
-            <a:pPr marL="285750" indent="-285750">
-              <a:buFont typeface="Arial" panose="020B0604020202020204" pitchFamily="34" charset="0"/>
-              <a:buChar char="•"/>
-            </a:pPr>
+            <a:r>
+              <a:rPr lang="en-GB" b="1">
+                <a:solidFill>
+                  <a:srgbClr val="7030A0"/>
+                </a:solidFill>
+              </a:rPr>
+              <a:t>3. Potential Revenue Streams</a:t>
+            </a:r>
+            <a:r>
+              <a:rPr lang="en-GB">
+                <a:solidFill>
+                  <a:srgbClr val="7030A0"/>
+                </a:solidFill>
+              </a:rPr>
+              <a:t>: </a:t>
+            </a:r>
+            <a:r>
+              <a:rPr lang="en-GB"/>
+              <a:t>Opportunities for revenue generation include premium features, strategic partnerships with e-waste facilities, and potential subscription models for advanced services.</a:t>
+            </a:r>
+          </a:p>
+          <a:p>
             <a:endParaRPr lang="en-GB"/>
           </a:p>
           <a:p>
-            <a:pPr marL="285750" indent="-285750">
-              <a:buFont typeface="Arial" panose="020B0604020202020204" pitchFamily="34" charset="0"/>
-              <a:buChar char="•"/>
-            </a:pPr>
             <a:r>
               <a:rPr lang="en-GB" b="1">
                 <a:solidFill>
                   <a:srgbClr val="7030A0"/>
                 </a:solidFill>
               </a:rPr>
-              <a:t>Blockchain Integration: </a:t>
+              <a:t>4. Grant and Funding Opportunities: </a:t>
             </a:r>
             <a:r>
               <a:rPr lang="en-GB"/>
-              <a:t>Ensures transparent tracking of e-waste, emphasizing data integrity and security.</a:t>
-            </a:r>
-          </a:p>
-          <a:p>
-            <a:pPr marL="285750" indent="-285750">
-              <a:buFont typeface="Arial" panose="020B0604020202020204" pitchFamily="34" charset="0"/>
-              <a:buChar char="•"/>
-            </a:pPr>
+              <a:t>Explore grants and funding programs aimed at supporting sustainable and innovative solutions in the e-waste management sector.</a:t>
+            </a:r>
+          </a:p>
+          <a:p>
             <a:endParaRPr lang="en-GB"/>
           </a:p>
           <a:p>
-            <a:pPr marL="285750" indent="-285750">
-              <a:buFont typeface="Arial" panose="020B0604020202020204" pitchFamily="34" charset="0"/>
-              <a:buChar char="•"/>
-            </a:pPr>
             <a:r>
               <a:rPr lang="en-GB" b="1">
                 <a:solidFill>
                   <a:srgbClr val="7030A0"/>
                 </a:solidFill>
               </a:rPr>
-              <a:t>Real-Time Verification: </a:t>
+              <a:t>5. Economic Impact: </a:t>
             </a:r>
             <a:r>
               <a:rPr lang="en-GB"/>
-              <a:t>Capable of verifying facilities in real-time, meeting quality and compliance standards.</a:t>
-            </a:r>
-          </a:p>
-          <a:p>
-            <a:pPr marL="285750" indent="-285750">
-              <a:buFont typeface="Arial" panose="020B0604020202020204" pitchFamily="34" charset="0"/>
-              <a:buChar char="•"/>
-            </a:pPr>
+              <a:t>By stimulating a market for recycled electronic components, the platform has the potential to contribute to economic growth in the e-waste recycling industry.</a:t>
+            </a:r>
+          </a:p>
+          <a:p>
             <a:endParaRPr lang="en-GB"/>
           </a:p>
           <a:p>
-            <a:pPr marL="285750" indent="-285750">
-              <a:buFont typeface="Arial" panose="020B0604020202020204" pitchFamily="34" charset="0"/>
-              <a:buChar char="•"/>
-            </a:pPr>
             <a:r>
               <a:rPr lang="en-GB" b="1">
                 <a:solidFill>
                   <a:srgbClr val="7030A0"/>
                 </a:solidFill>
               </a:rPr>
-              <a:t>Security Measures:</a:t>
+              <a:t>6. Operational Efficiency:</a:t>
             </a:r>
             <a:r>
               <a:rPr lang="en-GB"/>
-              <a:t> Implements advanced protocols for safeguarding user data, ensuring privacy and integrity.</a:t>
-            </a:r>
-          </a:p>
-          <a:p>
-            <a:pPr marL="285750" indent="-285750">
-              <a:buFont typeface="Arial" panose="020B0604020202020204" pitchFamily="34" charset="0"/>
-              <a:buChar char="•"/>
-            </a:pPr>
+              <a:t> Streamlined processes, including real-time verification and AI-powered assessments, optimize resource utilization and contribute to cost efficiency.</a:t>
+            </a:r>
+          </a:p>
+          <a:p>
             <a:endParaRPr lang="en-GB"/>
           </a:p>
           <a:p>
-            <a:pPr marL="285750" indent="-285750">
-              <a:buFont typeface="Arial" panose="020B0604020202020204" pitchFamily="34" charset="0"/>
-              <a:buChar char="•"/>
-            </a:pPr>
             <a:r>
               <a:rPr lang="en-GB" b="1">
                 <a:solidFill>
                   <a:srgbClr val="7030A0"/>
                 </a:solidFill>
               </a:rPr>
-              <a:t>Scalability Considerations: </a:t>
+              <a:t>7. ROI for Facility Owners: </a:t>
             </a:r>
             <a:r>
               <a:rPr lang="en-GB"/>
-              <a:t>While not explicitly mentioned, the technology choices and architecture suggest potential for scalability with appropriate design considerations.</a:t>
+              <a:t>Facility owners can benefit from increased business through the platform, potentially leading to a positive return on investment in their e-waste disposal operations.</a:t>
             </a:r>
             <a:endParaRPr lang="en-IN"/>
           </a:p>
@@ -27833,7 +25979,7 @@
     </p:spTree>
     <p:extLst>
       <p:ext uri="{BB962C8B-B14F-4D97-AF65-F5344CB8AC3E}">
-        <p14:creationId xmlns:p14="http://schemas.microsoft.com/office/powerpoint/2010/main" val="1814380580"/>
+        <p14:creationId xmlns:p14="http://schemas.microsoft.com/office/powerpoint/2010/main" val="2349704376"/>
       </p:ext>
     </p:extLst>
   </p:cSld>
@@ -28601,6 +26747,15 @@
 </file>
 
 <file path=customXml/item1.xml><?xml version="1.0" encoding="utf-8"?>
+<?mso-contentType ?>
+<FormTemplates xmlns="http://schemas.microsoft.com/sharepoint/v3/contenttype/forms">
+  <Display>DocumentLibraryForm</Display>
+  <Edit>DocumentLibraryForm</Edit>
+  <New>DocumentLibraryForm</New>
+</FormTemplates>
+</file>
+
+<file path=customXml/item2.xml><?xml version="1.0" encoding="utf-8"?>
 <ct:contentTypeSchema xmlns:ct="http://schemas.microsoft.com/office/2006/metadata/contentType" xmlns:ma="http://schemas.microsoft.com/office/2006/metadata/properties/metaAttributes" ct:_="" ma:_="" ma:contentTypeName="Document" ma:contentTypeID="0x010100C5F307115173874D9935440D6D41F0A3" ma:contentTypeVersion="17" ma:contentTypeDescription="Create a new document." ma:contentTypeScope="" ma:versionID="5451c25ad900bb2f5e99577579c52b91">
   <xsd:schema xmlns:xsd="http://www.w3.org/2001/XMLSchema" xmlns:xs="http://www.w3.org/2001/XMLSchema" xmlns:p="http://schemas.microsoft.com/office/2006/metadata/properties" xmlns:ns3="5c29ac05-baf2-4e5f-a494-f230e5d9abdd" xmlns:ns4="ce0aa6ee-8978-4e1d-890a-1a23e6b8b905" targetNamespace="http://schemas.microsoft.com/office/2006/metadata/properties" ma:root="true" ma:fieldsID="cb3f978be5a13820aff08d2ac7e64c9c" ns3:_="" ns4:_="">
     <xsd:import namespace="5c29ac05-baf2-4e5f-a494-f230e5d9abdd"/>
@@ -28847,15 +27002,6 @@
 </ct:contentTypeSchema>
 </file>
 
-<file path=customXml/item2.xml><?xml version="1.0" encoding="utf-8"?>
-<?mso-contentType ?>
-<FormTemplates xmlns="http://schemas.microsoft.com/sharepoint/v3/contenttype/forms">
-  <Display>DocumentLibraryForm</Display>
-  <Edit>DocumentLibraryForm</Edit>
-  <New>DocumentLibraryForm</New>
-</FormTemplates>
-</file>
-
 <file path=customXml/item3.xml><?xml version="1.0" encoding="utf-8"?>
 <p:properties xmlns:p="http://schemas.microsoft.com/office/2006/metadata/properties" xmlns:xsi="http://www.w3.org/2001/XMLSchema-instance" xmlns:pc="http://schemas.microsoft.com/office/infopath/2007/PartnerControls">
   <documentManagement>
@@ -28865,6 +27011,14 @@
 </file>
 
 <file path=customXml/itemProps1.xml><?xml version="1.0" encoding="utf-8"?>
+<ds:datastoreItem xmlns:ds="http://schemas.openxmlformats.org/officeDocument/2006/customXml" ds:itemID="{7D301BF1-8071-4217-89C4-9BC7CB0D2F40}">
+  <ds:schemaRefs>
+    <ds:schemaRef ds:uri="http://schemas.microsoft.com/sharepoint/v3/contenttype/forms"/>
+  </ds:schemaRefs>
+</ds:datastoreItem>
+</file>
+
+<file path=customXml/itemProps2.xml><?xml version="1.0" encoding="utf-8"?>
 <ds:datastoreItem xmlns:ds="http://schemas.openxmlformats.org/officeDocument/2006/customXml" ds:itemID="{D52764EA-CFFB-44FF-BE6C-715C17650FB9}">
   <ds:schemaRefs>
     <ds:schemaRef ds:uri="5c29ac05-baf2-4e5f-a494-f230e5d9abdd"/>
@@ -28884,27 +27038,19 @@
 </ds:datastoreItem>
 </file>
 
-<file path=customXml/itemProps2.xml><?xml version="1.0" encoding="utf-8"?>
-<ds:datastoreItem xmlns:ds="http://schemas.openxmlformats.org/officeDocument/2006/customXml" ds:itemID="{7D301BF1-8071-4217-89C4-9BC7CB0D2F40}">
-  <ds:schemaRefs>
-    <ds:schemaRef ds:uri="http://schemas.microsoft.com/sharepoint/v3/contenttype/forms"/>
-  </ds:schemaRefs>
-</ds:datastoreItem>
-</file>
-
 <file path=customXml/itemProps3.xml><?xml version="1.0" encoding="utf-8"?>
 <ds:datastoreItem xmlns:ds="http://schemas.openxmlformats.org/officeDocument/2006/customXml" ds:itemID="{0D4C13C1-48DD-428E-844C-C2764C6404A0}">
   <ds:schemaRefs>
+    <ds:schemaRef ds:uri="http://schemas.microsoft.com/office/2006/documentManagement/types"/>
+    <ds:schemaRef ds:uri="http://purl.org/dc/elements/1.1/"/>
+    <ds:schemaRef ds:uri="http://purl.org/dc/dcmitype/"/>
+    <ds:schemaRef ds:uri="ce0aa6ee-8978-4e1d-890a-1a23e6b8b905"/>
     <ds:schemaRef ds:uri="5c29ac05-baf2-4e5f-a494-f230e5d9abdd"/>
-    <ds:schemaRef ds:uri="ce0aa6ee-8978-4e1d-890a-1a23e6b8b905"/>
-    <ds:schemaRef ds:uri="http://purl.org/dc/dcmitype/"/>
-    <ds:schemaRef ds:uri="http://purl.org/dc/elements/1.1/"/>
-    <ds:schemaRef ds:uri="http://purl.org/dc/terms/"/>
-    <ds:schemaRef ds:uri="http://schemas.microsoft.com/office/2006/documentManagement/types"/>
+    <ds:schemaRef ds:uri="http://www.w3.org/XML/1998/namespace"/>
     <ds:schemaRef ds:uri="http://schemas.microsoft.com/office/2006/metadata/properties"/>
     <ds:schemaRef ds:uri="http://schemas.microsoft.com/office/infopath/2007/PartnerControls"/>
     <ds:schemaRef ds:uri="http://schemas.openxmlformats.org/package/2006/metadata/core-properties"/>
-    <ds:schemaRef ds:uri="http://www.w3.org/XML/1998/namespace"/>
+    <ds:schemaRef ds:uri="http://purl.org/dc/terms/"/>
   </ds:schemaRefs>
 </ds:datastoreItem>
 </file>
--- a/I-nnovate_Hackathon Spam Byte Submission.pptx
+++ b/I-nnovate_Hackathon Spam Byte Submission.pptx
@@ -5,25 +5,26 @@
     <p:sldMasterId id="2147483648" r:id="rId4"/>
   </p:sldMasterIdLst>
   <p:notesMasterIdLst>
-    <p:notesMasterId r:id="rId18"/>
+    <p:notesMasterId r:id="rId19"/>
   </p:notesMasterIdLst>
   <p:handoutMasterIdLst>
-    <p:handoutMasterId r:id="rId19"/>
+    <p:handoutMasterId r:id="rId20"/>
   </p:handoutMasterIdLst>
   <p:sldIdLst>
     <p:sldId id="256" r:id="rId5"/>
-    <p:sldId id="404" r:id="rId6"/>
-    <p:sldId id="395" r:id="rId7"/>
-    <p:sldId id="396" r:id="rId8"/>
-    <p:sldId id="397" r:id="rId9"/>
-    <p:sldId id="399" r:id="rId10"/>
-    <p:sldId id="405" r:id="rId11"/>
-    <p:sldId id="398" r:id="rId12"/>
-    <p:sldId id="401" r:id="rId13"/>
-    <p:sldId id="406" r:id="rId14"/>
-    <p:sldId id="407" r:id="rId15"/>
-    <p:sldId id="400" r:id="rId16"/>
-    <p:sldId id="273" r:id="rId17"/>
+    <p:sldId id="403" r:id="rId6"/>
+    <p:sldId id="404" r:id="rId7"/>
+    <p:sldId id="395" r:id="rId8"/>
+    <p:sldId id="396" r:id="rId9"/>
+    <p:sldId id="397" r:id="rId10"/>
+    <p:sldId id="399" r:id="rId11"/>
+    <p:sldId id="405" r:id="rId12"/>
+    <p:sldId id="398" r:id="rId13"/>
+    <p:sldId id="401" r:id="rId14"/>
+    <p:sldId id="406" r:id="rId15"/>
+    <p:sldId id="407" r:id="rId16"/>
+    <p:sldId id="400" r:id="rId17"/>
+    <p:sldId id="273" r:id="rId18"/>
   </p:sldIdLst>
   <p:sldSz cx="12192000" cy="6858000"/>
   <p:notesSz cx="6858000" cy="9144000"/>
@@ -235,7 +236,7 @@
           <a:p>
             <a:fld id="{9A69CF9B-9788-489B-AA5F-D369B980CDA3}" type="datetimeFigureOut">
               <a:rPr lang="en-IN" smtClean="0"/>
-              <a:t>04-12-2023</a:t>
+              <a:t>05-12-2023</a:t>
             </a:fld>
             <a:endParaRPr lang="en-IN"/>
           </a:p>
@@ -400,7 +401,7 @@
           <a:p>
             <a:fld id="{FFCDD790-8BB2-467C-818E-2F302AAFF003}" type="datetimeFigureOut">
               <a:rPr lang="en-IN" smtClean="0"/>
-              <a:t>04-12-2023</a:t>
+              <a:t>05-12-2023</a:t>
             </a:fld>
             <a:endParaRPr lang="en-IN"/>
           </a:p>
@@ -712,7 +713,7 @@
           <a:bodyPr/>
           <a:lstStyle/>
           <a:p>
-            <a:endParaRPr lang="en-IN" dirty="0"/>
+            <a:endParaRPr lang="en-IN"/>
           </a:p>
         </p:txBody>
       </p:sp>
@@ -733,7 +734,91 @@
           <a:p>
             <a:fld id="{64C8E18E-FED0-435B-9897-23204D9645F4}" type="slidenum">
               <a:rPr lang="en-IN" smtClean="0"/>
-              <a:t>12</a:t>
+              <a:t>2</a:t>
+            </a:fld>
+            <a:endParaRPr lang="en-IN"/>
+          </a:p>
+        </p:txBody>
+      </p:sp>
+    </p:spTree>
+    <p:extLst>
+      <p:ext uri="{BB962C8B-B14F-4D97-AF65-F5344CB8AC3E}">
+        <p14:creationId xmlns:p14="http://schemas.microsoft.com/office/powerpoint/2010/main" val="4128513053"/>
+      </p:ext>
+    </p:extLst>
+  </p:cSld>
+  <p:clrMapOvr>
+    <a:masterClrMapping/>
+  </p:clrMapOvr>
+</p:notes>
+</file>
+
+<file path=ppt/notesSlides/notesSlide2.xml><?xml version="1.0" encoding="utf-8"?>
+<p:notes xmlns:a="http://schemas.openxmlformats.org/drawingml/2006/main" xmlns:r="http://schemas.openxmlformats.org/officeDocument/2006/relationships" xmlns:p="http://schemas.openxmlformats.org/presentationml/2006/main">
+  <p:cSld>
+    <p:spTree>
+      <p:nvGrpSpPr>
+        <p:cNvPr id="1" name=""/>
+        <p:cNvGrpSpPr/>
+        <p:nvPr/>
+      </p:nvGrpSpPr>
+      <p:grpSpPr>
+        <a:xfrm>
+          <a:off x="0" y="0"/>
+          <a:ext cx="0" cy="0"/>
+          <a:chOff x="0" y="0"/>
+          <a:chExt cx="0" cy="0"/>
+        </a:xfrm>
+      </p:grpSpPr>
+      <p:sp>
+        <p:nvSpPr>
+          <p:cNvPr id="2" name="Slide Image Placeholder 1"/>
+          <p:cNvSpPr>
+            <a:spLocks noGrp="1" noRot="1" noChangeAspect="1"/>
+          </p:cNvSpPr>
+          <p:nvPr>
+            <p:ph type="sldImg"/>
+          </p:nvPr>
+        </p:nvSpPr>
+        <p:spPr/>
+      </p:sp>
+      <p:sp>
+        <p:nvSpPr>
+          <p:cNvPr id="3" name="Notes Placeholder 2"/>
+          <p:cNvSpPr>
+            <a:spLocks noGrp="1"/>
+          </p:cNvSpPr>
+          <p:nvPr>
+            <p:ph type="body" idx="1"/>
+          </p:nvPr>
+        </p:nvSpPr>
+        <p:spPr/>
+        <p:txBody>
+          <a:bodyPr/>
+          <a:lstStyle/>
+          <a:p>
+            <a:endParaRPr lang="en-IN" dirty="0"/>
+          </a:p>
+        </p:txBody>
+      </p:sp>
+      <p:sp>
+        <p:nvSpPr>
+          <p:cNvPr id="4" name="Slide Number Placeholder 3"/>
+          <p:cNvSpPr>
+            <a:spLocks noGrp="1"/>
+          </p:cNvSpPr>
+          <p:nvPr>
+            <p:ph type="sldNum" sz="quarter" idx="5"/>
+          </p:nvPr>
+        </p:nvSpPr>
+        <p:spPr/>
+        <p:txBody>
+          <a:bodyPr/>
+          <a:lstStyle/>
+          <a:p>
+            <a:fld id="{64C8E18E-FED0-435B-9897-23204D9645F4}" type="slidenum">
+              <a:rPr lang="en-IN" smtClean="0"/>
+              <a:t>13</a:t>
             </a:fld>
             <a:endParaRPr lang="en-IN"/>
           </a:p>
@@ -21896,6 +21981,225 @@
       </p:grpSpPr>
       <p:sp>
         <p:nvSpPr>
+          <p:cNvPr id="4" name="Title 3">
+            <a:extLst>
+              <a:ext uri="{FF2B5EF4-FFF2-40B4-BE49-F238E27FC236}">
+                <a16:creationId xmlns:a16="http://schemas.microsoft.com/office/drawing/2014/main" id="{B46056A9-800D-4D02-A379-968FFCF2FEB7}"/>
+              </a:ext>
+            </a:extLst>
+          </p:cNvPr>
+          <p:cNvSpPr>
+            <a:spLocks noGrp="1"/>
+          </p:cNvSpPr>
+          <p:nvPr>
+            <p:ph type="title"/>
+          </p:nvPr>
+        </p:nvSpPr>
+        <p:spPr/>
+        <p:txBody>
+          <a:bodyPr/>
+          <a:lstStyle/>
+          <a:p>
+            <a:r>
+              <a:rPr lang="en-IN">
+                <a:solidFill>
+                  <a:schemeClr val="accent4">
+                    <a:lumMod val="75000"/>
+                    <a:lumOff val="25000"/>
+                  </a:schemeClr>
+                </a:solidFill>
+              </a:rPr>
+              <a:t>Financial Feasibility</a:t>
+            </a:r>
+          </a:p>
+        </p:txBody>
+      </p:sp>
+      <p:sp>
+        <p:nvSpPr>
+          <p:cNvPr id="2" name="TextBox 1">
+            <a:extLst>
+              <a:ext uri="{FF2B5EF4-FFF2-40B4-BE49-F238E27FC236}">
+                <a16:creationId xmlns:a16="http://schemas.microsoft.com/office/drawing/2014/main" id="{CFB429B5-1F1B-D511-B323-51FDACC5DAEA}"/>
+              </a:ext>
+            </a:extLst>
+          </p:cNvPr>
+          <p:cNvSpPr txBox="1"/>
+          <p:nvPr/>
+        </p:nvSpPr>
+        <p:spPr>
+          <a:xfrm>
+            <a:off x="421821" y="944136"/>
+            <a:ext cx="11348358" cy="5632311"/>
+          </a:xfrm>
+          <a:prstGeom prst="rect">
+            <a:avLst/>
+          </a:prstGeom>
+          <a:noFill/>
+        </p:spPr>
+        <p:txBody>
+          <a:bodyPr wrap="square" rtlCol="0">
+            <a:spAutoFit/>
+          </a:bodyPr>
+          <a:lstStyle/>
+          <a:p>
+            <a:r>
+              <a:rPr lang="en-GB" b="1">
+                <a:solidFill>
+                  <a:srgbClr val="7030A0"/>
+                </a:solidFill>
+              </a:rPr>
+              <a:t>1. Cost-Effective Technology Stack: </a:t>
+            </a:r>
+            <a:r>
+              <a:rPr lang="en-GB"/>
+              <a:t>By leveraging open-source technologies and frameworks like React/Next.js and Express.js, we keep development costs low while ensuring high-quality performance.</a:t>
+            </a:r>
+          </a:p>
+          <a:p>
+            <a:endParaRPr lang="en-GB"/>
+          </a:p>
+          <a:p>
+            <a:r>
+              <a:rPr lang="en-GB" b="1">
+                <a:solidFill>
+                  <a:srgbClr val="7030A0"/>
+                </a:solidFill>
+              </a:rPr>
+              <a:t>2. Scalable Architecture: </a:t>
+            </a:r>
+            <a:r>
+              <a:rPr lang="en-GB"/>
+              <a:t>The platform's design allows for seamless scaling, minimizing additional infrastructure costs as user base grows.</a:t>
+            </a:r>
+          </a:p>
+          <a:p>
+            <a:endParaRPr lang="en-GB"/>
+          </a:p>
+          <a:p>
+            <a:r>
+              <a:rPr lang="en-GB" b="1">
+                <a:solidFill>
+                  <a:srgbClr val="7030A0"/>
+                </a:solidFill>
+              </a:rPr>
+              <a:t>3. Potential Revenue Streams</a:t>
+            </a:r>
+            <a:r>
+              <a:rPr lang="en-GB">
+                <a:solidFill>
+                  <a:srgbClr val="7030A0"/>
+                </a:solidFill>
+              </a:rPr>
+              <a:t>: </a:t>
+            </a:r>
+            <a:r>
+              <a:rPr lang="en-GB"/>
+              <a:t>Opportunities for revenue generation include premium features, strategic partnerships with e-waste facilities, and potential subscription models for advanced services.</a:t>
+            </a:r>
+          </a:p>
+          <a:p>
+            <a:endParaRPr lang="en-GB"/>
+          </a:p>
+          <a:p>
+            <a:r>
+              <a:rPr lang="en-GB" b="1">
+                <a:solidFill>
+                  <a:srgbClr val="7030A0"/>
+                </a:solidFill>
+              </a:rPr>
+              <a:t>4. Grant and Funding Opportunities: </a:t>
+            </a:r>
+            <a:r>
+              <a:rPr lang="en-GB"/>
+              <a:t>Explore grants and funding programs aimed at supporting sustainable and innovative solutions in the e-waste management sector.</a:t>
+            </a:r>
+          </a:p>
+          <a:p>
+            <a:endParaRPr lang="en-GB"/>
+          </a:p>
+          <a:p>
+            <a:r>
+              <a:rPr lang="en-GB" b="1">
+                <a:solidFill>
+                  <a:srgbClr val="7030A0"/>
+                </a:solidFill>
+              </a:rPr>
+              <a:t>5. Economic Impact: </a:t>
+            </a:r>
+            <a:r>
+              <a:rPr lang="en-GB"/>
+              <a:t>By stimulating a market for recycled electronic components, the platform has the potential to contribute to economic growth in the e-waste recycling industry.</a:t>
+            </a:r>
+          </a:p>
+          <a:p>
+            <a:endParaRPr lang="en-GB"/>
+          </a:p>
+          <a:p>
+            <a:r>
+              <a:rPr lang="en-GB" b="1">
+                <a:solidFill>
+                  <a:srgbClr val="7030A0"/>
+                </a:solidFill>
+              </a:rPr>
+              <a:t>6. Operational Efficiency:</a:t>
+            </a:r>
+            <a:r>
+              <a:rPr lang="en-GB"/>
+              <a:t> Streamlined processes, including real-time verification and AI-powered assessments, optimize resource utilization and contribute to cost efficiency.</a:t>
+            </a:r>
+          </a:p>
+          <a:p>
+            <a:endParaRPr lang="en-GB"/>
+          </a:p>
+          <a:p>
+            <a:r>
+              <a:rPr lang="en-GB" b="1">
+                <a:solidFill>
+                  <a:srgbClr val="7030A0"/>
+                </a:solidFill>
+              </a:rPr>
+              <a:t>7. ROI for Facility Owners: </a:t>
+            </a:r>
+            <a:r>
+              <a:rPr lang="en-GB"/>
+              <a:t>Facility owners can benefit from increased business through the platform, potentially leading to a positive return on investment in their e-waste disposal operations.</a:t>
+            </a:r>
+            <a:endParaRPr lang="en-IN"/>
+          </a:p>
+        </p:txBody>
+      </p:sp>
+    </p:spTree>
+    <p:extLst>
+      <p:ext uri="{BB962C8B-B14F-4D97-AF65-F5344CB8AC3E}">
+        <p14:creationId xmlns:p14="http://schemas.microsoft.com/office/powerpoint/2010/main" val="2349704376"/>
+      </p:ext>
+    </p:extLst>
+  </p:cSld>
+  <p:clrMapOvr>
+    <a:masterClrMapping/>
+  </p:clrMapOvr>
+</p:sld>
+</file>
+
+<file path=ppt/slides/slide11.xml><?xml version="1.0" encoding="utf-8"?>
+<p:sld xmlns:a="http://schemas.openxmlformats.org/drawingml/2006/main" xmlns:r="http://schemas.openxmlformats.org/officeDocument/2006/relationships" xmlns:p="http://schemas.openxmlformats.org/presentationml/2006/main">
+  <p:cSld>
+    <p:spTree>
+      <p:nvGrpSpPr>
+        <p:cNvPr id="1" name=""/>
+        <p:cNvGrpSpPr/>
+        <p:nvPr/>
+      </p:nvGrpSpPr>
+      <p:grpSpPr>
+        <a:xfrm>
+          <a:off x="0" y="0"/>
+          <a:ext cx="0" cy="0"/>
+          <a:chOff x="0" y="0"/>
+          <a:chExt cx="0" cy="0"/>
+        </a:xfrm>
+      </p:grpSpPr>
+      <p:sp>
+        <p:nvSpPr>
           <p:cNvPr id="2" name="Title 1">
             <a:extLst>
               <a:ext uri="{FF2B5EF4-FFF2-40B4-BE49-F238E27FC236}">
@@ -22066,7 +22370,7 @@
 </p:sld>
 </file>
 
-<file path=ppt/slides/slide11.xml><?xml version="1.0" encoding="utf-8"?>
+<file path=ppt/slides/slide12.xml><?xml version="1.0" encoding="utf-8"?>
 <p:sld xmlns:a="http://schemas.openxmlformats.org/drawingml/2006/main" xmlns:r="http://schemas.openxmlformats.org/officeDocument/2006/relationships" xmlns:p="http://schemas.openxmlformats.org/presentationml/2006/main">
   <p:cSld>
     <p:spTree>
@@ -22156,7 +22460,7 @@
 </p:sld>
 </file>
 
-<file path=ppt/slides/slide12.xml><?xml version="1.0" encoding="utf-8"?>
+<file path=ppt/slides/slide13.xml><?xml version="1.0" encoding="utf-8"?>
 <p:sld xmlns:a="http://schemas.openxmlformats.org/drawingml/2006/main" xmlns:r="http://schemas.openxmlformats.org/officeDocument/2006/relationships" xmlns:p="http://schemas.openxmlformats.org/presentationml/2006/main">
   <p:cSld>
     <p:spTree>
@@ -22379,7 +22683,7 @@
 </p:sld>
 </file>
 
-<file path=ppt/slides/slide13.xml><?xml version="1.0" encoding="utf-8"?>
+<file path=ppt/slides/slide14.xml><?xml version="1.0" encoding="utf-8"?>
 <p:sld xmlns:a="http://schemas.openxmlformats.org/drawingml/2006/main" xmlns:r="http://schemas.openxmlformats.org/officeDocument/2006/relationships" xmlns:p="http://schemas.openxmlformats.org/presentationml/2006/main">
   <p:cSld>
     <p:spTree>
@@ -22449,6 +22753,1915 @@
 </file>
 
 <file path=ppt/slides/slide2.xml><?xml version="1.0" encoding="utf-8"?>
+<p:sld xmlns:a="http://schemas.openxmlformats.org/drawingml/2006/main" xmlns:r="http://schemas.openxmlformats.org/officeDocument/2006/relationships" xmlns:p="http://schemas.openxmlformats.org/presentationml/2006/main">
+  <p:cSld>
+    <p:spTree>
+      <p:nvGrpSpPr>
+        <p:cNvPr id="1" name=""/>
+        <p:cNvGrpSpPr/>
+        <p:nvPr/>
+      </p:nvGrpSpPr>
+      <p:grpSpPr>
+        <a:xfrm>
+          <a:off x="0" y="0"/>
+          <a:ext cx="0" cy="0"/>
+          <a:chOff x="0" y="0"/>
+          <a:chExt cx="0" cy="0"/>
+        </a:xfrm>
+      </p:grpSpPr>
+      <p:pic>
+        <p:nvPicPr>
+          <p:cNvPr id="31" name="Picture Placeholder 30"/>
+          <p:cNvPicPr>
+            <a:picLocks noGrp="1" noChangeAspect="1"/>
+          </p:cNvPicPr>
+          <p:nvPr>
+            <p:ph type="pic" sz="quarter" idx="17"/>
+          </p:nvPr>
+        </p:nvPicPr>
+        <p:blipFill rotWithShape="1">
+          <a:blip r:embed="rId3" cstate="print">
+            <a:extLst>
+              <a:ext uri="{28A0092B-C50C-407E-A947-70E740481C1C}">
+                <a14:useLocalDpi xmlns:a14="http://schemas.microsoft.com/office/drawing/2010/main" val="0"/>
+              </a:ext>
+            </a:extLst>
+          </a:blip>
+          <a:srcRect l="21583" r="28867"/>
+          <a:stretch/>
+        </p:blipFill>
+        <p:spPr/>
+      </p:pic>
+      <p:sp>
+        <p:nvSpPr>
+          <p:cNvPr id="6" name="Text Placeholder 5"/>
+          <p:cNvSpPr>
+            <a:spLocks noGrp="1"/>
+          </p:cNvSpPr>
+          <p:nvPr>
+            <p:ph type="body" sz="quarter" idx="12"/>
+          </p:nvPr>
+        </p:nvSpPr>
+        <p:spPr>
+          <a:xfrm>
+            <a:off x="604738" y="2001581"/>
+            <a:ext cx="5201702" cy="268656"/>
+          </a:xfrm>
+        </p:spPr>
+        <p:txBody>
+          <a:bodyPr wrap="none"/>
+          <a:lstStyle/>
+          <a:p>
+            <a:pPr>
+              <a:lnSpc>
+                <a:spcPct val="100000"/>
+              </a:lnSpc>
+            </a:pPr>
+            <a:r>
+              <a:rPr lang="en-IN"/>
+              <a:t>Team Details</a:t>
+            </a:r>
+            <a:endParaRPr lang="en-IN">
+              <a:solidFill>
+                <a:srgbClr val="FF0000"/>
+              </a:solidFill>
+            </a:endParaRPr>
+          </a:p>
+        </p:txBody>
+      </p:sp>
+      <p:sp>
+        <p:nvSpPr>
+          <p:cNvPr id="5" name="Title 4"/>
+          <p:cNvSpPr>
+            <a:spLocks noGrp="1"/>
+          </p:cNvSpPr>
+          <p:nvPr>
+            <p:ph type="title"/>
+          </p:nvPr>
+        </p:nvSpPr>
+        <p:spPr/>
+        <p:txBody>
+          <a:bodyPr/>
+          <a:lstStyle/>
+          <a:p>
+            <a:r>
+              <a:rPr lang="en-IN"/>
+              <a:t>Table of Contents</a:t>
+            </a:r>
+          </a:p>
+        </p:txBody>
+      </p:sp>
+      <p:sp>
+        <p:nvSpPr>
+          <p:cNvPr id="7" name="Text Placeholder 6"/>
+          <p:cNvSpPr>
+            <a:spLocks noGrp="1"/>
+          </p:cNvSpPr>
+          <p:nvPr>
+            <p:ph type="body" sz="quarter" idx="13"/>
+          </p:nvPr>
+        </p:nvSpPr>
+        <p:spPr>
+          <a:xfrm>
+            <a:off x="604738" y="2416829"/>
+            <a:ext cx="5201702" cy="268656"/>
+          </a:xfrm>
+        </p:spPr>
+        <p:txBody>
+          <a:bodyPr wrap="none">
+            <a:normAutofit/>
+          </a:bodyPr>
+          <a:lstStyle/>
+          <a:p>
+            <a:pPr>
+              <a:lnSpc>
+                <a:spcPct val="100000"/>
+              </a:lnSpc>
+            </a:pPr>
+            <a:r>
+              <a:rPr lang="en-IN"/>
+              <a:t>Problem Statement</a:t>
+            </a:r>
+          </a:p>
+        </p:txBody>
+      </p:sp>
+      <p:sp>
+        <p:nvSpPr>
+          <p:cNvPr id="8" name="Text Placeholder 7"/>
+          <p:cNvSpPr>
+            <a:spLocks noGrp="1"/>
+          </p:cNvSpPr>
+          <p:nvPr>
+            <p:ph type="body" sz="quarter" idx="14"/>
+          </p:nvPr>
+        </p:nvSpPr>
+        <p:spPr>
+          <a:xfrm>
+            <a:off x="604738" y="2811981"/>
+            <a:ext cx="5201702" cy="268656"/>
+          </a:xfrm>
+        </p:spPr>
+        <p:txBody>
+          <a:bodyPr wrap="none">
+            <a:normAutofit/>
+          </a:bodyPr>
+          <a:lstStyle/>
+          <a:p>
+            <a:pPr>
+              <a:lnSpc>
+                <a:spcPct val="100000"/>
+              </a:lnSpc>
+            </a:pPr>
+            <a:r>
+              <a:rPr lang="en-US"/>
+              <a:t>What is your idea for the solution?</a:t>
+            </a:r>
+            <a:endParaRPr lang="en-IN"/>
+          </a:p>
+        </p:txBody>
+      </p:sp>
+      <p:sp>
+        <p:nvSpPr>
+          <p:cNvPr id="9" name="Text Placeholder 8"/>
+          <p:cNvSpPr>
+            <a:spLocks noGrp="1"/>
+          </p:cNvSpPr>
+          <p:nvPr>
+            <p:ph type="body" sz="quarter" idx="15"/>
+          </p:nvPr>
+        </p:nvSpPr>
+        <p:spPr>
+          <a:xfrm>
+            <a:off x="604738" y="3207133"/>
+            <a:ext cx="5201702" cy="268656"/>
+          </a:xfrm>
+        </p:spPr>
+        <p:txBody>
+          <a:bodyPr wrap="none">
+            <a:normAutofit/>
+          </a:bodyPr>
+          <a:lstStyle/>
+          <a:p>
+            <a:pPr>
+              <a:lnSpc>
+                <a:spcPct val="100000"/>
+              </a:lnSpc>
+            </a:pPr>
+            <a:r>
+              <a:rPr lang="en-US"/>
+              <a:t>What domains does it address? What is the impact?</a:t>
+            </a:r>
+          </a:p>
+        </p:txBody>
+      </p:sp>
+      <p:cxnSp>
+        <p:nvCxnSpPr>
+          <p:cNvPr id="13" name="Straight Connector 12">
+            <a:extLst>
+              <a:ext uri="{FF2B5EF4-FFF2-40B4-BE49-F238E27FC236}">
+                <a16:creationId xmlns:a16="http://schemas.microsoft.com/office/drawing/2014/main" id="{BDD4130D-5D11-41DB-915E-62F762A67CC1}"/>
+              </a:ext>
+            </a:extLst>
+          </p:cNvPr>
+          <p:cNvCxnSpPr>
+            <a:cxnSpLocks/>
+          </p:cNvCxnSpPr>
+          <p:nvPr/>
+        </p:nvCxnSpPr>
+        <p:spPr>
+          <a:xfrm>
+            <a:off x="604738" y="2333485"/>
+            <a:ext cx="5201702" cy="0"/>
+          </a:xfrm>
+          <a:prstGeom prst="line">
+            <a:avLst/>
+          </a:prstGeom>
+          <a:ln>
+            <a:solidFill>
+              <a:schemeClr val="bg1">
+                <a:lumMod val="85000"/>
+              </a:schemeClr>
+            </a:solidFill>
+          </a:ln>
+        </p:spPr>
+        <p:style>
+          <a:lnRef idx="1">
+            <a:schemeClr val="accent1"/>
+          </a:lnRef>
+          <a:fillRef idx="0">
+            <a:schemeClr val="accent1"/>
+          </a:fillRef>
+          <a:effectRef idx="0">
+            <a:schemeClr val="accent1"/>
+          </a:effectRef>
+          <a:fontRef idx="minor">
+            <a:schemeClr val="tx1"/>
+          </a:fontRef>
+        </p:style>
+      </p:cxnSp>
+      <p:cxnSp>
+        <p:nvCxnSpPr>
+          <p:cNvPr id="14" name="Straight Connector 13">
+            <a:extLst>
+              <a:ext uri="{FF2B5EF4-FFF2-40B4-BE49-F238E27FC236}">
+                <a16:creationId xmlns:a16="http://schemas.microsoft.com/office/drawing/2014/main" id="{B98DCB7C-E14A-4EFB-B6A0-318ADCDFF1B7}"/>
+              </a:ext>
+            </a:extLst>
+          </p:cNvPr>
+          <p:cNvCxnSpPr>
+            <a:cxnSpLocks/>
+          </p:cNvCxnSpPr>
+          <p:nvPr/>
+        </p:nvCxnSpPr>
+        <p:spPr>
+          <a:xfrm>
+            <a:off x="604738" y="2728637"/>
+            <a:ext cx="5201702" cy="0"/>
+          </a:xfrm>
+          <a:prstGeom prst="line">
+            <a:avLst/>
+          </a:prstGeom>
+          <a:ln>
+            <a:solidFill>
+              <a:schemeClr val="bg1">
+                <a:lumMod val="85000"/>
+              </a:schemeClr>
+            </a:solidFill>
+          </a:ln>
+        </p:spPr>
+        <p:style>
+          <a:lnRef idx="1">
+            <a:schemeClr val="accent1"/>
+          </a:lnRef>
+          <a:fillRef idx="0">
+            <a:schemeClr val="accent1"/>
+          </a:fillRef>
+          <a:effectRef idx="0">
+            <a:schemeClr val="accent1"/>
+          </a:effectRef>
+          <a:fontRef idx="minor">
+            <a:schemeClr val="tx1"/>
+          </a:fontRef>
+        </p:style>
+      </p:cxnSp>
+      <p:cxnSp>
+        <p:nvCxnSpPr>
+          <p:cNvPr id="15" name="Straight Connector 14">
+            <a:extLst>
+              <a:ext uri="{FF2B5EF4-FFF2-40B4-BE49-F238E27FC236}">
+                <a16:creationId xmlns:a16="http://schemas.microsoft.com/office/drawing/2014/main" id="{1B736775-071F-4642-9BC7-146D6A2B4561}"/>
+              </a:ext>
+            </a:extLst>
+          </p:cNvPr>
+          <p:cNvCxnSpPr>
+            <a:cxnSpLocks/>
+          </p:cNvCxnSpPr>
+          <p:nvPr/>
+        </p:nvCxnSpPr>
+        <p:spPr>
+          <a:xfrm>
+            <a:off x="604738" y="3123789"/>
+            <a:ext cx="5201702" cy="0"/>
+          </a:xfrm>
+          <a:prstGeom prst="line">
+            <a:avLst/>
+          </a:prstGeom>
+          <a:ln>
+            <a:solidFill>
+              <a:schemeClr val="bg1">
+                <a:lumMod val="85000"/>
+              </a:schemeClr>
+            </a:solidFill>
+          </a:ln>
+        </p:spPr>
+        <p:style>
+          <a:lnRef idx="1">
+            <a:schemeClr val="accent1"/>
+          </a:lnRef>
+          <a:fillRef idx="0">
+            <a:schemeClr val="accent1"/>
+          </a:fillRef>
+          <a:effectRef idx="0">
+            <a:schemeClr val="accent1"/>
+          </a:effectRef>
+          <a:fontRef idx="minor">
+            <a:schemeClr val="tx1"/>
+          </a:fontRef>
+        </p:style>
+      </p:cxnSp>
+      <p:cxnSp>
+        <p:nvCxnSpPr>
+          <p:cNvPr id="16" name="Straight Connector 15">
+            <a:extLst>
+              <a:ext uri="{FF2B5EF4-FFF2-40B4-BE49-F238E27FC236}">
+                <a16:creationId xmlns:a16="http://schemas.microsoft.com/office/drawing/2014/main" id="{C80BD5A8-54C1-481B-9A15-A3020848A95F}"/>
+              </a:ext>
+            </a:extLst>
+          </p:cNvPr>
+          <p:cNvCxnSpPr>
+            <a:cxnSpLocks/>
+          </p:cNvCxnSpPr>
+          <p:nvPr/>
+        </p:nvCxnSpPr>
+        <p:spPr>
+          <a:xfrm>
+            <a:off x="604738" y="3518941"/>
+            <a:ext cx="5201702" cy="0"/>
+          </a:xfrm>
+          <a:prstGeom prst="line">
+            <a:avLst/>
+          </a:prstGeom>
+          <a:ln>
+            <a:solidFill>
+              <a:schemeClr val="bg1">
+                <a:lumMod val="85000"/>
+              </a:schemeClr>
+            </a:solidFill>
+          </a:ln>
+        </p:spPr>
+        <p:style>
+          <a:lnRef idx="1">
+            <a:schemeClr val="accent1"/>
+          </a:lnRef>
+          <a:fillRef idx="0">
+            <a:schemeClr val="accent1"/>
+          </a:fillRef>
+          <a:effectRef idx="0">
+            <a:schemeClr val="accent1"/>
+          </a:effectRef>
+          <a:fontRef idx="minor">
+            <a:schemeClr val="tx1"/>
+          </a:fontRef>
+        </p:style>
+      </p:cxnSp>
+      <p:cxnSp>
+        <p:nvCxnSpPr>
+          <p:cNvPr id="17" name="Straight Connector 16">
+            <a:extLst>
+              <a:ext uri="{FF2B5EF4-FFF2-40B4-BE49-F238E27FC236}">
+                <a16:creationId xmlns:a16="http://schemas.microsoft.com/office/drawing/2014/main" id="{BDD4130D-5D11-41DB-915E-62F762A67CC1}"/>
+              </a:ext>
+            </a:extLst>
+          </p:cNvPr>
+          <p:cNvCxnSpPr>
+            <a:cxnSpLocks/>
+          </p:cNvCxnSpPr>
+          <p:nvPr/>
+        </p:nvCxnSpPr>
+        <p:spPr>
+          <a:xfrm>
+            <a:off x="604738" y="3914093"/>
+            <a:ext cx="5201702" cy="0"/>
+          </a:xfrm>
+          <a:prstGeom prst="line">
+            <a:avLst/>
+          </a:prstGeom>
+          <a:ln>
+            <a:solidFill>
+              <a:schemeClr val="bg1">
+                <a:lumMod val="85000"/>
+              </a:schemeClr>
+            </a:solidFill>
+          </a:ln>
+        </p:spPr>
+        <p:style>
+          <a:lnRef idx="1">
+            <a:schemeClr val="accent1"/>
+          </a:lnRef>
+          <a:fillRef idx="0">
+            <a:schemeClr val="accent1"/>
+          </a:fillRef>
+          <a:effectRef idx="0">
+            <a:schemeClr val="accent1"/>
+          </a:effectRef>
+          <a:fontRef idx="minor">
+            <a:schemeClr val="tx1"/>
+          </a:fontRef>
+        </p:style>
+      </p:cxnSp>
+      <p:cxnSp>
+        <p:nvCxnSpPr>
+          <p:cNvPr id="18" name="Straight Connector 17">
+            <a:extLst>
+              <a:ext uri="{FF2B5EF4-FFF2-40B4-BE49-F238E27FC236}">
+                <a16:creationId xmlns:a16="http://schemas.microsoft.com/office/drawing/2014/main" id="{B98DCB7C-E14A-4EFB-B6A0-318ADCDFF1B7}"/>
+              </a:ext>
+            </a:extLst>
+          </p:cNvPr>
+          <p:cNvCxnSpPr>
+            <a:cxnSpLocks/>
+          </p:cNvCxnSpPr>
+          <p:nvPr/>
+        </p:nvCxnSpPr>
+        <p:spPr>
+          <a:xfrm>
+            <a:off x="604738" y="4309245"/>
+            <a:ext cx="5201702" cy="0"/>
+          </a:xfrm>
+          <a:prstGeom prst="line">
+            <a:avLst/>
+          </a:prstGeom>
+          <a:ln>
+            <a:solidFill>
+              <a:schemeClr val="bg1">
+                <a:lumMod val="85000"/>
+              </a:schemeClr>
+            </a:solidFill>
+          </a:ln>
+        </p:spPr>
+        <p:style>
+          <a:lnRef idx="1">
+            <a:schemeClr val="accent1"/>
+          </a:lnRef>
+          <a:fillRef idx="0">
+            <a:schemeClr val="accent1"/>
+          </a:fillRef>
+          <a:effectRef idx="0">
+            <a:schemeClr val="accent1"/>
+          </a:effectRef>
+          <a:fontRef idx="minor">
+            <a:schemeClr val="tx1"/>
+          </a:fontRef>
+        </p:style>
+      </p:cxnSp>
+      <p:cxnSp>
+        <p:nvCxnSpPr>
+          <p:cNvPr id="19" name="Straight Connector 18">
+            <a:extLst>
+              <a:ext uri="{FF2B5EF4-FFF2-40B4-BE49-F238E27FC236}">
+                <a16:creationId xmlns:a16="http://schemas.microsoft.com/office/drawing/2014/main" id="{1B736775-071F-4642-9BC7-146D6A2B4561}"/>
+              </a:ext>
+            </a:extLst>
+          </p:cNvPr>
+          <p:cNvCxnSpPr>
+            <a:cxnSpLocks/>
+          </p:cNvCxnSpPr>
+          <p:nvPr/>
+        </p:nvCxnSpPr>
+        <p:spPr>
+          <a:xfrm>
+            <a:off x="604738" y="4704397"/>
+            <a:ext cx="5201702" cy="0"/>
+          </a:xfrm>
+          <a:prstGeom prst="line">
+            <a:avLst/>
+          </a:prstGeom>
+          <a:ln>
+            <a:solidFill>
+              <a:schemeClr val="bg1">
+                <a:lumMod val="85000"/>
+              </a:schemeClr>
+            </a:solidFill>
+          </a:ln>
+        </p:spPr>
+        <p:style>
+          <a:lnRef idx="1">
+            <a:schemeClr val="accent1"/>
+          </a:lnRef>
+          <a:fillRef idx="0">
+            <a:schemeClr val="accent1"/>
+          </a:fillRef>
+          <a:effectRef idx="0">
+            <a:schemeClr val="accent1"/>
+          </a:effectRef>
+          <a:fontRef idx="minor">
+            <a:schemeClr val="tx1"/>
+          </a:fontRef>
+        </p:style>
+      </p:cxnSp>
+      <p:cxnSp>
+        <p:nvCxnSpPr>
+          <p:cNvPr id="20" name="Straight Connector 19">
+            <a:extLst>
+              <a:ext uri="{FF2B5EF4-FFF2-40B4-BE49-F238E27FC236}">
+                <a16:creationId xmlns:a16="http://schemas.microsoft.com/office/drawing/2014/main" id="{C80BD5A8-54C1-481B-9A15-A3020848A95F}"/>
+              </a:ext>
+            </a:extLst>
+          </p:cNvPr>
+          <p:cNvCxnSpPr>
+            <a:cxnSpLocks/>
+          </p:cNvCxnSpPr>
+          <p:nvPr/>
+        </p:nvCxnSpPr>
+        <p:spPr>
+          <a:xfrm>
+            <a:off x="604738" y="5099549"/>
+            <a:ext cx="5201702" cy="0"/>
+          </a:xfrm>
+          <a:prstGeom prst="line">
+            <a:avLst/>
+          </a:prstGeom>
+          <a:ln>
+            <a:solidFill>
+              <a:schemeClr val="bg1">
+                <a:lumMod val="85000"/>
+              </a:schemeClr>
+            </a:solidFill>
+          </a:ln>
+        </p:spPr>
+        <p:style>
+          <a:lnRef idx="1">
+            <a:schemeClr val="accent1"/>
+          </a:lnRef>
+          <a:fillRef idx="0">
+            <a:schemeClr val="accent1"/>
+          </a:fillRef>
+          <a:effectRef idx="0">
+            <a:schemeClr val="accent1"/>
+          </a:effectRef>
+          <a:fontRef idx="minor">
+            <a:schemeClr val="tx1"/>
+          </a:fontRef>
+        </p:style>
+      </p:cxnSp>
+      <p:sp>
+        <p:nvSpPr>
+          <p:cNvPr id="21" name="Text Placeholder 8"/>
+          <p:cNvSpPr txBox="1">
+            <a:spLocks/>
+          </p:cNvSpPr>
+          <p:nvPr/>
+        </p:nvSpPr>
+        <p:spPr>
+          <a:xfrm>
+            <a:off x="604738" y="4389396"/>
+            <a:ext cx="5201702" cy="268656"/>
+          </a:xfrm>
+          <a:prstGeom prst="rect">
+            <a:avLst/>
+          </a:prstGeom>
+        </p:spPr>
+        <p:txBody>
+          <a:bodyPr vert="horz" wrap="none" lIns="0" tIns="0" rIns="0" bIns="0" rtlCol="0">
+            <a:normAutofit/>
+          </a:bodyPr>
+          <a:lstStyle>
+            <a:lvl1pPr marL="0" indent="0" algn="l" defTabSz="914400" rtl="0" eaLnBrk="1" latinLnBrk="0" hangingPunct="1">
+              <a:lnSpc>
+                <a:spcPct val="90000"/>
+              </a:lnSpc>
+              <a:spcBef>
+                <a:spcPts val="1000"/>
+              </a:spcBef>
+              <a:buFont typeface="Arial" panose="020B0604020202020204" pitchFamily="34" charset="0"/>
+              <a:buNone/>
+              <a:defRPr lang="en-IN" sz="1400" kern="1200" dirty="0">
+                <a:solidFill>
+                  <a:schemeClr val="accent4">
+                    <a:lumMod val="75000"/>
+                    <a:lumOff val="25000"/>
+                  </a:schemeClr>
+                </a:solidFill>
+                <a:latin typeface="Segoe UI" panose="020B0502040204020203" pitchFamily="34" charset="0"/>
+                <a:ea typeface="+mn-ea"/>
+                <a:cs typeface="+mn-cs"/>
+              </a:defRPr>
+            </a:lvl1pPr>
+            <a:lvl2pPr marL="457200" indent="0" algn="l" defTabSz="914400" rtl="0" eaLnBrk="1" latinLnBrk="0" hangingPunct="1">
+              <a:lnSpc>
+                <a:spcPct val="90000"/>
+              </a:lnSpc>
+              <a:spcBef>
+                <a:spcPts val="500"/>
+              </a:spcBef>
+              <a:buFont typeface="Arial" panose="020B0604020202020204" pitchFamily="34" charset="0"/>
+              <a:buNone/>
+              <a:defRPr sz="1850" kern="1200">
+                <a:solidFill>
+                  <a:schemeClr val="accent4">
+                    <a:lumMod val="75000"/>
+                    <a:lumOff val="25000"/>
+                  </a:schemeClr>
+                </a:solidFill>
+                <a:latin typeface="+mj-lt"/>
+                <a:ea typeface="+mn-ea"/>
+                <a:cs typeface="+mn-cs"/>
+              </a:defRPr>
+            </a:lvl2pPr>
+            <a:lvl3pPr marL="914400" indent="0" algn="l" defTabSz="914400" rtl="0" eaLnBrk="1" latinLnBrk="0" hangingPunct="1">
+              <a:lnSpc>
+                <a:spcPct val="90000"/>
+              </a:lnSpc>
+              <a:spcBef>
+                <a:spcPts val="500"/>
+              </a:spcBef>
+              <a:buFont typeface="Arial" panose="020B0604020202020204" pitchFamily="34" charset="0"/>
+              <a:buNone/>
+              <a:defRPr sz="1850" kern="1200">
+                <a:solidFill>
+                  <a:schemeClr val="accent4">
+                    <a:lumMod val="75000"/>
+                    <a:lumOff val="25000"/>
+                  </a:schemeClr>
+                </a:solidFill>
+                <a:latin typeface="+mj-lt"/>
+                <a:ea typeface="+mn-ea"/>
+                <a:cs typeface="+mn-cs"/>
+              </a:defRPr>
+            </a:lvl3pPr>
+            <a:lvl4pPr marL="1371600" indent="0" algn="l" defTabSz="914400" rtl="0" eaLnBrk="1" latinLnBrk="0" hangingPunct="1">
+              <a:lnSpc>
+                <a:spcPct val="90000"/>
+              </a:lnSpc>
+              <a:spcBef>
+                <a:spcPts val="500"/>
+              </a:spcBef>
+              <a:buFont typeface="Arial" panose="020B0604020202020204" pitchFamily="34" charset="0"/>
+              <a:buNone/>
+              <a:defRPr sz="1850" kern="1200">
+                <a:solidFill>
+                  <a:schemeClr val="accent4">
+                    <a:lumMod val="75000"/>
+                    <a:lumOff val="25000"/>
+                  </a:schemeClr>
+                </a:solidFill>
+                <a:latin typeface="+mj-lt"/>
+                <a:ea typeface="+mn-ea"/>
+                <a:cs typeface="+mn-cs"/>
+              </a:defRPr>
+            </a:lvl4pPr>
+            <a:lvl5pPr marL="1828800" indent="0" algn="l" defTabSz="914400" rtl="0" eaLnBrk="1" latinLnBrk="0" hangingPunct="1">
+              <a:lnSpc>
+                <a:spcPct val="90000"/>
+              </a:lnSpc>
+              <a:spcBef>
+                <a:spcPts val="500"/>
+              </a:spcBef>
+              <a:buFont typeface="Arial" panose="020B0604020202020204" pitchFamily="34" charset="0"/>
+              <a:buNone/>
+              <a:defRPr sz="1850" kern="1200">
+                <a:solidFill>
+                  <a:schemeClr val="accent4">
+                    <a:lumMod val="75000"/>
+                    <a:lumOff val="25000"/>
+                  </a:schemeClr>
+                </a:solidFill>
+                <a:latin typeface="+mj-lt"/>
+                <a:ea typeface="+mn-ea"/>
+                <a:cs typeface="+mn-cs"/>
+              </a:defRPr>
+            </a:lvl5pPr>
+            <a:lvl6pPr marL="2514600" indent="-228600" algn="l" defTabSz="914400" rtl="0" eaLnBrk="1" latinLnBrk="0" hangingPunct="1">
+              <a:lnSpc>
+                <a:spcPct val="90000"/>
+              </a:lnSpc>
+              <a:spcBef>
+                <a:spcPts val="500"/>
+              </a:spcBef>
+              <a:buFont typeface="Arial" panose="020B0604020202020204" pitchFamily="34" charset="0"/>
+              <a:buChar char="•"/>
+              <a:defRPr sz="1800" kern="1200">
+                <a:solidFill>
+                  <a:schemeClr val="tx1"/>
+                </a:solidFill>
+                <a:latin typeface="+mn-lt"/>
+                <a:ea typeface="+mn-ea"/>
+                <a:cs typeface="+mn-cs"/>
+              </a:defRPr>
+            </a:lvl6pPr>
+            <a:lvl7pPr marL="2971800" indent="-228600" algn="l" defTabSz="914400" rtl="0" eaLnBrk="1" latinLnBrk="0" hangingPunct="1">
+              <a:lnSpc>
+                <a:spcPct val="90000"/>
+              </a:lnSpc>
+              <a:spcBef>
+                <a:spcPts val="500"/>
+              </a:spcBef>
+              <a:buFont typeface="Arial" panose="020B0604020202020204" pitchFamily="34" charset="0"/>
+              <a:buChar char="•"/>
+              <a:defRPr sz="1800" kern="1200">
+                <a:solidFill>
+                  <a:schemeClr val="tx1"/>
+                </a:solidFill>
+                <a:latin typeface="+mn-lt"/>
+                <a:ea typeface="+mn-ea"/>
+                <a:cs typeface="+mn-cs"/>
+              </a:defRPr>
+            </a:lvl7pPr>
+            <a:lvl8pPr marL="3429000" indent="-228600" algn="l" defTabSz="914400" rtl="0" eaLnBrk="1" latinLnBrk="0" hangingPunct="1">
+              <a:lnSpc>
+                <a:spcPct val="90000"/>
+              </a:lnSpc>
+              <a:spcBef>
+                <a:spcPts val="500"/>
+              </a:spcBef>
+              <a:buFont typeface="Arial" panose="020B0604020202020204" pitchFamily="34" charset="0"/>
+              <a:buChar char="•"/>
+              <a:defRPr sz="1800" kern="1200">
+                <a:solidFill>
+                  <a:schemeClr val="tx1"/>
+                </a:solidFill>
+                <a:latin typeface="+mn-lt"/>
+                <a:ea typeface="+mn-ea"/>
+                <a:cs typeface="+mn-cs"/>
+              </a:defRPr>
+            </a:lvl8pPr>
+            <a:lvl9pPr marL="3886200" indent="-228600" algn="l" defTabSz="914400" rtl="0" eaLnBrk="1" latinLnBrk="0" hangingPunct="1">
+              <a:lnSpc>
+                <a:spcPct val="90000"/>
+              </a:lnSpc>
+              <a:spcBef>
+                <a:spcPts val="500"/>
+              </a:spcBef>
+              <a:buFont typeface="Arial" panose="020B0604020202020204" pitchFamily="34" charset="0"/>
+              <a:buChar char="•"/>
+              <a:defRPr sz="1800" kern="1200">
+                <a:solidFill>
+                  <a:schemeClr val="tx1"/>
+                </a:solidFill>
+                <a:latin typeface="+mn-lt"/>
+                <a:ea typeface="+mn-ea"/>
+                <a:cs typeface="+mn-cs"/>
+              </a:defRPr>
+            </a:lvl9pPr>
+          </a:lstStyle>
+          <a:p>
+            <a:pPr>
+              <a:lnSpc>
+                <a:spcPct val="100000"/>
+              </a:lnSpc>
+            </a:pPr>
+            <a:r>
+              <a:rPr lang="en-US"/>
+              <a:t>Technical Feasibility</a:t>
+            </a:r>
+          </a:p>
+        </p:txBody>
+      </p:sp>
+      <p:sp>
+        <p:nvSpPr>
+          <p:cNvPr id="22" name="Text Placeholder 8"/>
+          <p:cNvSpPr txBox="1">
+            <a:spLocks/>
+          </p:cNvSpPr>
+          <p:nvPr/>
+        </p:nvSpPr>
+        <p:spPr>
+          <a:xfrm>
+            <a:off x="604738" y="4740061"/>
+            <a:ext cx="5201702" cy="268656"/>
+          </a:xfrm>
+          <a:prstGeom prst="rect">
+            <a:avLst/>
+          </a:prstGeom>
+        </p:spPr>
+        <p:txBody>
+          <a:bodyPr vert="horz" wrap="none" lIns="0" tIns="0" rIns="0" bIns="0" rtlCol="0">
+            <a:normAutofit/>
+          </a:bodyPr>
+          <a:lstStyle>
+            <a:lvl1pPr marL="0" indent="0" algn="l" defTabSz="914400" rtl="0" eaLnBrk="1" latinLnBrk="0" hangingPunct="1">
+              <a:lnSpc>
+                <a:spcPct val="90000"/>
+              </a:lnSpc>
+              <a:spcBef>
+                <a:spcPts val="1000"/>
+              </a:spcBef>
+              <a:buFont typeface="Arial" panose="020B0604020202020204" pitchFamily="34" charset="0"/>
+              <a:buNone/>
+              <a:defRPr lang="en-IN" sz="1400" kern="1200" dirty="0">
+                <a:solidFill>
+                  <a:schemeClr val="accent4">
+                    <a:lumMod val="75000"/>
+                    <a:lumOff val="25000"/>
+                  </a:schemeClr>
+                </a:solidFill>
+                <a:latin typeface="Segoe UI" panose="020B0502040204020203" pitchFamily="34" charset="0"/>
+                <a:ea typeface="+mn-ea"/>
+                <a:cs typeface="+mn-cs"/>
+              </a:defRPr>
+            </a:lvl1pPr>
+            <a:lvl2pPr marL="457200" indent="0" algn="l" defTabSz="914400" rtl="0" eaLnBrk="1" latinLnBrk="0" hangingPunct="1">
+              <a:lnSpc>
+                <a:spcPct val="90000"/>
+              </a:lnSpc>
+              <a:spcBef>
+                <a:spcPts val="500"/>
+              </a:spcBef>
+              <a:buFont typeface="Arial" panose="020B0604020202020204" pitchFamily="34" charset="0"/>
+              <a:buNone/>
+              <a:defRPr sz="1850" kern="1200">
+                <a:solidFill>
+                  <a:schemeClr val="accent4">
+                    <a:lumMod val="75000"/>
+                    <a:lumOff val="25000"/>
+                  </a:schemeClr>
+                </a:solidFill>
+                <a:latin typeface="+mj-lt"/>
+                <a:ea typeface="+mn-ea"/>
+                <a:cs typeface="+mn-cs"/>
+              </a:defRPr>
+            </a:lvl2pPr>
+            <a:lvl3pPr marL="914400" indent="0" algn="l" defTabSz="914400" rtl="0" eaLnBrk="1" latinLnBrk="0" hangingPunct="1">
+              <a:lnSpc>
+                <a:spcPct val="90000"/>
+              </a:lnSpc>
+              <a:spcBef>
+                <a:spcPts val="500"/>
+              </a:spcBef>
+              <a:buFont typeface="Arial" panose="020B0604020202020204" pitchFamily="34" charset="0"/>
+              <a:buNone/>
+              <a:defRPr sz="1850" kern="1200">
+                <a:solidFill>
+                  <a:schemeClr val="accent4">
+                    <a:lumMod val="75000"/>
+                    <a:lumOff val="25000"/>
+                  </a:schemeClr>
+                </a:solidFill>
+                <a:latin typeface="+mj-lt"/>
+                <a:ea typeface="+mn-ea"/>
+                <a:cs typeface="+mn-cs"/>
+              </a:defRPr>
+            </a:lvl3pPr>
+            <a:lvl4pPr marL="1371600" indent="0" algn="l" defTabSz="914400" rtl="0" eaLnBrk="1" latinLnBrk="0" hangingPunct="1">
+              <a:lnSpc>
+                <a:spcPct val="90000"/>
+              </a:lnSpc>
+              <a:spcBef>
+                <a:spcPts val="500"/>
+              </a:spcBef>
+              <a:buFont typeface="Arial" panose="020B0604020202020204" pitchFamily="34" charset="0"/>
+              <a:buNone/>
+              <a:defRPr sz="1850" kern="1200">
+                <a:solidFill>
+                  <a:schemeClr val="accent4">
+                    <a:lumMod val="75000"/>
+                    <a:lumOff val="25000"/>
+                  </a:schemeClr>
+                </a:solidFill>
+                <a:latin typeface="+mj-lt"/>
+                <a:ea typeface="+mn-ea"/>
+                <a:cs typeface="+mn-cs"/>
+              </a:defRPr>
+            </a:lvl4pPr>
+            <a:lvl5pPr marL="1828800" indent="0" algn="l" defTabSz="914400" rtl="0" eaLnBrk="1" latinLnBrk="0" hangingPunct="1">
+              <a:lnSpc>
+                <a:spcPct val="90000"/>
+              </a:lnSpc>
+              <a:spcBef>
+                <a:spcPts val="500"/>
+              </a:spcBef>
+              <a:buFont typeface="Arial" panose="020B0604020202020204" pitchFamily="34" charset="0"/>
+              <a:buNone/>
+              <a:defRPr sz="1850" kern="1200">
+                <a:solidFill>
+                  <a:schemeClr val="accent4">
+                    <a:lumMod val="75000"/>
+                    <a:lumOff val="25000"/>
+                  </a:schemeClr>
+                </a:solidFill>
+                <a:latin typeface="+mj-lt"/>
+                <a:ea typeface="+mn-ea"/>
+                <a:cs typeface="+mn-cs"/>
+              </a:defRPr>
+            </a:lvl5pPr>
+            <a:lvl6pPr marL="2514600" indent="-228600" algn="l" defTabSz="914400" rtl="0" eaLnBrk="1" latinLnBrk="0" hangingPunct="1">
+              <a:lnSpc>
+                <a:spcPct val="90000"/>
+              </a:lnSpc>
+              <a:spcBef>
+                <a:spcPts val="500"/>
+              </a:spcBef>
+              <a:buFont typeface="Arial" panose="020B0604020202020204" pitchFamily="34" charset="0"/>
+              <a:buChar char="•"/>
+              <a:defRPr sz="1800" kern="1200">
+                <a:solidFill>
+                  <a:schemeClr val="tx1"/>
+                </a:solidFill>
+                <a:latin typeface="+mn-lt"/>
+                <a:ea typeface="+mn-ea"/>
+                <a:cs typeface="+mn-cs"/>
+              </a:defRPr>
+            </a:lvl6pPr>
+            <a:lvl7pPr marL="2971800" indent="-228600" algn="l" defTabSz="914400" rtl="0" eaLnBrk="1" latinLnBrk="0" hangingPunct="1">
+              <a:lnSpc>
+                <a:spcPct val="90000"/>
+              </a:lnSpc>
+              <a:spcBef>
+                <a:spcPts val="500"/>
+              </a:spcBef>
+              <a:buFont typeface="Arial" panose="020B0604020202020204" pitchFamily="34" charset="0"/>
+              <a:buChar char="•"/>
+              <a:defRPr sz="1800" kern="1200">
+                <a:solidFill>
+                  <a:schemeClr val="tx1"/>
+                </a:solidFill>
+                <a:latin typeface="+mn-lt"/>
+                <a:ea typeface="+mn-ea"/>
+                <a:cs typeface="+mn-cs"/>
+              </a:defRPr>
+            </a:lvl7pPr>
+            <a:lvl8pPr marL="3429000" indent="-228600" algn="l" defTabSz="914400" rtl="0" eaLnBrk="1" latinLnBrk="0" hangingPunct="1">
+              <a:lnSpc>
+                <a:spcPct val="90000"/>
+              </a:lnSpc>
+              <a:spcBef>
+                <a:spcPts val="500"/>
+              </a:spcBef>
+              <a:buFont typeface="Arial" panose="020B0604020202020204" pitchFamily="34" charset="0"/>
+              <a:buChar char="•"/>
+              <a:defRPr sz="1800" kern="1200">
+                <a:solidFill>
+                  <a:schemeClr val="tx1"/>
+                </a:solidFill>
+                <a:latin typeface="+mn-lt"/>
+                <a:ea typeface="+mn-ea"/>
+                <a:cs typeface="+mn-cs"/>
+              </a:defRPr>
+            </a:lvl8pPr>
+            <a:lvl9pPr marL="3886200" indent="-228600" algn="l" defTabSz="914400" rtl="0" eaLnBrk="1" latinLnBrk="0" hangingPunct="1">
+              <a:lnSpc>
+                <a:spcPct val="90000"/>
+              </a:lnSpc>
+              <a:spcBef>
+                <a:spcPts val="500"/>
+              </a:spcBef>
+              <a:buFont typeface="Arial" panose="020B0604020202020204" pitchFamily="34" charset="0"/>
+              <a:buChar char="•"/>
+              <a:defRPr sz="1800" kern="1200">
+                <a:solidFill>
+                  <a:schemeClr val="tx1"/>
+                </a:solidFill>
+                <a:latin typeface="+mn-lt"/>
+                <a:ea typeface="+mn-ea"/>
+                <a:cs typeface="+mn-cs"/>
+              </a:defRPr>
+            </a:lvl9pPr>
+          </a:lstStyle>
+          <a:p>
+            <a:pPr>
+              <a:lnSpc>
+                <a:spcPct val="100000"/>
+              </a:lnSpc>
+            </a:pPr>
+            <a:r>
+              <a:rPr lang="en-US"/>
+              <a:t>Financial Feasibility</a:t>
+            </a:r>
+          </a:p>
+        </p:txBody>
+      </p:sp>
+      <p:sp>
+        <p:nvSpPr>
+          <p:cNvPr id="23" name="Text Placeholder 8"/>
+          <p:cNvSpPr txBox="1">
+            <a:spLocks/>
+          </p:cNvSpPr>
+          <p:nvPr/>
+        </p:nvSpPr>
+        <p:spPr>
+          <a:xfrm>
+            <a:off x="604738" y="3552066"/>
+            <a:ext cx="5201702" cy="268656"/>
+          </a:xfrm>
+          <a:prstGeom prst="rect">
+            <a:avLst/>
+          </a:prstGeom>
+        </p:spPr>
+        <p:txBody>
+          <a:bodyPr vert="horz" wrap="none" lIns="0" tIns="0" rIns="0" bIns="0" rtlCol="0">
+            <a:normAutofit/>
+          </a:bodyPr>
+          <a:lstStyle>
+            <a:lvl1pPr marL="0" indent="0" algn="l" defTabSz="914400" rtl="0" eaLnBrk="1" latinLnBrk="0" hangingPunct="1">
+              <a:lnSpc>
+                <a:spcPct val="90000"/>
+              </a:lnSpc>
+              <a:spcBef>
+                <a:spcPts val="1000"/>
+              </a:spcBef>
+              <a:buFont typeface="Arial" panose="020B0604020202020204" pitchFamily="34" charset="0"/>
+              <a:buNone/>
+              <a:defRPr lang="en-IN" sz="1400" kern="1200" dirty="0">
+                <a:solidFill>
+                  <a:schemeClr val="accent4">
+                    <a:lumMod val="75000"/>
+                    <a:lumOff val="25000"/>
+                  </a:schemeClr>
+                </a:solidFill>
+                <a:latin typeface="Segoe UI" panose="020B0502040204020203" pitchFamily="34" charset="0"/>
+                <a:ea typeface="+mn-ea"/>
+                <a:cs typeface="+mn-cs"/>
+              </a:defRPr>
+            </a:lvl1pPr>
+            <a:lvl2pPr marL="457200" indent="0" algn="l" defTabSz="914400" rtl="0" eaLnBrk="1" latinLnBrk="0" hangingPunct="1">
+              <a:lnSpc>
+                <a:spcPct val="90000"/>
+              </a:lnSpc>
+              <a:spcBef>
+                <a:spcPts val="500"/>
+              </a:spcBef>
+              <a:buFont typeface="Arial" panose="020B0604020202020204" pitchFamily="34" charset="0"/>
+              <a:buNone/>
+              <a:defRPr sz="1850" kern="1200">
+                <a:solidFill>
+                  <a:schemeClr val="accent4">
+                    <a:lumMod val="75000"/>
+                    <a:lumOff val="25000"/>
+                  </a:schemeClr>
+                </a:solidFill>
+                <a:latin typeface="+mj-lt"/>
+                <a:ea typeface="+mn-ea"/>
+                <a:cs typeface="+mn-cs"/>
+              </a:defRPr>
+            </a:lvl2pPr>
+            <a:lvl3pPr marL="914400" indent="0" algn="l" defTabSz="914400" rtl="0" eaLnBrk="1" latinLnBrk="0" hangingPunct="1">
+              <a:lnSpc>
+                <a:spcPct val="90000"/>
+              </a:lnSpc>
+              <a:spcBef>
+                <a:spcPts val="500"/>
+              </a:spcBef>
+              <a:buFont typeface="Arial" panose="020B0604020202020204" pitchFamily="34" charset="0"/>
+              <a:buNone/>
+              <a:defRPr sz="1850" kern="1200">
+                <a:solidFill>
+                  <a:schemeClr val="accent4">
+                    <a:lumMod val="75000"/>
+                    <a:lumOff val="25000"/>
+                  </a:schemeClr>
+                </a:solidFill>
+                <a:latin typeface="+mj-lt"/>
+                <a:ea typeface="+mn-ea"/>
+                <a:cs typeface="+mn-cs"/>
+              </a:defRPr>
+            </a:lvl3pPr>
+            <a:lvl4pPr marL="1371600" indent="0" algn="l" defTabSz="914400" rtl="0" eaLnBrk="1" latinLnBrk="0" hangingPunct="1">
+              <a:lnSpc>
+                <a:spcPct val="90000"/>
+              </a:lnSpc>
+              <a:spcBef>
+                <a:spcPts val="500"/>
+              </a:spcBef>
+              <a:buFont typeface="Arial" panose="020B0604020202020204" pitchFamily="34" charset="0"/>
+              <a:buNone/>
+              <a:defRPr sz="1850" kern="1200">
+                <a:solidFill>
+                  <a:schemeClr val="accent4">
+                    <a:lumMod val="75000"/>
+                    <a:lumOff val="25000"/>
+                  </a:schemeClr>
+                </a:solidFill>
+                <a:latin typeface="+mj-lt"/>
+                <a:ea typeface="+mn-ea"/>
+                <a:cs typeface="+mn-cs"/>
+              </a:defRPr>
+            </a:lvl4pPr>
+            <a:lvl5pPr marL="1828800" indent="0" algn="l" defTabSz="914400" rtl="0" eaLnBrk="1" latinLnBrk="0" hangingPunct="1">
+              <a:lnSpc>
+                <a:spcPct val="90000"/>
+              </a:lnSpc>
+              <a:spcBef>
+                <a:spcPts val="500"/>
+              </a:spcBef>
+              <a:buFont typeface="Arial" panose="020B0604020202020204" pitchFamily="34" charset="0"/>
+              <a:buNone/>
+              <a:defRPr sz="1850" kern="1200">
+                <a:solidFill>
+                  <a:schemeClr val="accent4">
+                    <a:lumMod val="75000"/>
+                    <a:lumOff val="25000"/>
+                  </a:schemeClr>
+                </a:solidFill>
+                <a:latin typeface="+mj-lt"/>
+                <a:ea typeface="+mn-ea"/>
+                <a:cs typeface="+mn-cs"/>
+              </a:defRPr>
+            </a:lvl5pPr>
+            <a:lvl6pPr marL="2514600" indent="-228600" algn="l" defTabSz="914400" rtl="0" eaLnBrk="1" latinLnBrk="0" hangingPunct="1">
+              <a:lnSpc>
+                <a:spcPct val="90000"/>
+              </a:lnSpc>
+              <a:spcBef>
+                <a:spcPts val="500"/>
+              </a:spcBef>
+              <a:buFont typeface="Arial" panose="020B0604020202020204" pitchFamily="34" charset="0"/>
+              <a:buChar char="•"/>
+              <a:defRPr sz="1800" kern="1200">
+                <a:solidFill>
+                  <a:schemeClr val="tx1"/>
+                </a:solidFill>
+                <a:latin typeface="+mn-lt"/>
+                <a:ea typeface="+mn-ea"/>
+                <a:cs typeface="+mn-cs"/>
+              </a:defRPr>
+            </a:lvl6pPr>
+            <a:lvl7pPr marL="2971800" indent="-228600" algn="l" defTabSz="914400" rtl="0" eaLnBrk="1" latinLnBrk="0" hangingPunct="1">
+              <a:lnSpc>
+                <a:spcPct val="90000"/>
+              </a:lnSpc>
+              <a:spcBef>
+                <a:spcPts val="500"/>
+              </a:spcBef>
+              <a:buFont typeface="Arial" panose="020B0604020202020204" pitchFamily="34" charset="0"/>
+              <a:buChar char="•"/>
+              <a:defRPr sz="1800" kern="1200">
+                <a:solidFill>
+                  <a:schemeClr val="tx1"/>
+                </a:solidFill>
+                <a:latin typeface="+mn-lt"/>
+                <a:ea typeface="+mn-ea"/>
+                <a:cs typeface="+mn-cs"/>
+              </a:defRPr>
+            </a:lvl7pPr>
+            <a:lvl8pPr marL="3429000" indent="-228600" algn="l" defTabSz="914400" rtl="0" eaLnBrk="1" latinLnBrk="0" hangingPunct="1">
+              <a:lnSpc>
+                <a:spcPct val="90000"/>
+              </a:lnSpc>
+              <a:spcBef>
+                <a:spcPts val="500"/>
+              </a:spcBef>
+              <a:buFont typeface="Arial" panose="020B0604020202020204" pitchFamily="34" charset="0"/>
+              <a:buChar char="•"/>
+              <a:defRPr sz="1800" kern="1200">
+                <a:solidFill>
+                  <a:schemeClr val="tx1"/>
+                </a:solidFill>
+                <a:latin typeface="+mn-lt"/>
+                <a:ea typeface="+mn-ea"/>
+                <a:cs typeface="+mn-cs"/>
+              </a:defRPr>
+            </a:lvl8pPr>
+            <a:lvl9pPr marL="3886200" indent="-228600" algn="l" defTabSz="914400" rtl="0" eaLnBrk="1" latinLnBrk="0" hangingPunct="1">
+              <a:lnSpc>
+                <a:spcPct val="90000"/>
+              </a:lnSpc>
+              <a:spcBef>
+                <a:spcPts val="500"/>
+              </a:spcBef>
+              <a:buFont typeface="Arial" panose="020B0604020202020204" pitchFamily="34" charset="0"/>
+              <a:buChar char="•"/>
+              <a:defRPr sz="1800" kern="1200">
+                <a:solidFill>
+                  <a:schemeClr val="tx1"/>
+                </a:solidFill>
+                <a:latin typeface="+mn-lt"/>
+                <a:ea typeface="+mn-ea"/>
+                <a:cs typeface="+mn-cs"/>
+              </a:defRPr>
+            </a:lvl9pPr>
+          </a:lstStyle>
+          <a:p>
+            <a:pPr>
+              <a:lnSpc>
+                <a:spcPct val="100000"/>
+              </a:lnSpc>
+            </a:pPr>
+            <a:r>
+              <a:rPr lang="en-US"/>
+              <a:t>What makes your solution/idea innovative?</a:t>
+            </a:r>
+          </a:p>
+        </p:txBody>
+      </p:sp>
+      <p:sp>
+        <p:nvSpPr>
+          <p:cNvPr id="24" name="Text Placeholder 8"/>
+          <p:cNvSpPr txBox="1">
+            <a:spLocks/>
+          </p:cNvSpPr>
+          <p:nvPr/>
+        </p:nvSpPr>
+        <p:spPr>
+          <a:xfrm>
+            <a:off x="604738" y="5181462"/>
+            <a:ext cx="5201702" cy="268656"/>
+          </a:xfrm>
+          <a:prstGeom prst="rect">
+            <a:avLst/>
+          </a:prstGeom>
+        </p:spPr>
+        <p:txBody>
+          <a:bodyPr vert="horz" wrap="none" lIns="0" tIns="0" rIns="0" bIns="0" rtlCol="0">
+            <a:normAutofit/>
+          </a:bodyPr>
+          <a:lstStyle>
+            <a:lvl1pPr marL="0" indent="0" algn="l" defTabSz="914400" rtl="0" eaLnBrk="1" latinLnBrk="0" hangingPunct="1">
+              <a:lnSpc>
+                <a:spcPct val="90000"/>
+              </a:lnSpc>
+              <a:spcBef>
+                <a:spcPts val="1000"/>
+              </a:spcBef>
+              <a:buFont typeface="Arial" panose="020B0604020202020204" pitchFamily="34" charset="0"/>
+              <a:buNone/>
+              <a:defRPr lang="en-IN" sz="1400" kern="1200" dirty="0">
+                <a:solidFill>
+                  <a:schemeClr val="accent4">
+                    <a:lumMod val="75000"/>
+                    <a:lumOff val="25000"/>
+                  </a:schemeClr>
+                </a:solidFill>
+                <a:latin typeface="Segoe UI" panose="020B0502040204020203" pitchFamily="34" charset="0"/>
+                <a:ea typeface="+mn-ea"/>
+                <a:cs typeface="+mn-cs"/>
+              </a:defRPr>
+            </a:lvl1pPr>
+            <a:lvl2pPr marL="457200" indent="0" algn="l" defTabSz="914400" rtl="0" eaLnBrk="1" latinLnBrk="0" hangingPunct="1">
+              <a:lnSpc>
+                <a:spcPct val="90000"/>
+              </a:lnSpc>
+              <a:spcBef>
+                <a:spcPts val="500"/>
+              </a:spcBef>
+              <a:buFont typeface="Arial" panose="020B0604020202020204" pitchFamily="34" charset="0"/>
+              <a:buNone/>
+              <a:defRPr sz="1850" kern="1200">
+                <a:solidFill>
+                  <a:schemeClr val="accent4">
+                    <a:lumMod val="75000"/>
+                    <a:lumOff val="25000"/>
+                  </a:schemeClr>
+                </a:solidFill>
+                <a:latin typeface="+mj-lt"/>
+                <a:ea typeface="+mn-ea"/>
+                <a:cs typeface="+mn-cs"/>
+              </a:defRPr>
+            </a:lvl2pPr>
+            <a:lvl3pPr marL="914400" indent="0" algn="l" defTabSz="914400" rtl="0" eaLnBrk="1" latinLnBrk="0" hangingPunct="1">
+              <a:lnSpc>
+                <a:spcPct val="90000"/>
+              </a:lnSpc>
+              <a:spcBef>
+                <a:spcPts val="500"/>
+              </a:spcBef>
+              <a:buFont typeface="Arial" panose="020B0604020202020204" pitchFamily="34" charset="0"/>
+              <a:buNone/>
+              <a:defRPr sz="1850" kern="1200">
+                <a:solidFill>
+                  <a:schemeClr val="accent4">
+                    <a:lumMod val="75000"/>
+                    <a:lumOff val="25000"/>
+                  </a:schemeClr>
+                </a:solidFill>
+                <a:latin typeface="+mj-lt"/>
+                <a:ea typeface="+mn-ea"/>
+                <a:cs typeface="+mn-cs"/>
+              </a:defRPr>
+            </a:lvl3pPr>
+            <a:lvl4pPr marL="1371600" indent="0" algn="l" defTabSz="914400" rtl="0" eaLnBrk="1" latinLnBrk="0" hangingPunct="1">
+              <a:lnSpc>
+                <a:spcPct val="90000"/>
+              </a:lnSpc>
+              <a:spcBef>
+                <a:spcPts val="500"/>
+              </a:spcBef>
+              <a:buFont typeface="Arial" panose="020B0604020202020204" pitchFamily="34" charset="0"/>
+              <a:buNone/>
+              <a:defRPr sz="1850" kern="1200">
+                <a:solidFill>
+                  <a:schemeClr val="accent4">
+                    <a:lumMod val="75000"/>
+                    <a:lumOff val="25000"/>
+                  </a:schemeClr>
+                </a:solidFill>
+                <a:latin typeface="+mj-lt"/>
+                <a:ea typeface="+mn-ea"/>
+                <a:cs typeface="+mn-cs"/>
+              </a:defRPr>
+            </a:lvl4pPr>
+            <a:lvl5pPr marL="1828800" indent="0" algn="l" defTabSz="914400" rtl="0" eaLnBrk="1" latinLnBrk="0" hangingPunct="1">
+              <a:lnSpc>
+                <a:spcPct val="90000"/>
+              </a:lnSpc>
+              <a:spcBef>
+                <a:spcPts val="500"/>
+              </a:spcBef>
+              <a:buFont typeface="Arial" panose="020B0604020202020204" pitchFamily="34" charset="0"/>
+              <a:buNone/>
+              <a:defRPr sz="1850" kern="1200">
+                <a:solidFill>
+                  <a:schemeClr val="accent4">
+                    <a:lumMod val="75000"/>
+                    <a:lumOff val="25000"/>
+                  </a:schemeClr>
+                </a:solidFill>
+                <a:latin typeface="+mj-lt"/>
+                <a:ea typeface="+mn-ea"/>
+                <a:cs typeface="+mn-cs"/>
+              </a:defRPr>
+            </a:lvl5pPr>
+            <a:lvl6pPr marL="2514600" indent="-228600" algn="l" defTabSz="914400" rtl="0" eaLnBrk="1" latinLnBrk="0" hangingPunct="1">
+              <a:lnSpc>
+                <a:spcPct val="90000"/>
+              </a:lnSpc>
+              <a:spcBef>
+                <a:spcPts val="500"/>
+              </a:spcBef>
+              <a:buFont typeface="Arial" panose="020B0604020202020204" pitchFamily="34" charset="0"/>
+              <a:buChar char="•"/>
+              <a:defRPr sz="1800" kern="1200">
+                <a:solidFill>
+                  <a:schemeClr val="tx1"/>
+                </a:solidFill>
+                <a:latin typeface="+mn-lt"/>
+                <a:ea typeface="+mn-ea"/>
+                <a:cs typeface="+mn-cs"/>
+              </a:defRPr>
+            </a:lvl6pPr>
+            <a:lvl7pPr marL="2971800" indent="-228600" algn="l" defTabSz="914400" rtl="0" eaLnBrk="1" latinLnBrk="0" hangingPunct="1">
+              <a:lnSpc>
+                <a:spcPct val="90000"/>
+              </a:lnSpc>
+              <a:spcBef>
+                <a:spcPts val="500"/>
+              </a:spcBef>
+              <a:buFont typeface="Arial" panose="020B0604020202020204" pitchFamily="34" charset="0"/>
+              <a:buChar char="•"/>
+              <a:defRPr sz="1800" kern="1200">
+                <a:solidFill>
+                  <a:schemeClr val="tx1"/>
+                </a:solidFill>
+                <a:latin typeface="+mn-lt"/>
+                <a:ea typeface="+mn-ea"/>
+                <a:cs typeface="+mn-cs"/>
+              </a:defRPr>
+            </a:lvl7pPr>
+            <a:lvl8pPr marL="3429000" indent="-228600" algn="l" defTabSz="914400" rtl="0" eaLnBrk="1" latinLnBrk="0" hangingPunct="1">
+              <a:lnSpc>
+                <a:spcPct val="90000"/>
+              </a:lnSpc>
+              <a:spcBef>
+                <a:spcPts val="500"/>
+              </a:spcBef>
+              <a:buFont typeface="Arial" panose="020B0604020202020204" pitchFamily="34" charset="0"/>
+              <a:buChar char="•"/>
+              <a:defRPr sz="1800" kern="1200">
+                <a:solidFill>
+                  <a:schemeClr val="tx1"/>
+                </a:solidFill>
+                <a:latin typeface="+mn-lt"/>
+                <a:ea typeface="+mn-ea"/>
+                <a:cs typeface="+mn-cs"/>
+              </a:defRPr>
+            </a:lvl8pPr>
+            <a:lvl9pPr marL="3886200" indent="-228600" algn="l" defTabSz="914400" rtl="0" eaLnBrk="1" latinLnBrk="0" hangingPunct="1">
+              <a:lnSpc>
+                <a:spcPct val="90000"/>
+              </a:lnSpc>
+              <a:spcBef>
+                <a:spcPts val="500"/>
+              </a:spcBef>
+              <a:buFont typeface="Arial" panose="020B0604020202020204" pitchFamily="34" charset="0"/>
+              <a:buChar char="•"/>
+              <a:defRPr sz="1800" kern="1200">
+                <a:solidFill>
+                  <a:schemeClr val="tx1"/>
+                </a:solidFill>
+                <a:latin typeface="+mn-lt"/>
+                <a:ea typeface="+mn-ea"/>
+                <a:cs typeface="+mn-cs"/>
+              </a:defRPr>
+            </a:lvl9pPr>
+          </a:lstStyle>
+          <a:p>
+            <a:pPr>
+              <a:lnSpc>
+                <a:spcPct val="100000"/>
+              </a:lnSpc>
+            </a:pPr>
+            <a:r>
+              <a:rPr lang="en-US"/>
+              <a:t>Testimony</a:t>
+            </a:r>
+          </a:p>
+        </p:txBody>
+      </p:sp>
+      <p:sp>
+        <p:nvSpPr>
+          <p:cNvPr id="25" name="Text Placeholder 8"/>
+          <p:cNvSpPr txBox="1">
+            <a:spLocks/>
+          </p:cNvSpPr>
+          <p:nvPr/>
+        </p:nvSpPr>
+        <p:spPr>
+          <a:xfrm>
+            <a:off x="604738" y="5524119"/>
+            <a:ext cx="5201702" cy="268656"/>
+          </a:xfrm>
+          <a:prstGeom prst="rect">
+            <a:avLst/>
+          </a:prstGeom>
+        </p:spPr>
+        <p:txBody>
+          <a:bodyPr vert="horz" wrap="none" lIns="0" tIns="0" rIns="0" bIns="0" rtlCol="0">
+            <a:normAutofit/>
+          </a:bodyPr>
+          <a:lstStyle>
+            <a:lvl1pPr marL="0" indent="0" algn="l" defTabSz="914400" rtl="0" eaLnBrk="1" latinLnBrk="0" hangingPunct="1">
+              <a:lnSpc>
+                <a:spcPct val="90000"/>
+              </a:lnSpc>
+              <a:spcBef>
+                <a:spcPts val="1000"/>
+              </a:spcBef>
+              <a:buFont typeface="Arial" panose="020B0604020202020204" pitchFamily="34" charset="0"/>
+              <a:buNone/>
+              <a:defRPr lang="en-IN" sz="1400" kern="1200" dirty="0">
+                <a:solidFill>
+                  <a:schemeClr val="accent4">
+                    <a:lumMod val="75000"/>
+                    <a:lumOff val="25000"/>
+                  </a:schemeClr>
+                </a:solidFill>
+                <a:latin typeface="Segoe UI" panose="020B0502040204020203" pitchFamily="34" charset="0"/>
+                <a:ea typeface="+mn-ea"/>
+                <a:cs typeface="+mn-cs"/>
+              </a:defRPr>
+            </a:lvl1pPr>
+            <a:lvl2pPr marL="457200" indent="0" algn="l" defTabSz="914400" rtl="0" eaLnBrk="1" latinLnBrk="0" hangingPunct="1">
+              <a:lnSpc>
+                <a:spcPct val="90000"/>
+              </a:lnSpc>
+              <a:spcBef>
+                <a:spcPts val="500"/>
+              </a:spcBef>
+              <a:buFont typeface="Arial" panose="020B0604020202020204" pitchFamily="34" charset="0"/>
+              <a:buNone/>
+              <a:defRPr sz="1850" kern="1200">
+                <a:solidFill>
+                  <a:schemeClr val="accent4">
+                    <a:lumMod val="75000"/>
+                    <a:lumOff val="25000"/>
+                  </a:schemeClr>
+                </a:solidFill>
+                <a:latin typeface="+mj-lt"/>
+                <a:ea typeface="+mn-ea"/>
+                <a:cs typeface="+mn-cs"/>
+              </a:defRPr>
+            </a:lvl2pPr>
+            <a:lvl3pPr marL="914400" indent="0" algn="l" defTabSz="914400" rtl="0" eaLnBrk="1" latinLnBrk="0" hangingPunct="1">
+              <a:lnSpc>
+                <a:spcPct val="90000"/>
+              </a:lnSpc>
+              <a:spcBef>
+                <a:spcPts val="500"/>
+              </a:spcBef>
+              <a:buFont typeface="Arial" panose="020B0604020202020204" pitchFamily="34" charset="0"/>
+              <a:buNone/>
+              <a:defRPr sz="1850" kern="1200">
+                <a:solidFill>
+                  <a:schemeClr val="accent4">
+                    <a:lumMod val="75000"/>
+                    <a:lumOff val="25000"/>
+                  </a:schemeClr>
+                </a:solidFill>
+                <a:latin typeface="+mj-lt"/>
+                <a:ea typeface="+mn-ea"/>
+                <a:cs typeface="+mn-cs"/>
+              </a:defRPr>
+            </a:lvl3pPr>
+            <a:lvl4pPr marL="1371600" indent="0" algn="l" defTabSz="914400" rtl="0" eaLnBrk="1" latinLnBrk="0" hangingPunct="1">
+              <a:lnSpc>
+                <a:spcPct val="90000"/>
+              </a:lnSpc>
+              <a:spcBef>
+                <a:spcPts val="500"/>
+              </a:spcBef>
+              <a:buFont typeface="Arial" panose="020B0604020202020204" pitchFamily="34" charset="0"/>
+              <a:buNone/>
+              <a:defRPr sz="1850" kern="1200">
+                <a:solidFill>
+                  <a:schemeClr val="accent4">
+                    <a:lumMod val="75000"/>
+                    <a:lumOff val="25000"/>
+                  </a:schemeClr>
+                </a:solidFill>
+                <a:latin typeface="+mj-lt"/>
+                <a:ea typeface="+mn-ea"/>
+                <a:cs typeface="+mn-cs"/>
+              </a:defRPr>
+            </a:lvl4pPr>
+            <a:lvl5pPr marL="1828800" indent="0" algn="l" defTabSz="914400" rtl="0" eaLnBrk="1" latinLnBrk="0" hangingPunct="1">
+              <a:lnSpc>
+                <a:spcPct val="90000"/>
+              </a:lnSpc>
+              <a:spcBef>
+                <a:spcPts val="500"/>
+              </a:spcBef>
+              <a:buFont typeface="Arial" panose="020B0604020202020204" pitchFamily="34" charset="0"/>
+              <a:buNone/>
+              <a:defRPr sz="1850" kern="1200">
+                <a:solidFill>
+                  <a:schemeClr val="accent4">
+                    <a:lumMod val="75000"/>
+                    <a:lumOff val="25000"/>
+                  </a:schemeClr>
+                </a:solidFill>
+                <a:latin typeface="+mj-lt"/>
+                <a:ea typeface="+mn-ea"/>
+                <a:cs typeface="+mn-cs"/>
+              </a:defRPr>
+            </a:lvl5pPr>
+            <a:lvl6pPr marL="2514600" indent="-228600" algn="l" defTabSz="914400" rtl="0" eaLnBrk="1" latinLnBrk="0" hangingPunct="1">
+              <a:lnSpc>
+                <a:spcPct val="90000"/>
+              </a:lnSpc>
+              <a:spcBef>
+                <a:spcPts val="500"/>
+              </a:spcBef>
+              <a:buFont typeface="Arial" panose="020B0604020202020204" pitchFamily="34" charset="0"/>
+              <a:buChar char="•"/>
+              <a:defRPr sz="1800" kern="1200">
+                <a:solidFill>
+                  <a:schemeClr val="tx1"/>
+                </a:solidFill>
+                <a:latin typeface="+mn-lt"/>
+                <a:ea typeface="+mn-ea"/>
+                <a:cs typeface="+mn-cs"/>
+              </a:defRPr>
+            </a:lvl6pPr>
+            <a:lvl7pPr marL="2971800" indent="-228600" algn="l" defTabSz="914400" rtl="0" eaLnBrk="1" latinLnBrk="0" hangingPunct="1">
+              <a:lnSpc>
+                <a:spcPct val="90000"/>
+              </a:lnSpc>
+              <a:spcBef>
+                <a:spcPts val="500"/>
+              </a:spcBef>
+              <a:buFont typeface="Arial" panose="020B0604020202020204" pitchFamily="34" charset="0"/>
+              <a:buChar char="•"/>
+              <a:defRPr sz="1800" kern="1200">
+                <a:solidFill>
+                  <a:schemeClr val="tx1"/>
+                </a:solidFill>
+                <a:latin typeface="+mn-lt"/>
+                <a:ea typeface="+mn-ea"/>
+                <a:cs typeface="+mn-cs"/>
+              </a:defRPr>
+            </a:lvl7pPr>
+            <a:lvl8pPr marL="3429000" indent="-228600" algn="l" defTabSz="914400" rtl="0" eaLnBrk="1" latinLnBrk="0" hangingPunct="1">
+              <a:lnSpc>
+                <a:spcPct val="90000"/>
+              </a:lnSpc>
+              <a:spcBef>
+                <a:spcPts val="500"/>
+              </a:spcBef>
+              <a:buFont typeface="Arial" panose="020B0604020202020204" pitchFamily="34" charset="0"/>
+              <a:buChar char="•"/>
+              <a:defRPr sz="1800" kern="1200">
+                <a:solidFill>
+                  <a:schemeClr val="tx1"/>
+                </a:solidFill>
+                <a:latin typeface="+mn-lt"/>
+                <a:ea typeface="+mn-ea"/>
+                <a:cs typeface="+mn-cs"/>
+              </a:defRPr>
+            </a:lvl8pPr>
+            <a:lvl9pPr marL="3886200" indent="-228600" algn="l" defTabSz="914400" rtl="0" eaLnBrk="1" latinLnBrk="0" hangingPunct="1">
+              <a:lnSpc>
+                <a:spcPct val="90000"/>
+              </a:lnSpc>
+              <a:spcBef>
+                <a:spcPts val="500"/>
+              </a:spcBef>
+              <a:buFont typeface="Arial" panose="020B0604020202020204" pitchFamily="34" charset="0"/>
+              <a:buChar char="•"/>
+              <a:defRPr sz="1800" kern="1200">
+                <a:solidFill>
+                  <a:schemeClr val="tx1"/>
+                </a:solidFill>
+                <a:latin typeface="+mn-lt"/>
+                <a:ea typeface="+mn-ea"/>
+                <a:cs typeface="+mn-cs"/>
+              </a:defRPr>
+            </a:lvl9pPr>
+          </a:lstStyle>
+          <a:p>
+            <a:pPr>
+              <a:lnSpc>
+                <a:spcPct val="100000"/>
+              </a:lnSpc>
+            </a:pPr>
+            <a:r>
+              <a:rPr lang="en-US"/>
+              <a:t>Elevator Pitch – 1 to 2 </a:t>
+            </a:r>
+            <a:r>
+              <a:rPr lang="en-US" err="1"/>
+              <a:t>mins</a:t>
+            </a:r>
+            <a:endParaRPr lang="en-US"/>
+          </a:p>
+        </p:txBody>
+      </p:sp>
+      <p:sp>
+        <p:nvSpPr>
+          <p:cNvPr id="26" name="Text Placeholder 8">
+            <a:extLst>
+              <a:ext uri="{FF2B5EF4-FFF2-40B4-BE49-F238E27FC236}">
+                <a16:creationId xmlns:a16="http://schemas.microsoft.com/office/drawing/2014/main" id="{B491FE36-B858-40D3-95B7-4DD516AF82E4}"/>
+              </a:ext>
+            </a:extLst>
+          </p:cNvPr>
+          <p:cNvSpPr txBox="1">
+            <a:spLocks/>
+          </p:cNvSpPr>
+          <p:nvPr/>
+        </p:nvSpPr>
+        <p:spPr>
+          <a:xfrm>
+            <a:off x="604738" y="3960439"/>
+            <a:ext cx="5201702" cy="268656"/>
+          </a:xfrm>
+          <a:prstGeom prst="rect">
+            <a:avLst/>
+          </a:prstGeom>
+        </p:spPr>
+        <p:txBody>
+          <a:bodyPr vert="horz" wrap="none" lIns="0" tIns="0" rIns="0" bIns="0" rtlCol="0">
+            <a:normAutofit/>
+          </a:bodyPr>
+          <a:lstStyle>
+            <a:lvl1pPr marL="0" indent="0" algn="l" defTabSz="914400" rtl="0" eaLnBrk="1" latinLnBrk="0" hangingPunct="1">
+              <a:lnSpc>
+                <a:spcPct val="90000"/>
+              </a:lnSpc>
+              <a:spcBef>
+                <a:spcPts val="1000"/>
+              </a:spcBef>
+              <a:buFont typeface="Arial" panose="020B0604020202020204" pitchFamily="34" charset="0"/>
+              <a:buNone/>
+              <a:defRPr lang="en-IN" sz="1400" kern="1200" dirty="0">
+                <a:solidFill>
+                  <a:schemeClr val="accent4">
+                    <a:lumMod val="75000"/>
+                    <a:lumOff val="25000"/>
+                  </a:schemeClr>
+                </a:solidFill>
+                <a:latin typeface="Segoe UI" panose="020B0502040204020203" pitchFamily="34" charset="0"/>
+                <a:ea typeface="+mn-ea"/>
+                <a:cs typeface="+mn-cs"/>
+              </a:defRPr>
+            </a:lvl1pPr>
+            <a:lvl2pPr marL="457200" indent="0" algn="l" defTabSz="914400" rtl="0" eaLnBrk="1" latinLnBrk="0" hangingPunct="1">
+              <a:lnSpc>
+                <a:spcPct val="90000"/>
+              </a:lnSpc>
+              <a:spcBef>
+                <a:spcPts val="500"/>
+              </a:spcBef>
+              <a:buFont typeface="Arial" panose="020B0604020202020204" pitchFamily="34" charset="0"/>
+              <a:buNone/>
+              <a:defRPr sz="1850" kern="1200">
+                <a:solidFill>
+                  <a:schemeClr val="accent4">
+                    <a:lumMod val="75000"/>
+                    <a:lumOff val="25000"/>
+                  </a:schemeClr>
+                </a:solidFill>
+                <a:latin typeface="+mj-lt"/>
+                <a:ea typeface="+mn-ea"/>
+                <a:cs typeface="+mn-cs"/>
+              </a:defRPr>
+            </a:lvl2pPr>
+            <a:lvl3pPr marL="914400" indent="0" algn="l" defTabSz="914400" rtl="0" eaLnBrk="1" latinLnBrk="0" hangingPunct="1">
+              <a:lnSpc>
+                <a:spcPct val="90000"/>
+              </a:lnSpc>
+              <a:spcBef>
+                <a:spcPts val="500"/>
+              </a:spcBef>
+              <a:buFont typeface="Arial" panose="020B0604020202020204" pitchFamily="34" charset="0"/>
+              <a:buNone/>
+              <a:defRPr sz="1850" kern="1200">
+                <a:solidFill>
+                  <a:schemeClr val="accent4">
+                    <a:lumMod val="75000"/>
+                    <a:lumOff val="25000"/>
+                  </a:schemeClr>
+                </a:solidFill>
+                <a:latin typeface="+mj-lt"/>
+                <a:ea typeface="+mn-ea"/>
+                <a:cs typeface="+mn-cs"/>
+              </a:defRPr>
+            </a:lvl3pPr>
+            <a:lvl4pPr marL="1371600" indent="0" algn="l" defTabSz="914400" rtl="0" eaLnBrk="1" latinLnBrk="0" hangingPunct="1">
+              <a:lnSpc>
+                <a:spcPct val="90000"/>
+              </a:lnSpc>
+              <a:spcBef>
+                <a:spcPts val="500"/>
+              </a:spcBef>
+              <a:buFont typeface="Arial" panose="020B0604020202020204" pitchFamily="34" charset="0"/>
+              <a:buNone/>
+              <a:defRPr sz="1850" kern="1200">
+                <a:solidFill>
+                  <a:schemeClr val="accent4">
+                    <a:lumMod val="75000"/>
+                    <a:lumOff val="25000"/>
+                  </a:schemeClr>
+                </a:solidFill>
+                <a:latin typeface="+mj-lt"/>
+                <a:ea typeface="+mn-ea"/>
+                <a:cs typeface="+mn-cs"/>
+              </a:defRPr>
+            </a:lvl4pPr>
+            <a:lvl5pPr marL="1828800" indent="0" algn="l" defTabSz="914400" rtl="0" eaLnBrk="1" latinLnBrk="0" hangingPunct="1">
+              <a:lnSpc>
+                <a:spcPct val="90000"/>
+              </a:lnSpc>
+              <a:spcBef>
+                <a:spcPts val="500"/>
+              </a:spcBef>
+              <a:buFont typeface="Arial" panose="020B0604020202020204" pitchFamily="34" charset="0"/>
+              <a:buNone/>
+              <a:defRPr sz="1850" kern="1200">
+                <a:solidFill>
+                  <a:schemeClr val="accent4">
+                    <a:lumMod val="75000"/>
+                    <a:lumOff val="25000"/>
+                  </a:schemeClr>
+                </a:solidFill>
+                <a:latin typeface="+mj-lt"/>
+                <a:ea typeface="+mn-ea"/>
+                <a:cs typeface="+mn-cs"/>
+              </a:defRPr>
+            </a:lvl5pPr>
+            <a:lvl6pPr marL="2514600" indent="-228600" algn="l" defTabSz="914400" rtl="0" eaLnBrk="1" latinLnBrk="0" hangingPunct="1">
+              <a:lnSpc>
+                <a:spcPct val="90000"/>
+              </a:lnSpc>
+              <a:spcBef>
+                <a:spcPts val="500"/>
+              </a:spcBef>
+              <a:buFont typeface="Arial" panose="020B0604020202020204" pitchFamily="34" charset="0"/>
+              <a:buChar char="•"/>
+              <a:defRPr sz="1800" kern="1200">
+                <a:solidFill>
+                  <a:schemeClr val="tx1"/>
+                </a:solidFill>
+                <a:latin typeface="+mn-lt"/>
+                <a:ea typeface="+mn-ea"/>
+                <a:cs typeface="+mn-cs"/>
+              </a:defRPr>
+            </a:lvl6pPr>
+            <a:lvl7pPr marL="2971800" indent="-228600" algn="l" defTabSz="914400" rtl="0" eaLnBrk="1" latinLnBrk="0" hangingPunct="1">
+              <a:lnSpc>
+                <a:spcPct val="90000"/>
+              </a:lnSpc>
+              <a:spcBef>
+                <a:spcPts val="500"/>
+              </a:spcBef>
+              <a:buFont typeface="Arial" panose="020B0604020202020204" pitchFamily="34" charset="0"/>
+              <a:buChar char="•"/>
+              <a:defRPr sz="1800" kern="1200">
+                <a:solidFill>
+                  <a:schemeClr val="tx1"/>
+                </a:solidFill>
+                <a:latin typeface="+mn-lt"/>
+                <a:ea typeface="+mn-ea"/>
+                <a:cs typeface="+mn-cs"/>
+              </a:defRPr>
+            </a:lvl7pPr>
+            <a:lvl8pPr marL="3429000" indent="-228600" algn="l" defTabSz="914400" rtl="0" eaLnBrk="1" latinLnBrk="0" hangingPunct="1">
+              <a:lnSpc>
+                <a:spcPct val="90000"/>
+              </a:lnSpc>
+              <a:spcBef>
+                <a:spcPts val="500"/>
+              </a:spcBef>
+              <a:buFont typeface="Arial" panose="020B0604020202020204" pitchFamily="34" charset="0"/>
+              <a:buChar char="•"/>
+              <a:defRPr sz="1800" kern="1200">
+                <a:solidFill>
+                  <a:schemeClr val="tx1"/>
+                </a:solidFill>
+                <a:latin typeface="+mn-lt"/>
+                <a:ea typeface="+mn-ea"/>
+                <a:cs typeface="+mn-cs"/>
+              </a:defRPr>
+            </a:lvl8pPr>
+            <a:lvl9pPr marL="3886200" indent="-228600" algn="l" defTabSz="914400" rtl="0" eaLnBrk="1" latinLnBrk="0" hangingPunct="1">
+              <a:lnSpc>
+                <a:spcPct val="90000"/>
+              </a:lnSpc>
+              <a:spcBef>
+                <a:spcPts val="500"/>
+              </a:spcBef>
+              <a:buFont typeface="Arial" panose="020B0604020202020204" pitchFamily="34" charset="0"/>
+              <a:buChar char="•"/>
+              <a:defRPr sz="1800" kern="1200">
+                <a:solidFill>
+                  <a:schemeClr val="tx1"/>
+                </a:solidFill>
+                <a:latin typeface="+mn-lt"/>
+                <a:ea typeface="+mn-ea"/>
+                <a:cs typeface="+mn-cs"/>
+              </a:defRPr>
+            </a:lvl9pPr>
+          </a:lstStyle>
+          <a:p>
+            <a:pPr>
+              <a:lnSpc>
+                <a:spcPct val="100000"/>
+              </a:lnSpc>
+            </a:pPr>
+            <a:r>
+              <a:rPr lang="en-US"/>
+              <a:t>Technologies Leveraged</a:t>
+            </a:r>
+          </a:p>
+        </p:txBody>
+      </p:sp>
+      <p:cxnSp>
+        <p:nvCxnSpPr>
+          <p:cNvPr id="27" name="Straight Connector 26">
+            <a:extLst>
+              <a:ext uri="{FF2B5EF4-FFF2-40B4-BE49-F238E27FC236}">
+                <a16:creationId xmlns:a16="http://schemas.microsoft.com/office/drawing/2014/main" id="{5AB4BBB4-719E-4504-877D-0A00BCCDE9A1}"/>
+              </a:ext>
+            </a:extLst>
+          </p:cNvPr>
+          <p:cNvCxnSpPr>
+            <a:cxnSpLocks/>
+          </p:cNvCxnSpPr>
+          <p:nvPr/>
+        </p:nvCxnSpPr>
+        <p:spPr>
+          <a:xfrm>
+            <a:off x="604738" y="5450118"/>
+            <a:ext cx="5201702" cy="0"/>
+          </a:xfrm>
+          <a:prstGeom prst="line">
+            <a:avLst/>
+          </a:prstGeom>
+          <a:ln>
+            <a:solidFill>
+              <a:schemeClr val="bg1">
+                <a:lumMod val="85000"/>
+              </a:schemeClr>
+            </a:solidFill>
+          </a:ln>
+        </p:spPr>
+        <p:style>
+          <a:lnRef idx="1">
+            <a:schemeClr val="accent1"/>
+          </a:lnRef>
+          <a:fillRef idx="0">
+            <a:schemeClr val="accent1"/>
+          </a:fillRef>
+          <a:effectRef idx="0">
+            <a:schemeClr val="accent1"/>
+          </a:effectRef>
+          <a:fontRef idx="minor">
+            <a:schemeClr val="tx1"/>
+          </a:fontRef>
+        </p:style>
+      </p:cxnSp>
+    </p:spTree>
+    <p:extLst>
+      <p:ext uri="{BB962C8B-B14F-4D97-AF65-F5344CB8AC3E}">
+        <p14:creationId xmlns:p14="http://schemas.microsoft.com/office/powerpoint/2010/main" val="2954688185"/>
+      </p:ext>
+    </p:extLst>
+  </p:cSld>
+  <p:clrMapOvr>
+    <a:masterClrMapping/>
+  </p:clrMapOvr>
+</p:sld>
+</file>
+
+<file path=ppt/slides/slide3.xml><?xml version="1.0" encoding="utf-8"?>
 <p:sld xmlns:a="http://schemas.openxmlformats.org/drawingml/2006/main" xmlns:r="http://schemas.openxmlformats.org/officeDocument/2006/relationships" xmlns:p="http://schemas.openxmlformats.org/presentationml/2006/main">
   <p:cSld>
     <p:spTree>
@@ -23360,7 +25573,7 @@
 </p:sld>
 </file>
 
-<file path=ppt/slides/slide3.xml><?xml version="1.0" encoding="utf-8"?>
+<file path=ppt/slides/slide4.xml><?xml version="1.0" encoding="utf-8"?>
 <p:sld xmlns:a="http://schemas.openxmlformats.org/drawingml/2006/main" xmlns:r="http://schemas.openxmlformats.org/officeDocument/2006/relationships" xmlns:p="http://schemas.openxmlformats.org/presentationml/2006/main">
   <p:cSld>
     <p:spTree>
@@ -23787,482 +26000,6 @@
     <p:extLst>
       <p:ext uri="{BB962C8B-B14F-4D97-AF65-F5344CB8AC3E}">
         <p14:creationId xmlns:p14="http://schemas.microsoft.com/office/powerpoint/2010/main" val="4180042075"/>
-      </p:ext>
-    </p:extLst>
-  </p:cSld>
-  <p:clrMapOvr>
-    <a:masterClrMapping/>
-  </p:clrMapOvr>
-</p:sld>
-</file>
-
-<file path=ppt/slides/slide4.xml><?xml version="1.0" encoding="utf-8"?>
-<p:sld xmlns:a="http://schemas.openxmlformats.org/drawingml/2006/main" xmlns:r="http://schemas.openxmlformats.org/officeDocument/2006/relationships" xmlns:p="http://schemas.openxmlformats.org/presentationml/2006/main">
-  <p:cSld>
-    <p:spTree>
-      <p:nvGrpSpPr>
-        <p:cNvPr id="1" name=""/>
-        <p:cNvGrpSpPr/>
-        <p:nvPr/>
-      </p:nvGrpSpPr>
-      <p:grpSpPr>
-        <a:xfrm>
-          <a:off x="0" y="0"/>
-          <a:ext cx="0" cy="0"/>
-          <a:chOff x="0" y="0"/>
-          <a:chExt cx="0" cy="0"/>
-        </a:xfrm>
-      </p:grpSpPr>
-      <p:sp>
-        <p:nvSpPr>
-          <p:cNvPr id="4" name="Title 3">
-            <a:extLst>
-              <a:ext uri="{FF2B5EF4-FFF2-40B4-BE49-F238E27FC236}">
-                <a16:creationId xmlns:a16="http://schemas.microsoft.com/office/drawing/2014/main" id="{B46056A9-800D-4D02-A379-968FFCF2FEB7}"/>
-              </a:ext>
-            </a:extLst>
-          </p:cNvPr>
-          <p:cNvSpPr>
-            <a:spLocks noGrp="1"/>
-          </p:cNvSpPr>
-          <p:nvPr>
-            <p:ph type="title"/>
-          </p:nvPr>
-        </p:nvSpPr>
-        <p:spPr>
-          <a:xfrm>
-            <a:off x="561307" y="156367"/>
-            <a:ext cx="10982522" cy="387798"/>
-          </a:xfrm>
-        </p:spPr>
-        <p:txBody>
-          <a:bodyPr/>
-          <a:lstStyle/>
-          <a:p>
-            <a:r>
-              <a:rPr lang="en-IN" dirty="0">
-                <a:solidFill>
-                  <a:schemeClr val="accent4">
-                    <a:lumMod val="75000"/>
-                    <a:lumOff val="25000"/>
-                  </a:schemeClr>
-                </a:solidFill>
-              </a:rPr>
-              <a:t>What is your idea for the solution?</a:t>
-            </a:r>
-          </a:p>
-        </p:txBody>
-      </p:sp>
-      <p:sp>
-        <p:nvSpPr>
-          <p:cNvPr id="2" name="TextBox 1">
-            <a:extLst>
-              <a:ext uri="{FF2B5EF4-FFF2-40B4-BE49-F238E27FC236}">
-                <a16:creationId xmlns:a16="http://schemas.microsoft.com/office/drawing/2014/main" id="{2A29A2E8-9DCD-21AB-50B1-C0FCBD4394D2}"/>
-              </a:ext>
-            </a:extLst>
-          </p:cNvPr>
-          <p:cNvSpPr txBox="1"/>
-          <p:nvPr/>
-        </p:nvSpPr>
-        <p:spPr>
-          <a:xfrm>
-            <a:off x="600782" y="697508"/>
-            <a:ext cx="8735787" cy="5940088"/>
-          </a:xfrm>
-          <a:prstGeom prst="rect">
-            <a:avLst/>
-          </a:prstGeom>
-          <a:noFill/>
-        </p:spPr>
-        <p:txBody>
-          <a:bodyPr wrap="square" lIns="91440" tIns="45720" rIns="91440" bIns="45720" rtlCol="0" anchor="t">
-            <a:spAutoFit/>
-          </a:bodyPr>
-          <a:lstStyle/>
-          <a:p>
-            <a:pPr algn="just"/>
-            <a:r>
-              <a:rPr lang="en-GB" b="1" dirty="0"/>
-              <a:t>Solution: </a:t>
-            </a:r>
-          </a:p>
-          <a:p>
-            <a:pPr marL="285750" indent="-285750" algn="just">
-              <a:buFont typeface="Arial" panose="020B0604020202020204" pitchFamily="34" charset="0"/>
-              <a:buChar char="•"/>
-            </a:pPr>
-            <a:r>
-              <a:rPr lang="en-GB" dirty="0">
-                <a:latin typeface="Calibri" panose="020F0502020204030204" pitchFamily="34" charset="0"/>
-                <a:ea typeface="Calibri" panose="020F0502020204030204" pitchFamily="34" charset="0"/>
-                <a:cs typeface="Calibri" panose="020F0502020204030204" pitchFamily="34" charset="0"/>
-              </a:rPr>
-              <a:t>In response to the critical issue of e-waste disposal, we present an </a:t>
-            </a:r>
-          </a:p>
-          <a:p>
-            <a:pPr algn="just"/>
-            <a:r>
-              <a:rPr lang="en-GB" sz="2000" b="1" dirty="0">
-                <a:solidFill>
-                  <a:srgbClr val="00B0F0"/>
-                </a:solidFill>
-                <a:latin typeface="Calibri" panose="020F0502020204030204" pitchFamily="34" charset="0"/>
-                <a:ea typeface="Calibri" panose="020F0502020204030204" pitchFamily="34" charset="0"/>
-                <a:cs typeface="Calibri" panose="020F0502020204030204" pitchFamily="34" charset="0"/>
-              </a:rPr>
-              <a:t>    </a:t>
-            </a:r>
-            <a:r>
-              <a:rPr lang="en-GB" sz="2000" b="1" dirty="0">
-                <a:solidFill>
-                  <a:srgbClr val="0070C0"/>
-                </a:solidFill>
-                <a:latin typeface="Calibri" panose="020F0502020204030204" pitchFamily="34" charset="0"/>
-                <a:ea typeface="Calibri" panose="020F0502020204030204" pitchFamily="34" charset="0"/>
-                <a:cs typeface="Calibri" panose="020F0502020204030204" pitchFamily="34" charset="0"/>
-              </a:rPr>
-              <a:t>Integrated web platform. </a:t>
-            </a:r>
-            <a:r>
-              <a:rPr lang="en-GB" dirty="0">
-                <a:latin typeface="Calibri" panose="020F0502020204030204" pitchFamily="34" charset="0"/>
-                <a:ea typeface="Calibri" panose="020F0502020204030204" pitchFamily="34" charset="0"/>
-                <a:cs typeface="Calibri" panose="020F0502020204030204" pitchFamily="34" charset="0"/>
-              </a:rPr>
-              <a:t>This solution is characterized by:</a:t>
-            </a:r>
-          </a:p>
-          <a:p>
-            <a:pPr marL="285750" indent="-285750" algn="just">
-              <a:buFont typeface="Arial" panose="020B0604020202020204" pitchFamily="34" charset="0"/>
-              <a:buChar char="•"/>
-            </a:pPr>
-            <a:r>
-              <a:rPr lang="en-GB" b="1" dirty="0">
-                <a:latin typeface="Calibri" panose="020F0502020204030204" pitchFamily="34" charset="0"/>
-                <a:ea typeface="Calibri" panose="020F0502020204030204" pitchFamily="34" charset="0"/>
-                <a:cs typeface="Calibri" panose="020F0502020204030204" pitchFamily="34" charset="0"/>
-              </a:rPr>
-              <a:t>User-Friendly Interface: </a:t>
-            </a:r>
-            <a:r>
-              <a:rPr lang="en-GB" dirty="0">
-                <a:latin typeface="Calibri" panose="020F0502020204030204" pitchFamily="34" charset="0"/>
-                <a:ea typeface="Calibri" panose="020F0502020204030204" pitchFamily="34" charset="0"/>
-                <a:cs typeface="Calibri" panose="020F0502020204030204" pitchFamily="34" charset="0"/>
-              </a:rPr>
-              <a:t>Our platform boasts an intuitive design, ensuring a seamless experience for all users.</a:t>
-            </a:r>
-          </a:p>
-          <a:p>
-            <a:pPr marL="285750" indent="-285750" algn="just">
-              <a:buFont typeface="Arial" panose="020B0604020202020204" pitchFamily="34" charset="0"/>
-              <a:buChar char="•"/>
-            </a:pPr>
-            <a:r>
-              <a:rPr lang="en-GB" b="1" dirty="0">
-                <a:latin typeface="Calibri" panose="020F0502020204030204" pitchFamily="34" charset="0"/>
-                <a:ea typeface="Calibri" panose="020F0502020204030204" pitchFamily="34" charset="0"/>
-                <a:cs typeface="Calibri" panose="020F0502020204030204" pitchFamily="34" charset="0"/>
-              </a:rPr>
-              <a:t>Advanced Technology Stack: </a:t>
-            </a:r>
-            <a:r>
-              <a:rPr lang="en-GB" dirty="0">
-                <a:latin typeface="Calibri" panose="020F0502020204030204" pitchFamily="34" charset="0"/>
-                <a:ea typeface="Calibri" panose="020F0502020204030204" pitchFamily="34" charset="0"/>
-                <a:cs typeface="Calibri" panose="020F0502020204030204" pitchFamily="34" charset="0"/>
-              </a:rPr>
-              <a:t>Leveraging cutting-edge technology, like Nextjs, Expressjs/Nodejs, MongoDB, </a:t>
-            </a:r>
-            <a:r>
-              <a:rPr lang="en-GB" dirty="0" err="1">
-                <a:latin typeface="Calibri" panose="020F0502020204030204" pitchFamily="34" charset="0"/>
-                <a:ea typeface="Calibri" panose="020F0502020204030204" pitchFamily="34" charset="0"/>
-                <a:cs typeface="Calibri" panose="020F0502020204030204" pitchFamily="34" charset="0"/>
-              </a:rPr>
-              <a:t>MapBox</a:t>
-            </a:r>
-            <a:r>
-              <a:rPr lang="en-GB" dirty="0">
-                <a:latin typeface="Calibri" panose="020F0502020204030204" pitchFamily="34" charset="0"/>
-                <a:ea typeface="Calibri" panose="020F0502020204030204" pitchFamily="34" charset="0"/>
-                <a:cs typeface="Calibri" panose="020F0502020204030204" pitchFamily="34" charset="0"/>
-              </a:rPr>
-              <a:t> map API our platform ensures robust functionality and efficiency.</a:t>
-            </a:r>
-          </a:p>
-          <a:p>
-            <a:pPr marL="285750" indent="-285750" algn="just">
-              <a:buFont typeface="Arial" panose="020B0604020202020204" pitchFamily="34" charset="0"/>
-              <a:buChar char="•"/>
-            </a:pPr>
-            <a:r>
-              <a:rPr lang="en-GB" b="1" dirty="0">
-                <a:latin typeface="Calibri" panose="020F0502020204030204" pitchFamily="34" charset="0"/>
-                <a:ea typeface="Calibri" panose="020F0502020204030204" pitchFamily="34" charset="0"/>
-                <a:cs typeface="Calibri" panose="020F0502020204030204" pitchFamily="34" charset="0"/>
-              </a:rPr>
-              <a:t>Key Features:</a:t>
-            </a:r>
-            <a:endParaRPr lang="en-GB" dirty="0">
-              <a:latin typeface="Calibri" panose="020F0502020204030204" pitchFamily="34" charset="0"/>
-              <a:ea typeface="Calibri" panose="020F0502020204030204" pitchFamily="34" charset="0"/>
-              <a:cs typeface="Calibri" panose="020F0502020204030204" pitchFamily="34" charset="0"/>
-            </a:endParaRPr>
-          </a:p>
-          <a:p>
-            <a:pPr marL="285750" indent="-285750" algn="just">
-              <a:buFont typeface="Arial" panose="020B0604020202020204" pitchFamily="34" charset="0"/>
-              <a:buChar char="•"/>
-            </a:pPr>
-            <a:r>
-              <a:rPr lang="en-GB" b="1" dirty="0">
-                <a:latin typeface="Calibri" panose="020F0502020204030204" pitchFamily="34" charset="0"/>
-                <a:ea typeface="Calibri" panose="020F0502020204030204" pitchFamily="34" charset="0"/>
-                <a:cs typeface="Calibri" panose="020F0502020204030204" pitchFamily="34" charset="0"/>
-              </a:rPr>
-              <a:t>User Education: </a:t>
-            </a:r>
-            <a:r>
-              <a:rPr lang="en-GB" dirty="0">
-                <a:latin typeface="Calibri" panose="020F0502020204030204" pitchFamily="34" charset="0"/>
-                <a:ea typeface="Calibri" panose="020F0502020204030204" pitchFamily="34" charset="0"/>
-                <a:cs typeface="Calibri" panose="020F0502020204030204" pitchFamily="34" charset="0"/>
-              </a:rPr>
-              <a:t>Empowering users with knowledge about e-waste disposal best practices.</a:t>
-            </a:r>
-          </a:p>
-          <a:p>
-            <a:pPr marL="285750" indent="-285750" algn="just">
-              <a:buFont typeface="Arial" panose="020B0604020202020204" pitchFamily="34" charset="0"/>
-              <a:buChar char="•"/>
-            </a:pPr>
-            <a:r>
-              <a:rPr lang="en-GB" b="1" dirty="0">
-                <a:latin typeface="Calibri" panose="020F0502020204030204" pitchFamily="34" charset="0"/>
-                <a:ea typeface="Calibri" panose="020F0502020204030204" pitchFamily="34" charset="0"/>
-                <a:cs typeface="Calibri" panose="020F0502020204030204" pitchFamily="34" charset="0"/>
-              </a:rPr>
-              <a:t>Booking System: </a:t>
-            </a:r>
-            <a:r>
-              <a:rPr lang="en-GB" dirty="0">
-                <a:latin typeface="Calibri" panose="020F0502020204030204" pitchFamily="34" charset="0"/>
-                <a:ea typeface="Calibri" panose="020F0502020204030204" pitchFamily="34" charset="0"/>
-                <a:cs typeface="Calibri" panose="020F0502020204030204" pitchFamily="34" charset="0"/>
-              </a:rPr>
-              <a:t>Enables users to easily schedule pickups for their electronic devices, fostering a user-friendly experience.</a:t>
-            </a:r>
-          </a:p>
-          <a:p>
-            <a:pPr marL="285750" indent="-285750" algn="just">
-              <a:buFont typeface="Arial" panose="020B0604020202020204" pitchFamily="34" charset="0"/>
-              <a:buChar char="•"/>
-            </a:pPr>
-            <a:r>
-              <a:rPr lang="en-GB" b="1" dirty="0">
-                <a:latin typeface="Calibri" panose="020F0502020204030204" pitchFamily="34" charset="0"/>
-                <a:ea typeface="Calibri" panose="020F0502020204030204" pitchFamily="34" charset="0"/>
-                <a:cs typeface="Calibri" panose="020F0502020204030204" pitchFamily="34" charset="0"/>
-              </a:rPr>
-              <a:t>Location-Based Services- </a:t>
-            </a:r>
-            <a:r>
-              <a:rPr lang="en-GB" dirty="0">
-                <a:latin typeface="Calibri" panose="020F0502020204030204" pitchFamily="34" charset="0"/>
-                <a:ea typeface="Calibri" panose="020F0502020204030204" pitchFamily="34" charset="0"/>
-                <a:cs typeface="Calibri" panose="020F0502020204030204" pitchFamily="34" charset="0"/>
-              </a:rPr>
-              <a:t>Helps users locate and connect with nearby recycling facilities, promoting accessibility and convenience.</a:t>
-            </a:r>
-          </a:p>
-          <a:p>
-            <a:pPr marL="285750" indent="-285750" algn="just">
-              <a:buFont typeface="Arial" panose="020B0604020202020204" pitchFamily="34" charset="0"/>
-              <a:buChar char="•"/>
-            </a:pPr>
-            <a:r>
-              <a:rPr lang="en-GB" b="1" dirty="0">
-                <a:latin typeface="Calibri" panose="020F0502020204030204" pitchFamily="34" charset="0"/>
-                <a:ea typeface="Calibri" panose="020F0502020204030204" pitchFamily="34" charset="0"/>
-                <a:cs typeface="Calibri" panose="020F0502020204030204" pitchFamily="34" charset="0"/>
-              </a:rPr>
-              <a:t>Educational Blog Section- </a:t>
-            </a:r>
-            <a:r>
-              <a:rPr lang="en-GB" dirty="0">
-                <a:latin typeface="Calibri" panose="020F0502020204030204" pitchFamily="34" charset="0"/>
-                <a:ea typeface="Calibri" panose="020F0502020204030204" pitchFamily="34" charset="0"/>
-                <a:cs typeface="Calibri" panose="020F0502020204030204" pitchFamily="34" charset="0"/>
-              </a:rPr>
-              <a:t>Provides a valuable resource for users to access information about the environmental impact of e-waste and sustainable  consumption practices.</a:t>
-            </a:r>
-          </a:p>
-          <a:p>
-            <a:pPr marL="285750" indent="-285750" algn="just">
-              <a:buFont typeface="Arial" panose="020B0604020202020204" pitchFamily="34" charset="0"/>
-              <a:buChar char="•"/>
-            </a:pPr>
-            <a:r>
-              <a:rPr lang="en-GB" b="1" dirty="0">
-                <a:latin typeface="Calibri" panose="020F0502020204030204" pitchFamily="34" charset="0"/>
-                <a:ea typeface="Calibri" panose="020F0502020204030204" pitchFamily="34" charset="0"/>
-                <a:cs typeface="Calibri" panose="020F0502020204030204" pitchFamily="34" charset="0"/>
-              </a:rPr>
-              <a:t>Repository of Rules and Regulations- </a:t>
-            </a:r>
-            <a:r>
-              <a:rPr lang="en-GB" dirty="0">
-                <a:latin typeface="Calibri" panose="020F0502020204030204" pitchFamily="34" charset="0"/>
-                <a:ea typeface="Calibri" panose="020F0502020204030204" pitchFamily="34" charset="0"/>
-                <a:cs typeface="Calibri" panose="020F0502020204030204" pitchFamily="34" charset="0"/>
-              </a:rPr>
-              <a:t>Acts as a centralized source for users to stay informed about the legal frameworks governing e-waste management.</a:t>
-            </a:r>
-          </a:p>
-          <a:p>
-            <a:pPr marL="285750" indent="-285750" algn="just">
-              <a:buFont typeface="Arial" panose="020B0604020202020204" pitchFamily="34" charset="0"/>
-              <a:buChar char="•"/>
-            </a:pPr>
-            <a:endParaRPr lang="en-GB" dirty="0">
-              <a:cs typeface="Segoe UI"/>
-            </a:endParaRPr>
-          </a:p>
-          <a:p>
-            <a:pPr marL="285750" indent="-285750" algn="just">
-              <a:buFont typeface="Arial" panose="020B0604020202020204" pitchFamily="34" charset="0"/>
-              <a:buChar char="•"/>
-            </a:pPr>
-            <a:endParaRPr lang="en-GB" dirty="0">
-              <a:cs typeface="Segoe UI"/>
-            </a:endParaRPr>
-          </a:p>
-        </p:txBody>
-      </p:sp>
-      <p:sp>
-        <p:nvSpPr>
-          <p:cNvPr id="3" name="AutoShape 2" descr="13,403 E Waste Recycling Illustrations - Free in SVG, PNG, EPS - IconScout">
-            <a:extLst>
-              <a:ext uri="{FF2B5EF4-FFF2-40B4-BE49-F238E27FC236}">
-                <a16:creationId xmlns:a16="http://schemas.microsoft.com/office/drawing/2014/main" id="{E9C7D5DB-8DB1-139B-3677-FEF0C86C041F}"/>
-              </a:ext>
-            </a:extLst>
-          </p:cNvPr>
-          <p:cNvSpPr>
-            <a:spLocks noChangeAspect="1" noChangeArrowheads="1"/>
-          </p:cNvSpPr>
-          <p:nvPr/>
-        </p:nvSpPr>
-        <p:spPr bwMode="auto">
-          <a:xfrm>
-            <a:off x="8303077" y="2809935"/>
-            <a:ext cx="3624943" cy="3624943"/>
-          </a:xfrm>
-          <a:prstGeom prst="rect">
-            <a:avLst/>
-          </a:prstGeom>
-          <a:noFill/>
-          <a:extLst>
-            <a:ext uri="{909E8E84-426E-40DD-AFC4-6F175D3DCCD1}">
-              <a14:hiddenFill xmlns:a14="http://schemas.microsoft.com/office/drawing/2010/main">
-                <a:solidFill>
-                  <a:srgbClr val="FFFFFF"/>
-                </a:solidFill>
-              </a14:hiddenFill>
-            </a:ext>
-          </a:extLst>
-        </p:spPr>
-        <p:txBody>
-          <a:bodyPr vert="horz" wrap="square" lIns="91440" tIns="45720" rIns="91440" bIns="45720" numCol="1" anchor="t" anchorCtr="0" compatLnSpc="1">
-            <a:prstTxWarp prst="textNoShape">
-              <a:avLst/>
-            </a:prstTxWarp>
-          </a:bodyPr>
-          <a:lstStyle/>
-          <a:p>
-            <a:endParaRPr lang="en-IN"/>
-          </a:p>
-        </p:txBody>
-      </p:sp>
-      <p:pic>
-        <p:nvPicPr>
-          <p:cNvPr id="6" name="Picture 5">
-            <a:extLst>
-              <a:ext uri="{FF2B5EF4-FFF2-40B4-BE49-F238E27FC236}">
-                <a16:creationId xmlns:a16="http://schemas.microsoft.com/office/drawing/2014/main" id="{C1B8835F-1695-8025-FF0C-FE6B8ACA07DE}"/>
-              </a:ext>
-            </a:extLst>
-          </p:cNvPr>
-          <p:cNvPicPr>
-            <a:picLocks noChangeAspect="1"/>
-          </p:cNvPicPr>
-          <p:nvPr/>
-        </p:nvPicPr>
-        <p:blipFill>
-          <a:blip r:embed="rId2">
-            <a:extLst>
-              <a:ext uri="{28A0092B-C50C-407E-A947-70E740481C1C}">
-                <a14:useLocalDpi xmlns:a14="http://schemas.microsoft.com/office/drawing/2010/main" val="0"/>
-              </a:ext>
-            </a:extLst>
-          </a:blip>
-          <a:stretch>
-            <a:fillRect/>
-          </a:stretch>
-        </p:blipFill>
-        <p:spPr>
-          <a:xfrm>
-            <a:off x="9391000" y="2130226"/>
-            <a:ext cx="2278487" cy="2278487"/>
-          </a:xfrm>
-          <a:prstGeom prst="rect">
-            <a:avLst/>
-          </a:prstGeom>
-        </p:spPr>
-      </p:pic>
-      <p:sp>
-        <p:nvSpPr>
-          <p:cNvPr id="7" name="TextBox 6">
-            <a:extLst>
-              <a:ext uri="{FF2B5EF4-FFF2-40B4-BE49-F238E27FC236}">
-                <a16:creationId xmlns:a16="http://schemas.microsoft.com/office/drawing/2014/main" id="{107179B5-D314-BE2D-231D-F5CCEB0CFB0C}"/>
-              </a:ext>
-            </a:extLst>
-          </p:cNvPr>
-          <p:cNvSpPr txBox="1"/>
-          <p:nvPr/>
-        </p:nvSpPr>
-        <p:spPr>
-          <a:xfrm>
-            <a:off x="9336569" y="4100936"/>
-            <a:ext cx="2582636" cy="307777"/>
-          </a:xfrm>
-          <a:prstGeom prst="rect">
-            <a:avLst/>
-          </a:prstGeom>
-          <a:noFill/>
-        </p:spPr>
-        <p:txBody>
-          <a:bodyPr wrap="square" rtlCol="0">
-            <a:spAutoFit/>
-          </a:bodyPr>
-          <a:lstStyle/>
-          <a:p>
-            <a:r>
-              <a:rPr lang="en-IN" sz="1400" b="1"/>
-              <a:t>E-Waste Recycling Platform</a:t>
-            </a:r>
-          </a:p>
-        </p:txBody>
-      </p:sp>
-    </p:spTree>
-    <p:extLst>
-      <p:ext uri="{BB962C8B-B14F-4D97-AF65-F5344CB8AC3E}">
-        <p14:creationId xmlns:p14="http://schemas.microsoft.com/office/powerpoint/2010/main" val="1190491742"/>
       </p:ext>
     </p:extLst>
   </p:cSld>
@@ -24307,7 +26044,7 @@
         </p:nvSpPr>
         <p:spPr>
           <a:xfrm>
-            <a:off x="583719" y="346867"/>
+            <a:off x="561307" y="156367"/>
             <a:ext cx="10982522" cy="387798"/>
           </a:xfrm>
         </p:spPr>
@@ -24316,7 +26053,7 @@
           <a:lstStyle/>
           <a:p>
             <a:r>
-              <a:rPr lang="en-IN">
+              <a:rPr lang="en-IN" dirty="0">
                 <a:solidFill>
                   <a:schemeClr val="accent4">
                     <a:lumMod val="75000"/>
@@ -24324,7 +26061,7 @@
                   </a:schemeClr>
                 </a:solidFill>
               </a:rPr>
-              <a:t>What domains does it address? What is the impact?</a:t>
+              <a:t>What is your idea for the solution?</a:t>
             </a:r>
           </a:p>
         </p:txBody>
@@ -24334,7 +26071,7 @@
           <p:cNvPr id="2" name="TextBox 1">
             <a:extLst>
               <a:ext uri="{FF2B5EF4-FFF2-40B4-BE49-F238E27FC236}">
-                <a16:creationId xmlns:a16="http://schemas.microsoft.com/office/drawing/2014/main" id="{81AD24DE-3BF3-6B08-7D70-02D5EFCF97FB}"/>
+                <a16:creationId xmlns:a16="http://schemas.microsoft.com/office/drawing/2014/main" id="{2A29A2E8-9DCD-21AB-50B1-C0FCBD4394D2}"/>
               </a:ext>
             </a:extLst>
           </p:cNvPr>
@@ -24343,8 +26080,379 @@
         </p:nvSpPr>
         <p:spPr>
           <a:xfrm>
-            <a:off x="360447" y="915446"/>
-            <a:ext cx="11247834" cy="5509200"/>
+            <a:off x="600782" y="697508"/>
+            <a:ext cx="8735787" cy="5940088"/>
+          </a:xfrm>
+          <a:prstGeom prst="rect">
+            <a:avLst/>
+          </a:prstGeom>
+          <a:noFill/>
+        </p:spPr>
+        <p:txBody>
+          <a:bodyPr wrap="square" lIns="91440" tIns="45720" rIns="91440" bIns="45720" rtlCol="0" anchor="t">
+            <a:spAutoFit/>
+          </a:bodyPr>
+          <a:lstStyle/>
+          <a:p>
+            <a:pPr algn="just"/>
+            <a:r>
+              <a:rPr lang="en-GB" b="1" dirty="0"/>
+              <a:t>Solution: </a:t>
+            </a:r>
+          </a:p>
+          <a:p>
+            <a:pPr marL="285750" indent="-285750" algn="just">
+              <a:buFont typeface="Arial" panose="020B0604020202020204" pitchFamily="34" charset="0"/>
+              <a:buChar char="•"/>
+            </a:pPr>
+            <a:r>
+              <a:rPr lang="en-GB" dirty="0">
+                <a:latin typeface="Calibri" panose="020F0502020204030204" pitchFamily="34" charset="0"/>
+                <a:ea typeface="Calibri" panose="020F0502020204030204" pitchFamily="34" charset="0"/>
+                <a:cs typeface="Calibri" panose="020F0502020204030204" pitchFamily="34" charset="0"/>
+              </a:rPr>
+              <a:t>In response to the critical issue of e-waste disposal, we present an </a:t>
+            </a:r>
+          </a:p>
+          <a:p>
+            <a:pPr algn="just"/>
+            <a:r>
+              <a:rPr lang="en-GB" sz="2000" b="1" dirty="0">
+                <a:solidFill>
+                  <a:srgbClr val="00B0F0"/>
+                </a:solidFill>
+                <a:latin typeface="Calibri" panose="020F0502020204030204" pitchFamily="34" charset="0"/>
+                <a:ea typeface="Calibri" panose="020F0502020204030204" pitchFamily="34" charset="0"/>
+                <a:cs typeface="Calibri" panose="020F0502020204030204" pitchFamily="34" charset="0"/>
+              </a:rPr>
+              <a:t>    </a:t>
+            </a:r>
+            <a:r>
+              <a:rPr lang="en-GB" sz="2000" b="1" dirty="0">
+                <a:solidFill>
+                  <a:srgbClr val="0070C0"/>
+                </a:solidFill>
+                <a:latin typeface="Calibri" panose="020F0502020204030204" pitchFamily="34" charset="0"/>
+                <a:ea typeface="Calibri" panose="020F0502020204030204" pitchFamily="34" charset="0"/>
+                <a:cs typeface="Calibri" panose="020F0502020204030204" pitchFamily="34" charset="0"/>
+              </a:rPr>
+              <a:t>Integrated web platform. </a:t>
+            </a:r>
+            <a:r>
+              <a:rPr lang="en-GB" dirty="0">
+                <a:latin typeface="Calibri" panose="020F0502020204030204" pitchFamily="34" charset="0"/>
+                <a:ea typeface="Calibri" panose="020F0502020204030204" pitchFamily="34" charset="0"/>
+                <a:cs typeface="Calibri" panose="020F0502020204030204" pitchFamily="34" charset="0"/>
+              </a:rPr>
+              <a:t>This solution is characterized by:</a:t>
+            </a:r>
+          </a:p>
+          <a:p>
+            <a:pPr marL="285750" indent="-285750" algn="just">
+              <a:buFont typeface="Arial" panose="020B0604020202020204" pitchFamily="34" charset="0"/>
+              <a:buChar char="•"/>
+            </a:pPr>
+            <a:r>
+              <a:rPr lang="en-GB" b="1" dirty="0">
+                <a:latin typeface="Calibri" panose="020F0502020204030204" pitchFamily="34" charset="0"/>
+                <a:ea typeface="Calibri" panose="020F0502020204030204" pitchFamily="34" charset="0"/>
+                <a:cs typeface="Calibri" panose="020F0502020204030204" pitchFamily="34" charset="0"/>
+              </a:rPr>
+              <a:t>User-Friendly Interface: </a:t>
+            </a:r>
+            <a:r>
+              <a:rPr lang="en-GB" dirty="0">
+                <a:latin typeface="Calibri" panose="020F0502020204030204" pitchFamily="34" charset="0"/>
+                <a:ea typeface="Calibri" panose="020F0502020204030204" pitchFamily="34" charset="0"/>
+                <a:cs typeface="Calibri" panose="020F0502020204030204" pitchFamily="34" charset="0"/>
+              </a:rPr>
+              <a:t>Our platform boasts an intuitive design, ensuring a seamless experience for all users.</a:t>
+            </a:r>
+          </a:p>
+          <a:p>
+            <a:pPr marL="285750" indent="-285750" algn="just">
+              <a:buFont typeface="Arial" panose="020B0604020202020204" pitchFamily="34" charset="0"/>
+              <a:buChar char="•"/>
+            </a:pPr>
+            <a:r>
+              <a:rPr lang="en-GB" b="1" dirty="0">
+                <a:latin typeface="Calibri" panose="020F0502020204030204" pitchFamily="34" charset="0"/>
+                <a:ea typeface="Calibri" panose="020F0502020204030204" pitchFamily="34" charset="0"/>
+                <a:cs typeface="Calibri" panose="020F0502020204030204" pitchFamily="34" charset="0"/>
+              </a:rPr>
+              <a:t>Advanced Technology Stack: </a:t>
+            </a:r>
+            <a:r>
+              <a:rPr lang="en-GB" dirty="0">
+                <a:latin typeface="Calibri" panose="020F0502020204030204" pitchFamily="34" charset="0"/>
+                <a:ea typeface="Calibri" panose="020F0502020204030204" pitchFamily="34" charset="0"/>
+                <a:cs typeface="Calibri" panose="020F0502020204030204" pitchFamily="34" charset="0"/>
+              </a:rPr>
+              <a:t>Leveraging cutting-edge technology, like Nextjs, Expressjs/Nodejs, MongoDB, </a:t>
+            </a:r>
+            <a:r>
+              <a:rPr lang="en-GB" dirty="0" err="1">
+                <a:latin typeface="Calibri" panose="020F0502020204030204" pitchFamily="34" charset="0"/>
+                <a:ea typeface="Calibri" panose="020F0502020204030204" pitchFamily="34" charset="0"/>
+                <a:cs typeface="Calibri" panose="020F0502020204030204" pitchFamily="34" charset="0"/>
+              </a:rPr>
+              <a:t>MapBox</a:t>
+            </a:r>
+            <a:r>
+              <a:rPr lang="en-GB" dirty="0">
+                <a:latin typeface="Calibri" panose="020F0502020204030204" pitchFamily="34" charset="0"/>
+                <a:ea typeface="Calibri" panose="020F0502020204030204" pitchFamily="34" charset="0"/>
+                <a:cs typeface="Calibri" panose="020F0502020204030204" pitchFamily="34" charset="0"/>
+              </a:rPr>
+              <a:t> map API our platform ensures robust functionality and efficiency.</a:t>
+            </a:r>
+          </a:p>
+          <a:p>
+            <a:pPr marL="285750" indent="-285750" algn="just">
+              <a:buFont typeface="Arial" panose="020B0604020202020204" pitchFamily="34" charset="0"/>
+              <a:buChar char="•"/>
+            </a:pPr>
+            <a:r>
+              <a:rPr lang="en-GB" b="1" dirty="0">
+                <a:latin typeface="Calibri" panose="020F0502020204030204" pitchFamily="34" charset="0"/>
+                <a:ea typeface="Calibri" panose="020F0502020204030204" pitchFamily="34" charset="0"/>
+                <a:cs typeface="Calibri" panose="020F0502020204030204" pitchFamily="34" charset="0"/>
+              </a:rPr>
+              <a:t>Key Features:</a:t>
+            </a:r>
+            <a:endParaRPr lang="en-GB" dirty="0">
+              <a:latin typeface="Calibri" panose="020F0502020204030204" pitchFamily="34" charset="0"/>
+              <a:ea typeface="Calibri" panose="020F0502020204030204" pitchFamily="34" charset="0"/>
+              <a:cs typeface="Calibri" panose="020F0502020204030204" pitchFamily="34" charset="0"/>
+            </a:endParaRPr>
+          </a:p>
+          <a:p>
+            <a:pPr marL="285750" indent="-285750" algn="just">
+              <a:buFont typeface="Arial" panose="020B0604020202020204" pitchFamily="34" charset="0"/>
+              <a:buChar char="•"/>
+            </a:pPr>
+            <a:r>
+              <a:rPr lang="en-GB" b="1" dirty="0">
+                <a:latin typeface="Calibri" panose="020F0502020204030204" pitchFamily="34" charset="0"/>
+                <a:ea typeface="Calibri" panose="020F0502020204030204" pitchFamily="34" charset="0"/>
+                <a:cs typeface="Calibri" panose="020F0502020204030204" pitchFamily="34" charset="0"/>
+              </a:rPr>
+              <a:t>User Education: </a:t>
+            </a:r>
+            <a:r>
+              <a:rPr lang="en-GB" dirty="0">
+                <a:latin typeface="Calibri" panose="020F0502020204030204" pitchFamily="34" charset="0"/>
+                <a:ea typeface="Calibri" panose="020F0502020204030204" pitchFamily="34" charset="0"/>
+                <a:cs typeface="Calibri" panose="020F0502020204030204" pitchFamily="34" charset="0"/>
+              </a:rPr>
+              <a:t>Empowering users with knowledge about e-waste disposal best practices.</a:t>
+            </a:r>
+          </a:p>
+          <a:p>
+            <a:pPr marL="285750" indent="-285750" algn="just">
+              <a:buFont typeface="Arial" panose="020B0604020202020204" pitchFamily="34" charset="0"/>
+              <a:buChar char="•"/>
+            </a:pPr>
+            <a:r>
+              <a:rPr lang="en-GB" b="1" dirty="0">
+                <a:latin typeface="Calibri" panose="020F0502020204030204" pitchFamily="34" charset="0"/>
+                <a:ea typeface="Calibri" panose="020F0502020204030204" pitchFamily="34" charset="0"/>
+                <a:cs typeface="Calibri" panose="020F0502020204030204" pitchFamily="34" charset="0"/>
+              </a:rPr>
+              <a:t>Booking System: </a:t>
+            </a:r>
+            <a:r>
+              <a:rPr lang="en-GB" dirty="0">
+                <a:latin typeface="Calibri" panose="020F0502020204030204" pitchFamily="34" charset="0"/>
+                <a:ea typeface="Calibri" panose="020F0502020204030204" pitchFamily="34" charset="0"/>
+                <a:cs typeface="Calibri" panose="020F0502020204030204" pitchFamily="34" charset="0"/>
+              </a:rPr>
+              <a:t>Enables users to easily schedule pickups for their electronic devices, fostering a user-friendly experience.</a:t>
+            </a:r>
+          </a:p>
+          <a:p>
+            <a:pPr marL="285750" indent="-285750" algn="just">
+              <a:buFont typeface="Arial" panose="020B0604020202020204" pitchFamily="34" charset="0"/>
+              <a:buChar char="•"/>
+            </a:pPr>
+            <a:r>
+              <a:rPr lang="en-GB" b="1" dirty="0">
+                <a:latin typeface="Calibri" panose="020F0502020204030204" pitchFamily="34" charset="0"/>
+                <a:ea typeface="Calibri" panose="020F0502020204030204" pitchFamily="34" charset="0"/>
+                <a:cs typeface="Calibri" panose="020F0502020204030204" pitchFamily="34" charset="0"/>
+              </a:rPr>
+              <a:t>Location-Based Services- </a:t>
+            </a:r>
+            <a:r>
+              <a:rPr lang="en-GB" dirty="0">
+                <a:latin typeface="Calibri" panose="020F0502020204030204" pitchFamily="34" charset="0"/>
+                <a:ea typeface="Calibri" panose="020F0502020204030204" pitchFamily="34" charset="0"/>
+                <a:cs typeface="Calibri" panose="020F0502020204030204" pitchFamily="34" charset="0"/>
+              </a:rPr>
+              <a:t>Helps users locate and connect with nearby recycling facilities, promoting accessibility and convenience.</a:t>
+            </a:r>
+          </a:p>
+          <a:p>
+            <a:pPr marL="285750" indent="-285750" algn="just">
+              <a:buFont typeface="Arial" panose="020B0604020202020204" pitchFamily="34" charset="0"/>
+              <a:buChar char="•"/>
+            </a:pPr>
+            <a:r>
+              <a:rPr lang="en-GB" b="1" dirty="0">
+                <a:latin typeface="Calibri" panose="020F0502020204030204" pitchFamily="34" charset="0"/>
+                <a:ea typeface="Calibri" panose="020F0502020204030204" pitchFamily="34" charset="0"/>
+                <a:cs typeface="Calibri" panose="020F0502020204030204" pitchFamily="34" charset="0"/>
+              </a:rPr>
+              <a:t>Educational Blog Section- </a:t>
+            </a:r>
+            <a:r>
+              <a:rPr lang="en-GB" dirty="0">
+                <a:latin typeface="Calibri" panose="020F0502020204030204" pitchFamily="34" charset="0"/>
+                <a:ea typeface="Calibri" panose="020F0502020204030204" pitchFamily="34" charset="0"/>
+                <a:cs typeface="Calibri" panose="020F0502020204030204" pitchFamily="34" charset="0"/>
+              </a:rPr>
+              <a:t>Provides a valuable resource for users to access information about the environmental impact of e-waste and sustainable  consumption practices.</a:t>
+            </a:r>
+          </a:p>
+          <a:p>
+            <a:pPr marL="285750" indent="-285750" algn="just">
+              <a:buFont typeface="Arial" panose="020B0604020202020204" pitchFamily="34" charset="0"/>
+              <a:buChar char="•"/>
+            </a:pPr>
+            <a:r>
+              <a:rPr lang="en-GB" b="1" dirty="0">
+                <a:latin typeface="Calibri" panose="020F0502020204030204" pitchFamily="34" charset="0"/>
+                <a:ea typeface="Calibri" panose="020F0502020204030204" pitchFamily="34" charset="0"/>
+                <a:cs typeface="Calibri" panose="020F0502020204030204" pitchFamily="34" charset="0"/>
+              </a:rPr>
+              <a:t>Repository of Rules and Regulations- </a:t>
+            </a:r>
+            <a:r>
+              <a:rPr lang="en-GB" dirty="0">
+                <a:latin typeface="Calibri" panose="020F0502020204030204" pitchFamily="34" charset="0"/>
+                <a:ea typeface="Calibri" panose="020F0502020204030204" pitchFamily="34" charset="0"/>
+                <a:cs typeface="Calibri" panose="020F0502020204030204" pitchFamily="34" charset="0"/>
+              </a:rPr>
+              <a:t>Acts as a centralized source for users to stay informed about the legal frameworks governing e-waste management.</a:t>
+            </a:r>
+          </a:p>
+          <a:p>
+            <a:pPr marL="285750" indent="-285750" algn="just">
+              <a:buFont typeface="Arial" panose="020B0604020202020204" pitchFamily="34" charset="0"/>
+              <a:buChar char="•"/>
+            </a:pPr>
+            <a:endParaRPr lang="en-GB" dirty="0">
+              <a:cs typeface="Segoe UI"/>
+            </a:endParaRPr>
+          </a:p>
+          <a:p>
+            <a:pPr marL="285750" indent="-285750" algn="just">
+              <a:buFont typeface="Arial" panose="020B0604020202020204" pitchFamily="34" charset="0"/>
+              <a:buChar char="•"/>
+            </a:pPr>
+            <a:endParaRPr lang="en-GB" dirty="0">
+              <a:cs typeface="Segoe UI"/>
+            </a:endParaRPr>
+          </a:p>
+        </p:txBody>
+      </p:sp>
+      <p:sp>
+        <p:nvSpPr>
+          <p:cNvPr id="3" name="AutoShape 2" descr="13,403 E Waste Recycling Illustrations - Free in SVG, PNG, EPS - IconScout">
+            <a:extLst>
+              <a:ext uri="{FF2B5EF4-FFF2-40B4-BE49-F238E27FC236}">
+                <a16:creationId xmlns:a16="http://schemas.microsoft.com/office/drawing/2014/main" id="{E9C7D5DB-8DB1-139B-3677-FEF0C86C041F}"/>
+              </a:ext>
+            </a:extLst>
+          </p:cNvPr>
+          <p:cNvSpPr>
+            <a:spLocks noChangeAspect="1" noChangeArrowheads="1"/>
+          </p:cNvSpPr>
+          <p:nvPr/>
+        </p:nvSpPr>
+        <p:spPr bwMode="auto">
+          <a:xfrm>
+            <a:off x="8303077" y="2809935"/>
+            <a:ext cx="3624943" cy="3624943"/>
+          </a:xfrm>
+          <a:prstGeom prst="rect">
+            <a:avLst/>
+          </a:prstGeom>
+          <a:noFill/>
+          <a:extLst>
+            <a:ext uri="{909E8E84-426E-40DD-AFC4-6F175D3DCCD1}">
+              <a14:hiddenFill xmlns:a14="http://schemas.microsoft.com/office/drawing/2010/main">
+                <a:solidFill>
+                  <a:srgbClr val="FFFFFF"/>
+                </a:solidFill>
+              </a14:hiddenFill>
+            </a:ext>
+          </a:extLst>
+        </p:spPr>
+        <p:txBody>
+          <a:bodyPr vert="horz" wrap="square" lIns="91440" tIns="45720" rIns="91440" bIns="45720" numCol="1" anchor="t" anchorCtr="0" compatLnSpc="1">
+            <a:prstTxWarp prst="textNoShape">
+              <a:avLst/>
+            </a:prstTxWarp>
+          </a:bodyPr>
+          <a:lstStyle/>
+          <a:p>
+            <a:endParaRPr lang="en-IN"/>
+          </a:p>
+        </p:txBody>
+      </p:sp>
+      <p:pic>
+        <p:nvPicPr>
+          <p:cNvPr id="6" name="Picture 5">
+            <a:extLst>
+              <a:ext uri="{FF2B5EF4-FFF2-40B4-BE49-F238E27FC236}">
+                <a16:creationId xmlns:a16="http://schemas.microsoft.com/office/drawing/2014/main" id="{C1B8835F-1695-8025-FF0C-FE6B8ACA07DE}"/>
+              </a:ext>
+            </a:extLst>
+          </p:cNvPr>
+          <p:cNvPicPr>
+            <a:picLocks noChangeAspect="1"/>
+          </p:cNvPicPr>
+          <p:nvPr/>
+        </p:nvPicPr>
+        <p:blipFill>
+          <a:blip r:embed="rId2">
+            <a:extLst>
+              <a:ext uri="{28A0092B-C50C-407E-A947-70E740481C1C}">
+                <a14:useLocalDpi xmlns:a14="http://schemas.microsoft.com/office/drawing/2010/main" val="0"/>
+              </a:ext>
+            </a:extLst>
+          </a:blip>
+          <a:stretch>
+            <a:fillRect/>
+          </a:stretch>
+        </p:blipFill>
+        <p:spPr>
+          <a:xfrm>
+            <a:off x="9391000" y="2130226"/>
+            <a:ext cx="2278487" cy="2278487"/>
+          </a:xfrm>
+          <a:prstGeom prst="rect">
+            <a:avLst/>
+          </a:prstGeom>
+        </p:spPr>
+      </p:pic>
+      <p:sp>
+        <p:nvSpPr>
+          <p:cNvPr id="7" name="TextBox 6">
+            <a:extLst>
+              <a:ext uri="{FF2B5EF4-FFF2-40B4-BE49-F238E27FC236}">
+                <a16:creationId xmlns:a16="http://schemas.microsoft.com/office/drawing/2014/main" id="{107179B5-D314-BE2D-231D-F5CCEB0CFB0C}"/>
+              </a:ext>
+            </a:extLst>
+          </p:cNvPr>
+          <p:cNvSpPr txBox="1"/>
+          <p:nvPr/>
+        </p:nvSpPr>
+        <p:spPr>
+          <a:xfrm>
+            <a:off x="9336569" y="4100936"/>
+            <a:ext cx="2582636" cy="307777"/>
           </a:xfrm>
           <a:prstGeom prst="rect">
             <a:avLst/>
@@ -24357,147 +26465,9 @@
           </a:bodyPr>
           <a:lstStyle/>
           <a:p>
-            <a:endParaRPr lang="en-GB" sz="1600" b="1"/>
-          </a:p>
-          <a:p>
-            <a:r>
-              <a:rPr lang="en-GB" sz="1600" b="1"/>
-              <a:t>Domains Addressed:</a:t>
-            </a:r>
-          </a:p>
-          <a:p>
-            <a:pPr marL="342900" indent="-342900">
-              <a:buFont typeface="+mj-lt"/>
-              <a:buAutoNum type="arabicPeriod"/>
-            </a:pPr>
-            <a:r>
-              <a:rPr lang="en-GB" sz="1600" b="1"/>
-              <a:t>Environmental Sustainability: </a:t>
-            </a:r>
-            <a:r>
-              <a:rPr lang="en-GB" sz="1600"/>
-              <a:t>Mitigates e-waste accumulation through responsible disposal practices and recycling initiatives.</a:t>
-            </a:r>
-          </a:p>
-          <a:p>
-            <a:pPr marL="342900" indent="-342900">
-              <a:buFont typeface="+mj-lt"/>
-              <a:buAutoNum type="arabicPeriod"/>
-            </a:pPr>
-            <a:r>
-              <a:rPr lang="en-GB" sz="1600" b="1"/>
-              <a:t>Technology and Innovation</a:t>
-            </a:r>
-            <a:r>
-              <a:rPr lang="en-GB" sz="1600"/>
-              <a:t>: Utilizes cutting-edge technology, such as a user-friendly interface and an interactive chatbot, to revolutionize e-waste management.</a:t>
-            </a:r>
-          </a:p>
-          <a:p>
-            <a:pPr marL="342900" indent="-342900">
-              <a:buFont typeface="+mj-lt"/>
-              <a:buAutoNum type="arabicPeriod"/>
-            </a:pPr>
-            <a:r>
-              <a:rPr lang="en-GB" sz="1600" b="1"/>
-              <a:t>Education and Awareness: </a:t>
-            </a:r>
-            <a:r>
-              <a:rPr lang="en-GB" sz="1600"/>
-              <a:t>Emphasizes user education, raising awareness about the importance of proper e-waste disposal and recycling.</a:t>
-            </a:r>
-          </a:p>
-          <a:p>
-            <a:pPr marL="342900" indent="-342900">
-              <a:buFont typeface="+mj-lt"/>
-              <a:buAutoNum type="arabicPeriod"/>
-            </a:pPr>
-            <a:r>
-              <a:rPr lang="en-GB" sz="1600" b="1"/>
-              <a:t>Business and Industry: </a:t>
-            </a:r>
-            <a:r>
-              <a:rPr lang="en-GB" sz="1600"/>
-              <a:t>Offers a centralized platform for companies to efficiently manage e-waste disposal processes, supporting sustainable production practices.</a:t>
-            </a:r>
-          </a:p>
-          <a:p>
-            <a:endParaRPr lang="en-GB" sz="1600"/>
-          </a:p>
-          <a:p>
-            <a:r>
-              <a:rPr lang="en-GB" sz="1600" b="1"/>
-              <a:t>Impact:</a:t>
-            </a:r>
-          </a:p>
-          <a:p>
-            <a:pPr marL="285750" indent="-285750">
-              <a:buFont typeface="Arial" panose="020B0604020202020204" pitchFamily="34" charset="0"/>
-              <a:buChar char="•"/>
-            </a:pPr>
-            <a:r>
-              <a:rPr lang="en-GB" sz="1600" b="1"/>
-              <a:t>Environmental: </a:t>
-            </a:r>
-            <a:r>
-              <a:rPr lang="en-GB" sz="1600"/>
-              <a:t>Significantly reduces the environmental impact of e-waste accumulation by promoting responsible disposal practices and recycling, contributing to a more sustainable environment.</a:t>
-            </a:r>
-          </a:p>
-          <a:p>
-            <a:pPr marL="285750" indent="-285750">
-              <a:buFont typeface="Arial" panose="020B0604020202020204" pitchFamily="34" charset="0"/>
-              <a:buChar char="•"/>
-            </a:pPr>
-            <a:r>
-              <a:rPr lang="en-GB" sz="1600" b="1"/>
-              <a:t>Economic: </a:t>
-            </a:r>
-            <a:r>
-              <a:rPr lang="en-GB" sz="1600"/>
-              <a:t>Creates a market for recycled electronic components and fosters responsible production practices, potentially stimulating economic growth.</a:t>
-            </a:r>
-          </a:p>
-          <a:p>
-            <a:pPr marL="285750" indent="-285750">
-              <a:buFont typeface="Arial" panose="020B0604020202020204" pitchFamily="34" charset="0"/>
-              <a:buChar char="•"/>
-            </a:pPr>
-            <a:r>
-              <a:rPr lang="en-GB" sz="1600" b="1"/>
-              <a:t>Transparency and Accountability:</a:t>
-            </a:r>
-            <a:r>
-              <a:rPr lang="en-GB" sz="1600"/>
-              <a:t> Encourages e-waste reporting and auditing, promoting transparency and accountability in waste management efforts.</a:t>
-            </a:r>
-          </a:p>
-          <a:p>
-            <a:pPr marL="285750" indent="-285750">
-              <a:buFont typeface="Arial" panose="020B0604020202020204" pitchFamily="34" charset="0"/>
-              <a:buChar char="•"/>
-            </a:pPr>
-            <a:r>
-              <a:rPr lang="en-GB" sz="1600" b="1"/>
-              <a:t>Empowerment</a:t>
-            </a:r>
-            <a:r>
-              <a:rPr lang="en-GB" sz="1600"/>
-              <a:t>: Empowers individuals and businesses to make informed and responsible choices in e-waste disposal, contributing to a cleaner and more sustainable future.</a:t>
-            </a:r>
-          </a:p>
-          <a:p>
-            <a:pPr marL="285750" indent="-285750">
-              <a:buFont typeface="Arial" panose="020B0604020202020204" pitchFamily="34" charset="0"/>
-              <a:buChar char="•"/>
-            </a:pPr>
-            <a:r>
-              <a:rPr lang="en-GB" sz="1600" b="1"/>
-              <a:t>Innovation and Technology Adoption: </a:t>
-            </a:r>
-            <a:r>
-              <a:rPr lang="en-GB" sz="1600"/>
-              <a:t>By leveraging cutting-edge technology, our solution encourages the adoption of innovative waste management practices.</a:t>
+            <a:r>
+              <a:rPr lang="en-IN" sz="1400" b="1"/>
+              <a:t>E-Waste Recycling Platform</a:t>
             </a:r>
           </a:p>
         </p:txBody>
@@ -24505,7 +26475,7 @@
     </p:spTree>
     <p:extLst>
       <p:ext uri="{BB962C8B-B14F-4D97-AF65-F5344CB8AC3E}">
-        <p14:creationId xmlns:p14="http://schemas.microsoft.com/office/powerpoint/2010/main" val="1314302320"/>
+        <p14:creationId xmlns:p14="http://schemas.microsoft.com/office/powerpoint/2010/main" val="1190491742"/>
       </p:ext>
     </p:extLst>
   </p:cSld>
@@ -24548,6 +26518,249 @@
             <p:ph type="title"/>
           </p:nvPr>
         </p:nvSpPr>
+        <p:spPr>
+          <a:xfrm>
+            <a:off x="583719" y="346867"/>
+            <a:ext cx="10982522" cy="387798"/>
+          </a:xfrm>
+        </p:spPr>
+        <p:txBody>
+          <a:bodyPr/>
+          <a:lstStyle/>
+          <a:p>
+            <a:r>
+              <a:rPr lang="en-IN">
+                <a:solidFill>
+                  <a:schemeClr val="accent4">
+                    <a:lumMod val="75000"/>
+                    <a:lumOff val="25000"/>
+                  </a:schemeClr>
+                </a:solidFill>
+              </a:rPr>
+              <a:t>What domains does it address? What is the impact?</a:t>
+            </a:r>
+          </a:p>
+        </p:txBody>
+      </p:sp>
+      <p:sp>
+        <p:nvSpPr>
+          <p:cNvPr id="2" name="TextBox 1">
+            <a:extLst>
+              <a:ext uri="{FF2B5EF4-FFF2-40B4-BE49-F238E27FC236}">
+                <a16:creationId xmlns:a16="http://schemas.microsoft.com/office/drawing/2014/main" id="{81AD24DE-3BF3-6B08-7D70-02D5EFCF97FB}"/>
+              </a:ext>
+            </a:extLst>
+          </p:cNvPr>
+          <p:cNvSpPr txBox="1"/>
+          <p:nvPr/>
+        </p:nvSpPr>
+        <p:spPr>
+          <a:xfrm>
+            <a:off x="360447" y="915446"/>
+            <a:ext cx="11247834" cy="5509200"/>
+          </a:xfrm>
+          <a:prstGeom prst="rect">
+            <a:avLst/>
+          </a:prstGeom>
+          <a:noFill/>
+        </p:spPr>
+        <p:txBody>
+          <a:bodyPr wrap="square" rtlCol="0">
+            <a:spAutoFit/>
+          </a:bodyPr>
+          <a:lstStyle/>
+          <a:p>
+            <a:endParaRPr lang="en-GB" sz="1600" b="1"/>
+          </a:p>
+          <a:p>
+            <a:r>
+              <a:rPr lang="en-GB" sz="1600" b="1"/>
+              <a:t>Domains Addressed:</a:t>
+            </a:r>
+          </a:p>
+          <a:p>
+            <a:pPr marL="342900" indent="-342900">
+              <a:buFont typeface="+mj-lt"/>
+              <a:buAutoNum type="arabicPeriod"/>
+            </a:pPr>
+            <a:r>
+              <a:rPr lang="en-GB" sz="1600" b="1"/>
+              <a:t>Environmental Sustainability: </a:t>
+            </a:r>
+            <a:r>
+              <a:rPr lang="en-GB" sz="1600"/>
+              <a:t>Mitigates e-waste accumulation through responsible disposal practices and recycling initiatives.</a:t>
+            </a:r>
+          </a:p>
+          <a:p>
+            <a:pPr marL="342900" indent="-342900">
+              <a:buFont typeface="+mj-lt"/>
+              <a:buAutoNum type="arabicPeriod"/>
+            </a:pPr>
+            <a:r>
+              <a:rPr lang="en-GB" sz="1600" b="1"/>
+              <a:t>Technology and Innovation</a:t>
+            </a:r>
+            <a:r>
+              <a:rPr lang="en-GB" sz="1600"/>
+              <a:t>: Utilizes cutting-edge technology, such as a user-friendly interface and an interactive chatbot, to revolutionize e-waste management.</a:t>
+            </a:r>
+          </a:p>
+          <a:p>
+            <a:pPr marL="342900" indent="-342900">
+              <a:buFont typeface="+mj-lt"/>
+              <a:buAutoNum type="arabicPeriod"/>
+            </a:pPr>
+            <a:r>
+              <a:rPr lang="en-GB" sz="1600" b="1"/>
+              <a:t>Education and Awareness: </a:t>
+            </a:r>
+            <a:r>
+              <a:rPr lang="en-GB" sz="1600"/>
+              <a:t>Emphasizes user education, raising awareness about the importance of proper e-waste disposal and recycling.</a:t>
+            </a:r>
+          </a:p>
+          <a:p>
+            <a:pPr marL="342900" indent="-342900">
+              <a:buFont typeface="+mj-lt"/>
+              <a:buAutoNum type="arabicPeriod"/>
+            </a:pPr>
+            <a:r>
+              <a:rPr lang="en-GB" sz="1600" b="1"/>
+              <a:t>Business and Industry: </a:t>
+            </a:r>
+            <a:r>
+              <a:rPr lang="en-GB" sz="1600"/>
+              <a:t>Offers a centralized platform for companies to efficiently manage e-waste disposal processes, supporting sustainable production practices.</a:t>
+            </a:r>
+          </a:p>
+          <a:p>
+            <a:endParaRPr lang="en-GB" sz="1600"/>
+          </a:p>
+          <a:p>
+            <a:r>
+              <a:rPr lang="en-GB" sz="1600" b="1"/>
+              <a:t>Impact:</a:t>
+            </a:r>
+          </a:p>
+          <a:p>
+            <a:pPr marL="285750" indent="-285750">
+              <a:buFont typeface="Arial" panose="020B0604020202020204" pitchFamily="34" charset="0"/>
+              <a:buChar char="•"/>
+            </a:pPr>
+            <a:r>
+              <a:rPr lang="en-GB" sz="1600" b="1"/>
+              <a:t>Environmental: </a:t>
+            </a:r>
+            <a:r>
+              <a:rPr lang="en-GB" sz="1600"/>
+              <a:t>Significantly reduces the environmental impact of e-waste accumulation by promoting responsible disposal practices and recycling, contributing to a more sustainable environment.</a:t>
+            </a:r>
+          </a:p>
+          <a:p>
+            <a:pPr marL="285750" indent="-285750">
+              <a:buFont typeface="Arial" panose="020B0604020202020204" pitchFamily="34" charset="0"/>
+              <a:buChar char="•"/>
+            </a:pPr>
+            <a:r>
+              <a:rPr lang="en-GB" sz="1600" b="1"/>
+              <a:t>Economic: </a:t>
+            </a:r>
+            <a:r>
+              <a:rPr lang="en-GB" sz="1600"/>
+              <a:t>Creates a market for recycled electronic components and fosters responsible production practices, potentially stimulating economic growth.</a:t>
+            </a:r>
+          </a:p>
+          <a:p>
+            <a:pPr marL="285750" indent="-285750">
+              <a:buFont typeface="Arial" panose="020B0604020202020204" pitchFamily="34" charset="0"/>
+              <a:buChar char="•"/>
+            </a:pPr>
+            <a:r>
+              <a:rPr lang="en-GB" sz="1600" b="1"/>
+              <a:t>Transparency and Accountability:</a:t>
+            </a:r>
+            <a:r>
+              <a:rPr lang="en-GB" sz="1600"/>
+              <a:t> Encourages e-waste reporting and auditing, promoting transparency and accountability in waste management efforts.</a:t>
+            </a:r>
+          </a:p>
+          <a:p>
+            <a:pPr marL="285750" indent="-285750">
+              <a:buFont typeface="Arial" panose="020B0604020202020204" pitchFamily="34" charset="0"/>
+              <a:buChar char="•"/>
+            </a:pPr>
+            <a:r>
+              <a:rPr lang="en-GB" sz="1600" b="1"/>
+              <a:t>Empowerment</a:t>
+            </a:r>
+            <a:r>
+              <a:rPr lang="en-GB" sz="1600"/>
+              <a:t>: Empowers individuals and businesses to make informed and responsible choices in e-waste disposal, contributing to a cleaner and more sustainable future.</a:t>
+            </a:r>
+          </a:p>
+          <a:p>
+            <a:pPr marL="285750" indent="-285750">
+              <a:buFont typeface="Arial" panose="020B0604020202020204" pitchFamily="34" charset="0"/>
+              <a:buChar char="•"/>
+            </a:pPr>
+            <a:r>
+              <a:rPr lang="en-GB" sz="1600" b="1"/>
+              <a:t>Innovation and Technology Adoption: </a:t>
+            </a:r>
+            <a:r>
+              <a:rPr lang="en-GB" sz="1600"/>
+              <a:t>By leveraging cutting-edge technology, our solution encourages the adoption of innovative waste management practices.</a:t>
+            </a:r>
+          </a:p>
+        </p:txBody>
+      </p:sp>
+    </p:spTree>
+    <p:extLst>
+      <p:ext uri="{BB962C8B-B14F-4D97-AF65-F5344CB8AC3E}">
+        <p14:creationId xmlns:p14="http://schemas.microsoft.com/office/powerpoint/2010/main" val="1314302320"/>
+      </p:ext>
+    </p:extLst>
+  </p:cSld>
+  <p:clrMapOvr>
+    <a:masterClrMapping/>
+  </p:clrMapOvr>
+</p:sld>
+</file>
+
+<file path=ppt/slides/slide7.xml><?xml version="1.0" encoding="utf-8"?>
+<p:sld xmlns:a="http://schemas.openxmlformats.org/drawingml/2006/main" xmlns:r="http://schemas.openxmlformats.org/officeDocument/2006/relationships" xmlns:p="http://schemas.openxmlformats.org/presentationml/2006/main">
+  <p:cSld>
+    <p:spTree>
+      <p:nvGrpSpPr>
+        <p:cNvPr id="1" name=""/>
+        <p:cNvGrpSpPr/>
+        <p:nvPr/>
+      </p:nvGrpSpPr>
+      <p:grpSpPr>
+        <a:xfrm>
+          <a:off x="0" y="0"/>
+          <a:ext cx="0" cy="0"/>
+          <a:chOff x="0" y="0"/>
+          <a:chExt cx="0" cy="0"/>
+        </a:xfrm>
+      </p:grpSpPr>
+      <p:sp>
+        <p:nvSpPr>
+          <p:cNvPr id="4" name="Title 3">
+            <a:extLst>
+              <a:ext uri="{FF2B5EF4-FFF2-40B4-BE49-F238E27FC236}">
+                <a16:creationId xmlns:a16="http://schemas.microsoft.com/office/drawing/2014/main" id="{B46056A9-800D-4D02-A379-968FFCF2FEB7}"/>
+              </a:ext>
+            </a:extLst>
+          </p:cNvPr>
+          <p:cNvSpPr>
+            <a:spLocks noGrp="1"/>
+          </p:cNvSpPr>
+          <p:nvPr>
+            <p:ph type="title"/>
+          </p:nvPr>
+        </p:nvSpPr>
         <p:spPr/>
         <p:txBody>
           <a:bodyPr/>
@@ -24837,7 +27050,7 @@
 </p:sld>
 </file>
 
-<file path=ppt/slides/slide7.xml><?xml version="1.0" encoding="utf-8"?>
+<file path=ppt/slides/slide8.xml><?xml version="1.0" encoding="utf-8"?>
 <p:sld xmlns:a="http://schemas.openxmlformats.org/drawingml/2006/main" xmlns:r="http://schemas.openxmlformats.org/officeDocument/2006/relationships" xmlns:p="http://schemas.openxmlformats.org/presentationml/2006/main">
   <p:cSld>
     <p:spTree>
@@ -25536,240 +27749,6 @@
 </p:sld>
 </file>
 
-<file path=ppt/slides/slide8.xml><?xml version="1.0" encoding="utf-8"?>
-<p:sld xmlns:a="http://schemas.openxmlformats.org/drawingml/2006/main" xmlns:r="http://schemas.openxmlformats.org/officeDocument/2006/relationships" xmlns:p="http://schemas.openxmlformats.org/presentationml/2006/main">
-  <p:cSld>
-    <p:spTree>
-      <p:nvGrpSpPr>
-        <p:cNvPr id="1" name=""/>
-        <p:cNvGrpSpPr/>
-        <p:nvPr/>
-      </p:nvGrpSpPr>
-      <p:grpSpPr>
-        <a:xfrm>
-          <a:off x="0" y="0"/>
-          <a:ext cx="0" cy="0"/>
-          <a:chOff x="0" y="0"/>
-          <a:chExt cx="0" cy="0"/>
-        </a:xfrm>
-      </p:grpSpPr>
-      <p:sp>
-        <p:nvSpPr>
-          <p:cNvPr id="4" name="Title 3">
-            <a:extLst>
-              <a:ext uri="{FF2B5EF4-FFF2-40B4-BE49-F238E27FC236}">
-                <a16:creationId xmlns:a16="http://schemas.microsoft.com/office/drawing/2014/main" id="{B46056A9-800D-4D02-A379-968FFCF2FEB7}"/>
-              </a:ext>
-            </a:extLst>
-          </p:cNvPr>
-          <p:cNvSpPr>
-            <a:spLocks noGrp="1"/>
-          </p:cNvSpPr>
-          <p:nvPr>
-            <p:ph type="title"/>
-          </p:nvPr>
-        </p:nvSpPr>
-        <p:spPr/>
-        <p:txBody>
-          <a:bodyPr/>
-          <a:lstStyle/>
-          <a:p>
-            <a:r>
-              <a:rPr lang="en-IN">
-                <a:solidFill>
-                  <a:schemeClr val="accent4">
-                    <a:lumMod val="75000"/>
-                    <a:lumOff val="25000"/>
-                  </a:schemeClr>
-                </a:solidFill>
-              </a:rPr>
-              <a:t>Technical Feasibility</a:t>
-            </a:r>
-          </a:p>
-        </p:txBody>
-      </p:sp>
-      <p:sp>
-        <p:nvSpPr>
-          <p:cNvPr id="2" name="TextBox 1">
-            <a:extLst>
-              <a:ext uri="{FF2B5EF4-FFF2-40B4-BE49-F238E27FC236}">
-                <a16:creationId xmlns:a16="http://schemas.microsoft.com/office/drawing/2014/main" id="{70F08144-0EBD-11A4-E32E-12273284F55A}"/>
-              </a:ext>
-            </a:extLst>
-          </p:cNvPr>
-          <p:cNvSpPr txBox="1"/>
-          <p:nvPr/>
-        </p:nvSpPr>
-        <p:spPr>
-          <a:xfrm>
-            <a:off x="421821" y="1311529"/>
-            <a:ext cx="11348358" cy="4247317"/>
-          </a:xfrm>
-          <a:prstGeom prst="rect">
-            <a:avLst/>
-          </a:prstGeom>
-          <a:noFill/>
-        </p:spPr>
-        <p:txBody>
-          <a:bodyPr wrap="square" lIns="91440" tIns="45720" rIns="91440" bIns="45720" rtlCol="0" anchor="t">
-            <a:spAutoFit/>
-          </a:bodyPr>
-          <a:lstStyle/>
-          <a:p>
-            <a:pPr marL="285750" indent="-285750">
-              <a:buFont typeface="Arial" panose="020B0604020202020204" pitchFamily="34" charset="0"/>
-              <a:buChar char="•"/>
-            </a:pPr>
-            <a:r>
-              <a:rPr lang="en-GB" b="1" dirty="0">
-                <a:solidFill>
-                  <a:srgbClr val="7030A0"/>
-                </a:solidFill>
-              </a:rPr>
-              <a:t>Advanced Technology Stack: </a:t>
-            </a:r>
-            <a:r>
-              <a:rPr lang="en-GB" dirty="0"/>
-              <a:t>Utilizes React/Next.js, Express.js, and MongoDB, showcasing a robust and modern tech foundation.</a:t>
-            </a:r>
-          </a:p>
-          <a:p>
-            <a:pPr marL="285750" indent="-285750">
-              <a:buFont typeface="Arial" panose="020B0604020202020204" pitchFamily="34" charset="0"/>
-              <a:buChar char="•"/>
-            </a:pPr>
-            <a:endParaRPr lang="en-GB" dirty="0"/>
-          </a:p>
-          <a:p>
-            <a:pPr marL="285750" indent="-285750">
-              <a:buFont typeface="Arial" panose="020B0604020202020204" pitchFamily="34" charset="0"/>
-              <a:buChar char="•"/>
-            </a:pPr>
-            <a:r>
-              <a:rPr lang="en-GB" b="1" dirty="0">
-                <a:solidFill>
-                  <a:srgbClr val="7030A0"/>
-                </a:solidFill>
-              </a:rPr>
-              <a:t>API Integrations:</a:t>
-            </a:r>
-            <a:r>
-              <a:rPr lang="en-GB" dirty="0"/>
-              <a:t> Seamlessly incorporates Google Maps API for precise geolocation of nearby facilities.</a:t>
-            </a:r>
-          </a:p>
-          <a:p>
-            <a:endParaRPr lang="en-GB" dirty="0"/>
-          </a:p>
-          <a:p>
-            <a:pPr marL="285750" indent="-285750">
-              <a:buFont typeface="Arial" panose="020B0604020202020204" pitchFamily="34" charset="0"/>
-              <a:buChar char="•"/>
-            </a:pPr>
-            <a:r>
-              <a:rPr lang="en-GB" b="1" dirty="0">
-                <a:solidFill>
-                  <a:srgbClr val="7030A0"/>
-                </a:solidFill>
-              </a:rPr>
-              <a:t>Blockchain Integration: </a:t>
-            </a:r>
-            <a:r>
-              <a:rPr lang="en-GB" dirty="0"/>
-              <a:t>Ensures transparent tracking of e-waste, emphasizing data integrity and security.</a:t>
-            </a:r>
-          </a:p>
-          <a:p>
-            <a:pPr marL="285750" indent="-285750">
-              <a:buFont typeface="Arial" panose="020B0604020202020204" pitchFamily="34" charset="0"/>
-              <a:buChar char="•"/>
-            </a:pPr>
-            <a:endParaRPr lang="en-GB" dirty="0"/>
-          </a:p>
-          <a:p>
-            <a:pPr marL="285750" indent="-285750">
-              <a:buFont typeface="Arial" panose="020B0604020202020204" pitchFamily="34" charset="0"/>
-              <a:buChar char="•"/>
-            </a:pPr>
-            <a:r>
-              <a:rPr lang="en-GB" b="1" dirty="0">
-                <a:solidFill>
-                  <a:srgbClr val="7030A0"/>
-                </a:solidFill>
-              </a:rPr>
-              <a:t>Real-Time Verification: </a:t>
-            </a:r>
-            <a:r>
-              <a:rPr lang="en-GB" dirty="0"/>
-              <a:t>Capable of verifying facilities in real-time, meeting quality and compliance standards.</a:t>
-            </a:r>
-          </a:p>
-          <a:p>
-            <a:pPr marL="285750" indent="-285750">
-              <a:buFont typeface="Arial" panose="020B0604020202020204" pitchFamily="34" charset="0"/>
-              <a:buChar char="•"/>
-            </a:pPr>
-            <a:endParaRPr lang="en-GB" dirty="0"/>
-          </a:p>
-          <a:p>
-            <a:pPr marL="285750" indent="-285750">
-              <a:buFont typeface="Arial" panose="020B0604020202020204" pitchFamily="34" charset="0"/>
-              <a:buChar char="•"/>
-            </a:pPr>
-            <a:r>
-              <a:rPr lang="en-GB" b="1" dirty="0">
-                <a:solidFill>
-                  <a:srgbClr val="7030A0"/>
-                </a:solidFill>
-              </a:rPr>
-              <a:t>Security Measures:</a:t>
-            </a:r>
-            <a:r>
-              <a:rPr lang="en-GB" dirty="0"/>
-              <a:t> Implements advanced protocols for safeguarding user data, ensuring privacy and integrity.</a:t>
-            </a:r>
-          </a:p>
-          <a:p>
-            <a:pPr marL="285750" indent="-285750">
-              <a:buFont typeface="Arial" panose="020B0604020202020204" pitchFamily="34" charset="0"/>
-              <a:buChar char="•"/>
-            </a:pPr>
-            <a:endParaRPr lang="en-GB" dirty="0"/>
-          </a:p>
-          <a:p>
-            <a:pPr marL="285750" indent="-285750">
-              <a:buFont typeface="Arial" panose="020B0604020202020204" pitchFamily="34" charset="0"/>
-              <a:buChar char="•"/>
-            </a:pPr>
-            <a:r>
-              <a:rPr lang="en-GB" b="1" dirty="0">
-                <a:solidFill>
-                  <a:srgbClr val="7030A0"/>
-                </a:solidFill>
-              </a:rPr>
-              <a:t>Scalability Considerations: </a:t>
-            </a:r>
-            <a:r>
-              <a:rPr lang="en-GB" dirty="0"/>
-              <a:t>While not explicitly mentioned, the technology choices and architecture suggest potential for scalability with appropriate design considerations.</a:t>
-            </a:r>
-            <a:endParaRPr lang="en-IN" dirty="0"/>
-          </a:p>
-        </p:txBody>
-      </p:sp>
-    </p:spTree>
-    <p:extLst>
-      <p:ext uri="{BB962C8B-B14F-4D97-AF65-F5344CB8AC3E}">
-        <p14:creationId xmlns:p14="http://schemas.microsoft.com/office/powerpoint/2010/main" val="1814380580"/>
-      </p:ext>
-    </p:extLst>
-  </p:cSld>
-  <p:clrMapOvr>
-    <a:masterClrMapping/>
-  </p:clrMapOvr>
-</p:sld>
-</file>
-
 <file path=ppt/slides/slide9.xml><?xml version="1.0" encoding="utf-8"?>
 <p:sld xmlns:a="http://schemas.openxmlformats.org/drawingml/2006/main" xmlns:r="http://schemas.openxmlformats.org/officeDocument/2006/relationships" xmlns:p="http://schemas.openxmlformats.org/presentationml/2006/main">
   <p:cSld>
@@ -25817,7 +27796,7 @@
                   </a:schemeClr>
                 </a:solidFill>
               </a:rPr>
-              <a:t>Financial Feasibility</a:t>
+              <a:t>Technical Feasibility</a:t>
             </a:r>
           </a:p>
         </p:txBody>
@@ -25827,7 +27806,7 @@
           <p:cNvPr id="2" name="TextBox 1">
             <a:extLst>
               <a:ext uri="{FF2B5EF4-FFF2-40B4-BE49-F238E27FC236}">
-                <a16:creationId xmlns:a16="http://schemas.microsoft.com/office/drawing/2014/main" id="{CFB429B5-1F1B-D511-B323-51FDACC5DAEA}"/>
+                <a16:creationId xmlns:a16="http://schemas.microsoft.com/office/drawing/2014/main" id="{70F08144-0EBD-11A4-E32E-12273284F55A}"/>
               </a:ext>
             </a:extLst>
           </p:cNvPr>
@@ -25836,8 +27815,8 @@
         </p:nvSpPr>
         <p:spPr>
           <a:xfrm>
-            <a:off x="421821" y="944136"/>
-            <a:ext cx="11348358" cy="5632311"/>
+            <a:off x="421821" y="1311529"/>
+            <a:ext cx="11348358" cy="4247317"/>
           </a:xfrm>
           <a:prstGeom prst="rect">
             <a:avLst/>
@@ -25845,141 +27824,156 @@
           <a:noFill/>
         </p:spPr>
         <p:txBody>
-          <a:bodyPr wrap="square" rtlCol="0">
+          <a:bodyPr wrap="square" lIns="91440" tIns="45720" rIns="91440" bIns="45720" rtlCol="0" anchor="t">
             <a:spAutoFit/>
           </a:bodyPr>
           <a:lstStyle/>
           <a:p>
-            <a:r>
-              <a:rPr lang="en-GB" b="1">
+            <a:pPr marL="285750" indent="-285750">
+              <a:buFont typeface="Arial" panose="020B0604020202020204" pitchFamily="34" charset="0"/>
+              <a:buChar char="•"/>
+            </a:pPr>
+            <a:r>
+              <a:rPr lang="en-GB" b="1" dirty="0">
                 <a:solidFill>
                   <a:srgbClr val="7030A0"/>
                 </a:solidFill>
               </a:rPr>
-              <a:t>1. Cost-Effective Technology Stack: </a:t>
-            </a:r>
-            <a:r>
-              <a:rPr lang="en-GB"/>
-              <a:t>By leveraging open-source technologies and frameworks like React/Next.js and Express.js, we keep development costs low while ensuring high-quality performance.</a:t>
-            </a:r>
-          </a:p>
-          <a:p>
-            <a:endParaRPr lang="en-GB"/>
-          </a:p>
-          <a:p>
-            <a:r>
-              <a:rPr lang="en-GB" b="1">
+              <a:t>Advanced Technology Stack: </a:t>
+            </a:r>
+            <a:r>
+              <a:rPr lang="en-GB" dirty="0"/>
+              <a:t>Utilizes React/Next.js, Express.js, and MongoDB, showcasing a robust and modern tech foundation.</a:t>
+            </a:r>
+          </a:p>
+          <a:p>
+            <a:pPr marL="285750" indent="-285750">
+              <a:buFont typeface="Arial" panose="020B0604020202020204" pitchFamily="34" charset="0"/>
+              <a:buChar char="•"/>
+            </a:pPr>
+            <a:endParaRPr lang="en-GB" dirty="0"/>
+          </a:p>
+          <a:p>
+            <a:pPr marL="285750" indent="-285750">
+              <a:buFont typeface="Arial" panose="020B0604020202020204" pitchFamily="34" charset="0"/>
+              <a:buChar char="•"/>
+            </a:pPr>
+            <a:r>
+              <a:rPr lang="en-GB" b="1" dirty="0">
                 <a:solidFill>
                   <a:srgbClr val="7030A0"/>
                 </a:solidFill>
               </a:rPr>
-              <a:t>2. Scalable Architecture: </a:t>
-            </a:r>
-            <a:r>
-              <a:rPr lang="en-GB"/>
-              <a:t>The platform's design allows for seamless scaling, minimizing additional infrastructure costs as user base grows.</a:t>
-            </a:r>
-          </a:p>
-          <a:p>
-            <a:endParaRPr lang="en-GB"/>
-          </a:p>
-          <a:p>
-            <a:r>
-              <a:rPr lang="en-GB" b="1">
+              <a:t>API Integrations:</a:t>
+            </a:r>
+            <a:r>
+              <a:rPr lang="en-GB" dirty="0"/>
+              <a:t> Seamlessly incorporates Google Maps API for precise geolocation of nearby facilities.</a:t>
+            </a:r>
+          </a:p>
+          <a:p>
+            <a:endParaRPr lang="en-GB" dirty="0"/>
+          </a:p>
+          <a:p>
+            <a:pPr marL="285750" indent="-285750">
+              <a:buFont typeface="Arial" panose="020B0604020202020204" pitchFamily="34" charset="0"/>
+              <a:buChar char="•"/>
+            </a:pPr>
+            <a:r>
+              <a:rPr lang="en-GB" b="1" dirty="0">
                 <a:solidFill>
                   <a:srgbClr val="7030A0"/>
                 </a:solidFill>
               </a:rPr>
-              <a:t>3. Potential Revenue Streams</a:t>
-            </a:r>
-            <a:r>
-              <a:rPr lang="en-GB">
+              <a:t>Blockchain Integration: </a:t>
+            </a:r>
+            <a:r>
+              <a:rPr lang="en-GB" dirty="0"/>
+              <a:t>Ensures transparent tracking of e-waste, emphasizing data integrity and security.</a:t>
+            </a:r>
+          </a:p>
+          <a:p>
+            <a:pPr marL="285750" indent="-285750">
+              <a:buFont typeface="Arial" panose="020B0604020202020204" pitchFamily="34" charset="0"/>
+              <a:buChar char="•"/>
+            </a:pPr>
+            <a:endParaRPr lang="en-GB" dirty="0"/>
+          </a:p>
+          <a:p>
+            <a:pPr marL="285750" indent="-285750">
+              <a:buFont typeface="Arial" panose="020B0604020202020204" pitchFamily="34" charset="0"/>
+              <a:buChar char="•"/>
+            </a:pPr>
+            <a:r>
+              <a:rPr lang="en-GB" b="1" dirty="0">
                 <a:solidFill>
                   <a:srgbClr val="7030A0"/>
                 </a:solidFill>
               </a:rPr>
-              <a:t>: </a:t>
-            </a:r>
-            <a:r>
-              <a:rPr lang="en-GB"/>
-              <a:t>Opportunities for revenue generation include premium features, strategic partnerships with e-waste facilities, and potential subscription models for advanced services.</a:t>
-            </a:r>
-          </a:p>
-          <a:p>
-            <a:endParaRPr lang="en-GB"/>
-          </a:p>
-          <a:p>
-            <a:r>
-              <a:rPr lang="en-GB" b="1">
+              <a:t>Real-Time Verification: </a:t>
+            </a:r>
+            <a:r>
+              <a:rPr lang="en-GB" dirty="0"/>
+              <a:t>Capable of verifying facilities in real-time, meeting quality and compliance standards.</a:t>
+            </a:r>
+          </a:p>
+          <a:p>
+            <a:pPr marL="285750" indent="-285750">
+              <a:buFont typeface="Arial" panose="020B0604020202020204" pitchFamily="34" charset="0"/>
+              <a:buChar char="•"/>
+            </a:pPr>
+            <a:endParaRPr lang="en-GB" dirty="0"/>
+          </a:p>
+          <a:p>
+            <a:pPr marL="285750" indent="-285750">
+              <a:buFont typeface="Arial" panose="020B0604020202020204" pitchFamily="34" charset="0"/>
+              <a:buChar char="•"/>
+            </a:pPr>
+            <a:r>
+              <a:rPr lang="en-GB" b="1" dirty="0">
                 <a:solidFill>
                   <a:srgbClr val="7030A0"/>
                 </a:solidFill>
               </a:rPr>
-              <a:t>4. Grant and Funding Opportunities: </a:t>
-            </a:r>
-            <a:r>
-              <a:rPr lang="en-GB"/>
-              <a:t>Explore grants and funding programs aimed at supporting sustainable and innovative solutions in the e-waste management sector.</a:t>
-            </a:r>
-          </a:p>
-          <a:p>
-            <a:endParaRPr lang="en-GB"/>
-          </a:p>
-          <a:p>
-            <a:r>
-              <a:rPr lang="en-GB" b="1">
+              <a:t>Security Measures:</a:t>
+            </a:r>
+            <a:r>
+              <a:rPr lang="en-GB" dirty="0"/>
+              <a:t> Implements advanced protocols for safeguarding user data, ensuring privacy and integrity.</a:t>
+            </a:r>
+          </a:p>
+          <a:p>
+            <a:pPr marL="285750" indent="-285750">
+              <a:buFont typeface="Arial" panose="020B0604020202020204" pitchFamily="34" charset="0"/>
+              <a:buChar char="•"/>
+            </a:pPr>
+            <a:endParaRPr lang="en-GB" dirty="0"/>
+          </a:p>
+          <a:p>
+            <a:pPr marL="285750" indent="-285750">
+              <a:buFont typeface="Arial" panose="020B0604020202020204" pitchFamily="34" charset="0"/>
+              <a:buChar char="•"/>
+            </a:pPr>
+            <a:r>
+              <a:rPr lang="en-GB" b="1" dirty="0">
                 <a:solidFill>
                   <a:srgbClr val="7030A0"/>
                 </a:solidFill>
               </a:rPr>
-              <a:t>5. Economic Impact: </a:t>
-            </a:r>
-            <a:r>
-              <a:rPr lang="en-GB"/>
-              <a:t>By stimulating a market for recycled electronic components, the platform has the potential to contribute to economic growth in the e-waste recycling industry.</a:t>
-            </a:r>
-          </a:p>
-          <a:p>
-            <a:endParaRPr lang="en-GB"/>
-          </a:p>
-          <a:p>
-            <a:r>
-              <a:rPr lang="en-GB" b="1">
-                <a:solidFill>
-                  <a:srgbClr val="7030A0"/>
-                </a:solidFill>
-              </a:rPr>
-              <a:t>6. Operational Efficiency:</a:t>
-            </a:r>
-            <a:r>
-              <a:rPr lang="en-GB"/>
-              <a:t> Streamlined processes, including real-time verification and AI-powered assessments, optimize resource utilization and contribute to cost efficiency.</a:t>
-            </a:r>
-          </a:p>
-          <a:p>
-            <a:endParaRPr lang="en-GB"/>
-          </a:p>
-          <a:p>
-            <a:r>
-              <a:rPr lang="en-GB" b="1">
-                <a:solidFill>
-                  <a:srgbClr val="7030A0"/>
-                </a:solidFill>
-              </a:rPr>
-              <a:t>7. ROI for Facility Owners: </a:t>
-            </a:r>
-            <a:r>
-              <a:rPr lang="en-GB"/>
-              <a:t>Facility owners can benefit from increased business through the platform, potentially leading to a positive return on investment in their e-waste disposal operations.</a:t>
-            </a:r>
-            <a:endParaRPr lang="en-IN"/>
+              <a:t>Scalability Considerations: </a:t>
+            </a:r>
+            <a:r>
+              <a:rPr lang="en-GB" dirty="0"/>
+              <a:t>While not explicitly mentioned, the technology choices and architecture suggest potential for scalability with appropriate design considerations.</a:t>
+            </a:r>
+            <a:endParaRPr lang="en-IN" dirty="0"/>
           </a:p>
         </p:txBody>
       </p:sp>
     </p:spTree>
     <p:extLst>
       <p:ext uri="{BB962C8B-B14F-4D97-AF65-F5344CB8AC3E}">
-        <p14:creationId xmlns:p14="http://schemas.microsoft.com/office/powerpoint/2010/main" val="2349704376"/>
+        <p14:creationId xmlns:p14="http://schemas.microsoft.com/office/powerpoint/2010/main" val="1814380580"/>
       </p:ext>
     </p:extLst>
   </p:cSld>
@@ -26747,15 +28741,6 @@
 </file>
 
 <file path=customXml/item1.xml><?xml version="1.0" encoding="utf-8"?>
-<?mso-contentType ?>
-<FormTemplates xmlns="http://schemas.microsoft.com/sharepoint/v3/contenttype/forms">
-  <Display>DocumentLibraryForm</Display>
-  <Edit>DocumentLibraryForm</Edit>
-  <New>DocumentLibraryForm</New>
-</FormTemplates>
-</file>
-
-<file path=customXml/item2.xml><?xml version="1.0" encoding="utf-8"?>
 <ct:contentTypeSchema xmlns:ct="http://schemas.microsoft.com/office/2006/metadata/contentType" xmlns:ma="http://schemas.microsoft.com/office/2006/metadata/properties/metaAttributes" ct:_="" ma:_="" ma:contentTypeName="Document" ma:contentTypeID="0x010100C5F307115173874D9935440D6D41F0A3" ma:contentTypeVersion="17" ma:contentTypeDescription="Create a new document." ma:contentTypeScope="" ma:versionID="5451c25ad900bb2f5e99577579c52b91">
   <xsd:schema xmlns:xsd="http://www.w3.org/2001/XMLSchema" xmlns:xs="http://www.w3.org/2001/XMLSchema" xmlns:p="http://schemas.microsoft.com/office/2006/metadata/properties" xmlns:ns3="5c29ac05-baf2-4e5f-a494-f230e5d9abdd" xmlns:ns4="ce0aa6ee-8978-4e1d-890a-1a23e6b8b905" targetNamespace="http://schemas.microsoft.com/office/2006/metadata/properties" ma:root="true" ma:fieldsID="cb3f978be5a13820aff08d2ac7e64c9c" ns3:_="" ns4:_="">
     <xsd:import namespace="5c29ac05-baf2-4e5f-a494-f230e5d9abdd"/>
@@ -27002,6 +28987,15 @@
 </ct:contentTypeSchema>
 </file>
 
+<file path=customXml/item2.xml><?xml version="1.0" encoding="utf-8"?>
+<?mso-contentType ?>
+<FormTemplates xmlns="http://schemas.microsoft.com/sharepoint/v3/contenttype/forms">
+  <Display>DocumentLibraryForm</Display>
+  <Edit>DocumentLibraryForm</Edit>
+  <New>DocumentLibraryForm</New>
+</FormTemplates>
+</file>
+
 <file path=customXml/item3.xml><?xml version="1.0" encoding="utf-8"?>
 <p:properties xmlns:p="http://schemas.microsoft.com/office/2006/metadata/properties" xmlns:xsi="http://www.w3.org/2001/XMLSchema-instance" xmlns:pc="http://schemas.microsoft.com/office/infopath/2007/PartnerControls">
   <documentManagement>
@@ -27011,14 +29005,6 @@
 </file>
 
 <file path=customXml/itemProps1.xml><?xml version="1.0" encoding="utf-8"?>
-<ds:datastoreItem xmlns:ds="http://schemas.openxmlformats.org/officeDocument/2006/customXml" ds:itemID="{7D301BF1-8071-4217-89C4-9BC7CB0D2F40}">
-  <ds:schemaRefs>
-    <ds:schemaRef ds:uri="http://schemas.microsoft.com/sharepoint/v3/contenttype/forms"/>
-  </ds:schemaRefs>
-</ds:datastoreItem>
-</file>
-
-<file path=customXml/itemProps2.xml><?xml version="1.0" encoding="utf-8"?>
 <ds:datastoreItem xmlns:ds="http://schemas.openxmlformats.org/officeDocument/2006/customXml" ds:itemID="{D52764EA-CFFB-44FF-BE6C-715C17650FB9}">
   <ds:schemaRefs>
     <ds:schemaRef ds:uri="5c29ac05-baf2-4e5f-a494-f230e5d9abdd"/>
@@ -27034,6 +29020,14 @@
     <ds:schemaRef ds:uri="http://schemas.openxmlformats.org/package/2006/metadata/core-properties"/>
     <ds:schemaRef ds:uri="http://www.w3.org/2000/xmlns/"/>
     <ds:schemaRef ds:uri="http://www.w3.org/2001/XMLSchema"/>
+  </ds:schemaRefs>
+</ds:datastoreItem>
+</file>
+
+<file path=customXml/itemProps2.xml><?xml version="1.0" encoding="utf-8"?>
+<ds:datastoreItem xmlns:ds="http://schemas.openxmlformats.org/officeDocument/2006/customXml" ds:itemID="{7D301BF1-8071-4217-89C4-9BC7CB0D2F40}">
+  <ds:schemaRefs>
+    <ds:schemaRef ds:uri="http://schemas.microsoft.com/sharepoint/v3/contenttype/forms"/>
   </ds:schemaRefs>
 </ds:datastoreItem>
 </file>

--- a/I-nnovate_Hackathon Spam Byte Submission.pptx
+++ b/I-nnovate_Hackathon Spam Byte Submission.pptx
@@ -236,7 +236,7 @@
           <a:p>
             <a:fld id="{9A69CF9B-9788-489B-AA5F-D369B980CDA3}" type="datetimeFigureOut">
               <a:rPr lang="en-IN" smtClean="0"/>
-              <a:t>05-12-2023</a:t>
+              <a:t>02-04-2024</a:t>
             </a:fld>
             <a:endParaRPr lang="en-IN"/>
           </a:p>
@@ -401,7 +401,7 @@
           <a:p>
             <a:fld id="{FFCDD790-8BB2-467C-818E-2F302AAFF003}" type="datetimeFigureOut">
               <a:rPr lang="en-IN" smtClean="0"/>
-              <a:t>05-12-2023</a:t>
+              <a:t>02-04-2024</a:t>
             </a:fld>
             <a:endParaRPr lang="en-IN"/>
           </a:p>
@@ -27305,56 +27305,12 @@
         </p:nvGrpSpPr>
         <p:grpSpPr>
           <a:xfrm>
-            <a:off x="7922062" y="1490030"/>
-            <a:ext cx="3762366" cy="4270068"/>
-            <a:chOff x="7211662" y="587885"/>
-            <a:chExt cx="4588329" cy="5086350"/>
+            <a:off x="8263011" y="1602720"/>
+            <a:ext cx="3092906" cy="2677452"/>
+            <a:chOff x="7619876" y="747075"/>
+            <a:chExt cx="3771901" cy="3189284"/>
           </a:xfrm>
         </p:grpSpPr>
-        <p:sp>
-          <p:nvSpPr>
-            <p:cNvPr id="16" name="Rectangle 15">
-              <a:extLst>
-                <a:ext uri="{FF2B5EF4-FFF2-40B4-BE49-F238E27FC236}">
-                  <a16:creationId xmlns:a16="http://schemas.microsoft.com/office/drawing/2014/main" id="{C4A63F48-925D-3C76-12C9-0374FE8A28DB}"/>
-                </a:ext>
-              </a:extLst>
-            </p:cNvPr>
-            <p:cNvSpPr/>
-            <p:nvPr/>
-          </p:nvSpPr>
-          <p:spPr>
-            <a:xfrm>
-              <a:off x="7211662" y="587885"/>
-              <a:ext cx="4588329" cy="5086350"/>
-            </a:xfrm>
-            <a:prstGeom prst="rect">
-              <a:avLst/>
-            </a:prstGeom>
-          </p:spPr>
-          <p:style>
-            <a:lnRef idx="2">
-              <a:schemeClr val="accent6"/>
-            </a:lnRef>
-            <a:fillRef idx="1">
-              <a:schemeClr val="lt1"/>
-            </a:fillRef>
-            <a:effectRef idx="0">
-              <a:schemeClr val="accent6"/>
-            </a:effectRef>
-            <a:fontRef idx="minor">
-              <a:schemeClr val="dk1"/>
-            </a:fontRef>
-          </p:style>
-          <p:txBody>
-            <a:bodyPr rtlCol="0" anchor="ctr"/>
-            <a:lstStyle/>
-            <a:p>
-              <a:pPr algn="ctr"/>
-              <a:endParaRPr lang="en-IN"/>
-            </a:p>
-          </p:txBody>
-        </p:sp>
         <p:pic>
           <p:nvPicPr>
             <p:cNvPr id="5" name="Picture 6">
@@ -28988,20 +28944,20 @@
 </file>
 
 <file path=customXml/item2.xml><?xml version="1.0" encoding="utf-8"?>
+<p:properties xmlns:p="http://schemas.microsoft.com/office/2006/metadata/properties" xmlns:xsi="http://www.w3.org/2001/XMLSchema-instance" xmlns:pc="http://schemas.microsoft.com/office/infopath/2007/PartnerControls">
+  <documentManagement>
+    <_activity xmlns="ce0aa6ee-8978-4e1d-890a-1a23e6b8b905" xsi:nil="true"/>
+  </documentManagement>
+</p:properties>
+</file>
+
+<file path=customXml/item3.xml><?xml version="1.0" encoding="utf-8"?>
 <?mso-contentType ?>
 <FormTemplates xmlns="http://schemas.microsoft.com/sharepoint/v3/contenttype/forms">
   <Display>DocumentLibraryForm</Display>
   <Edit>DocumentLibraryForm</Edit>
   <New>DocumentLibraryForm</New>
 </FormTemplates>
-</file>
-
-<file path=customXml/item3.xml><?xml version="1.0" encoding="utf-8"?>
-<p:properties xmlns:p="http://schemas.microsoft.com/office/2006/metadata/properties" xmlns:xsi="http://www.w3.org/2001/XMLSchema-instance" xmlns:pc="http://schemas.microsoft.com/office/infopath/2007/PartnerControls">
-  <documentManagement>
-    <_activity xmlns="ce0aa6ee-8978-4e1d-890a-1a23e6b8b905" xsi:nil="true"/>
-  </documentManagement>
-</p:properties>
 </file>
 
 <file path=customXml/itemProps1.xml><?xml version="1.0" encoding="utf-8"?>
@@ -29025,14 +28981,6 @@
 </file>
 
 <file path=customXml/itemProps2.xml><?xml version="1.0" encoding="utf-8"?>
-<ds:datastoreItem xmlns:ds="http://schemas.openxmlformats.org/officeDocument/2006/customXml" ds:itemID="{7D301BF1-8071-4217-89C4-9BC7CB0D2F40}">
-  <ds:schemaRefs>
-    <ds:schemaRef ds:uri="http://schemas.microsoft.com/sharepoint/v3/contenttype/forms"/>
-  </ds:schemaRefs>
-</ds:datastoreItem>
-</file>
-
-<file path=customXml/itemProps3.xml><?xml version="1.0" encoding="utf-8"?>
 <ds:datastoreItem xmlns:ds="http://schemas.openxmlformats.org/officeDocument/2006/customXml" ds:itemID="{0D4C13C1-48DD-428E-844C-C2764C6404A0}">
   <ds:schemaRefs>
     <ds:schemaRef ds:uri="http://schemas.microsoft.com/office/2006/documentManagement/types"/>
@@ -29047,4 +28995,12 @@
     <ds:schemaRef ds:uri="http://purl.org/dc/terms/"/>
   </ds:schemaRefs>
 </ds:datastoreItem>
+</file>
+
+<file path=customXml/itemProps3.xml><?xml version="1.0" encoding="utf-8"?>
+<ds:datastoreItem xmlns:ds="http://schemas.openxmlformats.org/officeDocument/2006/customXml" ds:itemID="{7D301BF1-8071-4217-89C4-9BC7CB0D2F40}">
+  <ds:schemaRefs>
+    <ds:schemaRef ds:uri="http://schemas.microsoft.com/sharepoint/v3/contenttype/forms"/>
+  </ds:schemaRefs>
+</ds:datastoreItem>
 </file>